--- a/Documentation/Presentation1.pptx
+++ b/Documentation/Presentation1.pptx
@@ -9,7 +9,9 @@
     <p:sldId id="257" r:id="rId3"/>
     <p:sldId id="258" r:id="rId4"/>
     <p:sldId id="259" r:id="rId5"/>
-    <p:sldId id="260" r:id="rId6"/>
+    <p:sldId id="262" r:id="rId6"/>
+    <p:sldId id="261" r:id="rId7"/>
+    <p:sldId id="260" r:id="rId8"/>
   </p:sldIdLst>
   <p:sldSz cx="9144000" cy="6858000" type="screen4x3"/>
   <p:notesSz cx="6858000" cy="9144000"/>
@@ -293,7 +295,7 @@
             <a:fld id="{1D8BD707-D9CF-40AE-B4C6-C98DA3205C09}" type="datetimeFigureOut">
               <a:rPr lang="en-US" smtClean="0"/>
               <a:pPr/>
-              <a:t>9/27/2012</a:t>
+              <a:t>10/1/2012</a:t>
             </a:fld>
             <a:endParaRPr lang="en-US" dirty="0"/>
           </a:p>
@@ -460,7 +462,7 @@
             <a:fld id="{1D8BD707-D9CF-40AE-B4C6-C98DA3205C09}" type="datetimeFigureOut">
               <a:rPr lang="en-US" smtClean="0"/>
               <a:pPr/>
-              <a:t>9/27/2012</a:t>
+              <a:t>10/1/2012</a:t>
             </a:fld>
             <a:endParaRPr lang="en-US" dirty="0"/>
           </a:p>
@@ -637,7 +639,7 @@
             <a:fld id="{1D8BD707-D9CF-40AE-B4C6-C98DA3205C09}" type="datetimeFigureOut">
               <a:rPr lang="en-US" smtClean="0"/>
               <a:pPr/>
-              <a:t>9/27/2012</a:t>
+              <a:t>10/1/2012</a:t>
             </a:fld>
             <a:endParaRPr lang="en-US" dirty="0"/>
           </a:p>
@@ -804,7 +806,7 @@
             <a:fld id="{1D8BD707-D9CF-40AE-B4C6-C98DA3205C09}" type="datetimeFigureOut">
               <a:rPr lang="en-US" smtClean="0"/>
               <a:pPr/>
-              <a:t>9/27/2012</a:t>
+              <a:t>10/1/2012</a:t>
             </a:fld>
             <a:endParaRPr lang="en-US" dirty="0"/>
           </a:p>
@@ -1047,7 +1049,7 @@
             <a:fld id="{1D8BD707-D9CF-40AE-B4C6-C98DA3205C09}" type="datetimeFigureOut">
               <a:rPr lang="en-US" smtClean="0"/>
               <a:pPr/>
-              <a:t>9/27/2012</a:t>
+              <a:t>10/1/2012</a:t>
             </a:fld>
             <a:endParaRPr lang="en-US" dirty="0"/>
           </a:p>
@@ -1332,7 +1334,7 @@
             <a:fld id="{1D8BD707-D9CF-40AE-B4C6-C98DA3205C09}" type="datetimeFigureOut">
               <a:rPr lang="en-US" smtClean="0"/>
               <a:pPr/>
-              <a:t>9/27/2012</a:t>
+              <a:t>10/1/2012</a:t>
             </a:fld>
             <a:endParaRPr lang="en-US" dirty="0"/>
           </a:p>
@@ -1751,7 +1753,7 @@
             <a:fld id="{1D8BD707-D9CF-40AE-B4C6-C98DA3205C09}" type="datetimeFigureOut">
               <a:rPr lang="en-US" smtClean="0"/>
               <a:pPr/>
-              <a:t>9/27/2012</a:t>
+              <a:t>10/1/2012</a:t>
             </a:fld>
             <a:endParaRPr lang="en-US" dirty="0"/>
           </a:p>
@@ -1866,7 +1868,7 @@
             <a:fld id="{1D8BD707-D9CF-40AE-B4C6-C98DA3205C09}" type="datetimeFigureOut">
               <a:rPr lang="en-US" smtClean="0"/>
               <a:pPr/>
-              <a:t>9/27/2012</a:t>
+              <a:t>10/1/2012</a:t>
             </a:fld>
             <a:endParaRPr lang="en-US" dirty="0"/>
           </a:p>
@@ -1958,7 +1960,7 @@
             <a:fld id="{1D8BD707-D9CF-40AE-B4C6-C98DA3205C09}" type="datetimeFigureOut">
               <a:rPr lang="en-US" smtClean="0"/>
               <a:pPr/>
-              <a:t>9/27/2012</a:t>
+              <a:t>10/1/2012</a:t>
             </a:fld>
             <a:endParaRPr lang="en-US" dirty="0"/>
           </a:p>
@@ -2232,7 +2234,7 @@
             <a:fld id="{1D8BD707-D9CF-40AE-B4C6-C98DA3205C09}" type="datetimeFigureOut">
               <a:rPr lang="en-US" smtClean="0"/>
               <a:pPr/>
-              <a:t>9/27/2012</a:t>
+              <a:t>10/1/2012</a:t>
             </a:fld>
             <a:endParaRPr lang="en-US" dirty="0"/>
           </a:p>
@@ -2482,7 +2484,7 @@
             <a:fld id="{1D8BD707-D9CF-40AE-B4C6-C98DA3205C09}" type="datetimeFigureOut">
               <a:rPr lang="en-US" smtClean="0"/>
               <a:pPr/>
-              <a:t>9/27/2012</a:t>
+              <a:t>10/1/2012</a:t>
             </a:fld>
             <a:endParaRPr lang="en-US" dirty="0"/>
           </a:p>
@@ -2692,7 +2694,7 @@
             <a:fld id="{1D8BD707-D9CF-40AE-B4C6-C98DA3205C09}" type="datetimeFigureOut">
               <a:rPr lang="en-US" smtClean="0"/>
               <a:pPr/>
-              <a:t>9/27/2012</a:t>
+              <a:t>10/1/2012</a:t>
             </a:fld>
             <a:endParaRPr lang="en-US" dirty="0"/>
           </a:p>
@@ -3173,21 +3175,158 @@
         </p:nvSpPr>
         <p:spPr/>
         <p:txBody>
-          <a:bodyPr/>
-          <a:lstStyle/>
-          <a:p>
-            <a:r>
-              <a:rPr lang="en-US" dirty="0" smtClean="0"/>
-              <a:t>Innovative Systems</a:t>
-            </a:r>
-          </a:p>
-          <a:p>
-            <a:r>
-              <a:rPr lang="en-US" dirty="0" smtClean="0"/>
-              <a:t>eBill and eLation services</a:t>
-            </a:r>
-          </a:p>
-          <a:p>
+          <a:bodyPr>
+            <a:normAutofit fontScale="55000" lnSpcReduction="20000"/>
+          </a:bodyPr>
+          <a:lstStyle/>
+          <a:p>
+            <a:pPr marL="0" indent="0">
+              <a:buNone/>
+            </a:pPr>
+            <a:r>
+              <a:rPr lang="en-US" sz="3400" b="1" dirty="0" smtClean="0"/>
+              <a:t>Product </a:t>
+            </a:r>
+            <a:r>
+              <a:rPr lang="en-US" sz="3400" b="1" dirty="0"/>
+              <a:t>Description:</a:t>
+            </a:r>
+            <a:r>
+              <a:rPr lang="en-US" sz="3400" dirty="0"/>
+              <a:t> The cross platform mobile apps allow customers to utilize the Elation </a:t>
+            </a:r>
+            <a:r>
+              <a:rPr lang="en-US" sz="3400" dirty="0" err="1"/>
+              <a:t>eBill</a:t>
+            </a:r>
+            <a:r>
+              <a:rPr lang="en-US" sz="3400" dirty="0"/>
+              <a:t> application on their Android and </a:t>
+            </a:r>
+            <a:r>
+              <a:rPr lang="en-US" sz="3400" dirty="0" err="1"/>
+              <a:t>iOS</a:t>
+            </a:r>
+            <a:r>
+              <a:rPr lang="en-US" sz="3400" dirty="0"/>
+              <a:t> mobile </a:t>
+            </a:r>
+            <a:r>
+              <a:rPr lang="en-US" sz="3400" dirty="0" smtClean="0"/>
+              <a:t>devices. </a:t>
+            </a:r>
+          </a:p>
+          <a:p>
+            <a:pPr marL="0" indent="0">
+              <a:buNone/>
+            </a:pPr>
+            <a:endParaRPr lang="en-US" sz="3400" dirty="0" smtClean="0"/>
+          </a:p>
+          <a:p>
+            <a:pPr marL="0" indent="0">
+              <a:buNone/>
+            </a:pPr>
+            <a:r>
+              <a:rPr lang="en-US" sz="3400" b="1" dirty="0" smtClean="0"/>
+              <a:t>Features: </a:t>
+            </a:r>
+            <a:endParaRPr lang="en-US" sz="3400" dirty="0"/>
+          </a:p>
+          <a:p>
+            <a:pPr lvl="0"/>
+            <a:r>
+              <a:rPr lang="en-US" sz="3400" dirty="0" smtClean="0"/>
+              <a:t>Secure </a:t>
+            </a:r>
+            <a:r>
+              <a:rPr lang="en-US" sz="3400" dirty="0"/>
+              <a:t>method of logging into the </a:t>
+            </a:r>
+            <a:r>
+              <a:rPr lang="en-US" sz="3400" dirty="0" smtClean="0"/>
+              <a:t>device</a:t>
+            </a:r>
+          </a:p>
+          <a:p>
+            <a:pPr lvl="0"/>
+            <a:r>
+              <a:rPr lang="en-US" sz="3400" dirty="0" smtClean="0"/>
+              <a:t>Changeable account settings</a:t>
+            </a:r>
+          </a:p>
+          <a:p>
+            <a:pPr lvl="0"/>
+            <a:r>
+              <a:rPr lang="en-US" sz="3400" dirty="0" smtClean="0"/>
+              <a:t>Access to previous billing invoices/service summaries</a:t>
+            </a:r>
+          </a:p>
+          <a:p>
+            <a:pPr lvl="0"/>
+            <a:r>
+              <a:rPr lang="en-US" sz="3400" dirty="0" smtClean="0"/>
+              <a:t>Payment processing</a:t>
+            </a:r>
+          </a:p>
+          <a:p>
+            <a:pPr lvl="0"/>
+            <a:r>
+              <a:rPr lang="en-US" sz="3400" dirty="0" smtClean="0"/>
+              <a:t>Usage statistics</a:t>
+            </a:r>
+          </a:p>
+          <a:p>
+            <a:pPr lvl="0"/>
+            <a:r>
+              <a:rPr lang="en-US" sz="3400" dirty="0" smtClean="0"/>
+              <a:t>Support information</a:t>
+            </a:r>
+          </a:p>
+          <a:p>
+            <a:pPr marL="0" indent="0">
+              <a:buNone/>
+            </a:pPr>
+            <a:endParaRPr lang="en-US" sz="3400" dirty="0"/>
+          </a:p>
+          <a:p>
+            <a:pPr marL="0" indent="0">
+              <a:buNone/>
+            </a:pPr>
+            <a:r>
+              <a:rPr lang="en-US" sz="3400" b="1" dirty="0"/>
+              <a:t>Key Business Goals: </a:t>
+            </a:r>
+            <a:endParaRPr lang="en-US" sz="3400" dirty="0"/>
+          </a:p>
+          <a:p>
+            <a:pPr lvl="0"/>
+            <a:r>
+              <a:rPr lang="en-US" sz="3400" dirty="0"/>
+              <a:t>Add appeal to the already existing Elation product  </a:t>
+            </a:r>
+          </a:p>
+          <a:p>
+            <a:pPr lvl="0"/>
+            <a:r>
+              <a:rPr lang="en-US" sz="3400" dirty="0"/>
+              <a:t>Make app intuitive/easy to use</a:t>
+            </a:r>
+          </a:p>
+          <a:p>
+            <a:pPr lvl="0"/>
+            <a:r>
+              <a:rPr lang="en-US" sz="3400" dirty="0"/>
+              <a:t>Maintain same look and feel between </a:t>
+            </a:r>
+            <a:r>
+              <a:rPr lang="en-US" sz="3400" dirty="0" smtClean="0"/>
+              <a:t>platforms</a:t>
+            </a:r>
+          </a:p>
+          <a:p>
+            <a:pPr marL="0" indent="0">
+              <a:buNone/>
+            </a:pPr>
             <a:endParaRPr lang="en-US" dirty="0"/>
           </a:p>
         </p:txBody>
@@ -3276,8 +3415,20 @@
             <a:pPr lvl="1"/>
             <a:r>
               <a:rPr lang="en-US" dirty="0" smtClean="0"/>
-              <a:t>Different Languages</a:t>
-            </a:r>
+              <a:t>Different </a:t>
+            </a:r>
+            <a:r>
+              <a:rPr lang="en-US" dirty="0" smtClean="0"/>
+              <a:t>Languages</a:t>
+            </a:r>
+          </a:p>
+          <a:p>
+            <a:pPr lvl="1"/>
+            <a:r>
+              <a:rPr lang="en-US" dirty="0" smtClean="0"/>
+              <a:t>Different Devices</a:t>
+            </a:r>
+            <a:endParaRPr lang="en-US" dirty="0" smtClean="0"/>
           </a:p>
           <a:p>
             <a:r>
@@ -3356,22 +3507,248 @@
             <p:ph idx="1"/>
           </p:nvPr>
         </p:nvSpPr>
-        <p:spPr/>
-        <p:txBody>
-          <a:bodyPr/>
-          <a:lstStyle/>
-          <a:p>
-            <a:r>
-              <a:rPr lang="en-US" dirty="0" smtClean="0"/>
-              <a:t>Application User Stories</a:t>
-            </a:r>
-          </a:p>
-          <a:p>
-            <a:r>
-              <a:rPr lang="en-US" dirty="0" smtClean="0"/>
-              <a:t>Business User Stories</a:t>
-            </a:r>
-            <a:endParaRPr lang="en-US" dirty="0"/>
+        <p:spPr>
+          <a:xfrm>
+            <a:off x="457200" y="1371600"/>
+            <a:ext cx="8229600" cy="4754563"/>
+          </a:xfrm>
+        </p:spPr>
+        <p:txBody>
+          <a:bodyPr>
+            <a:normAutofit fontScale="25000" lnSpcReduction="20000"/>
+          </a:bodyPr>
+          <a:lstStyle/>
+          <a:p>
+            <a:pPr marL="0" indent="0">
+              <a:buNone/>
+            </a:pPr>
+            <a:r>
+              <a:rPr lang="en-US" sz="4800" b="1" dirty="0" smtClean="0"/>
+              <a:t>User Stories</a:t>
+            </a:r>
+            <a:endParaRPr lang="en-US" sz="4800" b="1" dirty="0"/>
+          </a:p>
+          <a:p>
+            <a:r>
+              <a:rPr lang="en-US" sz="4800" dirty="0"/>
+              <a:t>As a customer with a telecom that uses Innovative Systems products, I want to change information on my account &lt;change email, change password&gt; from my &lt;</a:t>
+            </a:r>
+            <a:r>
+              <a:rPr lang="en-US" sz="4800" dirty="0" err="1"/>
+              <a:t>iOS</a:t>
+            </a:r>
+            <a:r>
+              <a:rPr lang="en-US" sz="4800" dirty="0"/>
+              <a:t> device, Android device&gt;. </a:t>
+            </a:r>
+          </a:p>
+          <a:p>
+            <a:r>
+              <a:rPr lang="en-US" sz="4800" dirty="0" smtClean="0"/>
+              <a:t>As </a:t>
+            </a:r>
+            <a:r>
+              <a:rPr lang="en-US" sz="4800" dirty="0"/>
+              <a:t>a customer with a telecom that uses Innovative Systems products, I want to see my &lt;latest, past&gt; invoice for my account from my &lt;</a:t>
+            </a:r>
+            <a:r>
+              <a:rPr lang="en-US" sz="4800" dirty="0" err="1"/>
+              <a:t>iOS</a:t>
+            </a:r>
+            <a:r>
+              <a:rPr lang="en-US" sz="4800" dirty="0"/>
+              <a:t> device, Android device&gt;. </a:t>
+            </a:r>
+          </a:p>
+          <a:p>
+            <a:r>
+              <a:rPr lang="en-US" sz="4800" dirty="0" smtClean="0"/>
+              <a:t>As </a:t>
+            </a:r>
+            <a:r>
+              <a:rPr lang="en-US" sz="4800" dirty="0"/>
+              <a:t>a customer with a telecom that uses Innovative Systems products, I want to see a summary of his service for his account from his &lt;</a:t>
+            </a:r>
+            <a:r>
+              <a:rPr lang="en-US" sz="4800" dirty="0" err="1"/>
+              <a:t>iOS</a:t>
+            </a:r>
+            <a:r>
+              <a:rPr lang="en-US" sz="4800" dirty="0"/>
+              <a:t> device, Android device&gt;. </a:t>
+            </a:r>
+          </a:p>
+          <a:p>
+            <a:r>
+              <a:rPr lang="en-US" sz="4800" dirty="0" smtClean="0"/>
+              <a:t>As </a:t>
+            </a:r>
+            <a:r>
+              <a:rPr lang="en-US" sz="4800" dirty="0"/>
+              <a:t>a customer with a telecom that uses Innovative Systems products, I want to see the current balance for my account from my &lt;</a:t>
+            </a:r>
+            <a:r>
+              <a:rPr lang="en-US" sz="4800" dirty="0" err="1"/>
+              <a:t>iOS</a:t>
+            </a:r>
+            <a:r>
+              <a:rPr lang="en-US" sz="4800" dirty="0"/>
+              <a:t> device, Android device&gt;. </a:t>
+            </a:r>
+          </a:p>
+          <a:p>
+            <a:r>
+              <a:rPr lang="en-US" sz="4800" dirty="0" smtClean="0"/>
+              <a:t>As </a:t>
+            </a:r>
+            <a:r>
+              <a:rPr lang="en-US" sz="4800" dirty="0"/>
+              <a:t>a customer with a telecom that uses Innovative Systems products, I want to make a payment on my balance for my account from my &lt;</a:t>
+            </a:r>
+            <a:r>
+              <a:rPr lang="en-US" sz="4800" dirty="0" err="1"/>
+              <a:t>iOS</a:t>
+            </a:r>
+            <a:r>
+              <a:rPr lang="en-US" sz="4800" dirty="0"/>
+              <a:t> device, Android device&gt;. </a:t>
+            </a:r>
+          </a:p>
+          <a:p>
+            <a:r>
+              <a:rPr lang="en-US" sz="4800" dirty="0" smtClean="0"/>
+              <a:t>As </a:t>
+            </a:r>
+            <a:r>
+              <a:rPr lang="en-US" sz="4800" dirty="0"/>
+              <a:t>a customer with a telecom that uses Innovative Systems products, I want to set up recurring payments for my account from my &lt;</a:t>
+            </a:r>
+            <a:r>
+              <a:rPr lang="en-US" sz="4800" dirty="0" err="1"/>
+              <a:t>iOS</a:t>
+            </a:r>
+            <a:r>
+              <a:rPr lang="en-US" sz="4800" dirty="0"/>
+              <a:t> device, Android device&gt;. </a:t>
+            </a:r>
+          </a:p>
+          <a:p>
+            <a:r>
+              <a:rPr lang="en-US" sz="4800" dirty="0" smtClean="0"/>
+              <a:t>As </a:t>
+            </a:r>
+            <a:r>
+              <a:rPr lang="en-US" sz="4800" dirty="0"/>
+              <a:t>a customer with a telecom that uses Innovative Systems products, I want to see a history of my payments for my account from my &lt;</a:t>
+            </a:r>
+            <a:r>
+              <a:rPr lang="en-US" sz="4800" dirty="0" err="1"/>
+              <a:t>iOS</a:t>
+            </a:r>
+            <a:r>
+              <a:rPr lang="en-US" sz="4800" dirty="0"/>
+              <a:t> device, Android device&gt;. </a:t>
+            </a:r>
+          </a:p>
+          <a:p>
+            <a:r>
+              <a:rPr lang="en-US" sz="4800" dirty="0" smtClean="0"/>
+              <a:t>As </a:t>
+            </a:r>
+            <a:r>
+              <a:rPr lang="en-US" sz="4800" dirty="0"/>
+              <a:t>a customer with a telecom that uses Innovative Systems products, I want to see a summary of my usage for this month on for my plan from my &lt;</a:t>
+            </a:r>
+            <a:r>
+              <a:rPr lang="en-US" sz="4800" dirty="0" err="1"/>
+              <a:t>iOS</a:t>
+            </a:r>
+            <a:r>
+              <a:rPr lang="en-US" sz="4800" dirty="0"/>
+              <a:t> device, Android device&gt;.  I want to see the data, minutes, and text messages that I have used up from my monthly quota in an easy to understand format</a:t>
+            </a:r>
+            <a:r>
+              <a:rPr lang="en-US" sz="4800" dirty="0" smtClean="0"/>
+              <a:t>.</a:t>
+            </a:r>
+          </a:p>
+          <a:p>
+            <a:r>
+              <a:rPr lang="en-US" sz="4800" dirty="0"/>
+              <a:t>As a customer with a telecom that uses Innovative Systems products, I want to submit a trouble ticket because &lt;Innovative Systems product&gt; of mine is broken, and I want to do it from my &lt;</a:t>
+            </a:r>
+            <a:r>
+              <a:rPr lang="en-US" sz="4800" dirty="0" err="1"/>
+              <a:t>iOS</a:t>
+            </a:r>
+            <a:r>
+              <a:rPr lang="en-US" sz="4800" dirty="0"/>
+              <a:t> device, Android device&gt;. </a:t>
+            </a:r>
+            <a:endParaRPr lang="en-US" sz="4800" dirty="0"/>
+          </a:p>
+          <a:p>
+            <a:pPr marL="0" indent="0">
+              <a:buNone/>
+            </a:pPr>
+            <a:endParaRPr lang="en-US" sz="4800" dirty="0" smtClean="0"/>
+          </a:p>
+          <a:p>
+            <a:pPr marL="0" indent="0">
+              <a:buNone/>
+            </a:pPr>
+            <a:r>
+              <a:rPr lang="en-US" sz="4800" b="1" dirty="0" smtClean="0"/>
+              <a:t>Business User </a:t>
+            </a:r>
+            <a:r>
+              <a:rPr lang="en-US" sz="4800" b="1" dirty="0" smtClean="0"/>
+              <a:t>Stories</a:t>
+            </a:r>
+          </a:p>
+          <a:p>
+            <a:r>
+              <a:rPr lang="en-US" sz="4800" dirty="0" smtClean="0"/>
+              <a:t>As </a:t>
+            </a:r>
+            <a:r>
+              <a:rPr lang="en-US" sz="4800" dirty="0"/>
+              <a:t>a customer with a telecom that uses Innovative Systems products, I want to get contact information for the support for my company from my &lt;</a:t>
+            </a:r>
+            <a:r>
+              <a:rPr lang="en-US" sz="4800" dirty="0" err="1"/>
+              <a:t>iOS</a:t>
+            </a:r>
+            <a:r>
+              <a:rPr lang="en-US" sz="4800" dirty="0"/>
+              <a:t> device, Android device&gt;. </a:t>
+            </a:r>
+          </a:p>
+          <a:p>
+            <a:r>
+              <a:rPr lang="en-US" sz="4800" dirty="0"/>
+              <a:t>As a customer with a telecom that uses Innovative Systems products, I have multiple accounts for both my business and my home with the same telecom. I want to be able to easily access the mobile application for both accounts from my &lt;</a:t>
+            </a:r>
+            <a:r>
+              <a:rPr lang="en-US" sz="4800" dirty="0" err="1"/>
+              <a:t>iOS</a:t>
+            </a:r>
+            <a:r>
+              <a:rPr lang="en-US" sz="4800" dirty="0"/>
+              <a:t> device, Android device&gt;.</a:t>
+            </a:r>
+          </a:p>
+          <a:p>
+            <a:r>
+              <a:rPr lang="en-US" sz="4800" dirty="0"/>
+              <a:t>As a telecom that uses Innovative Systems products, I want my customers to see a banner that displays my telecom’s name on the mobile apps that my customers use to check their account information.  </a:t>
+            </a:r>
+          </a:p>
+          <a:p>
+            <a:pPr marL="0" indent="0">
+              <a:buNone/>
+            </a:pPr>
+            <a:endParaRPr lang="en-US" b="1" dirty="0"/>
           </a:p>
         </p:txBody>
       </p:sp>
@@ -3422,6 +3799,364 @@
           <a:p>
             <a:r>
               <a:rPr lang="en-US" dirty="0" smtClean="0"/>
+              <a:t>Analysis</a:t>
+            </a:r>
+            <a:endParaRPr lang="en-US" dirty="0"/>
+          </a:p>
+        </p:txBody>
+      </p:sp>
+      <p:sp>
+        <p:nvSpPr>
+          <p:cNvPr id="3" name="Content Placeholder 2"/>
+          <p:cNvSpPr>
+            <a:spLocks noGrp="1"/>
+          </p:cNvSpPr>
+          <p:nvPr>
+            <p:ph idx="1"/>
+          </p:nvPr>
+        </p:nvSpPr>
+        <p:spPr/>
+        <p:txBody>
+          <a:bodyPr/>
+          <a:lstStyle/>
+          <a:p>
+            <a:r>
+              <a:rPr lang="en-US" dirty="0" smtClean="0"/>
+              <a:t>Created desired look and feel </a:t>
+            </a:r>
+          </a:p>
+          <a:p>
+            <a:pPr marL="0" indent="0">
+              <a:buNone/>
+            </a:pPr>
+            <a:r>
+              <a:rPr lang="en-US" dirty="0" smtClean="0"/>
+              <a:t>	- via white board at Innovative Systems</a:t>
+            </a:r>
+          </a:p>
+          <a:p>
+            <a:r>
+              <a:rPr lang="en-US" dirty="0" smtClean="0"/>
+              <a:t>Using two Mac’s and one PC for development</a:t>
+            </a:r>
+          </a:p>
+          <a:p>
+            <a:r>
+              <a:rPr lang="en-US" dirty="0" smtClean="0"/>
+              <a:t>Versions Repository </a:t>
+            </a:r>
+            <a:endParaRPr lang="en-US" dirty="0"/>
+          </a:p>
+        </p:txBody>
+      </p:sp>
+    </p:spTree>
+    <p:extLst>
+      <p:ext uri="{BB962C8B-B14F-4D97-AF65-F5344CB8AC3E}">
+        <p14:creationId xmlns:p14="http://schemas.microsoft.com/office/powerpoint/2010/main" val="1195824612"/>
+      </p:ext>
+    </p:extLst>
+  </p:cSld>
+  <p:clrMapOvr>
+    <a:masterClrMapping/>
+  </p:clrMapOvr>
+</p:sld>
+</file>
+
+<file path=ppt/slides/slide6.xml><?xml version="1.0" encoding="utf-8"?>
+<p:sld xmlns:a="http://schemas.openxmlformats.org/drawingml/2006/main" xmlns:r="http://schemas.openxmlformats.org/officeDocument/2006/relationships" xmlns:p="http://schemas.openxmlformats.org/presentationml/2006/main">
+  <p:cSld>
+    <p:spTree>
+      <p:nvGrpSpPr>
+        <p:cNvPr id="1" name=""/>
+        <p:cNvGrpSpPr/>
+        <p:nvPr/>
+      </p:nvGrpSpPr>
+      <p:grpSpPr>
+        <a:xfrm>
+          <a:off x="0" y="0"/>
+          <a:ext cx="0" cy="0"/>
+          <a:chOff x="0" y="0"/>
+          <a:chExt cx="0" cy="0"/>
+        </a:xfrm>
+      </p:grpSpPr>
+      <p:sp>
+        <p:nvSpPr>
+          <p:cNvPr id="2" name="Title 1"/>
+          <p:cNvSpPr>
+            <a:spLocks noGrp="1"/>
+          </p:cNvSpPr>
+          <p:nvPr>
+            <p:ph type="title"/>
+          </p:nvPr>
+        </p:nvSpPr>
+        <p:spPr/>
+        <p:txBody>
+          <a:bodyPr/>
+          <a:lstStyle/>
+          <a:p>
+            <a:r>
+              <a:rPr lang="en-US" dirty="0" smtClean="0"/>
+              <a:t>Sprints</a:t>
+            </a:r>
+            <a:endParaRPr lang="en-US" dirty="0"/>
+          </a:p>
+        </p:txBody>
+      </p:sp>
+      <p:sp>
+        <p:nvSpPr>
+          <p:cNvPr id="3" name="Content Placeholder 2"/>
+          <p:cNvSpPr>
+            <a:spLocks noGrp="1"/>
+          </p:cNvSpPr>
+          <p:nvPr>
+            <p:ph idx="1"/>
+          </p:nvPr>
+        </p:nvSpPr>
+        <p:spPr>
+          <a:xfrm>
+            <a:off x="457200" y="1447800"/>
+            <a:ext cx="8229600" cy="4678363"/>
+          </a:xfrm>
+        </p:spPr>
+        <p:txBody>
+          <a:bodyPr>
+            <a:normAutofit fontScale="47500" lnSpcReduction="20000"/>
+          </a:bodyPr>
+          <a:lstStyle/>
+          <a:p>
+            <a:pPr marL="0" indent="0">
+              <a:buNone/>
+            </a:pPr>
+            <a:r>
+              <a:rPr lang="en-US" b="1" dirty="0" smtClean="0"/>
+              <a:t>Sprint </a:t>
+            </a:r>
+            <a:r>
+              <a:rPr lang="en-US" b="1" dirty="0"/>
+              <a:t>1: September 19, 2012 – October 3, 2012</a:t>
+            </a:r>
+          </a:p>
+          <a:p>
+            <a:pPr lvl="0"/>
+            <a:r>
+              <a:rPr lang="en-US" dirty="0"/>
+              <a:t>Environment Setup</a:t>
+            </a:r>
+          </a:p>
+          <a:p>
+            <a:pPr lvl="1"/>
+            <a:r>
+              <a:rPr lang="en-US" dirty="0"/>
+              <a:t>Set up IDEs on Mac, Windows</a:t>
+            </a:r>
+          </a:p>
+          <a:p>
+            <a:pPr lvl="1"/>
+            <a:r>
+              <a:rPr lang="en-US" dirty="0"/>
+              <a:t>Set up code repository</a:t>
+            </a:r>
+          </a:p>
+          <a:p>
+            <a:pPr lvl="0"/>
+            <a:r>
+              <a:rPr lang="en-US" dirty="0"/>
+              <a:t>Development</a:t>
+            </a:r>
+          </a:p>
+          <a:p>
+            <a:pPr lvl="1"/>
+            <a:r>
+              <a:rPr lang="en-US" dirty="0"/>
+              <a:t>Build test SOAP communication to Android and </a:t>
+            </a:r>
+            <a:r>
+              <a:rPr lang="en-US" dirty="0" err="1"/>
+              <a:t>iOS</a:t>
+            </a:r>
+            <a:r>
+              <a:rPr lang="en-US" dirty="0"/>
+              <a:t> devices</a:t>
+            </a:r>
+          </a:p>
+          <a:p>
+            <a:pPr lvl="1"/>
+            <a:r>
+              <a:rPr lang="en-US" dirty="0"/>
+              <a:t>Build Android and </a:t>
+            </a:r>
+            <a:r>
+              <a:rPr lang="en-US" dirty="0" err="1"/>
+              <a:t>iOS</a:t>
+            </a:r>
+            <a:r>
+              <a:rPr lang="en-US" dirty="0"/>
+              <a:t> layout</a:t>
+            </a:r>
+          </a:p>
+          <a:p>
+            <a:pPr lvl="0"/>
+            <a:r>
+              <a:rPr lang="en-US" dirty="0"/>
+              <a:t>Documents</a:t>
+            </a:r>
+          </a:p>
+          <a:p>
+            <a:pPr lvl="1"/>
+            <a:r>
+              <a:rPr lang="en-US" dirty="0"/>
+              <a:t>Team Name</a:t>
+            </a:r>
+          </a:p>
+          <a:p>
+            <a:pPr lvl="1"/>
+            <a:r>
+              <a:rPr lang="en-US" dirty="0"/>
+              <a:t>Design Document</a:t>
+            </a:r>
+          </a:p>
+          <a:p>
+            <a:pPr lvl="1"/>
+            <a:r>
+              <a:rPr lang="en-US" dirty="0"/>
+              <a:t>Software Contract</a:t>
+            </a:r>
+          </a:p>
+          <a:p>
+            <a:pPr lvl="1"/>
+            <a:r>
+              <a:rPr lang="en-US" dirty="0"/>
+              <a:t>Mission Statement</a:t>
+            </a:r>
+          </a:p>
+          <a:p>
+            <a:pPr lvl="1"/>
+            <a:r>
+              <a:rPr lang="en-US" dirty="0"/>
+              <a:t>CONOPS</a:t>
+            </a:r>
+          </a:p>
+          <a:p>
+            <a:pPr lvl="1"/>
+            <a:r>
+              <a:rPr lang="en-US" dirty="0"/>
+              <a:t>User </a:t>
+            </a:r>
+            <a:r>
+              <a:rPr lang="en-US" dirty="0" smtClean="0"/>
+              <a:t>Stories</a:t>
+            </a:r>
+          </a:p>
+          <a:p>
+            <a:pPr marL="457200" lvl="1" indent="0">
+              <a:buNone/>
+            </a:pPr>
+            <a:endParaRPr lang="en-US" dirty="0"/>
+          </a:p>
+          <a:p>
+            <a:pPr marL="0" indent="0">
+              <a:buNone/>
+            </a:pPr>
+            <a:r>
+              <a:rPr lang="en-US" b="1" dirty="0" smtClean="0"/>
+              <a:t>Sprint </a:t>
+            </a:r>
+            <a:r>
+              <a:rPr lang="en-US" b="1" dirty="0"/>
+              <a:t>2: October 10, 2012 – October 31, 2012</a:t>
+            </a:r>
+          </a:p>
+          <a:p>
+            <a:pPr lvl="0"/>
+            <a:r>
+              <a:rPr lang="en-US" dirty="0"/>
+              <a:t>Environment</a:t>
+            </a:r>
+          </a:p>
+          <a:p>
+            <a:pPr lvl="1"/>
+            <a:r>
+              <a:rPr lang="en-US" dirty="0"/>
+              <a:t>Get </a:t>
+            </a:r>
+            <a:r>
+              <a:rPr lang="en-US" dirty="0" err="1"/>
+              <a:t>eBill</a:t>
+            </a:r>
+            <a:r>
+              <a:rPr lang="en-US" dirty="0"/>
+              <a:t> service installed on local server for testing</a:t>
+            </a:r>
+          </a:p>
+          <a:p>
+            <a:pPr lvl="0"/>
+            <a:r>
+              <a:rPr lang="en-US" dirty="0"/>
+              <a:t>Development</a:t>
+            </a:r>
+          </a:p>
+          <a:p>
+            <a:pPr lvl="0"/>
+            <a:r>
+              <a:rPr lang="en-US" dirty="0"/>
+              <a:t>Documents</a:t>
+            </a:r>
+          </a:p>
+          <a:p>
+            <a:pPr marL="0" indent="0">
+              <a:buNone/>
+            </a:pPr>
+            <a:endParaRPr lang="en-US" dirty="0"/>
+          </a:p>
+        </p:txBody>
+      </p:sp>
+    </p:spTree>
+    <p:extLst>
+      <p:ext uri="{BB962C8B-B14F-4D97-AF65-F5344CB8AC3E}">
+        <p14:creationId xmlns:p14="http://schemas.microsoft.com/office/powerpoint/2010/main" val="1540282650"/>
+      </p:ext>
+    </p:extLst>
+  </p:cSld>
+  <p:clrMapOvr>
+    <a:masterClrMapping/>
+  </p:clrMapOvr>
+</p:sld>
+</file>
+
+<file path=ppt/slides/slide7.xml><?xml version="1.0" encoding="utf-8"?>
+<p:sld xmlns:a="http://schemas.openxmlformats.org/drawingml/2006/main" xmlns:r="http://schemas.openxmlformats.org/officeDocument/2006/relationships" xmlns:p="http://schemas.openxmlformats.org/presentationml/2006/main">
+  <p:cSld>
+    <p:spTree>
+      <p:nvGrpSpPr>
+        <p:cNvPr id="1" name=""/>
+        <p:cNvGrpSpPr/>
+        <p:nvPr/>
+      </p:nvGrpSpPr>
+      <p:grpSpPr>
+        <a:xfrm>
+          <a:off x="0" y="0"/>
+          <a:ext cx="0" cy="0"/>
+          <a:chOff x="0" y="0"/>
+          <a:chExt cx="0" cy="0"/>
+        </a:xfrm>
+      </p:grpSpPr>
+      <p:sp>
+        <p:nvSpPr>
+          <p:cNvPr id="2" name="Title 1"/>
+          <p:cNvSpPr>
+            <a:spLocks noGrp="1"/>
+          </p:cNvSpPr>
+          <p:nvPr>
+            <p:ph type="title"/>
+          </p:nvPr>
+        </p:nvSpPr>
+        <p:spPr/>
+        <p:txBody>
+          <a:bodyPr/>
+          <a:lstStyle/>
+          <a:p>
+            <a:r>
+              <a:rPr lang="en-US" dirty="0" smtClean="0"/>
               <a:t>Design and Architecture</a:t>
             </a:r>
             <a:endParaRPr lang="en-US" dirty="0"/>
@@ -3443,6 +4178,10 @@
           <a:bodyPr/>
           <a:lstStyle/>
           <a:p>
+            <a:r>
+              <a:rPr lang="en-US" dirty="0" smtClean="0"/>
+              <a:t>Prototypes/screen shots</a:t>
+            </a:r>
             <a:endParaRPr lang="en-US" dirty="0"/>
           </a:p>
         </p:txBody>

--- a/Documentation/Presentation1.pptx
+++ b/Documentation/Presentation1.pptx
@@ -2,16 +2,18 @@
 <file path=ppt/presentation.xml><?xml version="1.0" encoding="utf-8"?>
 <p:presentation xmlns:a="http://schemas.openxmlformats.org/drawingml/2006/main" xmlns:r="http://schemas.openxmlformats.org/officeDocument/2006/relationships" xmlns:p="http://schemas.openxmlformats.org/presentationml/2006/main" saveSubsetFonts="1">
   <p:sldMasterIdLst>
-    <p:sldMasterId id="2147483648" r:id="rId1"/>
+    <p:sldMasterId id="2147483672" r:id="rId1"/>
   </p:sldMasterIdLst>
   <p:sldIdLst>
     <p:sldId id="256" r:id="rId2"/>
     <p:sldId id="257" r:id="rId3"/>
     <p:sldId id="258" r:id="rId4"/>
     <p:sldId id="259" r:id="rId5"/>
-    <p:sldId id="262" r:id="rId6"/>
+    <p:sldId id="263" r:id="rId6"/>
     <p:sldId id="261" r:id="rId7"/>
-    <p:sldId id="260" r:id="rId8"/>
+    <p:sldId id="264" r:id="rId8"/>
+    <p:sldId id="260" r:id="rId9"/>
+    <p:sldId id="265" r:id="rId10"/>
   </p:sldIdLst>
   <p:sldSz cx="9144000" cy="6858000" type="screen4x3"/>
   <p:notesSz cx="6858000" cy="9144000"/>
@@ -114,7 +116,7 @@
 </file>
 
 <file path=ppt/slideLayouts/slideLayout1.xml><?xml version="1.0" encoding="utf-8"?>
-<p:sldLayout xmlns:a="http://schemas.openxmlformats.org/drawingml/2006/main" xmlns:r="http://schemas.openxmlformats.org/officeDocument/2006/relationships" xmlns:p="http://schemas.openxmlformats.org/presentationml/2006/main" type="title" preserve="1">
+<p:sldLayout xmlns:a="http://schemas.openxmlformats.org/drawingml/2006/main" xmlns:r="http://schemas.openxmlformats.org/officeDocument/2006/relationships" xmlns:p="http://schemas.openxmlformats.org/presentationml/2006/main" showMasterSp="0" type="title" preserve="1">
   <p:cSld name="Title Slide">
     <p:spTree>
       <p:nvGrpSpPr>
@@ -132,35 +134,132 @@
       </p:grpSpPr>
       <p:sp>
         <p:nvSpPr>
-          <p:cNvPr id="2" name="Title 1"/>
-          <p:cNvSpPr>
-            <a:spLocks noGrp="1"/>
-          </p:cNvSpPr>
-          <p:nvPr>
-            <p:ph type="ctrTitle"/>
-          </p:nvPr>
+          <p:cNvPr id="10" name="Right Triangle 9"/>
+          <p:cNvSpPr/>
+          <p:nvPr/>
         </p:nvSpPr>
         <p:spPr>
           <a:xfrm>
-            <a:off x="685800" y="2130425"/>
-            <a:ext cx="7772400" cy="1470025"/>
+            <a:off x="-2" y="4664147"/>
+            <a:ext cx="9151089" cy="0"/>
+          </a:xfrm>
+          <a:prstGeom prst="rtTriangle">
+            <a:avLst/>
+          </a:prstGeom>
+          <a:gradFill flip="none" rotWithShape="1">
+            <a:gsLst>
+              <a:gs pos="0">
+                <a:schemeClr val="accent1">
+                  <a:shade val="35000"/>
+                  <a:satMod val="170000"/>
+                  <a:alpha val="100000"/>
+                </a:schemeClr>
+              </a:gs>
+              <a:gs pos="55000">
+                <a:schemeClr val="accent1">
+                  <a:tint val="90000"/>
+                  <a:satMod val="150000"/>
+                  <a:alpha val="100000"/>
+                </a:schemeClr>
+              </a:gs>
+              <a:gs pos="100000">
+                <a:schemeClr val="accent1">
+                  <a:shade val="35000"/>
+                  <a:satMod val="170000"/>
+                  <a:alpha val="100000"/>
+                </a:schemeClr>
+              </a:gs>
+            </a:gsLst>
+            <a:lin ang="3000000" scaled="1"/>
+            <a:tileRect/>
+          </a:gradFill>
+          <a:ln w="12700" cap="rnd" cmpd="thickThin" algn="ctr">
+            <a:noFill/>
+            <a:prstDash val="solid"/>
+          </a:ln>
+          <a:effectLst/>
+        </p:spPr>
+        <p:style>
+          <a:lnRef idx="3">
+            <a:schemeClr val="lt1"/>
+          </a:lnRef>
+          <a:fillRef idx="1">
+            <a:schemeClr val="accent1"/>
+          </a:fillRef>
+          <a:effectRef idx="1">
+            <a:schemeClr val="accent1"/>
+          </a:effectRef>
+          <a:fontRef idx="minor">
+            <a:schemeClr val="lt1"/>
+          </a:fontRef>
+        </p:style>
+        <p:txBody>
+          <a:bodyPr anchor="ctr"/>
+          <a:lstStyle>
+            <a:extLst/>
+          </a:lstStyle>
+          <a:p>
+            <a:pPr algn="ctr" eaLnBrk="1" latinLnBrk="0" hangingPunct="1"/>
+            <a:endParaRPr kumimoji="0" lang="en-US"/>
+          </a:p>
+        </p:txBody>
+      </p:sp>
+      <p:sp>
+        <p:nvSpPr>
+          <p:cNvPr id="9" name="Title 8"/>
+          <p:cNvSpPr>
+            <a:spLocks noGrp="1"/>
+          </p:cNvSpPr>
+          <p:nvPr>
+            <p:ph type="ctrTitle"/>
+          </p:nvPr>
+        </p:nvSpPr>
+        <p:spPr>
+          <a:xfrm>
+            <a:off x="685800" y="1752601"/>
+            <a:ext cx="7772400" cy="1829761"/>
           </a:xfrm>
         </p:spPr>
         <p:txBody>
-          <a:bodyPr/>
-          <a:lstStyle/>
-          <a:p>
-            <a:r>
-              <a:rPr lang="en-US" smtClean="0"/>
+          <a:bodyPr vert="horz" anchor="b">
+            <a:normAutofit/>
+            <a:scene3d>
+              <a:camera prst="orthographicFront"/>
+              <a:lightRig rig="soft" dir="t"/>
+            </a:scene3d>
+            <a:sp3d prstMaterial="softEdge">
+              <a:bevelT w="25400" h="25400"/>
+            </a:sp3d>
+          </a:bodyPr>
+          <a:lstStyle>
+            <a:lvl1pPr algn="r">
+              <a:defRPr sz="4800" b="1">
+                <a:solidFill>
+                  <a:schemeClr val="tx2"/>
+                </a:solidFill>
+                <a:effectLst>
+                  <a:outerShdw blurRad="31750" dist="25400" dir="5400000" algn="tl" rotWithShape="0">
+                    <a:srgbClr val="000000">
+                      <a:alpha val="25000"/>
+                    </a:srgbClr>
+                  </a:outerShdw>
+                </a:effectLst>
+              </a:defRPr>
+            </a:lvl1pPr>
+            <a:extLst/>
+          </a:lstStyle>
+          <a:p>
+            <a:r>
+              <a:rPr kumimoji="0" lang="en-US" smtClean="0"/>
               <a:t>Click to edit Master title style</a:t>
             </a:r>
-            <a:endParaRPr lang="en-US"/>
-          </a:p>
-        </p:txBody>
-      </p:sp>
-      <p:sp>
-        <p:nvSpPr>
-          <p:cNvPr id="3" name="Subtitle 2"/>
+            <a:endParaRPr kumimoji="0" lang="en-US"/>
+          </a:p>
+        </p:txBody>
+      </p:sp>
+      <p:sp>
+        <p:nvSpPr>
+          <p:cNvPr id="17" name="Subtitle 16"/>
           <p:cNvSpPr>
             <a:spLocks noGrp="1"/>
           </p:cNvSpPr>
@@ -170,170 +269,537 @@
         </p:nvSpPr>
         <p:spPr>
           <a:xfrm>
-            <a:off x="1371600" y="3886200"/>
-            <a:ext cx="6400800" cy="1752600"/>
+            <a:off x="685800" y="3611607"/>
+            <a:ext cx="7772400" cy="1199704"/>
           </a:xfrm>
         </p:spPr>
         <p:txBody>
-          <a:bodyPr/>
-          <a:lstStyle>
-            <a:lvl1pPr marL="0" indent="0" algn="ctr">
+          <a:bodyPr lIns="45720" rIns="45720"/>
+          <a:lstStyle>
+            <a:lvl1pPr marL="0" marR="64008" indent="0" algn="r">
               <a:buNone/>
               <a:defRPr>
                 <a:solidFill>
-                  <a:schemeClr val="tx1">
-                    <a:tint val="75000"/>
-                  </a:schemeClr>
+                  <a:schemeClr val="tx2"/>
                 </a:solidFill>
               </a:defRPr>
             </a:lvl1pPr>
             <a:lvl2pPr marL="457200" indent="0" algn="ctr">
               <a:buNone/>
+            </a:lvl2pPr>
+            <a:lvl3pPr marL="914400" indent="0" algn="ctr">
+              <a:buNone/>
+            </a:lvl3pPr>
+            <a:lvl4pPr marL="1371600" indent="0" algn="ctr">
+              <a:buNone/>
+            </a:lvl4pPr>
+            <a:lvl5pPr marL="1828800" indent="0" algn="ctr">
+              <a:buNone/>
+            </a:lvl5pPr>
+            <a:lvl6pPr marL="2286000" indent="0" algn="ctr">
+              <a:buNone/>
+            </a:lvl6pPr>
+            <a:lvl7pPr marL="2743200" indent="0" algn="ctr">
+              <a:buNone/>
+            </a:lvl7pPr>
+            <a:lvl8pPr marL="3200400" indent="0" algn="ctr">
+              <a:buNone/>
+            </a:lvl8pPr>
+            <a:lvl9pPr marL="3657600" indent="0" algn="ctr">
+              <a:buNone/>
+            </a:lvl9pPr>
+            <a:extLst/>
+          </a:lstStyle>
+          <a:p>
+            <a:r>
+              <a:rPr kumimoji="0" lang="en-US" smtClean="0"/>
+              <a:t>Click to edit Master subtitle style</a:t>
+            </a:r>
+            <a:endParaRPr kumimoji="0" lang="en-US"/>
+          </a:p>
+        </p:txBody>
+      </p:sp>
+      <p:grpSp>
+        <p:nvGrpSpPr>
+          <p:cNvPr id="2" name="Group 1"/>
+          <p:cNvGrpSpPr/>
+          <p:nvPr/>
+        </p:nvGrpSpPr>
+        <p:grpSpPr>
+          <a:xfrm>
+            <a:off x="-3765" y="4953000"/>
+            <a:ext cx="9147765" cy="1912088"/>
+            <a:chOff x="-3765" y="4832896"/>
+            <a:chExt cx="9147765" cy="2032192"/>
+          </a:xfrm>
+        </p:grpSpPr>
+        <p:sp>
+          <p:nvSpPr>
+            <p:cNvPr id="7" name="Freeform 6"/>
+            <p:cNvSpPr>
+              <a:spLocks/>
+            </p:cNvSpPr>
+            <p:nvPr/>
+          </p:nvSpPr>
+          <p:spPr bwMode="auto">
+            <a:xfrm>
+              <a:off x="1687513" y="4832896"/>
+              <a:ext cx="7456487" cy="518816"/>
+            </a:xfrm>
+            <a:custGeom>
+              <a:avLst>
+                <a:gd name="A1" fmla="val 0"/>
+                <a:gd name="A2" fmla="val 0"/>
+                <a:gd name="A3" fmla="val 0"/>
+                <a:gd name="A4" fmla="val 0"/>
+                <a:gd name="A5" fmla="val 0"/>
+                <a:gd name="A6" fmla="val 0"/>
+                <a:gd name="A7" fmla="val 0"/>
+                <a:gd name="A8" fmla="val 0"/>
+              </a:avLst>
+              <a:gdLst/>
+              <a:ahLst/>
+              <a:cxnLst>
+                <a:cxn ang="0">
+                  <a:pos x="4697" y="0"/>
+                </a:cxn>
+                <a:cxn ang="0">
+                  <a:pos x="4697" y="367"/>
+                </a:cxn>
+                <a:cxn ang="0">
+                  <a:pos x="0" y="218"/>
+                </a:cxn>
+                <a:cxn ang="0">
+                  <a:pos x="4697" y="0"/>
+                </a:cxn>
+              </a:cxnLst>
+              <a:rect l="0" t="0" r="0" b="0"/>
+              <a:pathLst>
+                <a:path w="4697" h="367">
+                  <a:moveTo>
+                    <a:pt x="4697" y="0"/>
+                  </a:moveTo>
+                  <a:lnTo>
+                    <a:pt x="4697" y="367"/>
+                  </a:lnTo>
+                  <a:lnTo>
+                    <a:pt x="0" y="218"/>
+                  </a:lnTo>
+                  <a:lnTo>
+                    <a:pt x="4697" y="0"/>
+                  </a:lnTo>
+                  <a:close/>
+                </a:path>
+              </a:pathLst>
+            </a:custGeom>
+            <a:solidFill>
+              <a:schemeClr val="accent1">
+                <a:tint val="65000"/>
+                <a:satMod val="115000"/>
+                <a:alpha val="40000"/>
+              </a:schemeClr>
+            </a:solidFill>
+            <a:ln w="9525" cap="flat" cmpd="sng" algn="ctr">
+              <a:noFill/>
+              <a:prstDash val="solid"/>
+              <a:round/>
+              <a:headEnd type="none" w="med" len="med"/>
+              <a:tailEnd type="none" w="med" len="med"/>
+            </a:ln>
+            <a:effectLst/>
+          </p:spPr>
+          <p:txBody>
+            <a:bodyPr vert="horz" wrap="square" lIns="91440" tIns="45720" rIns="91440" bIns="45720" anchor="t" compatLnSpc="1"/>
+            <a:lstStyle>
+              <a:extLst/>
+            </a:lstStyle>
+            <a:p>
+              <a:endParaRPr kumimoji="0" lang="en-US"/>
+            </a:p>
+          </p:txBody>
+        </p:sp>
+        <p:sp>
+          <p:nvSpPr>
+            <p:cNvPr id="8" name="Freeform 7"/>
+            <p:cNvSpPr>
+              <a:spLocks/>
+            </p:cNvSpPr>
+            <p:nvPr/>
+          </p:nvSpPr>
+          <p:spPr bwMode="auto">
+            <a:xfrm>
+              <a:off x="35443" y="5135526"/>
+              <a:ext cx="9108557" cy="838200"/>
+            </a:xfrm>
+            <a:custGeom>
+              <a:avLst>
+                <a:gd name="A1" fmla="val 0"/>
+                <a:gd name="A2" fmla="val 0"/>
+                <a:gd name="A3" fmla="val 0"/>
+                <a:gd name="A4" fmla="val 0"/>
+                <a:gd name="A5" fmla="val 0"/>
+                <a:gd name="A6" fmla="val 0"/>
+                <a:gd name="A7" fmla="val 0"/>
+                <a:gd name="A8" fmla="val 0"/>
+              </a:avLst>
+              <a:gdLst/>
+              <a:ahLst/>
+              <a:cxnLst>
+                <a:cxn ang="0">
+                  <a:pos x="0" y="0"/>
+                </a:cxn>
+                <a:cxn ang="0">
+                  <a:pos x="5760" y="0"/>
+                </a:cxn>
+                <a:cxn ang="0">
+                  <a:pos x="5760" y="528"/>
+                </a:cxn>
+                <a:cxn ang="0">
+                  <a:pos x="48" y="0"/>
+                </a:cxn>
+              </a:cxnLst>
+              <a:rect l="0" t="0" r="0" b="0"/>
+              <a:pathLst>
+                <a:path w="5760" h="528">
+                  <a:moveTo>
+                    <a:pt x="0" y="0"/>
+                  </a:moveTo>
+                  <a:lnTo>
+                    <a:pt x="5760" y="0"/>
+                  </a:lnTo>
+                  <a:lnTo>
+                    <a:pt x="5760" y="528"/>
+                  </a:lnTo>
+                  <a:lnTo>
+                    <a:pt x="48" y="0"/>
+                  </a:lnTo>
+                </a:path>
+              </a:pathLst>
+            </a:custGeom>
+            <a:solidFill>
+              <a:srgbClr val="000000">
+                <a:alpha val="100000"/>
+              </a:srgbClr>
+            </a:solidFill>
+            <a:ln w="9525" cap="flat" cmpd="sng" algn="ctr">
+              <a:noFill/>
+              <a:prstDash val="solid"/>
+              <a:round/>
+              <a:headEnd type="none" w="med" len="med"/>
+              <a:tailEnd type="none" w="med" len="med"/>
+            </a:ln>
+            <a:effectLst/>
+          </p:spPr>
+          <p:txBody>
+            <a:bodyPr vert="horz" wrap="square" lIns="91440" tIns="45720" rIns="91440" bIns="45720" anchor="t" compatLnSpc="1"/>
+            <a:lstStyle>
+              <a:extLst/>
+            </a:lstStyle>
+            <a:p>
+              <a:endParaRPr kumimoji="0" lang="en-US"/>
+            </a:p>
+          </p:txBody>
+        </p:sp>
+        <p:sp>
+          <p:nvSpPr>
+            <p:cNvPr id="11" name="Freeform 10"/>
+            <p:cNvSpPr>
+              <a:spLocks/>
+            </p:cNvSpPr>
+            <p:nvPr/>
+          </p:nvSpPr>
+          <p:spPr bwMode="auto">
+            <a:xfrm>
+              <a:off x="0" y="4883888"/>
+              <a:ext cx="9144000" cy="1981200"/>
+            </a:xfrm>
+            <a:custGeom>
+              <a:avLst>
+                <a:gd name="A1" fmla="val 0"/>
+                <a:gd name="A2" fmla="val 0"/>
+                <a:gd name="A3" fmla="val 0"/>
+                <a:gd name="A4" fmla="val 0"/>
+                <a:gd name="A5" fmla="val 0"/>
+                <a:gd name="A6" fmla="val 0"/>
+                <a:gd name="A7" fmla="val 0"/>
+                <a:gd name="A8" fmla="val 0"/>
+              </a:avLst>
+              <a:gdLst/>
+              <a:ahLst/>
+              <a:cxnLst>
+                <a:cxn ang="0">
+                  <a:pos x="0" y="0"/>
+                </a:cxn>
+                <a:cxn ang="0">
+                  <a:pos x="0" y="1248"/>
+                </a:cxn>
+                <a:cxn ang="0">
+                  <a:pos x="5760" y="1248"/>
+                </a:cxn>
+                <a:cxn ang="0">
+                  <a:pos x="5760" y="528"/>
+                </a:cxn>
+                <a:cxn ang="0">
+                  <a:pos x="0" y="0"/>
+                </a:cxn>
+              </a:cxnLst>
+              <a:rect l="0" t="0" r="0" b="0"/>
+              <a:pathLst>
+                <a:path w="5760" h="1248">
+                  <a:moveTo>
+                    <a:pt x="0" y="0"/>
+                  </a:moveTo>
+                  <a:lnTo>
+                    <a:pt x="0" y="1248"/>
+                  </a:lnTo>
+                  <a:lnTo>
+                    <a:pt x="5760" y="1248"/>
+                  </a:lnTo>
+                  <a:lnTo>
+                    <a:pt x="5760" y="528"/>
+                  </a:lnTo>
+                  <a:lnTo>
+                    <a:pt x="0" y="0"/>
+                  </a:lnTo>
+                  <a:close/>
+                </a:path>
+              </a:pathLst>
+            </a:custGeom>
+            <a:blipFill>
+              <a:blip r:embed="rId2">
+                <a:alphaModFix amt="50000"/>
+              </a:blip>
+              <a:tile tx="0" ty="0" sx="50000" sy="50000" flip="none" algn="t"/>
+            </a:blipFill>
+            <a:ln w="12700" cap="rnd" cmpd="thickThin" algn="ctr">
+              <a:noFill/>
+              <a:prstDash val="solid"/>
+            </a:ln>
+            <a:effectLst>
+              <a:fillOverlay blend="mult">
+                <a:gradFill flip="none" rotWithShape="1">
+                  <a:gsLst>
+                    <a:gs pos="0">
+                      <a:schemeClr val="accent1">
+                        <a:shade val="20000"/>
+                        <a:satMod val="176000"/>
+                        <a:alpha val="100000"/>
+                      </a:schemeClr>
+                    </a:gs>
+                    <a:gs pos="18000">
+                      <a:schemeClr val="accent1">
+                        <a:shade val="48000"/>
+                        <a:satMod val="153000"/>
+                        <a:alpha val="100000"/>
+                      </a:schemeClr>
+                    </a:gs>
+                    <a:gs pos="43000">
+                      <a:schemeClr val="accent1">
+                        <a:tint val="86000"/>
+                        <a:satMod val="149000"/>
+                        <a:alpha val="100000"/>
+                      </a:schemeClr>
+                    </a:gs>
+                    <a:gs pos="45000">
+                      <a:schemeClr val="accent1">
+                        <a:tint val="85000"/>
+                        <a:satMod val="150000"/>
+                        <a:alpha val="100000"/>
+                      </a:schemeClr>
+                    </a:gs>
+                    <a:gs pos="50000">
+                      <a:schemeClr val="accent1">
+                        <a:tint val="86000"/>
+                        <a:satMod val="149000"/>
+                        <a:alpha val="100000"/>
+                      </a:schemeClr>
+                    </a:gs>
+                    <a:gs pos="79000">
+                      <a:schemeClr val="accent1">
+                        <a:shade val="53000"/>
+                        <a:satMod val="150000"/>
+                        <a:alpha val="100000"/>
+                      </a:schemeClr>
+                    </a:gs>
+                    <a:gs pos="100000">
+                      <a:schemeClr val="accent1">
+                        <a:shade val="25000"/>
+                        <a:satMod val="170000"/>
+                        <a:alpha val="100000"/>
+                      </a:schemeClr>
+                    </a:gs>
+                  </a:gsLst>
+                  <a:lin ang="450000" scaled="1"/>
+                  <a:tileRect/>
+                </a:gradFill>
+              </a:fillOverlay>
+            </a:effectLst>
+          </p:spPr>
+          <p:style>
+            <a:lnRef idx="3">
+              <a:schemeClr val="lt1"/>
+            </a:lnRef>
+            <a:fillRef idx="1">
+              <a:schemeClr val="accent1"/>
+            </a:fillRef>
+            <a:effectRef idx="1">
+              <a:schemeClr val="accent1"/>
+            </a:effectRef>
+            <a:fontRef idx="minor">
+              <a:schemeClr val="lt1"/>
+            </a:fontRef>
+          </p:style>
+          <p:txBody>
+            <a:bodyPr vert="horz" wrap="square" lIns="91440" tIns="45720" rIns="91440" bIns="45720" anchor="ctr" compatLnSpc="1"/>
+            <a:lstStyle>
+              <a:extLst/>
+            </a:lstStyle>
+            <a:p>
+              <a:pPr algn="ctr" eaLnBrk="1" latinLnBrk="0" hangingPunct="1"/>
+              <a:endParaRPr kumimoji="0" lang="en-US"/>
+            </a:p>
+          </p:txBody>
+        </p:sp>
+        <p:cxnSp>
+          <p:nvCxnSpPr>
+            <p:cNvPr id="12" name="Straight Connector 11"/>
+            <p:cNvCxnSpPr/>
+            <p:nvPr/>
+          </p:nvCxnSpPr>
+          <p:spPr>
+            <a:xfrm>
+              <a:off x="-3765" y="4880373"/>
+              <a:ext cx="9147765" cy="839943"/>
+            </a:xfrm>
+            <a:prstGeom prst="line">
+              <a:avLst/>
+            </a:prstGeom>
+            <a:noFill/>
+            <a:ln w="12065" cap="flat" cmpd="sng" algn="ctr">
+              <a:gradFill>
+                <a:gsLst>
+                  <a:gs pos="45000">
+                    <a:schemeClr val="accent1">
+                      <a:tint val="70000"/>
+                      <a:satMod val="110000"/>
+                    </a:schemeClr>
+                  </a:gs>
+                  <a:gs pos="15000">
+                    <a:schemeClr val="accent1">
+                      <a:shade val="40000"/>
+                      <a:satMod val="110000"/>
+                    </a:schemeClr>
+                  </a:gs>
+                </a:gsLst>
+                <a:lin ang="5400000" scaled="1"/>
+              </a:gradFill>
+              <a:prstDash val="solid"/>
+              <a:miter lim="800000"/>
+            </a:ln>
+            <a:effectLst/>
+          </p:spPr>
+          <p:style>
+            <a:lnRef idx="2">
+              <a:schemeClr val="accent1"/>
+            </a:lnRef>
+            <a:fillRef idx="0">
+              <a:schemeClr val="accent1"/>
+            </a:fillRef>
+            <a:effectRef idx="1">
+              <a:schemeClr val="accent1"/>
+            </a:effectRef>
+            <a:fontRef idx="minor">
+              <a:schemeClr val="tx1"/>
+            </a:fontRef>
+          </p:style>
+        </p:cxnSp>
+      </p:grpSp>
+      <p:sp>
+        <p:nvSpPr>
+          <p:cNvPr id="30" name="Date Placeholder 29"/>
+          <p:cNvSpPr>
+            <a:spLocks noGrp="1"/>
+          </p:cNvSpPr>
+          <p:nvPr>
+            <p:ph type="dt" sz="half" idx="10"/>
+          </p:nvPr>
+        </p:nvSpPr>
+        <p:spPr/>
+        <p:txBody>
+          <a:bodyPr/>
+          <a:lstStyle>
+            <a:lvl1pPr>
               <a:defRPr>
                 <a:solidFill>
-                  <a:schemeClr val="tx1">
-                    <a:tint val="75000"/>
+                  <a:srgbClr val="FFFFFF"/>
+                </a:solidFill>
+              </a:defRPr>
+            </a:lvl1pPr>
+            <a:extLst/>
+          </a:lstStyle>
+          <a:p>
+            <a:fld id="{1D8BD707-D9CF-40AE-B4C6-C98DA3205C09}" type="datetimeFigureOut">
+              <a:rPr lang="en-US" smtClean="0"/>
+              <a:pPr/>
+              <a:t>10/2/2012</a:t>
+            </a:fld>
+            <a:endParaRPr lang="en-US" dirty="0"/>
+          </a:p>
+        </p:txBody>
+      </p:sp>
+      <p:sp>
+        <p:nvSpPr>
+          <p:cNvPr id="19" name="Footer Placeholder 18"/>
+          <p:cNvSpPr>
+            <a:spLocks noGrp="1"/>
+          </p:cNvSpPr>
+          <p:nvPr>
+            <p:ph type="ftr" sz="quarter" idx="11"/>
+          </p:nvPr>
+        </p:nvSpPr>
+        <p:spPr/>
+        <p:txBody>
+          <a:bodyPr/>
+          <a:lstStyle>
+            <a:lvl1pPr>
+              <a:defRPr>
+                <a:solidFill>
+                  <a:schemeClr val="accent1">
+                    <a:tint val="20000"/>
                   </a:schemeClr>
                 </a:solidFill>
               </a:defRPr>
-            </a:lvl2pPr>
-            <a:lvl3pPr marL="914400" indent="0" algn="ctr">
-              <a:buNone/>
+            </a:lvl1pPr>
+            <a:extLst/>
+          </a:lstStyle>
+          <a:p>
+            <a:endParaRPr lang="en-US" dirty="0"/>
+          </a:p>
+        </p:txBody>
+      </p:sp>
+      <p:sp>
+        <p:nvSpPr>
+          <p:cNvPr id="27" name="Slide Number Placeholder 26"/>
+          <p:cNvSpPr>
+            <a:spLocks noGrp="1"/>
+          </p:cNvSpPr>
+          <p:nvPr>
+            <p:ph type="sldNum" sz="quarter" idx="12"/>
+          </p:nvPr>
+        </p:nvSpPr>
+        <p:spPr/>
+        <p:txBody>
+          <a:bodyPr/>
+          <a:lstStyle>
+            <a:lvl1pPr>
               <a:defRPr>
                 <a:solidFill>
-                  <a:schemeClr val="tx1">
-                    <a:tint val="75000"/>
-                  </a:schemeClr>
+                  <a:srgbClr val="FFFFFF"/>
                 </a:solidFill>
               </a:defRPr>
-            </a:lvl3pPr>
-            <a:lvl4pPr marL="1371600" indent="0" algn="ctr">
-              <a:buNone/>
-              <a:defRPr>
-                <a:solidFill>
-                  <a:schemeClr val="tx1">
-                    <a:tint val="75000"/>
-                  </a:schemeClr>
-                </a:solidFill>
-              </a:defRPr>
-            </a:lvl4pPr>
-            <a:lvl5pPr marL="1828800" indent="0" algn="ctr">
-              <a:buNone/>
-              <a:defRPr>
-                <a:solidFill>
-                  <a:schemeClr val="tx1">
-                    <a:tint val="75000"/>
-                  </a:schemeClr>
-                </a:solidFill>
-              </a:defRPr>
-            </a:lvl5pPr>
-            <a:lvl6pPr marL="2286000" indent="0" algn="ctr">
-              <a:buNone/>
-              <a:defRPr>
-                <a:solidFill>
-                  <a:schemeClr val="tx1">
-                    <a:tint val="75000"/>
-                  </a:schemeClr>
-                </a:solidFill>
-              </a:defRPr>
-            </a:lvl6pPr>
-            <a:lvl7pPr marL="2743200" indent="0" algn="ctr">
-              <a:buNone/>
-              <a:defRPr>
-                <a:solidFill>
-                  <a:schemeClr val="tx1">
-                    <a:tint val="75000"/>
-                  </a:schemeClr>
-                </a:solidFill>
-              </a:defRPr>
-            </a:lvl7pPr>
-            <a:lvl8pPr marL="3200400" indent="0" algn="ctr">
-              <a:buNone/>
-              <a:defRPr>
-                <a:solidFill>
-                  <a:schemeClr val="tx1">
-                    <a:tint val="75000"/>
-                  </a:schemeClr>
-                </a:solidFill>
-              </a:defRPr>
-            </a:lvl8pPr>
-            <a:lvl9pPr marL="3657600" indent="0" algn="ctr">
-              <a:buNone/>
-              <a:defRPr>
-                <a:solidFill>
-                  <a:schemeClr val="tx1">
-                    <a:tint val="75000"/>
-                  </a:schemeClr>
-                </a:solidFill>
-              </a:defRPr>
-            </a:lvl9pPr>
-          </a:lstStyle>
-          <a:p>
-            <a:r>
-              <a:rPr lang="en-US" smtClean="0"/>
-              <a:t>Click to edit Master subtitle style</a:t>
-            </a:r>
-            <a:endParaRPr lang="en-US"/>
-          </a:p>
-        </p:txBody>
-      </p:sp>
-      <p:sp>
-        <p:nvSpPr>
-          <p:cNvPr id="4" name="Date Placeholder 3"/>
-          <p:cNvSpPr>
-            <a:spLocks noGrp="1"/>
-          </p:cNvSpPr>
-          <p:nvPr>
-            <p:ph type="dt" sz="half" idx="10"/>
-          </p:nvPr>
-        </p:nvSpPr>
-        <p:spPr/>
-        <p:txBody>
-          <a:bodyPr/>
-          <a:lstStyle/>
-          <a:p>
-            <a:fld id="{1D8BD707-D9CF-40AE-B4C6-C98DA3205C09}" type="datetimeFigureOut">
-              <a:rPr lang="en-US" smtClean="0"/>
-              <a:pPr/>
-              <a:t>10/1/2012</a:t>
-            </a:fld>
-            <a:endParaRPr lang="en-US" dirty="0"/>
-          </a:p>
-        </p:txBody>
-      </p:sp>
-      <p:sp>
-        <p:nvSpPr>
-          <p:cNvPr id="5" name="Footer Placeholder 4"/>
-          <p:cNvSpPr>
-            <a:spLocks noGrp="1"/>
-          </p:cNvSpPr>
-          <p:nvPr>
-            <p:ph type="ftr" sz="quarter" idx="11"/>
-          </p:nvPr>
-        </p:nvSpPr>
-        <p:spPr/>
-        <p:txBody>
-          <a:bodyPr/>
-          <a:lstStyle/>
-          <a:p>
-            <a:endParaRPr lang="en-US" dirty="0"/>
-          </a:p>
-        </p:txBody>
-      </p:sp>
-      <p:sp>
-        <p:nvSpPr>
-          <p:cNvPr id="6" name="Slide Number Placeholder 5"/>
-          <p:cNvSpPr>
-            <a:spLocks noGrp="1"/>
-          </p:cNvSpPr>
-          <p:nvPr>
-            <p:ph type="sldNum" sz="quarter" idx="12"/>
-          </p:nvPr>
-        </p:nvSpPr>
-        <p:spPr/>
-        <p:txBody>
-          <a:bodyPr/>
-          <a:lstStyle/>
+            </a:lvl1pPr>
+            <a:extLst/>
+          </a:lstStyle>
           <a:p>
             <a:fld id="{B6F15528-21DE-4FAA-801E-634DDDAF4B2B}" type="slidenum">
               <a:rPr lang="en-US" smtClean="0"/>
@@ -382,13 +848,15 @@
         <p:spPr/>
         <p:txBody>
           <a:bodyPr/>
-          <a:lstStyle/>
-          <a:p>
-            <a:r>
-              <a:rPr lang="en-US" smtClean="0"/>
+          <a:lstStyle>
+            <a:extLst/>
+          </a:lstStyle>
+          <a:p>
+            <a:r>
+              <a:rPr kumimoji="0" lang="en-US" smtClean="0"/>
               <a:t>Click to edit Master title style</a:t>
             </a:r>
-            <a:endParaRPr lang="en-US"/>
+            <a:endParaRPr kumimoji="0" lang="en-US"/>
           </a:p>
         </p:txBody>
       </p:sp>
@@ -402,45 +870,52 @@
             <p:ph type="body" orient="vert" idx="1"/>
           </p:nvPr>
         </p:nvSpPr>
-        <p:spPr/>
+        <p:spPr>
+          <a:xfrm>
+            <a:off x="457200" y="1481329"/>
+            <a:ext cx="8229600" cy="4386071"/>
+          </a:xfrm>
+        </p:spPr>
         <p:txBody>
           <a:bodyPr vert="eaVert"/>
-          <a:lstStyle/>
-          <a:p>
-            <a:pPr lvl="0"/>
+          <a:lstStyle>
+            <a:extLst/>
+          </a:lstStyle>
+          <a:p>
+            <a:pPr lvl="0" eaLnBrk="1" latinLnBrk="0" hangingPunct="1"/>
             <a:r>
               <a:rPr lang="en-US" smtClean="0"/>
               <a:t>Click to edit Master text styles</a:t>
             </a:r>
           </a:p>
           <a:p>
-            <a:pPr lvl="1"/>
+            <a:pPr lvl="1" eaLnBrk="1" latinLnBrk="0" hangingPunct="1"/>
             <a:r>
               <a:rPr lang="en-US" smtClean="0"/>
               <a:t>Second level</a:t>
             </a:r>
           </a:p>
           <a:p>
-            <a:pPr lvl="2"/>
+            <a:pPr lvl="2" eaLnBrk="1" latinLnBrk="0" hangingPunct="1"/>
             <a:r>
               <a:rPr lang="en-US" smtClean="0"/>
               <a:t>Third level</a:t>
             </a:r>
           </a:p>
           <a:p>
-            <a:pPr lvl="3"/>
+            <a:pPr lvl="3" eaLnBrk="1" latinLnBrk="0" hangingPunct="1"/>
             <a:r>
               <a:rPr lang="en-US" smtClean="0"/>
               <a:t>Fourth level</a:t>
             </a:r>
           </a:p>
           <a:p>
-            <a:pPr lvl="4"/>
+            <a:pPr lvl="4" eaLnBrk="1" latinLnBrk="0" hangingPunct="1"/>
             <a:r>
               <a:rPr lang="en-US" smtClean="0"/>
               <a:t>Fifth level</a:t>
             </a:r>
-            <a:endParaRPr lang="en-US"/>
+            <a:endParaRPr kumimoji="0" lang="en-US"/>
           </a:p>
         </p:txBody>
       </p:sp>
@@ -457,12 +932,14 @@
         <p:spPr/>
         <p:txBody>
           <a:bodyPr/>
-          <a:lstStyle/>
+          <a:lstStyle>
+            <a:extLst/>
+          </a:lstStyle>
           <a:p>
             <a:fld id="{1D8BD707-D9CF-40AE-B4C6-C98DA3205C09}" type="datetimeFigureOut">
               <a:rPr lang="en-US" smtClean="0"/>
               <a:pPr/>
-              <a:t>10/1/2012</a:t>
+              <a:t>10/2/2012</a:t>
             </a:fld>
             <a:endParaRPr lang="en-US" dirty="0"/>
           </a:p>
@@ -481,7 +958,9 @@
         <p:spPr/>
         <p:txBody>
           <a:bodyPr/>
-          <a:lstStyle/>
+          <a:lstStyle>
+            <a:extLst/>
+          </a:lstStyle>
           <a:p>
             <a:endParaRPr lang="en-US" dirty="0"/>
           </a:p>
@@ -500,7 +979,9 @@
         <p:spPr/>
         <p:txBody>
           <a:bodyPr/>
-          <a:lstStyle/>
+          <a:lstStyle>
+            <a:extLst/>
+          </a:lstStyle>
           <a:p>
             <a:fld id="{B6F15528-21DE-4FAA-801E-634DDDAF4B2B}" type="slidenum">
               <a:rPr lang="en-US" smtClean="0"/>
@@ -548,19 +1029,21 @@
         </p:nvSpPr>
         <p:spPr>
           <a:xfrm>
-            <a:off x="6629400" y="274638"/>
-            <a:ext cx="2057400" cy="5851525"/>
+            <a:off x="6844013" y="274640"/>
+            <a:ext cx="1777470" cy="5592761"/>
           </a:xfrm>
         </p:spPr>
         <p:txBody>
           <a:bodyPr vert="eaVert"/>
-          <a:lstStyle/>
-          <a:p>
-            <a:r>
-              <a:rPr lang="en-US" smtClean="0"/>
+          <a:lstStyle>
+            <a:extLst/>
+          </a:lstStyle>
+          <a:p>
+            <a:r>
+              <a:rPr kumimoji="0" lang="en-US" smtClean="0"/>
               <a:t>Click to edit Master title style</a:t>
             </a:r>
-            <a:endParaRPr lang="en-US"/>
+            <a:endParaRPr kumimoji="0" lang="en-US"/>
           </a:p>
         </p:txBody>
       </p:sp>
@@ -576,48 +1059,50 @@
         </p:nvSpPr>
         <p:spPr>
           <a:xfrm>
-            <a:off x="457200" y="274638"/>
-            <a:ext cx="6019800" cy="5851525"/>
+            <a:off x="457200" y="274641"/>
+            <a:ext cx="6324600" cy="5592760"/>
           </a:xfrm>
         </p:spPr>
         <p:txBody>
           <a:bodyPr vert="eaVert"/>
-          <a:lstStyle/>
-          <a:p>
-            <a:pPr lvl="0"/>
+          <a:lstStyle>
+            <a:extLst/>
+          </a:lstStyle>
+          <a:p>
+            <a:pPr lvl="0" eaLnBrk="1" latinLnBrk="0" hangingPunct="1"/>
             <a:r>
               <a:rPr lang="en-US" smtClean="0"/>
               <a:t>Click to edit Master text styles</a:t>
             </a:r>
           </a:p>
           <a:p>
-            <a:pPr lvl="1"/>
+            <a:pPr lvl="1" eaLnBrk="1" latinLnBrk="0" hangingPunct="1"/>
             <a:r>
               <a:rPr lang="en-US" smtClean="0"/>
               <a:t>Second level</a:t>
             </a:r>
           </a:p>
           <a:p>
-            <a:pPr lvl="2"/>
+            <a:pPr lvl="2" eaLnBrk="1" latinLnBrk="0" hangingPunct="1"/>
             <a:r>
               <a:rPr lang="en-US" smtClean="0"/>
               <a:t>Third level</a:t>
             </a:r>
           </a:p>
           <a:p>
-            <a:pPr lvl="3"/>
+            <a:pPr lvl="3" eaLnBrk="1" latinLnBrk="0" hangingPunct="1"/>
             <a:r>
               <a:rPr lang="en-US" smtClean="0"/>
               <a:t>Fourth level</a:t>
             </a:r>
           </a:p>
           <a:p>
-            <a:pPr lvl="4"/>
+            <a:pPr lvl="4" eaLnBrk="1" latinLnBrk="0" hangingPunct="1"/>
             <a:r>
               <a:rPr lang="en-US" smtClean="0"/>
               <a:t>Fifth level</a:t>
             </a:r>
-            <a:endParaRPr lang="en-US"/>
+            <a:endParaRPr kumimoji="0" lang="en-US"/>
           </a:p>
         </p:txBody>
       </p:sp>
@@ -634,12 +1119,14 @@
         <p:spPr/>
         <p:txBody>
           <a:bodyPr/>
-          <a:lstStyle/>
+          <a:lstStyle>
+            <a:extLst/>
+          </a:lstStyle>
           <a:p>
             <a:fld id="{1D8BD707-D9CF-40AE-B4C6-C98DA3205C09}" type="datetimeFigureOut">
               <a:rPr lang="en-US" smtClean="0"/>
               <a:pPr/>
-              <a:t>10/1/2012</a:t>
+              <a:t>10/2/2012</a:t>
             </a:fld>
             <a:endParaRPr lang="en-US" dirty="0"/>
           </a:p>
@@ -658,7 +1145,9 @@
         <p:spPr/>
         <p:txBody>
           <a:bodyPr/>
-          <a:lstStyle/>
+          <a:lstStyle>
+            <a:extLst/>
+          </a:lstStyle>
           <a:p>
             <a:endParaRPr lang="en-US" dirty="0"/>
           </a:p>
@@ -677,7 +1166,9 @@
         <p:spPr/>
         <p:txBody>
           <a:bodyPr/>
-          <a:lstStyle/>
+          <a:lstStyle>
+            <a:extLst/>
+          </a:lstStyle>
           <a:p>
             <a:fld id="{B6F15528-21DE-4FAA-801E-634DDDAF4B2B}" type="slidenum">
               <a:rPr lang="en-US" smtClean="0"/>
@@ -715,76 +1206,55 @@
       </p:grpSpPr>
       <p:sp>
         <p:nvSpPr>
-          <p:cNvPr id="2" name="Title 1"/>
-          <p:cNvSpPr>
-            <a:spLocks noGrp="1"/>
-          </p:cNvSpPr>
-          <p:nvPr>
-            <p:ph type="title"/>
+          <p:cNvPr id="3" name="Content Placeholder 2"/>
+          <p:cNvSpPr>
+            <a:spLocks noGrp="1"/>
+          </p:cNvSpPr>
+          <p:nvPr>
+            <p:ph idx="1"/>
           </p:nvPr>
         </p:nvSpPr>
         <p:spPr/>
         <p:txBody>
           <a:bodyPr/>
-          <a:lstStyle/>
-          <a:p>
-            <a:r>
-              <a:rPr lang="en-US" smtClean="0"/>
-              <a:t>Click to edit Master title style</a:t>
-            </a:r>
-            <a:endParaRPr lang="en-US"/>
-          </a:p>
-        </p:txBody>
-      </p:sp>
-      <p:sp>
-        <p:nvSpPr>
-          <p:cNvPr id="3" name="Content Placeholder 2"/>
-          <p:cNvSpPr>
-            <a:spLocks noGrp="1"/>
-          </p:cNvSpPr>
-          <p:nvPr>
-            <p:ph idx="1"/>
-          </p:nvPr>
-        </p:nvSpPr>
-        <p:spPr/>
-        <p:txBody>
-          <a:bodyPr/>
-          <a:lstStyle/>
-          <a:p>
-            <a:pPr lvl="0"/>
+          <a:lstStyle>
+            <a:extLst/>
+          </a:lstStyle>
+          <a:p>
+            <a:pPr lvl="0" eaLnBrk="1" latinLnBrk="0" hangingPunct="1"/>
             <a:r>
               <a:rPr lang="en-US" smtClean="0"/>
               <a:t>Click to edit Master text styles</a:t>
             </a:r>
           </a:p>
           <a:p>
-            <a:pPr lvl="1"/>
+            <a:pPr lvl="1" eaLnBrk="1" latinLnBrk="0" hangingPunct="1"/>
             <a:r>
               <a:rPr lang="en-US" smtClean="0"/>
               <a:t>Second level</a:t>
             </a:r>
           </a:p>
           <a:p>
-            <a:pPr lvl="2"/>
+            <a:pPr lvl="2" eaLnBrk="1" latinLnBrk="0" hangingPunct="1"/>
             <a:r>
               <a:rPr lang="en-US" smtClean="0"/>
               <a:t>Third level</a:t>
             </a:r>
           </a:p>
           <a:p>
-            <a:pPr lvl="3"/>
+            <a:pPr lvl="3" eaLnBrk="1" latinLnBrk="0" hangingPunct="1"/>
             <a:r>
               <a:rPr lang="en-US" smtClean="0"/>
               <a:t>Fourth level</a:t>
             </a:r>
           </a:p>
           <a:p>
-            <a:pPr lvl="4"/>
+            <a:pPr lvl="4" eaLnBrk="1" latinLnBrk="0" hangingPunct="1"/>
             <a:r>
               <a:rPr lang="en-US" smtClean="0"/>
               <a:t>Fifth level</a:t>
             </a:r>
-            <a:endParaRPr lang="en-US"/>
+            <a:endParaRPr kumimoji="0" lang="en-US"/>
           </a:p>
         </p:txBody>
       </p:sp>
@@ -801,12 +1271,14 @@
         <p:spPr/>
         <p:txBody>
           <a:bodyPr/>
-          <a:lstStyle/>
+          <a:lstStyle>
+            <a:extLst/>
+          </a:lstStyle>
           <a:p>
             <a:fld id="{1D8BD707-D9CF-40AE-B4C6-C98DA3205C09}" type="datetimeFigureOut">
               <a:rPr lang="en-US" smtClean="0"/>
               <a:pPr/>
-              <a:t>10/1/2012</a:t>
+              <a:t>10/2/2012</a:t>
             </a:fld>
             <a:endParaRPr lang="en-US" dirty="0"/>
           </a:p>
@@ -825,7 +1297,9 @@
         <p:spPr/>
         <p:txBody>
           <a:bodyPr/>
-          <a:lstStyle/>
+          <a:lstStyle>
+            <a:extLst/>
+          </a:lstStyle>
           <a:p>
             <a:endParaRPr lang="en-US" dirty="0"/>
           </a:p>
@@ -844,7 +1318,9 @@
         <p:spPr/>
         <p:txBody>
           <a:bodyPr/>
-          <a:lstStyle/>
+          <a:lstStyle>
+            <a:extLst/>
+          </a:lstStyle>
           <a:p>
             <a:fld id="{B6F15528-21DE-4FAA-801E-634DDDAF4B2B}" type="slidenum">
               <a:rPr lang="en-US" smtClean="0"/>
@@ -852,6 +1328,31 @@
               <a:t>‹#›</a:t>
             </a:fld>
             <a:endParaRPr lang="en-US" dirty="0"/>
+          </a:p>
+        </p:txBody>
+      </p:sp>
+      <p:sp>
+        <p:nvSpPr>
+          <p:cNvPr id="7" name="Title 6"/>
+          <p:cNvSpPr>
+            <a:spLocks noGrp="1"/>
+          </p:cNvSpPr>
+          <p:nvPr>
+            <p:ph type="title"/>
+          </p:nvPr>
+        </p:nvSpPr>
+        <p:spPr/>
+        <p:txBody>
+          <a:bodyPr rtlCol="0"/>
+          <a:lstStyle>
+            <a:extLst/>
+          </a:lstStyle>
+          <a:p>
+            <a:r>
+              <a:rPr kumimoji="0" lang="en-US" smtClean="0"/>
+              <a:t>Click to edit Master title style</a:t>
+            </a:r>
+            <a:endParaRPr kumimoji="0" lang="en-US"/>
           </a:p>
         </p:txBody>
       </p:sp>
@@ -866,6 +1367,11 @@
 <file path=ppt/slideLayouts/slideLayout3.xml><?xml version="1.0" encoding="utf-8"?>
 <p:sldLayout xmlns:a="http://schemas.openxmlformats.org/drawingml/2006/main" xmlns:r="http://schemas.openxmlformats.org/officeDocument/2006/relationships" xmlns:p="http://schemas.openxmlformats.org/presentationml/2006/main" type="secHead" preserve="1">
   <p:cSld name="Section Header">
+    <p:bg>
+      <p:bgRef idx="1002">
+        <a:schemeClr val="bg1"/>
+      </p:bgRef>
+    </p:bg>
     <p:spTree>
       <p:nvGrpSpPr>
         <p:cNvPr id="1" name=""/>
@@ -892,23 +1398,42 @@
         </p:nvSpPr>
         <p:spPr>
           <a:xfrm>
-            <a:off x="722313" y="4406900"/>
-            <a:ext cx="7772400" cy="1362075"/>
+            <a:off x="722376" y="1059712"/>
+            <a:ext cx="7772400" cy="1828800"/>
           </a:xfrm>
         </p:spPr>
         <p:txBody>
-          <a:bodyPr anchor="t"/>
-          <a:lstStyle>
-            <a:lvl1pPr algn="l">
-              <a:defRPr sz="4000" b="1" cap="all"/>
+          <a:bodyPr vert="horz" anchor="b">
+            <a:normAutofit/>
+            <a:scene3d>
+              <a:camera prst="orthographicFront"/>
+              <a:lightRig rig="soft" dir="t"/>
+            </a:scene3d>
+            <a:sp3d prstMaterial="softEdge">
+              <a:bevelT w="25400" h="25400"/>
+            </a:sp3d>
+          </a:bodyPr>
+          <a:lstStyle>
+            <a:lvl1pPr algn="r">
+              <a:buNone/>
+              <a:defRPr sz="4800" b="1" cap="none" baseline="0">
+                <a:effectLst>
+                  <a:outerShdw blurRad="31750" dist="25400" dir="5400000" algn="tl" rotWithShape="0">
+                    <a:srgbClr val="000000">
+                      <a:alpha val="25000"/>
+                    </a:srgbClr>
+                  </a:outerShdw>
+                </a:effectLst>
+              </a:defRPr>
             </a:lvl1pPr>
-          </a:lstStyle>
-          <a:p>
-            <a:r>
-              <a:rPr lang="en-US" smtClean="0"/>
+            <a:extLst/>
+          </a:lstStyle>
+          <a:p>
+            <a:r>
+              <a:rPr kumimoji="0" lang="en-US" smtClean="0"/>
               <a:t>Click to edit Master title style</a:t>
             </a:r>
-            <a:endParaRPr lang="en-US"/>
+            <a:endParaRPr kumimoji="0" lang="en-US"/>
           </a:p>
         </p:txBody>
       </p:sp>
@@ -924,24 +1449,22 @@
         </p:nvSpPr>
         <p:spPr>
           <a:xfrm>
-            <a:off x="722313" y="2906713"/>
-            <a:ext cx="7772400" cy="1500187"/>
+            <a:off x="3922713" y="2931712"/>
+            <a:ext cx="4572000" cy="1454888"/>
           </a:xfrm>
         </p:spPr>
         <p:txBody>
-          <a:bodyPr anchor="b"/>
-          <a:lstStyle>
-            <a:lvl1pPr marL="0" indent="0">
+          <a:bodyPr lIns="91440" rIns="91440" anchor="t"/>
+          <a:lstStyle>
+            <a:lvl1pPr marL="0" indent="0" algn="l">
               <a:buNone/>
-              <a:defRPr sz="2000">
+              <a:defRPr sz="2300">
                 <a:solidFill>
-                  <a:schemeClr val="tx1">
-                    <a:tint val="75000"/>
-                  </a:schemeClr>
+                  <a:schemeClr val="tx1"/>
                 </a:solidFill>
               </a:defRPr>
             </a:lvl1pPr>
-            <a:lvl2pPr marL="457200" indent="0">
+            <a:lvl2pPr>
               <a:buNone/>
               <a:defRPr sz="1800">
                 <a:solidFill>
@@ -951,7 +1474,7 @@
                 </a:solidFill>
               </a:defRPr>
             </a:lvl2pPr>
-            <a:lvl3pPr marL="914400" indent="0">
+            <a:lvl3pPr>
               <a:buNone/>
               <a:defRPr sz="1600">
                 <a:solidFill>
@@ -961,7 +1484,7 @@
                 </a:solidFill>
               </a:defRPr>
             </a:lvl3pPr>
-            <a:lvl4pPr marL="1371600" indent="0">
+            <a:lvl4pPr>
               <a:buNone/>
               <a:defRPr sz="1400">
                 <a:solidFill>
@@ -971,7 +1494,7 @@
                 </a:solidFill>
               </a:defRPr>
             </a:lvl4pPr>
-            <a:lvl5pPr marL="1828800" indent="0">
+            <a:lvl5pPr>
               <a:buNone/>
               <a:defRPr sz="1400">
                 <a:solidFill>
@@ -981,51 +1504,12 @@
                 </a:solidFill>
               </a:defRPr>
             </a:lvl5pPr>
-            <a:lvl6pPr marL="2286000" indent="0">
-              <a:buNone/>
-              <a:defRPr sz="1400">
-                <a:solidFill>
-                  <a:schemeClr val="tx1">
-                    <a:tint val="75000"/>
-                  </a:schemeClr>
-                </a:solidFill>
-              </a:defRPr>
-            </a:lvl6pPr>
-            <a:lvl7pPr marL="2743200" indent="0">
-              <a:buNone/>
-              <a:defRPr sz="1400">
-                <a:solidFill>
-                  <a:schemeClr val="tx1">
-                    <a:tint val="75000"/>
-                  </a:schemeClr>
-                </a:solidFill>
-              </a:defRPr>
-            </a:lvl7pPr>
-            <a:lvl8pPr marL="3200400" indent="0">
-              <a:buNone/>
-              <a:defRPr sz="1400">
-                <a:solidFill>
-                  <a:schemeClr val="tx1">
-                    <a:tint val="75000"/>
-                  </a:schemeClr>
-                </a:solidFill>
-              </a:defRPr>
-            </a:lvl8pPr>
-            <a:lvl9pPr marL="3657600" indent="0">
-              <a:buNone/>
-              <a:defRPr sz="1400">
-                <a:solidFill>
-                  <a:schemeClr val="tx1">
-                    <a:tint val="75000"/>
-                  </a:schemeClr>
-                </a:solidFill>
-              </a:defRPr>
-            </a:lvl9pPr>
-          </a:lstStyle>
-          <a:p>
-            <a:pPr lvl="0"/>
-            <a:r>
-              <a:rPr lang="en-US" smtClean="0"/>
+            <a:extLst/>
+          </a:lstStyle>
+          <a:p>
+            <a:pPr lvl="0" eaLnBrk="1" latinLnBrk="0" hangingPunct="1"/>
+            <a:r>
+              <a:rPr kumimoji="0" lang="en-US" smtClean="0"/>
               <a:t>Click to edit Master text styles</a:t>
             </a:r>
           </a:p>
@@ -1044,12 +1528,14 @@
         <p:spPr/>
         <p:txBody>
           <a:bodyPr/>
-          <a:lstStyle/>
+          <a:lstStyle>
+            <a:extLst/>
+          </a:lstStyle>
           <a:p>
             <a:fld id="{1D8BD707-D9CF-40AE-B4C6-C98DA3205C09}" type="datetimeFigureOut">
               <a:rPr lang="en-US" smtClean="0"/>
               <a:pPr/>
-              <a:t>10/1/2012</a:t>
+              <a:t>10/2/2012</a:t>
             </a:fld>
             <a:endParaRPr lang="en-US" dirty="0"/>
           </a:p>
@@ -1068,7 +1554,9 @@
         <p:spPr/>
         <p:txBody>
           <a:bodyPr/>
-          <a:lstStyle/>
+          <a:lstStyle>
+            <a:extLst/>
+          </a:lstStyle>
           <a:p>
             <a:endParaRPr lang="en-US" dirty="0"/>
           </a:p>
@@ -1087,7 +1575,9 @@
         <p:spPr/>
         <p:txBody>
           <a:bodyPr/>
-          <a:lstStyle/>
+          <a:lstStyle>
+            <a:extLst/>
+          </a:lstStyle>
           <a:p>
             <a:fld id="{B6F15528-21DE-4FAA-801E-634DDDAF4B2B}" type="slidenum">
               <a:rPr lang="en-US" smtClean="0"/>
@@ -1098,10 +1588,170 @@
           </a:p>
         </p:txBody>
       </p:sp>
+      <p:sp>
+        <p:nvSpPr>
+          <p:cNvPr id="7" name="Chevron 6"/>
+          <p:cNvSpPr/>
+          <p:nvPr/>
+        </p:nvSpPr>
+        <p:spPr>
+          <a:xfrm>
+            <a:off x="3636680" y="3005472"/>
+            <a:ext cx="182880" cy="228600"/>
+          </a:xfrm>
+          <a:prstGeom prst="chevron">
+            <a:avLst>
+              <a:gd name="adj" fmla="val 50000"/>
+            </a:avLst>
+          </a:prstGeom>
+          <a:gradFill flip="none" rotWithShape="1">
+            <a:gsLst>
+              <a:gs pos="0">
+                <a:schemeClr val="accent1">
+                  <a:shade val="60000"/>
+                  <a:satMod val="125000"/>
+                </a:schemeClr>
+              </a:gs>
+              <a:gs pos="72000">
+                <a:schemeClr val="accent1">
+                  <a:tint val="90000"/>
+                  <a:satMod val="138000"/>
+                </a:schemeClr>
+              </a:gs>
+              <a:gs pos="100000">
+                <a:schemeClr val="accent1">
+                  <a:tint val="76000"/>
+                  <a:satMod val="136000"/>
+                </a:schemeClr>
+              </a:gs>
+            </a:gsLst>
+            <a:lin ang="16200000" scaled="0"/>
+          </a:gradFill>
+          <a:ln w="3175" cap="rnd" cmpd="sng" algn="ctr">
+            <a:solidFill>
+              <a:schemeClr val="accent1">
+                <a:shade val="50000"/>
+              </a:schemeClr>
+            </a:solidFill>
+            <a:prstDash val="solid"/>
+          </a:ln>
+          <a:effectLst>
+            <a:outerShdw blurRad="50800" dist="25400" dir="5400000">
+              <a:srgbClr val="000000">
+                <a:alpha val="46000"/>
+              </a:srgbClr>
+            </a:outerShdw>
+          </a:effectLst>
+        </p:spPr>
+        <p:style>
+          <a:lnRef idx="1">
+            <a:schemeClr val="accent1"/>
+          </a:lnRef>
+          <a:fillRef idx="3">
+            <a:schemeClr val="accent1"/>
+          </a:fillRef>
+          <a:effectRef idx="2">
+            <a:schemeClr val="accent1"/>
+          </a:effectRef>
+          <a:fontRef idx="minor">
+            <a:schemeClr val="lt1"/>
+          </a:fontRef>
+        </p:style>
+        <p:txBody>
+          <a:bodyPr anchor="ctr"/>
+          <a:lstStyle>
+            <a:extLst/>
+          </a:lstStyle>
+          <a:p>
+            <a:pPr algn="l" eaLnBrk="1" latinLnBrk="0" hangingPunct="1"/>
+            <a:endParaRPr kumimoji="0" lang="en-US"/>
+          </a:p>
+        </p:txBody>
+      </p:sp>
+      <p:sp>
+        <p:nvSpPr>
+          <p:cNvPr id="8" name="Chevron 7"/>
+          <p:cNvSpPr/>
+          <p:nvPr/>
+        </p:nvSpPr>
+        <p:spPr>
+          <a:xfrm>
+            <a:off x="3450264" y="3005472"/>
+            <a:ext cx="182880" cy="228600"/>
+          </a:xfrm>
+          <a:prstGeom prst="chevron">
+            <a:avLst>
+              <a:gd name="adj" fmla="val 50000"/>
+            </a:avLst>
+          </a:prstGeom>
+          <a:gradFill flip="none" rotWithShape="1">
+            <a:gsLst>
+              <a:gs pos="0">
+                <a:schemeClr val="accent1">
+                  <a:shade val="60000"/>
+                  <a:satMod val="125000"/>
+                </a:schemeClr>
+              </a:gs>
+              <a:gs pos="72000">
+                <a:schemeClr val="accent1">
+                  <a:tint val="90000"/>
+                  <a:satMod val="138000"/>
+                </a:schemeClr>
+              </a:gs>
+              <a:gs pos="100000">
+                <a:schemeClr val="accent1">
+                  <a:tint val="76000"/>
+                  <a:satMod val="136000"/>
+                </a:schemeClr>
+              </a:gs>
+            </a:gsLst>
+            <a:lin ang="16200000" scaled="0"/>
+          </a:gradFill>
+          <a:ln w="3175" cap="rnd" cmpd="sng" algn="ctr">
+            <a:solidFill>
+              <a:schemeClr val="accent1">
+                <a:shade val="50000"/>
+              </a:schemeClr>
+            </a:solidFill>
+            <a:prstDash val="solid"/>
+          </a:ln>
+          <a:effectLst>
+            <a:outerShdw blurRad="50800" dist="25400" dir="5400000">
+              <a:srgbClr val="000000">
+                <a:alpha val="46000"/>
+              </a:srgbClr>
+            </a:outerShdw>
+          </a:effectLst>
+        </p:spPr>
+        <p:style>
+          <a:lnRef idx="1">
+            <a:schemeClr val="accent1"/>
+          </a:lnRef>
+          <a:fillRef idx="3">
+            <a:schemeClr val="accent1"/>
+          </a:fillRef>
+          <a:effectRef idx="2">
+            <a:schemeClr val="accent1"/>
+          </a:effectRef>
+          <a:fontRef idx="minor">
+            <a:schemeClr val="lt1"/>
+          </a:fontRef>
+        </p:style>
+        <p:txBody>
+          <a:bodyPr anchor="ctr"/>
+          <a:lstStyle>
+            <a:extLst/>
+          </a:lstStyle>
+          <a:p>
+            <a:pPr algn="l" eaLnBrk="1" latinLnBrk="0" hangingPunct="1"/>
+            <a:endParaRPr kumimoji="0" lang="en-US"/>
+          </a:p>
+        </p:txBody>
+      </p:sp>
     </p:spTree>
   </p:cSld>
   <p:clrMapOvr>
-    <a:masterClrMapping/>
+    <a:overrideClrMapping bg1="dk1" tx1="lt1" bg2="dk2" tx2="lt2" accent1="accent1" accent2="accent2" accent3="accent3" accent4="accent4" accent5="accent5" accent6="accent6" hlink="hlink" folHlink="folHlink"/>
   </p:clrMapOvr>
 </p:sldLayout>
 </file>
@@ -1109,6 +1759,11 @@
 <file path=ppt/slideLayouts/slideLayout4.xml><?xml version="1.0" encoding="utf-8"?>
 <p:sldLayout xmlns:a="http://schemas.openxmlformats.org/drawingml/2006/main" xmlns:r="http://schemas.openxmlformats.org/officeDocument/2006/relationships" xmlns:p="http://schemas.openxmlformats.org/presentationml/2006/main" type="twoObj" preserve="1">
   <p:cSld name="Two Content">
+    <p:bg>
+      <p:bgRef idx="1002">
+        <a:schemeClr val="bg1"/>
+      </p:bgRef>
+    </p:bg>
     <p:spTree>
       <p:nvGrpSpPr>
         <p:cNvPr id="1" name=""/>
@@ -1125,29 +1780,6 @@
       </p:grpSpPr>
       <p:sp>
         <p:nvSpPr>
-          <p:cNvPr id="2" name="Title 1"/>
-          <p:cNvSpPr>
-            <a:spLocks noGrp="1"/>
-          </p:cNvSpPr>
-          <p:nvPr>
-            <p:ph type="title"/>
-          </p:nvPr>
-        </p:nvSpPr>
-        <p:spPr/>
-        <p:txBody>
-          <a:bodyPr/>
-          <a:lstStyle/>
-          <a:p>
-            <a:r>
-              <a:rPr lang="en-US" smtClean="0"/>
-              <a:t>Click to edit Master title style</a:t>
-            </a:r>
-            <a:endParaRPr lang="en-US"/>
-          </a:p>
-        </p:txBody>
-      </p:sp>
-      <p:sp>
-        <p:nvSpPr>
           <p:cNvPr id="3" name="Content Placeholder 2"/>
           <p:cNvSpPr>
             <a:spLocks noGrp="1"/>
@@ -1158,7 +1790,7 @@
         </p:nvSpPr>
         <p:spPr>
           <a:xfrm>
-            <a:off x="457200" y="1600200"/>
+            <a:off x="457200" y="1481328"/>
             <a:ext cx="4038600" cy="4525963"/>
           </a:xfrm>
         </p:spPr>
@@ -1180,54 +1812,43 @@
             <a:lvl5pPr>
               <a:defRPr sz="1800"/>
             </a:lvl5pPr>
-            <a:lvl6pPr>
-              <a:defRPr sz="1800"/>
-            </a:lvl6pPr>
-            <a:lvl7pPr>
-              <a:defRPr sz="1800"/>
-            </a:lvl7pPr>
-            <a:lvl8pPr>
-              <a:defRPr sz="1800"/>
-            </a:lvl8pPr>
-            <a:lvl9pPr>
-              <a:defRPr sz="1800"/>
-            </a:lvl9pPr>
-          </a:lstStyle>
-          <a:p>
-            <a:pPr lvl="0"/>
+            <a:extLst/>
+          </a:lstStyle>
+          <a:p>
+            <a:pPr lvl="0" eaLnBrk="1" latinLnBrk="0" hangingPunct="1"/>
             <a:r>
               <a:rPr lang="en-US" smtClean="0"/>
               <a:t>Click to edit Master text styles</a:t>
             </a:r>
           </a:p>
           <a:p>
-            <a:pPr lvl="1"/>
+            <a:pPr lvl="1" eaLnBrk="1" latinLnBrk="0" hangingPunct="1"/>
             <a:r>
               <a:rPr lang="en-US" smtClean="0"/>
               <a:t>Second level</a:t>
             </a:r>
           </a:p>
           <a:p>
-            <a:pPr lvl="2"/>
+            <a:pPr lvl="2" eaLnBrk="1" latinLnBrk="0" hangingPunct="1"/>
             <a:r>
               <a:rPr lang="en-US" smtClean="0"/>
               <a:t>Third level</a:t>
             </a:r>
           </a:p>
           <a:p>
-            <a:pPr lvl="3"/>
+            <a:pPr lvl="3" eaLnBrk="1" latinLnBrk="0" hangingPunct="1"/>
             <a:r>
               <a:rPr lang="en-US" smtClean="0"/>
               <a:t>Fourth level</a:t>
             </a:r>
           </a:p>
           <a:p>
-            <a:pPr lvl="4"/>
+            <a:pPr lvl="4" eaLnBrk="1" latinLnBrk="0" hangingPunct="1"/>
             <a:r>
               <a:rPr lang="en-US" smtClean="0"/>
               <a:t>Fifth level</a:t>
             </a:r>
-            <a:endParaRPr lang="en-US"/>
+            <a:endParaRPr kumimoji="0" lang="en-US"/>
           </a:p>
         </p:txBody>
       </p:sp>
@@ -1243,7 +1864,7 @@
         </p:nvSpPr>
         <p:spPr>
           <a:xfrm>
-            <a:off x="4648200" y="1600200"/>
+            <a:off x="4648200" y="1481328"/>
             <a:ext cx="4038600" cy="4525963"/>
           </a:xfrm>
         </p:spPr>
@@ -1265,54 +1886,43 @@
             <a:lvl5pPr>
               <a:defRPr sz="1800"/>
             </a:lvl5pPr>
-            <a:lvl6pPr>
-              <a:defRPr sz="1800"/>
-            </a:lvl6pPr>
-            <a:lvl7pPr>
-              <a:defRPr sz="1800"/>
-            </a:lvl7pPr>
-            <a:lvl8pPr>
-              <a:defRPr sz="1800"/>
-            </a:lvl8pPr>
-            <a:lvl9pPr>
-              <a:defRPr sz="1800"/>
-            </a:lvl9pPr>
-          </a:lstStyle>
-          <a:p>
-            <a:pPr lvl="0"/>
+            <a:extLst/>
+          </a:lstStyle>
+          <a:p>
+            <a:pPr lvl="0" eaLnBrk="1" latinLnBrk="0" hangingPunct="1"/>
             <a:r>
               <a:rPr lang="en-US" smtClean="0"/>
               <a:t>Click to edit Master text styles</a:t>
             </a:r>
           </a:p>
           <a:p>
-            <a:pPr lvl="1"/>
+            <a:pPr lvl="1" eaLnBrk="1" latinLnBrk="0" hangingPunct="1"/>
             <a:r>
               <a:rPr lang="en-US" smtClean="0"/>
               <a:t>Second level</a:t>
             </a:r>
           </a:p>
           <a:p>
-            <a:pPr lvl="2"/>
+            <a:pPr lvl="2" eaLnBrk="1" latinLnBrk="0" hangingPunct="1"/>
             <a:r>
               <a:rPr lang="en-US" smtClean="0"/>
               <a:t>Third level</a:t>
             </a:r>
           </a:p>
           <a:p>
-            <a:pPr lvl="3"/>
+            <a:pPr lvl="3" eaLnBrk="1" latinLnBrk="0" hangingPunct="1"/>
             <a:r>
               <a:rPr lang="en-US" smtClean="0"/>
               <a:t>Fourth level</a:t>
             </a:r>
           </a:p>
           <a:p>
-            <a:pPr lvl="4"/>
+            <a:pPr lvl="4" eaLnBrk="1" latinLnBrk="0" hangingPunct="1"/>
             <a:r>
               <a:rPr lang="en-US" smtClean="0"/>
               <a:t>Fifth level</a:t>
             </a:r>
-            <a:endParaRPr lang="en-US"/>
+            <a:endParaRPr kumimoji="0" lang="en-US"/>
           </a:p>
         </p:txBody>
       </p:sp>
@@ -1329,12 +1939,14 @@
         <p:spPr/>
         <p:txBody>
           <a:bodyPr/>
-          <a:lstStyle/>
+          <a:lstStyle>
+            <a:extLst/>
+          </a:lstStyle>
           <a:p>
             <a:fld id="{1D8BD707-D9CF-40AE-B4C6-C98DA3205C09}" type="datetimeFigureOut">
               <a:rPr lang="en-US" smtClean="0"/>
               <a:pPr/>
-              <a:t>10/1/2012</a:t>
+              <a:t>10/2/2012</a:t>
             </a:fld>
             <a:endParaRPr lang="en-US" dirty="0"/>
           </a:p>
@@ -1353,7 +1965,9 @@
         <p:spPr/>
         <p:txBody>
           <a:bodyPr/>
-          <a:lstStyle/>
+          <a:lstStyle>
+            <a:extLst/>
+          </a:lstStyle>
           <a:p>
             <a:endParaRPr lang="en-US" dirty="0"/>
           </a:p>
@@ -1372,7 +1986,9 @@
         <p:spPr/>
         <p:txBody>
           <a:bodyPr/>
-          <a:lstStyle/>
+          <a:lstStyle>
+            <a:extLst/>
+          </a:lstStyle>
           <a:p>
             <a:fld id="{B6F15528-21DE-4FAA-801E-634DDDAF4B2B}" type="slidenum">
               <a:rPr lang="en-US" smtClean="0"/>
@@ -1383,17 +1999,47 @@
           </a:p>
         </p:txBody>
       </p:sp>
+      <p:sp>
+        <p:nvSpPr>
+          <p:cNvPr id="8" name="Title 7"/>
+          <p:cNvSpPr>
+            <a:spLocks noGrp="1"/>
+          </p:cNvSpPr>
+          <p:nvPr>
+            <p:ph type="title"/>
+          </p:nvPr>
+        </p:nvSpPr>
+        <p:spPr/>
+        <p:txBody>
+          <a:bodyPr rtlCol="0"/>
+          <a:lstStyle>
+            <a:extLst/>
+          </a:lstStyle>
+          <a:p>
+            <a:r>
+              <a:rPr kumimoji="0" lang="en-US" smtClean="0"/>
+              <a:t>Click to edit Master title style</a:t>
+            </a:r>
+            <a:endParaRPr kumimoji="0" lang="en-US"/>
+          </a:p>
+        </p:txBody>
+      </p:sp>
     </p:spTree>
   </p:cSld>
   <p:clrMapOvr>
-    <a:masterClrMapping/>
+    <a:overrideClrMapping bg1="dk1" tx1="lt1" bg2="dk2" tx2="lt2" accent1="accent1" accent2="accent2" accent3="accent3" accent4="accent4" accent5="accent5" accent6="accent6" hlink="hlink" folHlink="folHlink"/>
   </p:clrMapOvr>
 </p:sldLayout>
 </file>
 
 <file path=ppt/slideLayouts/slideLayout5.xml><?xml version="1.0" encoding="utf-8"?>
-<p:sldLayout xmlns:a="http://schemas.openxmlformats.org/drawingml/2006/main" xmlns:r="http://schemas.openxmlformats.org/officeDocument/2006/relationships" xmlns:p="http://schemas.openxmlformats.org/presentationml/2006/main" type="twoTxTwoObj" preserve="1">
+<p:sldLayout xmlns:a="http://schemas.openxmlformats.org/drawingml/2006/main" xmlns:r="http://schemas.openxmlformats.org/officeDocument/2006/relationships" xmlns:p="http://schemas.openxmlformats.org/presentationml/2006/main" showMasterSp="0" type="twoTxTwoObj" preserve="1">
   <p:cSld name="Comparison">
+    <p:bg>
+      <p:bgRef idx="1003">
+        <a:schemeClr val="bg1"/>
+      </p:bgRef>
+    </p:bg>
     <p:spTree>
       <p:nvGrpSpPr>
         <p:cNvPr id="1" name=""/>
@@ -1418,20 +2064,26 @@
             <p:ph type="title"/>
           </p:nvPr>
         </p:nvSpPr>
-        <p:spPr/>
-        <p:txBody>
-          <a:bodyPr/>
+        <p:spPr>
+          <a:xfrm>
+            <a:off x="457200" y="273050"/>
+            <a:ext cx="8229600" cy="1143000"/>
+          </a:xfrm>
+        </p:spPr>
+        <p:txBody>
+          <a:bodyPr anchor="ctr"/>
           <a:lstStyle>
             <a:lvl1pPr>
               <a:defRPr/>
             </a:lvl1pPr>
-          </a:lstStyle>
-          <a:p>
-            <a:r>
-              <a:rPr lang="en-US" smtClean="0"/>
+            <a:extLst/>
+          </a:lstStyle>
+          <a:p>
+            <a:r>
+              <a:rPr kumimoji="0" lang="en-US" smtClean="0"/>
               <a:t>Click to edit Master title style</a:t>
             </a:r>
-            <a:endParaRPr lang="en-US"/>
+            <a:endParaRPr kumimoji="0" lang="en-US"/>
           </a:p>
         </p:txBody>
       </p:sp>
@@ -1447,54 +2099,115 @@
         </p:nvSpPr>
         <p:spPr>
           <a:xfrm>
-            <a:off x="457200" y="1535113"/>
-            <a:ext cx="4040188" cy="639762"/>
+            <a:off x="457200" y="5410200"/>
+            <a:ext cx="4040188" cy="762000"/>
           </a:xfrm>
+          <a:solidFill>
+            <a:schemeClr val="accent1"/>
+          </a:solidFill>
+          <a:ln w="9652">
+            <a:solidFill>
+              <a:schemeClr val="accent1"/>
+            </a:solidFill>
+            <a:miter lim="800000"/>
+          </a:ln>
         </p:spPr>
         <p:txBody>
-          <a:bodyPr anchor="b"/>
+          <a:bodyPr lIns="182880" anchor="ctr"/>
           <a:lstStyle>
             <a:lvl1pPr marL="0" indent="0">
               <a:buNone/>
-              <a:defRPr sz="2400" b="1"/>
+              <a:defRPr sz="2400" b="0">
+                <a:solidFill>
+                  <a:schemeClr val="bg1"/>
+                </a:solidFill>
+              </a:defRPr>
             </a:lvl1pPr>
-            <a:lvl2pPr marL="457200" indent="0">
+            <a:lvl2pPr>
               <a:buNone/>
               <a:defRPr sz="2000" b="1"/>
             </a:lvl2pPr>
-            <a:lvl3pPr marL="914400" indent="0">
+            <a:lvl3pPr>
               <a:buNone/>
               <a:defRPr sz="1800" b="1"/>
             </a:lvl3pPr>
-            <a:lvl4pPr marL="1371600" indent="0">
+            <a:lvl4pPr>
               <a:buNone/>
               <a:defRPr sz="1600" b="1"/>
             </a:lvl4pPr>
-            <a:lvl5pPr marL="1828800" indent="0">
+            <a:lvl5pPr>
               <a:buNone/>
               <a:defRPr sz="1600" b="1"/>
             </a:lvl5pPr>
-            <a:lvl6pPr marL="2286000" indent="0">
+            <a:extLst/>
+          </a:lstStyle>
+          <a:p>
+            <a:pPr lvl="0" eaLnBrk="1" latinLnBrk="0" hangingPunct="1"/>
+            <a:r>
+              <a:rPr kumimoji="0" lang="en-US" smtClean="0"/>
+              <a:t>Click to edit Master text styles</a:t>
+            </a:r>
+          </a:p>
+        </p:txBody>
+      </p:sp>
+      <p:sp>
+        <p:nvSpPr>
+          <p:cNvPr id="4" name="Text Placeholder 3"/>
+          <p:cNvSpPr>
+            <a:spLocks noGrp="1"/>
+          </p:cNvSpPr>
+          <p:nvPr>
+            <p:ph type="body" sz="half" idx="3"/>
+          </p:nvPr>
+        </p:nvSpPr>
+        <p:spPr>
+          <a:xfrm>
+            <a:off x="4645026" y="5410200"/>
+            <a:ext cx="4041775" cy="762000"/>
+          </a:xfrm>
+          <a:solidFill>
+            <a:schemeClr val="accent1"/>
+          </a:solidFill>
+          <a:ln w="9652">
+            <a:solidFill>
+              <a:schemeClr val="accent1"/>
+            </a:solidFill>
+            <a:miter lim="800000"/>
+          </a:ln>
+        </p:spPr>
+        <p:txBody>
+          <a:bodyPr lIns="182880" anchor="ctr"/>
+          <a:lstStyle>
+            <a:lvl1pPr marL="0" indent="0">
+              <a:buNone/>
+              <a:defRPr sz="2400" b="0">
+                <a:solidFill>
+                  <a:schemeClr val="bg1"/>
+                </a:solidFill>
+              </a:defRPr>
+            </a:lvl1pPr>
+            <a:lvl2pPr>
+              <a:buNone/>
+              <a:defRPr sz="2000" b="1"/>
+            </a:lvl2pPr>
+            <a:lvl3pPr>
+              <a:buNone/>
+              <a:defRPr sz="1800" b="1"/>
+            </a:lvl3pPr>
+            <a:lvl4pPr>
               <a:buNone/>
               <a:defRPr sz="1600" b="1"/>
-            </a:lvl6pPr>
-            <a:lvl7pPr marL="2743200" indent="0">
+            </a:lvl4pPr>
+            <a:lvl5pPr>
               <a:buNone/>
               <a:defRPr sz="1600" b="1"/>
-            </a:lvl7pPr>
-            <a:lvl8pPr marL="3200400" indent="0">
-              <a:buNone/>
-              <a:defRPr sz="1600" b="1"/>
-            </a:lvl8pPr>
-            <a:lvl9pPr marL="3657600" indent="0">
-              <a:buNone/>
-              <a:defRPr sz="1600" b="1"/>
-            </a:lvl9pPr>
-          </a:lstStyle>
-          <a:p>
-            <a:pPr lvl="0"/>
-            <a:r>
-              <a:rPr lang="en-US" smtClean="0"/>
+            </a:lvl5pPr>
+            <a:extLst/>
+          </a:lstStyle>
+          <a:p>
+            <a:pPr lvl="0" eaLnBrk="1" latinLnBrk="0" hangingPunct="1"/>
+            <a:r>
+              <a:rPr kumimoji="0" lang="en-US" smtClean="0"/>
               <a:t>Click to edit Master text styles</a:t>
             </a:r>
           </a:p>
@@ -1502,19 +2215,24 @@
       </p:sp>
       <p:sp>
         <p:nvSpPr>
-          <p:cNvPr id="4" name="Content Placeholder 3"/>
-          <p:cNvSpPr>
-            <a:spLocks noGrp="1"/>
-          </p:cNvSpPr>
-          <p:nvPr>
-            <p:ph sz="half" idx="2"/>
+          <p:cNvPr id="5" name="Content Placeholder 4"/>
+          <p:cNvSpPr>
+            <a:spLocks noGrp="1"/>
+          </p:cNvSpPr>
+          <p:nvPr>
+            <p:ph sz="quarter" idx="2"/>
           </p:nvPr>
         </p:nvSpPr>
         <p:spPr>
           <a:xfrm>
-            <a:off x="457200" y="2174875"/>
-            <a:ext cx="4040188" cy="3951288"/>
+            <a:off x="457200" y="1444294"/>
+            <a:ext cx="4040188" cy="3941763"/>
           </a:xfrm>
+          <a:ln>
+            <a:noFill/>
+            <a:prstDash val="sysDash"/>
+            <a:miter lim="800000"/>
+          </a:ln>
         </p:spPr>
         <p:txBody>
           <a:bodyPr/>
@@ -1534,142 +2252,74 @@
             <a:lvl5pPr>
               <a:defRPr sz="1600"/>
             </a:lvl5pPr>
-            <a:lvl6pPr>
-              <a:defRPr sz="1600"/>
-            </a:lvl6pPr>
-            <a:lvl7pPr>
-              <a:defRPr sz="1600"/>
-            </a:lvl7pPr>
-            <a:lvl8pPr>
-              <a:defRPr sz="1600"/>
-            </a:lvl8pPr>
-            <a:lvl9pPr>
-              <a:defRPr sz="1600"/>
-            </a:lvl9pPr>
-          </a:lstStyle>
-          <a:p>
-            <a:pPr lvl="0"/>
+            <a:extLst/>
+          </a:lstStyle>
+          <a:p>
+            <a:pPr lvl="0" eaLnBrk="1" latinLnBrk="0" hangingPunct="1"/>
             <a:r>
               <a:rPr lang="en-US" smtClean="0"/>
               <a:t>Click to edit Master text styles</a:t>
             </a:r>
           </a:p>
           <a:p>
-            <a:pPr lvl="1"/>
+            <a:pPr lvl="1" eaLnBrk="1" latinLnBrk="0" hangingPunct="1"/>
             <a:r>
               <a:rPr lang="en-US" smtClean="0"/>
               <a:t>Second level</a:t>
             </a:r>
           </a:p>
           <a:p>
-            <a:pPr lvl="2"/>
+            <a:pPr lvl="2" eaLnBrk="1" latinLnBrk="0" hangingPunct="1"/>
             <a:r>
               <a:rPr lang="en-US" smtClean="0"/>
               <a:t>Third level</a:t>
             </a:r>
           </a:p>
           <a:p>
-            <a:pPr lvl="3"/>
+            <a:pPr lvl="3" eaLnBrk="1" latinLnBrk="0" hangingPunct="1"/>
             <a:r>
               <a:rPr lang="en-US" smtClean="0"/>
               <a:t>Fourth level</a:t>
             </a:r>
           </a:p>
           <a:p>
-            <a:pPr lvl="4"/>
+            <a:pPr lvl="4" eaLnBrk="1" latinLnBrk="0" hangingPunct="1"/>
             <a:r>
               <a:rPr lang="en-US" smtClean="0"/>
               <a:t>Fifth level</a:t>
             </a:r>
-            <a:endParaRPr lang="en-US"/>
-          </a:p>
-        </p:txBody>
-      </p:sp>
-      <p:sp>
-        <p:nvSpPr>
-          <p:cNvPr id="5" name="Text Placeholder 4"/>
-          <p:cNvSpPr>
-            <a:spLocks noGrp="1"/>
-          </p:cNvSpPr>
-          <p:nvPr>
-            <p:ph type="body" sz="quarter" idx="3"/>
+            <a:endParaRPr kumimoji="0" lang="en-US"/>
+          </a:p>
+        </p:txBody>
+      </p:sp>
+      <p:sp>
+        <p:nvSpPr>
+          <p:cNvPr id="6" name="Content Placeholder 5"/>
+          <p:cNvSpPr>
+            <a:spLocks noGrp="1"/>
+          </p:cNvSpPr>
+          <p:nvPr>
+            <p:ph sz="quarter" idx="4"/>
           </p:nvPr>
         </p:nvSpPr>
         <p:spPr>
           <a:xfrm>
-            <a:off x="4645025" y="1535113"/>
-            <a:ext cx="4041775" cy="639762"/>
+            <a:off x="4645025" y="1444294"/>
+            <a:ext cx="4041775" cy="3941763"/>
           </a:xfrm>
+          <a:ln>
+            <a:noFill/>
+            <a:prstDash val="sysDash"/>
+            <a:miter lim="800000"/>
+          </a:ln>
         </p:spPr>
         <p:txBody>
-          <a:bodyPr anchor="b"/>
-          <a:lstStyle>
-            <a:lvl1pPr marL="0" indent="0">
-              <a:buNone/>
-              <a:defRPr sz="2400" b="1"/>
-            </a:lvl1pPr>
-            <a:lvl2pPr marL="457200" indent="0">
-              <a:buNone/>
-              <a:defRPr sz="2000" b="1"/>
-            </a:lvl2pPr>
-            <a:lvl3pPr marL="914400" indent="0">
-              <a:buNone/>
-              <a:defRPr sz="1800" b="1"/>
-            </a:lvl3pPr>
-            <a:lvl4pPr marL="1371600" indent="0">
-              <a:buNone/>
-              <a:defRPr sz="1600" b="1"/>
-            </a:lvl4pPr>
-            <a:lvl5pPr marL="1828800" indent="0">
-              <a:buNone/>
-              <a:defRPr sz="1600" b="1"/>
-            </a:lvl5pPr>
-            <a:lvl6pPr marL="2286000" indent="0">
-              <a:buNone/>
-              <a:defRPr sz="1600" b="1"/>
-            </a:lvl6pPr>
-            <a:lvl7pPr marL="2743200" indent="0">
-              <a:buNone/>
-              <a:defRPr sz="1600" b="1"/>
-            </a:lvl7pPr>
-            <a:lvl8pPr marL="3200400" indent="0">
-              <a:buNone/>
-              <a:defRPr sz="1600" b="1"/>
-            </a:lvl8pPr>
-            <a:lvl9pPr marL="3657600" indent="0">
-              <a:buNone/>
-              <a:defRPr sz="1600" b="1"/>
-            </a:lvl9pPr>
-          </a:lstStyle>
-          <a:p>
-            <a:pPr lvl="0"/>
-            <a:r>
-              <a:rPr lang="en-US" smtClean="0"/>
-              <a:t>Click to edit Master text styles</a:t>
-            </a:r>
-          </a:p>
-        </p:txBody>
-      </p:sp>
-      <p:sp>
-        <p:nvSpPr>
-          <p:cNvPr id="6" name="Content Placeholder 5"/>
-          <p:cNvSpPr>
-            <a:spLocks noGrp="1"/>
-          </p:cNvSpPr>
-          <p:nvPr>
-            <p:ph sz="quarter" idx="4"/>
-          </p:nvPr>
-        </p:nvSpPr>
-        <p:spPr>
-          <a:xfrm>
-            <a:off x="4645025" y="2174875"/>
-            <a:ext cx="4041775" cy="3951288"/>
-          </a:xfrm>
-        </p:spPr>
-        <p:txBody>
           <a:bodyPr/>
           <a:lstStyle>
             <a:lvl1pPr>
+              <a:spcBef>
+                <a:spcPts val="0"/>
+              </a:spcBef>
               <a:defRPr sz="2400"/>
             </a:lvl1pPr>
             <a:lvl2pPr>
@@ -1684,54 +2334,43 @@
             <a:lvl5pPr>
               <a:defRPr sz="1600"/>
             </a:lvl5pPr>
-            <a:lvl6pPr>
-              <a:defRPr sz="1600"/>
-            </a:lvl6pPr>
-            <a:lvl7pPr>
-              <a:defRPr sz="1600"/>
-            </a:lvl7pPr>
-            <a:lvl8pPr>
-              <a:defRPr sz="1600"/>
-            </a:lvl8pPr>
-            <a:lvl9pPr>
-              <a:defRPr sz="1600"/>
-            </a:lvl9pPr>
-          </a:lstStyle>
-          <a:p>
-            <a:pPr lvl="0"/>
+            <a:extLst/>
+          </a:lstStyle>
+          <a:p>
+            <a:pPr lvl="0" eaLnBrk="1" latinLnBrk="0" hangingPunct="1"/>
             <a:r>
               <a:rPr lang="en-US" smtClean="0"/>
               <a:t>Click to edit Master text styles</a:t>
             </a:r>
           </a:p>
           <a:p>
-            <a:pPr lvl="1"/>
+            <a:pPr lvl="1" eaLnBrk="1" latinLnBrk="0" hangingPunct="1"/>
             <a:r>
               <a:rPr lang="en-US" smtClean="0"/>
               <a:t>Second level</a:t>
             </a:r>
           </a:p>
           <a:p>
-            <a:pPr lvl="2"/>
+            <a:pPr lvl="2" eaLnBrk="1" latinLnBrk="0" hangingPunct="1"/>
             <a:r>
               <a:rPr lang="en-US" smtClean="0"/>
               <a:t>Third level</a:t>
             </a:r>
           </a:p>
           <a:p>
-            <a:pPr lvl="3"/>
+            <a:pPr lvl="3" eaLnBrk="1" latinLnBrk="0" hangingPunct="1"/>
             <a:r>
               <a:rPr lang="en-US" smtClean="0"/>
               <a:t>Fourth level</a:t>
             </a:r>
           </a:p>
           <a:p>
-            <a:pPr lvl="4"/>
+            <a:pPr lvl="4" eaLnBrk="1" latinLnBrk="0" hangingPunct="1"/>
             <a:r>
               <a:rPr lang="en-US" smtClean="0"/>
               <a:t>Fifth level</a:t>
             </a:r>
-            <a:endParaRPr lang="en-US"/>
+            <a:endParaRPr kumimoji="0" lang="en-US"/>
           </a:p>
         </p:txBody>
       </p:sp>
@@ -1748,12 +2387,14 @@
         <p:spPr/>
         <p:txBody>
           <a:bodyPr/>
-          <a:lstStyle/>
+          <a:lstStyle>
+            <a:extLst/>
+          </a:lstStyle>
           <a:p>
             <a:fld id="{1D8BD707-D9CF-40AE-B4C6-C98DA3205C09}" type="datetimeFigureOut">
               <a:rPr lang="en-US" smtClean="0"/>
               <a:pPr/>
-              <a:t>10/1/2012</a:t>
+              <a:t>10/2/2012</a:t>
             </a:fld>
             <a:endParaRPr lang="en-US" dirty="0"/>
           </a:p>
@@ -1772,7 +2413,9 @@
         <p:spPr/>
         <p:txBody>
           <a:bodyPr/>
-          <a:lstStyle/>
+          <a:lstStyle>
+            <a:extLst/>
+          </a:lstStyle>
           <a:p>
             <a:endParaRPr lang="en-US" dirty="0"/>
           </a:p>
@@ -1791,7 +2434,9 @@
         <p:spPr/>
         <p:txBody>
           <a:bodyPr/>
-          <a:lstStyle/>
+          <a:lstStyle>
+            <a:extLst/>
+          </a:lstStyle>
           <a:p>
             <a:fld id="{B6F15528-21DE-4FAA-801E-634DDDAF4B2B}" type="slidenum">
               <a:rPr lang="en-US" smtClean="0"/>
@@ -1805,7 +2450,7 @@
     </p:spTree>
   </p:cSld>
   <p:clrMapOvr>
-    <a:masterClrMapping/>
+    <a:overrideClrMapping bg1="lt1" tx1="dk1" bg2="lt2" tx2="dk2" accent1="accent1" accent2="accent2" accent3="accent3" accent4="accent4" accent5="accent5" accent6="accent6" hlink="hlink" folHlink="folHlink"/>
   </p:clrMapOvr>
 </p:sldLayout>
 </file>
@@ -1813,6 +2458,11 @@
 <file path=ppt/slideLayouts/slideLayout6.xml><?xml version="1.0" encoding="utf-8"?>
 <p:sldLayout xmlns:a="http://schemas.openxmlformats.org/drawingml/2006/main" xmlns:r="http://schemas.openxmlformats.org/officeDocument/2006/relationships" xmlns:p="http://schemas.openxmlformats.org/presentationml/2006/main" type="titleOnly" preserve="1">
   <p:cSld name="Title Only">
+    <p:bg>
+      <p:bgRef idx="1002">
+        <a:schemeClr val="bg1"/>
+      </p:bgRef>
+    </p:bg>
     <p:spTree>
       <p:nvGrpSpPr>
         <p:cNvPr id="1" name=""/>
@@ -1829,46 +2479,25 @@
       </p:grpSpPr>
       <p:sp>
         <p:nvSpPr>
-          <p:cNvPr id="2" name="Title 1"/>
-          <p:cNvSpPr>
-            <a:spLocks noGrp="1"/>
-          </p:cNvSpPr>
-          <p:nvPr>
-            <p:ph type="title"/>
+          <p:cNvPr id="3" name="Date Placeholder 2"/>
+          <p:cNvSpPr>
+            <a:spLocks noGrp="1"/>
+          </p:cNvSpPr>
+          <p:nvPr>
+            <p:ph type="dt" sz="half" idx="10"/>
           </p:nvPr>
         </p:nvSpPr>
         <p:spPr/>
         <p:txBody>
           <a:bodyPr/>
-          <a:lstStyle/>
-          <a:p>
-            <a:r>
-              <a:rPr lang="en-US" smtClean="0"/>
-              <a:t>Click to edit Master title style</a:t>
-            </a:r>
-            <a:endParaRPr lang="en-US"/>
-          </a:p>
-        </p:txBody>
-      </p:sp>
-      <p:sp>
-        <p:nvSpPr>
-          <p:cNvPr id="3" name="Date Placeholder 2"/>
-          <p:cNvSpPr>
-            <a:spLocks noGrp="1"/>
-          </p:cNvSpPr>
-          <p:nvPr>
-            <p:ph type="dt" sz="half" idx="10"/>
-          </p:nvPr>
-        </p:nvSpPr>
-        <p:spPr/>
-        <p:txBody>
-          <a:bodyPr/>
-          <a:lstStyle/>
+          <a:lstStyle>
+            <a:extLst/>
+          </a:lstStyle>
           <a:p>
             <a:fld id="{1D8BD707-D9CF-40AE-B4C6-C98DA3205C09}" type="datetimeFigureOut">
               <a:rPr lang="en-US" smtClean="0"/>
               <a:pPr/>
-              <a:t>10/1/2012</a:t>
+              <a:t>10/2/2012</a:t>
             </a:fld>
             <a:endParaRPr lang="en-US" dirty="0"/>
           </a:p>
@@ -1887,7 +2516,9 @@
         <p:spPr/>
         <p:txBody>
           <a:bodyPr/>
-          <a:lstStyle/>
+          <a:lstStyle>
+            <a:extLst/>
+          </a:lstStyle>
           <a:p>
             <a:endParaRPr lang="en-US" dirty="0"/>
           </a:p>
@@ -1906,7 +2537,9 @@
         <p:spPr/>
         <p:txBody>
           <a:bodyPr/>
-          <a:lstStyle/>
+          <a:lstStyle>
+            <a:extLst/>
+          </a:lstStyle>
           <a:p>
             <a:fld id="{B6F15528-21DE-4FAA-801E-634DDDAF4B2B}" type="slidenum">
               <a:rPr lang="en-US" smtClean="0"/>
@@ -1917,10 +2550,35 @@
           </a:p>
         </p:txBody>
       </p:sp>
+      <p:sp>
+        <p:nvSpPr>
+          <p:cNvPr id="6" name="Title 5"/>
+          <p:cNvSpPr>
+            <a:spLocks noGrp="1"/>
+          </p:cNvSpPr>
+          <p:nvPr>
+            <p:ph type="title"/>
+          </p:nvPr>
+        </p:nvSpPr>
+        <p:spPr/>
+        <p:txBody>
+          <a:bodyPr rtlCol="0"/>
+          <a:lstStyle>
+            <a:extLst/>
+          </a:lstStyle>
+          <a:p>
+            <a:r>
+              <a:rPr kumimoji="0" lang="en-US" smtClean="0"/>
+              <a:t>Click to edit Master title style</a:t>
+            </a:r>
+            <a:endParaRPr kumimoji="0" lang="en-US"/>
+          </a:p>
+        </p:txBody>
+      </p:sp>
     </p:spTree>
   </p:cSld>
   <p:clrMapOvr>
-    <a:masterClrMapping/>
+    <a:overrideClrMapping bg1="dk1" tx1="lt1" bg2="dk2" tx2="lt2" accent1="accent1" accent2="accent2" accent3="accent3" accent4="accent4" accent5="accent5" accent6="accent6" hlink="hlink" folHlink="folHlink"/>
   </p:clrMapOvr>
 </p:sldLayout>
 </file>
@@ -1955,12 +2613,14 @@
         <p:spPr/>
         <p:txBody>
           <a:bodyPr/>
-          <a:lstStyle/>
+          <a:lstStyle>
+            <a:extLst/>
+          </a:lstStyle>
           <a:p>
             <a:fld id="{1D8BD707-D9CF-40AE-B4C6-C98DA3205C09}" type="datetimeFigureOut">
               <a:rPr lang="en-US" smtClean="0"/>
               <a:pPr/>
-              <a:t>10/1/2012</a:t>
+              <a:t>10/2/2012</a:t>
             </a:fld>
             <a:endParaRPr lang="en-US" dirty="0"/>
           </a:p>
@@ -1979,7 +2639,9 @@
         <p:spPr/>
         <p:txBody>
           <a:bodyPr/>
-          <a:lstStyle/>
+          <a:lstStyle>
+            <a:extLst/>
+          </a:lstStyle>
           <a:p>
             <a:endParaRPr lang="en-US" dirty="0"/>
           </a:p>
@@ -1998,7 +2660,9 @@
         <p:spPr/>
         <p:txBody>
           <a:bodyPr/>
-          <a:lstStyle/>
+          <a:lstStyle>
+            <a:extLst/>
+          </a:lstStyle>
           <a:p>
             <a:fld id="{B6F15528-21DE-4FAA-801E-634DDDAF4B2B}" type="slidenum">
               <a:rPr lang="en-US" smtClean="0"/>
@@ -2018,8 +2682,13 @@
 </file>
 
 <file path=ppt/slideLayouts/slideLayout8.xml><?xml version="1.0" encoding="utf-8"?>
-<p:sldLayout xmlns:a="http://schemas.openxmlformats.org/drawingml/2006/main" xmlns:r="http://schemas.openxmlformats.org/officeDocument/2006/relationships" xmlns:p="http://schemas.openxmlformats.org/presentationml/2006/main" type="objTx" preserve="1">
+<p:sldLayout xmlns:a="http://schemas.openxmlformats.org/drawingml/2006/main" xmlns:r="http://schemas.openxmlformats.org/officeDocument/2006/relationships" xmlns:p="http://schemas.openxmlformats.org/presentationml/2006/main" showMasterSp="0" type="objTx" preserve="1">
   <p:cSld name="Content with Caption">
+    <p:bg>
+      <p:bgRef idx="1003">
+        <a:schemeClr val="bg1"/>
+      </p:bgRef>
+    </p:bg>
     <p:spTree>
       <p:nvGrpSpPr>
         <p:cNvPr id="1" name=""/>
@@ -2046,40 +2715,102 @@
         </p:nvSpPr>
         <p:spPr>
           <a:xfrm>
-            <a:off x="457200" y="273050"/>
-            <a:ext cx="3008313" cy="1162050"/>
+            <a:off x="914400" y="4876800"/>
+            <a:ext cx="7481776" cy="457200"/>
           </a:xfrm>
         </p:spPr>
         <p:txBody>
-          <a:bodyPr anchor="b"/>
-          <a:lstStyle>
-            <a:lvl1pPr algn="l">
-              <a:defRPr sz="2000" b="1"/>
+          <a:bodyPr vert="horz" anchor="t">
+            <a:noAutofit/>
+            <a:sp3d prstMaterial="softEdge">
+              <a:bevelT w="0" h="0"/>
+            </a:sp3d>
+          </a:bodyPr>
+          <a:lstStyle>
+            <a:lvl1pPr algn="r">
+              <a:buNone/>
+              <a:defRPr sz="2500" b="0">
+                <a:solidFill>
+                  <a:schemeClr val="accent1"/>
+                </a:solidFill>
+                <a:effectLst/>
+              </a:defRPr>
             </a:lvl1pPr>
-          </a:lstStyle>
-          <a:p>
-            <a:r>
-              <a:rPr lang="en-US" smtClean="0"/>
+            <a:extLst/>
+          </a:lstStyle>
+          <a:p>
+            <a:r>
+              <a:rPr kumimoji="0" lang="en-US" smtClean="0"/>
               <a:t>Click to edit Master title style</a:t>
             </a:r>
-            <a:endParaRPr lang="en-US"/>
-          </a:p>
-        </p:txBody>
-      </p:sp>
-      <p:sp>
-        <p:nvSpPr>
-          <p:cNvPr id="3" name="Content Placeholder 2"/>
-          <p:cNvSpPr>
-            <a:spLocks noGrp="1"/>
-          </p:cNvSpPr>
-          <p:nvPr>
-            <p:ph idx="1"/>
+            <a:endParaRPr kumimoji="0" lang="en-US"/>
+          </a:p>
+        </p:txBody>
+      </p:sp>
+      <p:sp>
+        <p:nvSpPr>
+          <p:cNvPr id="3" name="Text Placeholder 2"/>
+          <p:cNvSpPr>
+            <a:spLocks noGrp="1"/>
+          </p:cNvSpPr>
+          <p:nvPr>
+            <p:ph type="body" idx="2"/>
           </p:nvPr>
         </p:nvSpPr>
         <p:spPr>
           <a:xfrm>
-            <a:off x="3575050" y="273050"/>
-            <a:ext cx="5111750" cy="5853113"/>
+            <a:off x="4419600" y="5355102"/>
+            <a:ext cx="3974592" cy="914400"/>
+          </a:xfrm>
+        </p:spPr>
+        <p:txBody>
+          <a:bodyPr/>
+          <a:lstStyle>
+            <a:lvl1pPr marL="0" indent="0" algn="r">
+              <a:buNone/>
+              <a:defRPr sz="1600"/>
+            </a:lvl1pPr>
+            <a:lvl2pPr>
+              <a:buNone/>
+              <a:defRPr sz="1200"/>
+            </a:lvl2pPr>
+            <a:lvl3pPr>
+              <a:buNone/>
+              <a:defRPr sz="1000"/>
+            </a:lvl3pPr>
+            <a:lvl4pPr>
+              <a:buNone/>
+              <a:defRPr sz="900"/>
+            </a:lvl4pPr>
+            <a:lvl5pPr>
+              <a:buNone/>
+              <a:defRPr sz="900"/>
+            </a:lvl5pPr>
+            <a:extLst/>
+          </a:lstStyle>
+          <a:p>
+            <a:pPr lvl="0" eaLnBrk="1" latinLnBrk="0" hangingPunct="1"/>
+            <a:r>
+              <a:rPr kumimoji="0" lang="en-US" smtClean="0"/>
+              <a:t>Click to edit Master text styles</a:t>
+            </a:r>
+          </a:p>
+        </p:txBody>
+      </p:sp>
+      <p:sp>
+        <p:nvSpPr>
+          <p:cNvPr id="4" name="Content Placeholder 3"/>
+          <p:cNvSpPr>
+            <a:spLocks noGrp="1"/>
+          </p:cNvSpPr>
+          <p:nvPr>
+            <p:ph sz="half" idx="1"/>
+          </p:nvPr>
+        </p:nvSpPr>
+        <p:spPr>
+          <a:xfrm>
+            <a:off x="914400" y="274320"/>
+            <a:ext cx="7479792" cy="4572000"/>
           </a:xfrm>
         </p:spPr>
         <p:txBody>
@@ -2100,141 +2831,72 @@
             <a:lvl5pPr>
               <a:defRPr sz="2000"/>
             </a:lvl5pPr>
-            <a:lvl6pPr>
-              <a:defRPr sz="2000"/>
-            </a:lvl6pPr>
-            <a:lvl7pPr>
-              <a:defRPr sz="2000"/>
-            </a:lvl7pPr>
-            <a:lvl8pPr>
-              <a:defRPr sz="2000"/>
-            </a:lvl8pPr>
-            <a:lvl9pPr>
-              <a:defRPr sz="2000"/>
-            </a:lvl9pPr>
-          </a:lstStyle>
-          <a:p>
-            <a:pPr lvl="0"/>
+            <a:extLst/>
+          </a:lstStyle>
+          <a:p>
+            <a:pPr lvl="0" eaLnBrk="1" latinLnBrk="0" hangingPunct="1"/>
             <a:r>
               <a:rPr lang="en-US" smtClean="0"/>
               <a:t>Click to edit Master text styles</a:t>
             </a:r>
           </a:p>
           <a:p>
-            <a:pPr lvl="1"/>
+            <a:pPr lvl="1" eaLnBrk="1" latinLnBrk="0" hangingPunct="1"/>
             <a:r>
               <a:rPr lang="en-US" smtClean="0"/>
               <a:t>Second level</a:t>
             </a:r>
           </a:p>
           <a:p>
-            <a:pPr lvl="2"/>
+            <a:pPr lvl="2" eaLnBrk="1" latinLnBrk="0" hangingPunct="1"/>
             <a:r>
               <a:rPr lang="en-US" smtClean="0"/>
               <a:t>Third level</a:t>
             </a:r>
           </a:p>
           <a:p>
-            <a:pPr lvl="3"/>
+            <a:pPr lvl="3" eaLnBrk="1" latinLnBrk="0" hangingPunct="1"/>
             <a:r>
               <a:rPr lang="en-US" smtClean="0"/>
               <a:t>Fourth level</a:t>
             </a:r>
           </a:p>
           <a:p>
-            <a:pPr lvl="4"/>
+            <a:pPr lvl="4" eaLnBrk="1" latinLnBrk="0" hangingPunct="1"/>
             <a:r>
               <a:rPr lang="en-US" smtClean="0"/>
               <a:t>Fifth level</a:t>
             </a:r>
-            <a:endParaRPr lang="en-US"/>
-          </a:p>
-        </p:txBody>
-      </p:sp>
-      <p:sp>
-        <p:nvSpPr>
-          <p:cNvPr id="4" name="Text Placeholder 3"/>
-          <p:cNvSpPr>
-            <a:spLocks noGrp="1"/>
-          </p:cNvSpPr>
-          <p:nvPr>
-            <p:ph type="body" sz="half" idx="2"/>
+            <a:endParaRPr kumimoji="0" lang="en-US"/>
+          </a:p>
+        </p:txBody>
+      </p:sp>
+      <p:sp>
+        <p:nvSpPr>
+          <p:cNvPr id="5" name="Date Placeholder 4"/>
+          <p:cNvSpPr>
+            <a:spLocks noGrp="1"/>
+          </p:cNvSpPr>
+          <p:nvPr>
+            <p:ph type="dt" sz="half" idx="10"/>
           </p:nvPr>
         </p:nvSpPr>
         <p:spPr>
           <a:xfrm>
-            <a:off x="457200" y="1435100"/>
-            <a:ext cx="3008313" cy="4691063"/>
+            <a:off x="6727032" y="6407944"/>
+            <a:ext cx="1920240" cy="365760"/>
           </a:xfrm>
         </p:spPr>
         <p:txBody>
           <a:bodyPr/>
           <a:lstStyle>
-            <a:lvl1pPr marL="0" indent="0">
-              <a:buNone/>
-              <a:defRPr sz="1400"/>
-            </a:lvl1pPr>
-            <a:lvl2pPr marL="457200" indent="0">
-              <a:buNone/>
-              <a:defRPr sz="1200"/>
-            </a:lvl2pPr>
-            <a:lvl3pPr marL="914400" indent="0">
-              <a:buNone/>
-              <a:defRPr sz="1000"/>
-            </a:lvl3pPr>
-            <a:lvl4pPr marL="1371600" indent="0">
-              <a:buNone/>
-              <a:defRPr sz="900"/>
-            </a:lvl4pPr>
-            <a:lvl5pPr marL="1828800" indent="0">
-              <a:buNone/>
-              <a:defRPr sz="900"/>
-            </a:lvl5pPr>
-            <a:lvl6pPr marL="2286000" indent="0">
-              <a:buNone/>
-              <a:defRPr sz="900"/>
-            </a:lvl6pPr>
-            <a:lvl7pPr marL="2743200" indent="0">
-              <a:buNone/>
-              <a:defRPr sz="900"/>
-            </a:lvl7pPr>
-            <a:lvl8pPr marL="3200400" indent="0">
-              <a:buNone/>
-              <a:defRPr sz="900"/>
-            </a:lvl8pPr>
-            <a:lvl9pPr marL="3657600" indent="0">
-              <a:buNone/>
-              <a:defRPr sz="900"/>
-            </a:lvl9pPr>
-          </a:lstStyle>
-          <a:p>
-            <a:pPr lvl="0"/>
-            <a:r>
-              <a:rPr lang="en-US" smtClean="0"/>
-              <a:t>Click to edit Master text styles</a:t>
-            </a:r>
-          </a:p>
-        </p:txBody>
-      </p:sp>
-      <p:sp>
-        <p:nvSpPr>
-          <p:cNvPr id="5" name="Date Placeholder 4"/>
-          <p:cNvSpPr>
-            <a:spLocks noGrp="1"/>
-          </p:cNvSpPr>
-          <p:nvPr>
-            <p:ph type="dt" sz="half" idx="10"/>
-          </p:nvPr>
-        </p:nvSpPr>
-        <p:spPr/>
-        <p:txBody>
-          <a:bodyPr/>
-          <a:lstStyle/>
+            <a:extLst/>
+          </a:lstStyle>
           <a:p>
             <a:fld id="{1D8BD707-D9CF-40AE-B4C6-C98DA3205C09}" type="datetimeFigureOut">
               <a:rPr lang="en-US" smtClean="0"/>
               <a:pPr/>
-              <a:t>10/1/2012</a:t>
+              <a:t>10/2/2012</a:t>
             </a:fld>
             <a:endParaRPr lang="en-US" dirty="0"/>
           </a:p>
@@ -2253,7 +2915,9 @@
         <p:spPr/>
         <p:txBody>
           <a:bodyPr/>
-          <a:lstStyle/>
+          <a:lstStyle>
+            <a:extLst/>
+          </a:lstStyle>
           <a:p>
             <a:endParaRPr lang="en-US" dirty="0"/>
           </a:p>
@@ -2272,7 +2936,9 @@
         <p:spPr/>
         <p:txBody>
           <a:bodyPr/>
-          <a:lstStyle/>
+          <a:lstStyle>
+            <a:extLst/>
+          </a:lstStyle>
           <a:p>
             <a:fld id="{B6F15528-21DE-4FAA-801E-634DDDAF4B2B}" type="slidenum">
               <a:rPr lang="en-US" smtClean="0"/>
@@ -2286,14 +2952,19 @@
     </p:spTree>
   </p:cSld>
   <p:clrMapOvr>
-    <a:masterClrMapping/>
+    <a:overrideClrMapping bg1="lt1" tx1="dk1" bg2="lt2" tx2="dk2" accent1="accent1" accent2="accent2" accent3="accent3" accent4="accent4" accent5="accent5" accent6="accent6" hlink="hlink" folHlink="folHlink"/>
   </p:clrMapOvr>
 </p:sldLayout>
 </file>
 
 <file path=ppt/slideLayouts/slideLayout9.xml><?xml version="1.0" encoding="utf-8"?>
-<p:sldLayout xmlns:a="http://schemas.openxmlformats.org/drawingml/2006/main" xmlns:r="http://schemas.openxmlformats.org/officeDocument/2006/relationships" xmlns:p="http://schemas.openxmlformats.org/presentationml/2006/main" type="picTx" preserve="1">
+<p:sldLayout xmlns:a="http://schemas.openxmlformats.org/drawingml/2006/main" xmlns:r="http://schemas.openxmlformats.org/officeDocument/2006/relationships" xmlns:p="http://schemas.openxmlformats.org/presentationml/2006/main" showMasterSp="0" type="picTx" preserve="1">
   <p:cSld name="Picture with Caption">
+    <p:bg>
+      <p:bgRef idx="1002">
+        <a:schemeClr val="bg1"/>
+      </p:bgRef>
+    </p:bg>
     <p:spTree>
       <p:nvGrpSpPr>
         <p:cNvPr id="1" name=""/>
@@ -2310,33 +2981,48 @@
       </p:grpSpPr>
       <p:sp>
         <p:nvSpPr>
-          <p:cNvPr id="2" name="Title 1"/>
-          <p:cNvSpPr>
-            <a:spLocks noGrp="1"/>
-          </p:cNvSpPr>
-          <p:nvPr>
-            <p:ph type="title"/>
+          <p:cNvPr id="4" name="Text Placeholder 3"/>
+          <p:cNvSpPr>
+            <a:spLocks noGrp="1"/>
+          </p:cNvSpPr>
+          <p:nvPr>
+            <p:ph type="body" sz="half" idx="2"/>
           </p:nvPr>
         </p:nvSpPr>
         <p:spPr>
           <a:xfrm>
-            <a:off x="1792288" y="4800600"/>
-            <a:ext cx="5486400" cy="566738"/>
+            <a:off x="1141232" y="5443402"/>
+            <a:ext cx="7162800" cy="648232"/>
           </a:xfrm>
+          <a:noFill/>
         </p:spPr>
         <p:txBody>
-          <a:bodyPr anchor="b"/>
-          <a:lstStyle>
-            <a:lvl1pPr algn="l">
-              <a:defRPr sz="2000" b="1"/>
+          <a:bodyPr lIns="91440" tIns="0" rIns="91440" anchor="t"/>
+          <a:lstStyle>
+            <a:lvl1pPr marL="0" marR="18288" indent="0" algn="r">
+              <a:buNone/>
+              <a:defRPr sz="1400"/>
             </a:lvl1pPr>
-          </a:lstStyle>
-          <a:p>
-            <a:r>
-              <a:rPr lang="en-US" smtClean="0"/>
-              <a:t>Click to edit Master title style</a:t>
-            </a:r>
-            <a:endParaRPr lang="en-US"/>
+            <a:lvl2pPr>
+              <a:defRPr sz="1200"/>
+            </a:lvl2pPr>
+            <a:lvl3pPr>
+              <a:defRPr sz="1000"/>
+            </a:lvl3pPr>
+            <a:lvl4pPr>
+              <a:defRPr sz="900"/>
+            </a:lvl4pPr>
+            <a:lvl5pPr>
+              <a:defRPr sz="900"/>
+            </a:lvl5pPr>
+            <a:extLst/>
+          </a:lstStyle>
+          <a:p>
+            <a:pPr lvl="0" eaLnBrk="1" latinLnBrk="0" hangingPunct="1"/>
+            <a:r>
+              <a:rPr kumimoji="0" lang="en-US" smtClean="0"/>
+              <a:t>Click to edit Master text styles</a:t>
+            </a:r>
           </a:p>
         </p:txBody>
       </p:sp>
@@ -2352,9 +3038,25 @@
         </p:nvSpPr>
         <p:spPr>
           <a:xfrm>
-            <a:off x="1792288" y="612775"/>
-            <a:ext cx="5486400" cy="4114800"/>
+            <a:off x="228600" y="189968"/>
+            <a:ext cx="8686800" cy="4389120"/>
           </a:xfrm>
+          <a:prstGeom prst="rect">
+            <a:avLst/>
+          </a:prstGeom>
+          <a:solidFill>
+            <a:schemeClr val="bg2"/>
+          </a:solidFill>
+          <a:ln>
+            <a:solidFill>
+              <a:schemeClr val="bg1"/>
+            </a:solidFill>
+          </a:ln>
+          <a:effectLst>
+            <a:innerShdw blurRad="95250">
+              <a:srgbClr val="000000"/>
+            </a:innerShdw>
+          </a:effectLst>
         </p:spPr>
         <p:txBody>
           <a:bodyPr/>
@@ -2363,128 +3065,45 @@
               <a:buNone/>
               <a:defRPr sz="3200"/>
             </a:lvl1pPr>
-            <a:lvl2pPr marL="457200" indent="0">
-              <a:buNone/>
-              <a:defRPr sz="2800"/>
-            </a:lvl2pPr>
-            <a:lvl3pPr marL="914400" indent="0">
-              <a:buNone/>
-              <a:defRPr sz="2400"/>
-            </a:lvl3pPr>
-            <a:lvl4pPr marL="1371600" indent="0">
-              <a:buNone/>
-              <a:defRPr sz="2000"/>
-            </a:lvl4pPr>
-            <a:lvl5pPr marL="1828800" indent="0">
-              <a:buNone/>
-              <a:defRPr sz="2000"/>
-            </a:lvl5pPr>
-            <a:lvl6pPr marL="2286000" indent="0">
-              <a:buNone/>
-              <a:defRPr sz="2000"/>
-            </a:lvl6pPr>
-            <a:lvl7pPr marL="2743200" indent="0">
-              <a:buNone/>
-              <a:defRPr sz="2000"/>
-            </a:lvl7pPr>
-            <a:lvl8pPr marL="3200400" indent="0">
-              <a:buNone/>
-              <a:defRPr sz="2000"/>
-            </a:lvl8pPr>
-            <a:lvl9pPr marL="3657600" indent="0">
-              <a:buNone/>
-              <a:defRPr sz="2000"/>
-            </a:lvl9pPr>
-          </a:lstStyle>
-          <a:p>
-            <a:endParaRPr lang="en-US" dirty="0"/>
-          </a:p>
-        </p:txBody>
-      </p:sp>
-      <p:sp>
-        <p:nvSpPr>
-          <p:cNvPr id="4" name="Text Placeholder 3"/>
-          <p:cNvSpPr>
-            <a:spLocks noGrp="1"/>
-          </p:cNvSpPr>
-          <p:nvPr>
-            <p:ph type="body" sz="half" idx="2"/>
-          </p:nvPr>
-        </p:nvSpPr>
-        <p:spPr>
-          <a:xfrm>
-            <a:off x="1792288" y="5367338"/>
-            <a:ext cx="5486400" cy="804862"/>
-          </a:xfrm>
-        </p:spPr>
+            <a:extLst/>
+          </a:lstStyle>
+          <a:p>
+            <a:r>
+              <a:rPr kumimoji="0" lang="en-US" smtClean="0"/>
+              <a:t>Click icon to add picture</a:t>
+            </a:r>
+            <a:endParaRPr kumimoji="0" lang="en-US" dirty="0"/>
+          </a:p>
+        </p:txBody>
+      </p:sp>
+      <p:sp>
+        <p:nvSpPr>
+          <p:cNvPr id="5" name="Date Placeholder 4"/>
+          <p:cNvSpPr>
+            <a:spLocks noGrp="1"/>
+          </p:cNvSpPr>
+          <p:nvPr>
+            <p:ph type="dt" sz="half" idx="10"/>
+          </p:nvPr>
+        </p:nvSpPr>
+        <p:spPr/>
         <p:txBody>
           <a:bodyPr/>
           <a:lstStyle>
-            <a:lvl1pPr marL="0" indent="0">
-              <a:buNone/>
-              <a:defRPr sz="1400"/>
+            <a:lvl1pPr>
+              <a:defRPr>
+                <a:solidFill>
+                  <a:schemeClr val="tx1"/>
+                </a:solidFill>
+              </a:defRPr>
             </a:lvl1pPr>
-            <a:lvl2pPr marL="457200" indent="0">
-              <a:buNone/>
-              <a:defRPr sz="1200"/>
-            </a:lvl2pPr>
-            <a:lvl3pPr marL="914400" indent="0">
-              <a:buNone/>
-              <a:defRPr sz="1000"/>
-            </a:lvl3pPr>
-            <a:lvl4pPr marL="1371600" indent="0">
-              <a:buNone/>
-              <a:defRPr sz="900"/>
-            </a:lvl4pPr>
-            <a:lvl5pPr marL="1828800" indent="0">
-              <a:buNone/>
-              <a:defRPr sz="900"/>
-            </a:lvl5pPr>
-            <a:lvl6pPr marL="2286000" indent="0">
-              <a:buNone/>
-              <a:defRPr sz="900"/>
-            </a:lvl6pPr>
-            <a:lvl7pPr marL="2743200" indent="0">
-              <a:buNone/>
-              <a:defRPr sz="900"/>
-            </a:lvl7pPr>
-            <a:lvl8pPr marL="3200400" indent="0">
-              <a:buNone/>
-              <a:defRPr sz="900"/>
-            </a:lvl8pPr>
-            <a:lvl9pPr marL="3657600" indent="0">
-              <a:buNone/>
-              <a:defRPr sz="900"/>
-            </a:lvl9pPr>
-          </a:lstStyle>
-          <a:p>
-            <a:pPr lvl="0"/>
-            <a:r>
-              <a:rPr lang="en-US" smtClean="0"/>
-              <a:t>Click to edit Master text styles</a:t>
-            </a:r>
-          </a:p>
-        </p:txBody>
-      </p:sp>
-      <p:sp>
-        <p:nvSpPr>
-          <p:cNvPr id="5" name="Date Placeholder 4"/>
-          <p:cNvSpPr>
-            <a:spLocks noGrp="1"/>
-          </p:cNvSpPr>
-          <p:nvPr>
-            <p:ph type="dt" sz="half" idx="10"/>
-          </p:nvPr>
-        </p:nvSpPr>
-        <p:spPr/>
-        <p:txBody>
-          <a:bodyPr/>
-          <a:lstStyle/>
+            <a:extLst/>
+          </a:lstStyle>
           <a:p>
             <a:fld id="{1D8BD707-D9CF-40AE-B4C6-C98DA3205C09}" type="datetimeFigureOut">
               <a:rPr lang="en-US" smtClean="0"/>
               <a:pPr/>
-              <a:t>10/1/2012</a:t>
+              <a:t>10/2/2012</a:t>
             </a:fld>
             <a:endParaRPr lang="en-US" dirty="0"/>
           </a:p>
@@ -2500,29 +3119,52 @@
             <p:ph type="ftr" sz="quarter" idx="11"/>
           </p:nvPr>
         </p:nvSpPr>
+        <p:spPr>
+          <a:xfrm>
+            <a:off x="4380072" y="6407944"/>
+            <a:ext cx="2350681" cy="365125"/>
+          </a:xfrm>
+        </p:spPr>
+        <p:txBody>
+          <a:bodyPr/>
+          <a:lstStyle>
+            <a:lvl1pPr>
+              <a:defRPr>
+                <a:solidFill>
+                  <a:schemeClr val="tx1"/>
+                </a:solidFill>
+              </a:defRPr>
+            </a:lvl1pPr>
+            <a:extLst/>
+          </a:lstStyle>
+          <a:p>
+            <a:endParaRPr lang="en-US" dirty="0"/>
+          </a:p>
+        </p:txBody>
+      </p:sp>
+      <p:sp>
+        <p:nvSpPr>
+          <p:cNvPr id="7" name="Slide Number Placeholder 6"/>
+          <p:cNvSpPr>
+            <a:spLocks noGrp="1"/>
+          </p:cNvSpPr>
+          <p:nvPr>
+            <p:ph type="sldNum" sz="quarter" idx="12"/>
+          </p:nvPr>
+        </p:nvSpPr>
         <p:spPr/>
         <p:txBody>
           <a:bodyPr/>
-          <a:lstStyle/>
-          <a:p>
-            <a:endParaRPr lang="en-US" dirty="0"/>
-          </a:p>
-        </p:txBody>
-      </p:sp>
-      <p:sp>
-        <p:nvSpPr>
-          <p:cNvPr id="7" name="Slide Number Placeholder 6"/>
-          <p:cNvSpPr>
-            <a:spLocks noGrp="1"/>
-          </p:cNvSpPr>
-          <p:nvPr>
-            <p:ph type="sldNum" sz="quarter" idx="12"/>
-          </p:nvPr>
-        </p:nvSpPr>
-        <p:spPr/>
-        <p:txBody>
-          <a:bodyPr/>
-          <a:lstStyle/>
+          <a:lstStyle>
+            <a:lvl1pPr>
+              <a:defRPr>
+                <a:solidFill>
+                  <a:schemeClr val="tx1"/>
+                </a:solidFill>
+              </a:defRPr>
+            </a:lvl1pPr>
+            <a:extLst/>
+          </a:lstStyle>
           <a:p>
             <a:fld id="{B6F15528-21DE-4FAA-801E-634DDDAF4B2B}" type="slidenum">
               <a:rPr lang="en-US" smtClean="0"/>
@@ -2533,10 +3175,548 @@
           </a:p>
         </p:txBody>
       </p:sp>
+      <p:sp>
+        <p:nvSpPr>
+          <p:cNvPr id="2" name="Title 1"/>
+          <p:cNvSpPr>
+            <a:spLocks noGrp="1"/>
+          </p:cNvSpPr>
+          <p:nvPr>
+            <p:ph type="title"/>
+          </p:nvPr>
+        </p:nvSpPr>
+        <p:spPr>
+          <a:xfrm>
+            <a:off x="228600" y="4865122"/>
+            <a:ext cx="8075432" cy="562672"/>
+          </a:xfrm>
+          <a:noFill/>
+        </p:spPr>
+        <p:txBody>
+          <a:bodyPr anchor="t">
+            <a:sp3d prstMaterial="softEdge"/>
+          </a:bodyPr>
+          <a:lstStyle>
+            <a:lvl1pPr marR="0" algn="r">
+              <a:buNone/>
+              <a:defRPr sz="3000" b="0">
+                <a:solidFill>
+                  <a:schemeClr val="accent1"/>
+                </a:solidFill>
+                <a:effectLst>
+                  <a:outerShdw blurRad="50800" dist="25000" dir="5400000" algn="t" rotWithShape="0">
+                    <a:prstClr val="black">
+                      <a:alpha val="45000"/>
+                    </a:prstClr>
+                  </a:outerShdw>
+                </a:effectLst>
+              </a:defRPr>
+            </a:lvl1pPr>
+            <a:extLst/>
+          </a:lstStyle>
+          <a:p>
+            <a:r>
+              <a:rPr kumimoji="0" lang="en-US" smtClean="0"/>
+              <a:t>Click to edit Master title style</a:t>
+            </a:r>
+            <a:endParaRPr kumimoji="0" lang="en-US"/>
+          </a:p>
+        </p:txBody>
+      </p:sp>
+      <p:sp>
+        <p:nvSpPr>
+          <p:cNvPr id="8" name="Freeform 7"/>
+          <p:cNvSpPr>
+            <a:spLocks/>
+          </p:cNvSpPr>
+          <p:nvPr/>
+        </p:nvSpPr>
+        <p:spPr bwMode="auto">
+          <a:xfrm>
+            <a:off x="499273" y="5944936"/>
+            <a:ext cx="4940624" cy="921076"/>
+          </a:xfrm>
+          <a:custGeom>
+            <a:avLst>
+              <a:gd name="A1" fmla="val 0"/>
+              <a:gd name="A2" fmla="val 0"/>
+              <a:gd name="A3" fmla="val 0"/>
+              <a:gd name="A4" fmla="val 0"/>
+              <a:gd name="A5" fmla="val 0"/>
+              <a:gd name="A6" fmla="val 0"/>
+              <a:gd name="A7" fmla="val 0"/>
+              <a:gd name="A8" fmla="val 0"/>
+            </a:avLst>
+            <a:gdLst/>
+            <a:ahLst/>
+            <a:cxnLst>
+              <a:cxn ang="0">
+                <a:pos x="0" y="0"/>
+              </a:cxn>
+              <a:cxn ang="0">
+                <a:pos x="5760" y="0"/>
+              </a:cxn>
+              <a:cxn ang="0">
+                <a:pos x="5760" y="528"/>
+              </a:cxn>
+              <a:cxn ang="0">
+                <a:pos x="48" y="0"/>
+              </a:cxn>
+            </a:cxnLst>
+            <a:rect l="0" t="0" r="0" b="0"/>
+            <a:pathLst>
+              <a:path w="7485" h="337">
+                <a:moveTo>
+                  <a:pt x="0" y="2"/>
+                </a:moveTo>
+                <a:lnTo>
+                  <a:pt x="7485" y="337"/>
+                </a:lnTo>
+                <a:lnTo>
+                  <a:pt x="5558" y="337"/>
+                </a:lnTo>
+                <a:lnTo>
+                  <a:pt x="1" y="0"/>
+                </a:lnTo>
+              </a:path>
+            </a:pathLst>
+          </a:custGeom>
+          <a:solidFill>
+            <a:schemeClr val="accent1">
+              <a:tint val="65000"/>
+              <a:satMod val="115000"/>
+              <a:alpha val="40000"/>
+            </a:schemeClr>
+          </a:solidFill>
+          <a:ln w="9525" cap="flat" cmpd="sng" algn="ctr">
+            <a:noFill/>
+            <a:prstDash val="solid"/>
+            <a:round/>
+            <a:headEnd type="none" w="med" len="med"/>
+            <a:tailEnd type="none" w="med" len="med"/>
+          </a:ln>
+          <a:effectLst/>
+        </p:spPr>
+        <p:txBody>
+          <a:bodyPr vert="horz" wrap="square" lIns="91440" tIns="45720" rIns="91440" bIns="45720" anchor="t" compatLnSpc="1"/>
+          <a:lstStyle>
+            <a:extLst/>
+          </a:lstStyle>
+          <a:p>
+            <a:endParaRPr kumimoji="0" lang="en-US"/>
+          </a:p>
+        </p:txBody>
+      </p:sp>
+      <p:sp>
+        <p:nvSpPr>
+          <p:cNvPr id="9" name="Freeform 8"/>
+          <p:cNvSpPr>
+            <a:spLocks/>
+          </p:cNvSpPr>
+          <p:nvPr/>
+        </p:nvSpPr>
+        <p:spPr bwMode="auto">
+          <a:xfrm>
+            <a:off x="485717" y="5939011"/>
+            <a:ext cx="3690451" cy="933450"/>
+          </a:xfrm>
+          <a:custGeom>
+            <a:avLst>
+              <a:gd name="A1" fmla="val 0"/>
+              <a:gd name="A2" fmla="val 0"/>
+              <a:gd name="A3" fmla="val 0"/>
+              <a:gd name="A4" fmla="val 0"/>
+              <a:gd name="A5" fmla="val 0"/>
+              <a:gd name="A6" fmla="val 0"/>
+              <a:gd name="A7" fmla="val 0"/>
+              <a:gd name="A8" fmla="val 0"/>
+            </a:avLst>
+            <a:gdLst/>
+            <a:ahLst/>
+            <a:cxnLst>
+              <a:cxn ang="0">
+                <a:pos x="0" y="0"/>
+              </a:cxn>
+              <a:cxn ang="0">
+                <a:pos x="5760" y="0"/>
+              </a:cxn>
+              <a:cxn ang="0">
+                <a:pos x="5760" y="528"/>
+              </a:cxn>
+              <a:cxn ang="0">
+                <a:pos x="48" y="0"/>
+              </a:cxn>
+            </a:cxnLst>
+            <a:rect l="0" t="0" r="0" b="0"/>
+            <a:pathLst>
+              <a:path w="5591" h="588">
+                <a:moveTo>
+                  <a:pt x="0" y="0"/>
+                </a:moveTo>
+                <a:lnTo>
+                  <a:pt x="5591" y="585"/>
+                </a:lnTo>
+                <a:lnTo>
+                  <a:pt x="4415" y="588"/>
+                </a:lnTo>
+                <a:lnTo>
+                  <a:pt x="12" y="4"/>
+                </a:lnTo>
+              </a:path>
+            </a:pathLst>
+          </a:custGeom>
+          <a:solidFill>
+            <a:srgbClr val="000000">
+              <a:alpha val="100000"/>
+            </a:srgbClr>
+          </a:solidFill>
+          <a:ln w="9525" cap="flat" cmpd="sng" algn="ctr">
+            <a:noFill/>
+            <a:prstDash val="solid"/>
+            <a:round/>
+            <a:headEnd type="none" w="med" len="med"/>
+            <a:tailEnd type="none" w="med" len="med"/>
+          </a:ln>
+          <a:effectLst/>
+        </p:spPr>
+        <p:txBody>
+          <a:bodyPr vert="horz" wrap="square" lIns="91440" tIns="45720" rIns="91440" bIns="45720" anchor="t" compatLnSpc="1"/>
+          <a:lstStyle>
+            <a:extLst/>
+          </a:lstStyle>
+          <a:p>
+            <a:endParaRPr kumimoji="0" lang="en-US"/>
+          </a:p>
+        </p:txBody>
+      </p:sp>
+      <p:sp>
+        <p:nvSpPr>
+          <p:cNvPr id="10" name="Right Triangle 9"/>
+          <p:cNvSpPr>
+            <a:spLocks/>
+          </p:cNvSpPr>
+          <p:nvPr/>
+        </p:nvSpPr>
+        <p:spPr bwMode="auto">
+          <a:xfrm>
+            <a:off x="-6042" y="5791253"/>
+            <a:ext cx="3402314" cy="1080868"/>
+          </a:xfrm>
+          <a:prstGeom prst="rtTriangle">
+            <a:avLst/>
+          </a:prstGeom>
+          <a:blipFill>
+            <a:blip r:embed="rId2">
+              <a:alphaModFix amt="50000"/>
+            </a:blip>
+            <a:tile tx="0" ty="0" sx="50000" sy="50000" flip="none" algn="t"/>
+          </a:blipFill>
+          <a:ln w="12700" cap="rnd" cmpd="thickThin" algn="ctr">
+            <a:noFill/>
+            <a:prstDash val="solid"/>
+          </a:ln>
+          <a:effectLst>
+            <a:fillOverlay blend="mult">
+              <a:gradFill flip="none" rotWithShape="1">
+                <a:gsLst>
+                  <a:gs pos="0">
+                    <a:schemeClr val="accent1">
+                      <a:shade val="20000"/>
+                      <a:satMod val="176000"/>
+                      <a:alpha val="100000"/>
+                    </a:schemeClr>
+                  </a:gs>
+                  <a:gs pos="18000">
+                    <a:schemeClr val="accent1">
+                      <a:shade val="48000"/>
+                      <a:satMod val="153000"/>
+                      <a:alpha val="100000"/>
+                    </a:schemeClr>
+                  </a:gs>
+                  <a:gs pos="43000">
+                    <a:schemeClr val="accent1">
+                      <a:tint val="86000"/>
+                      <a:satMod val="149000"/>
+                      <a:alpha val="100000"/>
+                    </a:schemeClr>
+                  </a:gs>
+                  <a:gs pos="45000">
+                    <a:schemeClr val="accent1">
+                      <a:tint val="85000"/>
+                      <a:satMod val="150000"/>
+                      <a:alpha val="100000"/>
+                    </a:schemeClr>
+                  </a:gs>
+                  <a:gs pos="50000">
+                    <a:schemeClr val="accent1">
+                      <a:tint val="86000"/>
+                      <a:satMod val="149000"/>
+                      <a:alpha val="100000"/>
+                    </a:schemeClr>
+                  </a:gs>
+                  <a:gs pos="79000">
+                    <a:schemeClr val="accent1">
+                      <a:shade val="53000"/>
+                      <a:satMod val="150000"/>
+                      <a:alpha val="100000"/>
+                    </a:schemeClr>
+                  </a:gs>
+                  <a:gs pos="100000">
+                    <a:schemeClr val="accent1">
+                      <a:shade val="25000"/>
+                      <a:satMod val="170000"/>
+                      <a:alpha val="100000"/>
+                    </a:schemeClr>
+                  </a:gs>
+                </a:gsLst>
+                <a:lin ang="450000" scaled="1"/>
+                <a:tileRect/>
+              </a:gradFill>
+            </a:fillOverlay>
+          </a:effectLst>
+        </p:spPr>
+        <p:style>
+          <a:lnRef idx="3">
+            <a:schemeClr val="lt1"/>
+          </a:lnRef>
+          <a:fillRef idx="1">
+            <a:schemeClr val="accent1"/>
+          </a:fillRef>
+          <a:effectRef idx="1">
+            <a:schemeClr val="accent1"/>
+          </a:effectRef>
+          <a:fontRef idx="minor">
+            <a:schemeClr val="lt1"/>
+          </a:fontRef>
+        </p:style>
+        <p:txBody>
+          <a:bodyPr vert="horz" wrap="square" lIns="91440" tIns="45720" rIns="91440" bIns="45720" anchor="ctr" compatLnSpc="1"/>
+          <a:lstStyle>
+            <a:extLst/>
+          </a:lstStyle>
+          <a:p>
+            <a:pPr algn="ctr" eaLnBrk="1" latinLnBrk="0" hangingPunct="1"/>
+            <a:endParaRPr kumimoji="0" lang="en-US"/>
+          </a:p>
+        </p:txBody>
+      </p:sp>
+      <p:cxnSp>
+        <p:nvCxnSpPr>
+          <p:cNvPr id="11" name="Straight Connector 10"/>
+          <p:cNvCxnSpPr/>
+          <p:nvPr/>
+        </p:nvCxnSpPr>
+        <p:spPr>
+          <a:xfrm>
+            <a:off x="-9237" y="5787738"/>
+            <a:ext cx="3405509" cy="1084383"/>
+          </a:xfrm>
+          <a:prstGeom prst="line">
+            <a:avLst/>
+          </a:prstGeom>
+          <a:noFill/>
+          <a:ln w="12065" cap="flat" cmpd="sng" algn="ctr">
+            <a:gradFill>
+              <a:gsLst>
+                <a:gs pos="45000">
+                  <a:schemeClr val="accent1">
+                    <a:tint val="70000"/>
+                    <a:satMod val="110000"/>
+                  </a:schemeClr>
+                </a:gs>
+                <a:gs pos="15000">
+                  <a:schemeClr val="accent1">
+                    <a:shade val="40000"/>
+                    <a:satMod val="110000"/>
+                  </a:schemeClr>
+                </a:gs>
+              </a:gsLst>
+              <a:lin ang="5400000" scaled="1"/>
+            </a:gradFill>
+            <a:prstDash val="solid"/>
+            <a:miter lim="800000"/>
+          </a:ln>
+          <a:effectLst/>
+        </p:spPr>
+        <p:style>
+          <a:lnRef idx="2">
+            <a:schemeClr val="accent1"/>
+          </a:lnRef>
+          <a:fillRef idx="0">
+            <a:schemeClr val="accent1"/>
+          </a:fillRef>
+          <a:effectRef idx="1">
+            <a:schemeClr val="accent1"/>
+          </a:effectRef>
+          <a:fontRef idx="minor">
+            <a:schemeClr val="tx1"/>
+          </a:fontRef>
+        </p:style>
+      </p:cxnSp>
+      <p:sp>
+        <p:nvSpPr>
+          <p:cNvPr id="12" name="Chevron 11"/>
+          <p:cNvSpPr/>
+          <p:nvPr/>
+        </p:nvSpPr>
+        <p:spPr>
+          <a:xfrm>
+            <a:off x="8664112" y="4988440"/>
+            <a:ext cx="182880" cy="228600"/>
+          </a:xfrm>
+          <a:prstGeom prst="chevron">
+            <a:avLst>
+              <a:gd name="adj" fmla="val 50000"/>
+            </a:avLst>
+          </a:prstGeom>
+          <a:gradFill flip="none" rotWithShape="1">
+            <a:gsLst>
+              <a:gs pos="0">
+                <a:schemeClr val="accent1">
+                  <a:shade val="60000"/>
+                  <a:satMod val="125000"/>
+                </a:schemeClr>
+              </a:gs>
+              <a:gs pos="72000">
+                <a:schemeClr val="accent1">
+                  <a:tint val="90000"/>
+                  <a:satMod val="138000"/>
+                </a:schemeClr>
+              </a:gs>
+              <a:gs pos="100000">
+                <a:schemeClr val="accent1">
+                  <a:tint val="76000"/>
+                  <a:satMod val="136000"/>
+                </a:schemeClr>
+              </a:gs>
+            </a:gsLst>
+            <a:lin ang="16200000" scaled="0"/>
+          </a:gradFill>
+          <a:ln w="3175" cap="rnd" cmpd="sng" algn="ctr">
+            <a:solidFill>
+              <a:schemeClr val="accent1">
+                <a:shade val="50000"/>
+              </a:schemeClr>
+            </a:solidFill>
+            <a:prstDash val="solid"/>
+          </a:ln>
+          <a:effectLst>
+            <a:outerShdw blurRad="50800" dist="25400" dir="5400000">
+              <a:srgbClr val="000000">
+                <a:alpha val="46000"/>
+              </a:srgbClr>
+            </a:outerShdw>
+          </a:effectLst>
+        </p:spPr>
+        <p:style>
+          <a:lnRef idx="1">
+            <a:schemeClr val="accent1"/>
+          </a:lnRef>
+          <a:fillRef idx="3">
+            <a:schemeClr val="accent1"/>
+          </a:fillRef>
+          <a:effectRef idx="2">
+            <a:schemeClr val="accent1"/>
+          </a:effectRef>
+          <a:fontRef idx="minor">
+            <a:schemeClr val="lt1"/>
+          </a:fontRef>
+        </p:style>
+        <p:txBody>
+          <a:bodyPr anchor="ctr"/>
+          <a:lstStyle>
+            <a:extLst/>
+          </a:lstStyle>
+          <a:p>
+            <a:pPr algn="l" eaLnBrk="1" latinLnBrk="0" hangingPunct="1"/>
+            <a:endParaRPr kumimoji="0" lang="en-US"/>
+          </a:p>
+        </p:txBody>
+      </p:sp>
+      <p:sp>
+        <p:nvSpPr>
+          <p:cNvPr id="13" name="Chevron 12"/>
+          <p:cNvSpPr/>
+          <p:nvPr/>
+        </p:nvSpPr>
+        <p:spPr>
+          <a:xfrm>
+            <a:off x="8477696" y="4988440"/>
+            <a:ext cx="182880" cy="228600"/>
+          </a:xfrm>
+          <a:prstGeom prst="chevron">
+            <a:avLst>
+              <a:gd name="adj" fmla="val 50000"/>
+            </a:avLst>
+          </a:prstGeom>
+          <a:gradFill flip="none" rotWithShape="1">
+            <a:gsLst>
+              <a:gs pos="0">
+                <a:schemeClr val="accent1">
+                  <a:shade val="60000"/>
+                  <a:satMod val="125000"/>
+                </a:schemeClr>
+              </a:gs>
+              <a:gs pos="72000">
+                <a:schemeClr val="accent1">
+                  <a:tint val="90000"/>
+                  <a:satMod val="138000"/>
+                </a:schemeClr>
+              </a:gs>
+              <a:gs pos="100000">
+                <a:schemeClr val="accent1">
+                  <a:tint val="76000"/>
+                  <a:satMod val="136000"/>
+                </a:schemeClr>
+              </a:gs>
+            </a:gsLst>
+            <a:lin ang="16200000" scaled="0"/>
+          </a:gradFill>
+          <a:ln w="3175" cap="rnd" cmpd="sng" algn="ctr">
+            <a:solidFill>
+              <a:schemeClr val="accent1">
+                <a:shade val="50000"/>
+              </a:schemeClr>
+            </a:solidFill>
+            <a:prstDash val="solid"/>
+          </a:ln>
+          <a:effectLst>
+            <a:outerShdw blurRad="50800" dist="25400" dir="5400000">
+              <a:srgbClr val="000000">
+                <a:alpha val="46000"/>
+              </a:srgbClr>
+            </a:outerShdw>
+          </a:effectLst>
+        </p:spPr>
+        <p:style>
+          <a:lnRef idx="1">
+            <a:schemeClr val="accent1"/>
+          </a:lnRef>
+          <a:fillRef idx="3">
+            <a:schemeClr val="accent1"/>
+          </a:fillRef>
+          <a:effectRef idx="2">
+            <a:schemeClr val="accent1"/>
+          </a:effectRef>
+          <a:fontRef idx="minor">
+            <a:schemeClr val="lt1"/>
+          </a:fontRef>
+        </p:style>
+        <p:txBody>
+          <a:bodyPr anchor="ctr"/>
+          <a:lstStyle>
+            <a:extLst/>
+          </a:lstStyle>
+          <a:p>
+            <a:pPr algn="l" eaLnBrk="1" latinLnBrk="0" hangingPunct="1"/>
+            <a:endParaRPr kumimoji="0" lang="en-US"/>
+          </a:p>
+        </p:txBody>
+      </p:sp>
     </p:spTree>
   </p:cSld>
   <p:clrMapOvr>
-    <a:masterClrMapping/>
+    <a:overrideClrMapping bg1="dk1" tx1="lt1" bg2="dk2" tx2="lt2" accent1="accent1" accent2="accent2" accent3="accent3" accent4="accent4" accent5="accent5" accent6="accent6" hlink="hlink" folHlink="folHlink"/>
   </p:clrMapOvr>
 </p:sldLayout>
 </file>
@@ -2565,7 +3745,337 @@
       </p:grpSpPr>
       <p:sp>
         <p:nvSpPr>
-          <p:cNvPr id="2" name="Title Placeholder 1"/>
+          <p:cNvPr id="13" name="Freeform 12"/>
+          <p:cNvSpPr>
+            <a:spLocks/>
+          </p:cNvSpPr>
+          <p:nvPr/>
+        </p:nvSpPr>
+        <p:spPr bwMode="auto">
+          <a:xfrm>
+            <a:off x="499273" y="5944936"/>
+            <a:ext cx="4940624" cy="921076"/>
+          </a:xfrm>
+          <a:custGeom>
+            <a:avLst>
+              <a:gd name="A1" fmla="val 0"/>
+              <a:gd name="A2" fmla="val 0"/>
+              <a:gd name="A3" fmla="val 0"/>
+              <a:gd name="A4" fmla="val 0"/>
+              <a:gd name="A5" fmla="val 0"/>
+              <a:gd name="A6" fmla="val 0"/>
+              <a:gd name="A7" fmla="val 0"/>
+              <a:gd name="A8" fmla="val 0"/>
+            </a:avLst>
+            <a:gdLst/>
+            <a:ahLst/>
+            <a:cxnLst>
+              <a:cxn ang="0">
+                <a:pos x="0" y="0"/>
+              </a:cxn>
+              <a:cxn ang="0">
+                <a:pos x="5760" y="0"/>
+              </a:cxn>
+              <a:cxn ang="0">
+                <a:pos x="5760" y="528"/>
+              </a:cxn>
+              <a:cxn ang="0">
+                <a:pos x="48" y="0"/>
+              </a:cxn>
+            </a:cxnLst>
+            <a:rect l="0" t="0" r="0" b="0"/>
+            <a:pathLst>
+              <a:path w="7485" h="337">
+                <a:moveTo>
+                  <a:pt x="0" y="2"/>
+                </a:moveTo>
+                <a:lnTo>
+                  <a:pt x="7485" y="337"/>
+                </a:lnTo>
+                <a:lnTo>
+                  <a:pt x="5558" y="337"/>
+                </a:lnTo>
+                <a:lnTo>
+                  <a:pt x="1" y="0"/>
+                </a:lnTo>
+              </a:path>
+            </a:pathLst>
+          </a:custGeom>
+          <a:solidFill>
+            <a:schemeClr val="accent1">
+              <a:tint val="65000"/>
+              <a:satMod val="115000"/>
+              <a:alpha val="40000"/>
+            </a:schemeClr>
+          </a:solidFill>
+          <a:ln w="9525" cap="flat" cmpd="sng" algn="ctr">
+            <a:noFill/>
+            <a:prstDash val="solid"/>
+            <a:round/>
+            <a:headEnd type="none" w="med" len="med"/>
+            <a:tailEnd type="none" w="med" len="med"/>
+          </a:ln>
+          <a:effectLst/>
+        </p:spPr>
+        <p:txBody>
+          <a:bodyPr vert="horz" wrap="square" lIns="91440" tIns="45720" rIns="91440" bIns="45720" anchor="t" compatLnSpc="1"/>
+          <a:lstStyle>
+            <a:extLst/>
+          </a:lstStyle>
+          <a:p>
+            <a:endParaRPr kumimoji="0" lang="en-US"/>
+          </a:p>
+        </p:txBody>
+      </p:sp>
+      <p:sp>
+        <p:nvSpPr>
+          <p:cNvPr id="12" name="Freeform 11"/>
+          <p:cNvSpPr>
+            <a:spLocks/>
+          </p:cNvSpPr>
+          <p:nvPr/>
+        </p:nvSpPr>
+        <p:spPr bwMode="auto">
+          <a:xfrm>
+            <a:off x="485717" y="5939011"/>
+            <a:ext cx="3690451" cy="933450"/>
+          </a:xfrm>
+          <a:custGeom>
+            <a:avLst>
+              <a:gd name="A1" fmla="val 0"/>
+              <a:gd name="A2" fmla="val 0"/>
+              <a:gd name="A3" fmla="val 0"/>
+              <a:gd name="A4" fmla="val 0"/>
+              <a:gd name="A5" fmla="val 0"/>
+              <a:gd name="A6" fmla="val 0"/>
+              <a:gd name="A7" fmla="val 0"/>
+              <a:gd name="A8" fmla="val 0"/>
+            </a:avLst>
+            <a:gdLst/>
+            <a:ahLst/>
+            <a:cxnLst>
+              <a:cxn ang="0">
+                <a:pos x="0" y="0"/>
+              </a:cxn>
+              <a:cxn ang="0">
+                <a:pos x="5760" y="0"/>
+              </a:cxn>
+              <a:cxn ang="0">
+                <a:pos x="5760" y="528"/>
+              </a:cxn>
+              <a:cxn ang="0">
+                <a:pos x="48" y="0"/>
+              </a:cxn>
+            </a:cxnLst>
+            <a:rect l="0" t="0" r="0" b="0"/>
+            <a:pathLst>
+              <a:path w="5591" h="588">
+                <a:moveTo>
+                  <a:pt x="0" y="0"/>
+                </a:moveTo>
+                <a:lnTo>
+                  <a:pt x="5591" y="585"/>
+                </a:lnTo>
+                <a:lnTo>
+                  <a:pt x="4415" y="588"/>
+                </a:lnTo>
+                <a:lnTo>
+                  <a:pt x="12" y="4"/>
+                </a:lnTo>
+              </a:path>
+            </a:pathLst>
+          </a:custGeom>
+          <a:solidFill>
+            <a:srgbClr val="000000">
+              <a:alpha val="100000"/>
+            </a:srgbClr>
+          </a:solidFill>
+          <a:ln w="9525" cap="flat" cmpd="sng" algn="ctr">
+            <a:noFill/>
+            <a:prstDash val="solid"/>
+            <a:round/>
+            <a:headEnd type="none" w="med" len="med"/>
+            <a:tailEnd type="none" w="med" len="med"/>
+          </a:ln>
+          <a:effectLst/>
+        </p:spPr>
+        <p:txBody>
+          <a:bodyPr vert="horz" wrap="square" lIns="91440" tIns="45720" rIns="91440" bIns="45720" anchor="t" compatLnSpc="1"/>
+          <a:lstStyle>
+            <a:extLst/>
+          </a:lstStyle>
+          <a:p>
+            <a:endParaRPr kumimoji="0" lang="en-US"/>
+          </a:p>
+        </p:txBody>
+      </p:sp>
+      <p:sp>
+        <p:nvSpPr>
+          <p:cNvPr id="14" name="Right Triangle 13"/>
+          <p:cNvSpPr>
+            <a:spLocks/>
+          </p:cNvSpPr>
+          <p:nvPr/>
+        </p:nvSpPr>
+        <p:spPr bwMode="auto">
+          <a:xfrm>
+            <a:off x="-6042" y="5791253"/>
+            <a:ext cx="3402314" cy="1080868"/>
+          </a:xfrm>
+          <a:prstGeom prst="rtTriangle">
+            <a:avLst/>
+          </a:prstGeom>
+          <a:blipFill>
+            <a:blip r:embed="rId13">
+              <a:alphaModFix amt="50000"/>
+            </a:blip>
+            <a:tile tx="0" ty="0" sx="50000" sy="50000" flip="none" algn="t"/>
+          </a:blipFill>
+          <a:ln w="12700" cap="rnd" cmpd="thickThin" algn="ctr">
+            <a:noFill/>
+            <a:prstDash val="solid"/>
+          </a:ln>
+          <a:effectLst>
+            <a:fillOverlay blend="mult">
+              <a:gradFill flip="none" rotWithShape="1">
+                <a:gsLst>
+                  <a:gs pos="0">
+                    <a:schemeClr val="accent1">
+                      <a:shade val="20000"/>
+                      <a:satMod val="176000"/>
+                      <a:alpha val="100000"/>
+                    </a:schemeClr>
+                  </a:gs>
+                  <a:gs pos="18000">
+                    <a:schemeClr val="accent1">
+                      <a:shade val="48000"/>
+                      <a:satMod val="153000"/>
+                      <a:alpha val="100000"/>
+                    </a:schemeClr>
+                  </a:gs>
+                  <a:gs pos="43000">
+                    <a:schemeClr val="accent1">
+                      <a:tint val="86000"/>
+                      <a:satMod val="149000"/>
+                      <a:alpha val="100000"/>
+                    </a:schemeClr>
+                  </a:gs>
+                  <a:gs pos="45000">
+                    <a:schemeClr val="accent1">
+                      <a:tint val="85000"/>
+                      <a:satMod val="150000"/>
+                      <a:alpha val="100000"/>
+                    </a:schemeClr>
+                  </a:gs>
+                  <a:gs pos="50000">
+                    <a:schemeClr val="accent1">
+                      <a:tint val="86000"/>
+                      <a:satMod val="149000"/>
+                      <a:alpha val="100000"/>
+                    </a:schemeClr>
+                  </a:gs>
+                  <a:gs pos="79000">
+                    <a:schemeClr val="accent1">
+                      <a:shade val="53000"/>
+                      <a:satMod val="150000"/>
+                      <a:alpha val="100000"/>
+                    </a:schemeClr>
+                  </a:gs>
+                  <a:gs pos="100000">
+                    <a:schemeClr val="accent1">
+                      <a:shade val="25000"/>
+                      <a:satMod val="170000"/>
+                      <a:alpha val="100000"/>
+                    </a:schemeClr>
+                  </a:gs>
+                </a:gsLst>
+                <a:lin ang="450000" scaled="1"/>
+                <a:tileRect/>
+              </a:gradFill>
+            </a:fillOverlay>
+          </a:effectLst>
+        </p:spPr>
+        <p:style>
+          <a:lnRef idx="3">
+            <a:schemeClr val="lt1"/>
+          </a:lnRef>
+          <a:fillRef idx="1">
+            <a:schemeClr val="accent1"/>
+          </a:fillRef>
+          <a:effectRef idx="1">
+            <a:schemeClr val="accent1"/>
+          </a:effectRef>
+          <a:fontRef idx="minor">
+            <a:schemeClr val="lt1"/>
+          </a:fontRef>
+        </p:style>
+        <p:txBody>
+          <a:bodyPr vert="horz" wrap="square" lIns="91440" tIns="45720" rIns="91440" bIns="45720" anchor="ctr" compatLnSpc="1"/>
+          <a:lstStyle>
+            <a:extLst/>
+          </a:lstStyle>
+          <a:p>
+            <a:pPr algn="ctr" eaLnBrk="1" latinLnBrk="0" hangingPunct="1"/>
+            <a:endParaRPr kumimoji="0" lang="en-US"/>
+          </a:p>
+        </p:txBody>
+      </p:sp>
+      <p:cxnSp>
+        <p:nvCxnSpPr>
+          <p:cNvPr id="15" name="Straight Connector 14"/>
+          <p:cNvCxnSpPr/>
+          <p:nvPr/>
+        </p:nvCxnSpPr>
+        <p:spPr>
+          <a:xfrm>
+            <a:off x="-9237" y="5787738"/>
+            <a:ext cx="3405509" cy="1084383"/>
+          </a:xfrm>
+          <a:prstGeom prst="line">
+            <a:avLst/>
+          </a:prstGeom>
+          <a:noFill/>
+          <a:ln w="12065" cap="flat" cmpd="sng" algn="ctr">
+            <a:gradFill>
+              <a:gsLst>
+                <a:gs pos="45000">
+                  <a:schemeClr val="accent1">
+                    <a:tint val="70000"/>
+                    <a:satMod val="110000"/>
+                  </a:schemeClr>
+                </a:gs>
+                <a:gs pos="15000">
+                  <a:schemeClr val="accent1">
+                    <a:shade val="40000"/>
+                    <a:satMod val="110000"/>
+                  </a:schemeClr>
+                </a:gs>
+              </a:gsLst>
+              <a:lin ang="5400000" scaled="1"/>
+            </a:gradFill>
+            <a:prstDash val="solid"/>
+            <a:miter lim="800000"/>
+          </a:ln>
+          <a:effectLst/>
+        </p:spPr>
+        <p:style>
+          <a:lnRef idx="2">
+            <a:schemeClr val="accent1"/>
+          </a:lnRef>
+          <a:fillRef idx="0">
+            <a:schemeClr val="accent1"/>
+          </a:fillRef>
+          <a:effectRef idx="1">
+            <a:schemeClr val="accent1"/>
+          </a:effectRef>
+          <a:fontRef idx="minor">
+            <a:schemeClr val="tx1"/>
+          </a:fontRef>
+        </p:style>
+      </p:cxnSp>
+      <p:sp>
+        <p:nvSpPr>
+          <p:cNvPr id="9" name="Title Placeholder 8"/>
           <p:cNvSpPr>
             <a:spLocks noGrp="1"/>
           </p:cNvSpPr>
@@ -2583,22 +4093,31 @@
           </a:prstGeom>
         </p:spPr>
         <p:txBody>
-          <a:bodyPr vert="horz" lIns="91440" tIns="45720" rIns="91440" bIns="45720" rtlCol="0" anchor="ctr">
+          <a:bodyPr vert="horz" anchor="ctr">
             <a:normAutofit/>
+            <a:scene3d>
+              <a:camera prst="orthographicFront"/>
+              <a:lightRig rig="soft" dir="t"/>
+            </a:scene3d>
+            <a:sp3d prstMaterial="softEdge">
+              <a:bevelT w="25400" h="25400"/>
+            </a:sp3d>
           </a:bodyPr>
-          <a:lstStyle/>
-          <a:p>
-            <a:r>
-              <a:rPr lang="en-US" smtClean="0"/>
+          <a:lstStyle>
+            <a:extLst/>
+          </a:lstStyle>
+          <a:p>
+            <a:r>
+              <a:rPr kumimoji="0" lang="en-US" smtClean="0"/>
               <a:t>Click to edit Master title style</a:t>
             </a:r>
-            <a:endParaRPr lang="en-US"/>
-          </a:p>
-        </p:txBody>
-      </p:sp>
-      <p:sp>
-        <p:nvSpPr>
-          <p:cNvPr id="3" name="Text Placeholder 2"/>
+            <a:endParaRPr kumimoji="0" lang="en-US"/>
+          </a:p>
+        </p:txBody>
+      </p:sp>
+      <p:sp>
+        <p:nvSpPr>
+          <p:cNvPr id="30" name="Text Placeholder 29"/>
           <p:cNvSpPr>
             <a:spLocks noGrp="1"/>
           </p:cNvSpPr>
@@ -2608,7 +4127,7 @@
         </p:nvSpPr>
         <p:spPr>
           <a:xfrm>
-            <a:off x="457200" y="1600200"/>
+            <a:off x="457200" y="1481328"/>
             <a:ext cx="8229600" cy="4525963"/>
           </a:xfrm>
           <a:prstGeom prst="rect">
@@ -2616,51 +4135,53 @@
           </a:prstGeom>
         </p:spPr>
         <p:txBody>
-          <a:bodyPr vert="horz" lIns="91440" tIns="45720" rIns="91440" bIns="45720" rtlCol="0">
+          <a:bodyPr vert="horz">
             <a:normAutofit/>
           </a:bodyPr>
-          <a:lstStyle/>
-          <a:p>
-            <a:pPr lvl="0"/>
-            <a:r>
-              <a:rPr lang="en-US" smtClean="0"/>
+          <a:lstStyle>
+            <a:extLst/>
+          </a:lstStyle>
+          <a:p>
+            <a:pPr lvl="0" eaLnBrk="1" latinLnBrk="0" hangingPunct="1"/>
+            <a:r>
+              <a:rPr kumimoji="0" lang="en-US" smtClean="0"/>
               <a:t>Click to edit Master text styles</a:t>
             </a:r>
           </a:p>
           <a:p>
-            <a:pPr lvl="1"/>
-            <a:r>
-              <a:rPr lang="en-US" smtClean="0"/>
+            <a:pPr lvl="1" eaLnBrk="1" latinLnBrk="0" hangingPunct="1"/>
+            <a:r>
+              <a:rPr kumimoji="0" lang="en-US" smtClean="0"/>
               <a:t>Second level</a:t>
             </a:r>
           </a:p>
           <a:p>
-            <a:pPr lvl="2"/>
-            <a:r>
-              <a:rPr lang="en-US" smtClean="0"/>
+            <a:pPr lvl="2" eaLnBrk="1" latinLnBrk="0" hangingPunct="1"/>
+            <a:r>
+              <a:rPr kumimoji="0" lang="en-US" smtClean="0"/>
               <a:t>Third level</a:t>
             </a:r>
           </a:p>
           <a:p>
-            <a:pPr lvl="3"/>
-            <a:r>
-              <a:rPr lang="en-US" smtClean="0"/>
+            <a:pPr lvl="3" eaLnBrk="1" latinLnBrk="0" hangingPunct="1"/>
+            <a:r>
+              <a:rPr kumimoji="0" lang="en-US" smtClean="0"/>
               <a:t>Fourth level</a:t>
             </a:r>
           </a:p>
           <a:p>
-            <a:pPr lvl="4"/>
-            <a:r>
-              <a:rPr lang="en-US" smtClean="0"/>
+            <a:pPr lvl="4" eaLnBrk="1" latinLnBrk="0" hangingPunct="1"/>
+            <a:r>
+              <a:rPr kumimoji="0" lang="en-US" smtClean="0"/>
               <a:t>Fifth level</a:t>
             </a:r>
-            <a:endParaRPr lang="en-US"/>
-          </a:p>
-        </p:txBody>
-      </p:sp>
-      <p:sp>
-        <p:nvSpPr>
-          <p:cNvPr id="4" name="Date Placeholder 3"/>
+            <a:endParaRPr kumimoji="0" lang="en-US"/>
+          </a:p>
+        </p:txBody>
+      </p:sp>
+      <p:sp>
+        <p:nvSpPr>
+          <p:cNvPr id="10" name="Date Placeholder 9"/>
           <p:cNvSpPr>
             <a:spLocks noGrp="1"/>
           </p:cNvSpPr>
@@ -2670,31 +4191,30 @@
         </p:nvSpPr>
         <p:spPr>
           <a:xfrm>
-            <a:off x="457200" y="6356350"/>
-            <a:ext cx="2133600" cy="365125"/>
+            <a:off x="6727032" y="6407944"/>
+            <a:ext cx="1920240" cy="365760"/>
           </a:xfrm>
           <a:prstGeom prst="rect">
             <a:avLst/>
           </a:prstGeom>
         </p:spPr>
         <p:txBody>
-          <a:bodyPr vert="horz" lIns="91440" tIns="45720" rIns="91440" bIns="45720" rtlCol="0" anchor="ctr"/>
-          <a:lstStyle>
-            <a:lvl1pPr algn="l">
-              <a:defRPr sz="1200">
+          <a:bodyPr vert="horz" anchor="b"/>
+          <a:lstStyle>
+            <a:lvl1pPr algn="l" eaLnBrk="1" latinLnBrk="0" hangingPunct="1">
+              <a:defRPr kumimoji="0" sz="1000">
                 <a:solidFill>
-                  <a:schemeClr val="tx1">
-                    <a:tint val="75000"/>
-                  </a:schemeClr>
+                  <a:schemeClr val="tx1"/>
                 </a:solidFill>
               </a:defRPr>
             </a:lvl1pPr>
+            <a:extLst/>
           </a:lstStyle>
           <a:p>
             <a:fld id="{1D8BD707-D9CF-40AE-B4C6-C98DA3205C09}" type="datetimeFigureOut">
               <a:rPr lang="en-US" smtClean="0"/>
               <a:pPr/>
-              <a:t>10/1/2012</a:t>
+              <a:t>10/2/2012</a:t>
             </a:fld>
             <a:endParaRPr lang="en-US" dirty="0"/>
           </a:p>
@@ -2702,7 +4222,7 @@
       </p:sp>
       <p:sp>
         <p:nvSpPr>
-          <p:cNvPr id="5" name="Footer Placeholder 4"/>
+          <p:cNvPr id="22" name="Footer Placeholder 21"/>
           <p:cNvSpPr>
             <a:spLocks noGrp="1"/>
           </p:cNvSpPr>
@@ -2712,25 +4232,24 @@
         </p:nvSpPr>
         <p:spPr>
           <a:xfrm>
-            <a:off x="3124200" y="6356350"/>
-            <a:ext cx="2895600" cy="365125"/>
+            <a:off x="4380072" y="6407944"/>
+            <a:ext cx="2350681" cy="365125"/>
           </a:xfrm>
           <a:prstGeom prst="rect">
             <a:avLst/>
           </a:prstGeom>
         </p:spPr>
         <p:txBody>
-          <a:bodyPr vert="horz" lIns="91440" tIns="45720" rIns="91440" bIns="45720" rtlCol="0" anchor="ctr"/>
-          <a:lstStyle>
-            <a:lvl1pPr algn="ctr">
-              <a:defRPr sz="1200">
+          <a:bodyPr vert="horz" anchor="b"/>
+          <a:lstStyle>
+            <a:lvl1pPr algn="r" eaLnBrk="1" latinLnBrk="0" hangingPunct="1">
+              <a:defRPr kumimoji="0" sz="1000">
                 <a:solidFill>
-                  <a:schemeClr val="tx1">
-                    <a:tint val="75000"/>
-                  </a:schemeClr>
+                  <a:schemeClr val="tx1"/>
                 </a:solidFill>
               </a:defRPr>
             </a:lvl1pPr>
+            <a:extLst/>
           </a:lstStyle>
           <a:p>
             <a:endParaRPr lang="en-US" dirty="0"/>
@@ -2739,7 +4258,7 @@
       </p:sp>
       <p:sp>
         <p:nvSpPr>
-          <p:cNvPr id="6" name="Slide Number Placeholder 5"/>
+          <p:cNvPr id="18" name="Slide Number Placeholder 17"/>
           <p:cNvSpPr>
             <a:spLocks noGrp="1"/>
           </p:cNvSpPr>
@@ -2749,25 +4268,24 @@
         </p:nvSpPr>
         <p:spPr>
           <a:xfrm>
-            <a:off x="6553200" y="6356350"/>
-            <a:ext cx="2133600" cy="365125"/>
+            <a:off x="8647272" y="6407944"/>
+            <a:ext cx="365760" cy="365125"/>
           </a:xfrm>
           <a:prstGeom prst="rect">
             <a:avLst/>
           </a:prstGeom>
         </p:spPr>
         <p:txBody>
-          <a:bodyPr vert="horz" lIns="91440" tIns="45720" rIns="91440" bIns="45720" rtlCol="0" anchor="ctr"/>
-          <a:lstStyle>
-            <a:lvl1pPr algn="r">
-              <a:defRPr sz="1200">
+          <a:bodyPr vert="horz" anchor="b"/>
+          <a:lstStyle>
+            <a:lvl1pPr algn="r" eaLnBrk="1" latinLnBrk="0" hangingPunct="1">
+              <a:defRPr kumimoji="0" sz="1000" b="0">
                 <a:solidFill>
-                  <a:schemeClr val="tx1">
-                    <a:tint val="75000"/>
-                  </a:schemeClr>
+                  <a:schemeClr val="tx1"/>
                 </a:solidFill>
               </a:defRPr>
             </a:lvl1pPr>
+            <a:extLst/>
           </a:lstStyle>
           <a:p>
             <a:fld id="{B6F15528-21DE-4FAA-801E-634DDDAF4B2B}" type="slidenum">
@@ -2783,43 +4301,58 @@
   </p:cSld>
   <p:clrMap bg1="lt1" tx1="dk1" bg2="lt2" tx2="dk2" accent1="accent1" accent2="accent2" accent3="accent3" accent4="accent4" accent5="accent5" accent6="accent6" hlink="hlink" folHlink="folHlink"/>
   <p:sldLayoutIdLst>
-    <p:sldLayoutId id="2147483649" r:id="rId1"/>
-    <p:sldLayoutId id="2147483650" r:id="rId2"/>
-    <p:sldLayoutId id="2147483651" r:id="rId3"/>
-    <p:sldLayoutId id="2147483652" r:id="rId4"/>
-    <p:sldLayoutId id="2147483653" r:id="rId5"/>
-    <p:sldLayoutId id="2147483654" r:id="rId6"/>
-    <p:sldLayoutId id="2147483655" r:id="rId7"/>
-    <p:sldLayoutId id="2147483656" r:id="rId8"/>
-    <p:sldLayoutId id="2147483657" r:id="rId9"/>
-    <p:sldLayoutId id="2147483658" r:id="rId10"/>
-    <p:sldLayoutId id="2147483659" r:id="rId11"/>
+    <p:sldLayoutId id="2147483673" r:id="rId1"/>
+    <p:sldLayoutId id="2147483674" r:id="rId2"/>
+    <p:sldLayoutId id="2147483675" r:id="rId3"/>
+    <p:sldLayoutId id="2147483676" r:id="rId4"/>
+    <p:sldLayoutId id="2147483677" r:id="rId5"/>
+    <p:sldLayoutId id="2147483678" r:id="rId6"/>
+    <p:sldLayoutId id="2147483679" r:id="rId7"/>
+    <p:sldLayoutId id="2147483680" r:id="rId8"/>
+    <p:sldLayoutId id="2147483681" r:id="rId9"/>
+    <p:sldLayoutId id="2147483682" r:id="rId10"/>
+    <p:sldLayoutId id="2147483683" r:id="rId11"/>
   </p:sldLayoutIdLst>
   <p:txStyles>
     <p:titleStyle>
-      <a:lvl1pPr algn="ctr" defTabSz="914400" rtl="0" eaLnBrk="1" latinLnBrk="0" hangingPunct="1">
+      <a:lvl1pPr algn="l" rtl="0" eaLnBrk="1" latinLnBrk="0" hangingPunct="1">
         <a:spcBef>
           <a:spcPct val="0"/>
         </a:spcBef>
         <a:buNone/>
-        <a:defRPr sz="4400" kern="1200">
+        <a:defRPr kumimoji="0" sz="4100" b="1" kern="1200">
           <a:solidFill>
-            <a:schemeClr val="tx1"/>
+            <a:schemeClr val="tx2"/>
           </a:solidFill>
+          <a:effectLst>
+            <a:outerShdw blurRad="31750" dist="25400" dir="5400000" algn="tl" rotWithShape="0">
+              <a:srgbClr val="000000">
+                <a:alpha val="25000"/>
+              </a:srgbClr>
+            </a:outerShdw>
+          </a:effectLst>
           <a:latin typeface="+mj-lt"/>
           <a:ea typeface="+mj-ea"/>
           <a:cs typeface="+mj-cs"/>
         </a:defRPr>
       </a:lvl1pPr>
+      <a:extLst/>
     </p:titleStyle>
     <p:bodyStyle>
-      <a:lvl1pPr marL="342900" indent="-342900" algn="l" defTabSz="914400" rtl="0" eaLnBrk="1" latinLnBrk="0" hangingPunct="1">
+      <a:lvl1pPr marL="365760" indent="-256032" algn="l" rtl="0" eaLnBrk="1" latinLnBrk="0" hangingPunct="1">
         <a:spcBef>
-          <a:spcPct val="20000"/>
+          <a:spcPts val="400"/>
         </a:spcBef>
-        <a:buFont typeface="Arial" pitchFamily="34" charset="0"/>
-        <a:buChar char="•"/>
-        <a:defRPr sz="3200" kern="1200">
+        <a:spcAft>
+          <a:spcPts val="0"/>
+        </a:spcAft>
+        <a:buClr>
+          <a:schemeClr val="accent1"/>
+        </a:buClr>
+        <a:buSzPct val="68000"/>
+        <a:buFont typeface="Wingdings 3"/>
+        <a:buChar char=""/>
+        <a:defRPr kumimoji="0" sz="2700" kern="1200">
           <a:solidFill>
             <a:schemeClr val="tx1"/>
           </a:solidFill>
@@ -2828,13 +4361,16 @@
           <a:cs typeface="+mn-cs"/>
         </a:defRPr>
       </a:lvl1pPr>
-      <a:lvl2pPr marL="742950" indent="-285750" algn="l" defTabSz="914400" rtl="0" eaLnBrk="1" latinLnBrk="0" hangingPunct="1">
+      <a:lvl2pPr marL="621792" indent="-228600" algn="l" rtl="0" eaLnBrk="1" latinLnBrk="0" hangingPunct="1">
         <a:spcBef>
-          <a:spcPct val="20000"/>
+          <a:spcPts val="324"/>
         </a:spcBef>
-        <a:buFont typeface="Arial" pitchFamily="34" charset="0"/>
-        <a:buChar char="–"/>
-        <a:defRPr sz="2800" kern="1200">
+        <a:buClr>
+          <a:schemeClr val="accent1"/>
+        </a:buClr>
+        <a:buFont typeface="Verdana"/>
+        <a:buChar char="◦"/>
+        <a:defRPr kumimoji="0" sz="2300" kern="1200">
           <a:solidFill>
             <a:schemeClr val="tx1"/>
           </a:solidFill>
@@ -2843,13 +4379,17 @@
           <a:cs typeface="+mn-cs"/>
         </a:defRPr>
       </a:lvl2pPr>
-      <a:lvl3pPr marL="1143000" indent="-228600" algn="l" defTabSz="914400" rtl="0" eaLnBrk="1" latinLnBrk="0" hangingPunct="1">
+      <a:lvl3pPr marL="859536" indent="-228600" algn="l" rtl="0" eaLnBrk="1" latinLnBrk="0" hangingPunct="1">
         <a:spcBef>
-          <a:spcPct val="20000"/>
+          <a:spcPts val="350"/>
         </a:spcBef>
-        <a:buFont typeface="Arial" pitchFamily="34" charset="0"/>
-        <a:buChar char="•"/>
-        <a:defRPr sz="2400" kern="1200">
+        <a:buClr>
+          <a:schemeClr val="accent2"/>
+        </a:buClr>
+        <a:buSzPct val="100000"/>
+        <a:buFont typeface="Wingdings 2"/>
+        <a:buChar char=""/>
+        <a:defRPr kumimoji="0" sz="2100" kern="1200">
           <a:solidFill>
             <a:schemeClr val="tx1"/>
           </a:solidFill>
@@ -2858,13 +4398,16 @@
           <a:cs typeface="+mn-cs"/>
         </a:defRPr>
       </a:lvl3pPr>
-      <a:lvl4pPr marL="1600200" indent="-228600" algn="l" defTabSz="914400" rtl="0" eaLnBrk="1" latinLnBrk="0" hangingPunct="1">
+      <a:lvl4pPr marL="1143000" indent="-228600" algn="l" rtl="0" eaLnBrk="1" latinLnBrk="0" hangingPunct="1">
         <a:spcBef>
-          <a:spcPct val="20000"/>
+          <a:spcPts val="350"/>
         </a:spcBef>
-        <a:buFont typeface="Arial" pitchFamily="34" charset="0"/>
-        <a:buChar char="–"/>
-        <a:defRPr sz="2000" kern="1200">
+        <a:buClr>
+          <a:schemeClr val="accent2"/>
+        </a:buClr>
+        <a:buFont typeface="Wingdings 2"/>
+        <a:buChar char=""/>
+        <a:defRPr kumimoji="0" sz="1900" kern="1200">
           <a:solidFill>
             <a:schemeClr val="tx1"/>
           </a:solidFill>
@@ -2873,13 +4416,16 @@
           <a:cs typeface="+mn-cs"/>
         </a:defRPr>
       </a:lvl4pPr>
-      <a:lvl5pPr marL="2057400" indent="-228600" algn="l" defTabSz="914400" rtl="0" eaLnBrk="1" latinLnBrk="0" hangingPunct="1">
+      <a:lvl5pPr marL="1371600" indent="-228600" algn="l" rtl="0" eaLnBrk="1" latinLnBrk="0" hangingPunct="1">
         <a:spcBef>
-          <a:spcPct val="20000"/>
+          <a:spcPts val="350"/>
         </a:spcBef>
-        <a:buFont typeface="Arial" pitchFamily="34" charset="0"/>
-        <a:buChar char="»"/>
-        <a:defRPr sz="2000" kern="1200">
+        <a:buClr>
+          <a:schemeClr val="accent2"/>
+        </a:buClr>
+        <a:buFont typeface="Wingdings 2"/>
+        <a:buChar char=""/>
+        <a:defRPr kumimoji="0" sz="1800" kern="1200">
           <a:solidFill>
             <a:schemeClr val="tx1"/>
           </a:solidFill>
@@ -2888,13 +4434,16 @@
           <a:cs typeface="+mn-cs"/>
         </a:defRPr>
       </a:lvl5pPr>
-      <a:lvl6pPr marL="2514600" indent="-228600" algn="l" defTabSz="914400" rtl="0" eaLnBrk="1" latinLnBrk="0" hangingPunct="1">
+      <a:lvl6pPr marL="1600200" indent="-228600" algn="l" rtl="0" eaLnBrk="1" latinLnBrk="0" hangingPunct="1">
         <a:spcBef>
-          <a:spcPct val="20000"/>
+          <a:spcPts val="350"/>
         </a:spcBef>
-        <a:buFont typeface="Arial" pitchFamily="34" charset="0"/>
-        <a:buChar char="•"/>
-        <a:defRPr sz="2000" kern="1200">
+        <a:buClr>
+          <a:schemeClr val="accent3"/>
+        </a:buClr>
+        <a:buFont typeface="Wingdings 2"/>
+        <a:buChar char=""/>
+        <a:defRPr kumimoji="0" sz="1800" kern="1200">
           <a:solidFill>
             <a:schemeClr val="tx1"/>
           </a:solidFill>
@@ -2903,13 +4452,16 @@
           <a:cs typeface="+mn-cs"/>
         </a:defRPr>
       </a:lvl6pPr>
-      <a:lvl7pPr marL="2971800" indent="-228600" algn="l" defTabSz="914400" rtl="0" eaLnBrk="1" latinLnBrk="0" hangingPunct="1">
+      <a:lvl7pPr marL="1828800" indent="-228600" algn="l" rtl="0" eaLnBrk="1" latinLnBrk="0" hangingPunct="1">
         <a:spcBef>
-          <a:spcPct val="20000"/>
+          <a:spcPts val="350"/>
         </a:spcBef>
-        <a:buFont typeface="Arial" pitchFamily="34" charset="0"/>
-        <a:buChar char="•"/>
-        <a:defRPr sz="2000" kern="1200">
+        <a:buClr>
+          <a:schemeClr val="accent3"/>
+        </a:buClr>
+        <a:buFont typeface="Wingdings 2"/>
+        <a:buChar char=""/>
+        <a:defRPr kumimoji="0" sz="1600" kern="1200">
           <a:solidFill>
             <a:schemeClr val="tx1"/>
           </a:solidFill>
@@ -2918,13 +4470,16 @@
           <a:cs typeface="+mn-cs"/>
         </a:defRPr>
       </a:lvl7pPr>
-      <a:lvl8pPr marL="3429000" indent="-228600" algn="l" defTabSz="914400" rtl="0" eaLnBrk="1" latinLnBrk="0" hangingPunct="1">
+      <a:lvl8pPr marL="2057400" indent="-228600" algn="l" rtl="0" eaLnBrk="1" latinLnBrk="0" hangingPunct="1">
         <a:spcBef>
-          <a:spcPct val="20000"/>
+          <a:spcPts val="350"/>
         </a:spcBef>
-        <a:buFont typeface="Arial" pitchFamily="34" charset="0"/>
-        <a:buChar char="•"/>
-        <a:defRPr sz="2000" kern="1200">
+        <a:buClr>
+          <a:schemeClr val="accent3"/>
+        </a:buClr>
+        <a:buFont typeface="Wingdings 2"/>
+        <a:buChar char=""/>
+        <a:defRPr kumimoji="0" sz="1600" kern="1200">
           <a:solidFill>
             <a:schemeClr val="tx1"/>
           </a:solidFill>
@@ -2933,13 +4488,16 @@
           <a:cs typeface="+mn-cs"/>
         </a:defRPr>
       </a:lvl8pPr>
-      <a:lvl9pPr marL="3886200" indent="-228600" algn="l" defTabSz="914400" rtl="0" eaLnBrk="1" latinLnBrk="0" hangingPunct="1">
+      <a:lvl9pPr marL="2286000" indent="-228600" algn="l" rtl="0" eaLnBrk="1" latinLnBrk="0" hangingPunct="1">
         <a:spcBef>
-          <a:spcPct val="20000"/>
+          <a:spcPts val="350"/>
         </a:spcBef>
-        <a:buFont typeface="Arial" pitchFamily="34" charset="0"/>
-        <a:buChar char="•"/>
-        <a:defRPr sz="2000" kern="1200">
+        <a:buClr>
+          <a:schemeClr val="accent3"/>
+        </a:buClr>
+        <a:buFont typeface="Wingdings 2"/>
+        <a:buChar char=""/>
+        <a:defRPr kumimoji="0" sz="1600" kern="1200" baseline="0">
           <a:solidFill>
             <a:schemeClr val="tx1"/>
           </a:solidFill>
@@ -2948,13 +4506,11 @@
           <a:cs typeface="+mn-cs"/>
         </a:defRPr>
       </a:lvl9pPr>
+      <a:extLst/>
     </p:bodyStyle>
     <p:otherStyle>
-      <a:defPPr>
-        <a:defRPr lang="en-US"/>
-      </a:defPPr>
-      <a:lvl1pPr marL="0" algn="l" defTabSz="914400" rtl="0" eaLnBrk="1" latinLnBrk="0" hangingPunct="1">
-        <a:defRPr sz="1800" kern="1200">
+      <a:lvl1pPr marL="0" algn="l" rtl="0" eaLnBrk="1" latinLnBrk="0" hangingPunct="1">
+        <a:defRPr kumimoji="0" kern="1200">
           <a:solidFill>
             <a:schemeClr val="tx1"/>
           </a:solidFill>
@@ -2963,8 +4519,8 @@
           <a:cs typeface="+mn-cs"/>
         </a:defRPr>
       </a:lvl1pPr>
-      <a:lvl2pPr marL="457200" algn="l" defTabSz="914400" rtl="0" eaLnBrk="1" latinLnBrk="0" hangingPunct="1">
-        <a:defRPr sz="1800" kern="1200">
+      <a:lvl2pPr marL="457200" algn="l" rtl="0" eaLnBrk="1" latinLnBrk="0" hangingPunct="1">
+        <a:defRPr kumimoji="0" kern="1200">
           <a:solidFill>
             <a:schemeClr val="tx1"/>
           </a:solidFill>
@@ -2973,8 +4529,8 @@
           <a:cs typeface="+mn-cs"/>
         </a:defRPr>
       </a:lvl2pPr>
-      <a:lvl3pPr marL="914400" algn="l" defTabSz="914400" rtl="0" eaLnBrk="1" latinLnBrk="0" hangingPunct="1">
-        <a:defRPr sz="1800" kern="1200">
+      <a:lvl3pPr marL="914400" algn="l" rtl="0" eaLnBrk="1" latinLnBrk="0" hangingPunct="1">
+        <a:defRPr kumimoji="0" kern="1200">
           <a:solidFill>
             <a:schemeClr val="tx1"/>
           </a:solidFill>
@@ -2983,8 +4539,8 @@
           <a:cs typeface="+mn-cs"/>
         </a:defRPr>
       </a:lvl3pPr>
-      <a:lvl4pPr marL="1371600" algn="l" defTabSz="914400" rtl="0" eaLnBrk="1" latinLnBrk="0" hangingPunct="1">
-        <a:defRPr sz="1800" kern="1200">
+      <a:lvl4pPr marL="1371600" algn="l" rtl="0" eaLnBrk="1" latinLnBrk="0" hangingPunct="1">
+        <a:defRPr kumimoji="0" kern="1200">
           <a:solidFill>
             <a:schemeClr val="tx1"/>
           </a:solidFill>
@@ -2993,8 +4549,8 @@
           <a:cs typeface="+mn-cs"/>
         </a:defRPr>
       </a:lvl4pPr>
-      <a:lvl5pPr marL="1828800" algn="l" defTabSz="914400" rtl="0" eaLnBrk="1" latinLnBrk="0" hangingPunct="1">
-        <a:defRPr sz="1800" kern="1200">
+      <a:lvl5pPr marL="1828800" algn="l" rtl="0" eaLnBrk="1" latinLnBrk="0" hangingPunct="1">
+        <a:defRPr kumimoji="0" kern="1200">
           <a:solidFill>
             <a:schemeClr val="tx1"/>
           </a:solidFill>
@@ -3003,8 +4559,8 @@
           <a:cs typeface="+mn-cs"/>
         </a:defRPr>
       </a:lvl5pPr>
-      <a:lvl6pPr marL="2286000" algn="l" defTabSz="914400" rtl="0" eaLnBrk="1" latinLnBrk="0" hangingPunct="1">
-        <a:defRPr sz="1800" kern="1200">
+      <a:lvl6pPr marL="2286000" algn="l" rtl="0" eaLnBrk="1" latinLnBrk="0" hangingPunct="1">
+        <a:defRPr kumimoji="0" kern="1200">
           <a:solidFill>
             <a:schemeClr val="tx1"/>
           </a:solidFill>
@@ -3013,8 +4569,8 @@
           <a:cs typeface="+mn-cs"/>
         </a:defRPr>
       </a:lvl6pPr>
-      <a:lvl7pPr marL="2743200" algn="l" defTabSz="914400" rtl="0" eaLnBrk="1" latinLnBrk="0" hangingPunct="1">
-        <a:defRPr sz="1800" kern="1200">
+      <a:lvl7pPr marL="2743200" algn="l" rtl="0" eaLnBrk="1" latinLnBrk="0" hangingPunct="1">
+        <a:defRPr kumimoji="0" kern="1200">
           <a:solidFill>
             <a:schemeClr val="tx1"/>
           </a:solidFill>
@@ -3023,8 +4579,8 @@
           <a:cs typeface="+mn-cs"/>
         </a:defRPr>
       </a:lvl7pPr>
-      <a:lvl8pPr marL="3200400" algn="l" defTabSz="914400" rtl="0" eaLnBrk="1" latinLnBrk="0" hangingPunct="1">
-        <a:defRPr sz="1800" kern="1200">
+      <a:lvl8pPr marL="3200400" algn="l" rtl="0" eaLnBrk="1" latinLnBrk="0" hangingPunct="1">
+        <a:defRPr kumimoji="0" kern="1200">
           <a:solidFill>
             <a:schemeClr val="tx1"/>
           </a:solidFill>
@@ -3033,8 +4589,8 @@
           <a:cs typeface="+mn-cs"/>
         </a:defRPr>
       </a:lvl8pPr>
-      <a:lvl9pPr marL="3657600" algn="l" defTabSz="914400" rtl="0" eaLnBrk="1" latinLnBrk="0" hangingPunct="1">
-        <a:defRPr sz="1800" kern="1200">
+      <a:lvl9pPr marL="3657600" algn="l" rtl="0" eaLnBrk="1" latinLnBrk="0" hangingPunct="1">
+        <a:defRPr kumimoji="0" kern="1200">
           <a:solidFill>
             <a:schemeClr val="tx1"/>
           </a:solidFill>
@@ -3043,6 +4599,7 @@
           <a:cs typeface="+mn-cs"/>
         </a:defRPr>
       </a:lvl9pPr>
+      <a:extLst/>
     </p:otherStyle>
   </p:txStyles>
 </p:sldMaster>
@@ -3142,29 +4699,6 @@
       </p:grpSpPr>
       <p:sp>
         <p:nvSpPr>
-          <p:cNvPr id="2" name="Title 1"/>
-          <p:cNvSpPr>
-            <a:spLocks noGrp="1"/>
-          </p:cNvSpPr>
-          <p:nvPr>
-            <p:ph type="title"/>
-          </p:nvPr>
-        </p:nvSpPr>
-        <p:spPr/>
-        <p:txBody>
-          <a:bodyPr/>
-          <a:lstStyle/>
-          <a:p>
-            <a:r>
-              <a:rPr lang="en-US" dirty="0" smtClean="0"/>
-              <a:t>Overview</a:t>
-            </a:r>
-            <a:endParaRPr lang="en-US" dirty="0"/>
-          </a:p>
-        </p:txBody>
-      </p:sp>
-      <p:sp>
-        <p:nvSpPr>
           <p:cNvPr id="3" name="Content Placeholder 2"/>
           <p:cNvSpPr>
             <a:spLocks noGrp="1"/>
@@ -3327,6 +4861,29 @@
             <a:pPr marL="0" indent="0">
               <a:buNone/>
             </a:pPr>
+            <a:endParaRPr lang="en-US" dirty="0"/>
+          </a:p>
+        </p:txBody>
+      </p:sp>
+      <p:sp>
+        <p:nvSpPr>
+          <p:cNvPr id="2" name="Title 1"/>
+          <p:cNvSpPr>
+            <a:spLocks noGrp="1"/>
+          </p:cNvSpPr>
+          <p:nvPr>
+            <p:ph type="title"/>
+          </p:nvPr>
+        </p:nvSpPr>
+        <p:spPr/>
+        <p:txBody>
+          <a:bodyPr/>
+          <a:lstStyle/>
+          <a:p>
+            <a:r>
+              <a:rPr lang="en-US" dirty="0" smtClean="0"/>
+              <a:t>Overview</a:t>
+            </a:r>
             <a:endParaRPr lang="en-US" dirty="0"/>
           </a:p>
         </p:txBody>
@@ -3363,12 +4920,12 @@
       </p:grpSpPr>
       <p:sp>
         <p:nvSpPr>
-          <p:cNvPr id="2" name="Title 1"/>
-          <p:cNvSpPr>
-            <a:spLocks noGrp="1"/>
-          </p:cNvSpPr>
-          <p:nvPr>
-            <p:ph type="title"/>
+          <p:cNvPr id="3" name="Content Placeholder 2"/>
+          <p:cNvSpPr>
+            <a:spLocks noGrp="1"/>
+          </p:cNvSpPr>
+          <p:nvPr>
+            <p:ph idx="1"/>
           </p:nvPr>
         </p:nvSpPr>
         <p:spPr/>
@@ -3378,29 +4935,6 @@
           <a:p>
             <a:r>
               <a:rPr lang="en-US" dirty="0" smtClean="0"/>
-              <a:t>Problems</a:t>
-            </a:r>
-            <a:endParaRPr lang="en-US" dirty="0"/>
-          </a:p>
-        </p:txBody>
-      </p:sp>
-      <p:sp>
-        <p:nvSpPr>
-          <p:cNvPr id="3" name="Content Placeholder 2"/>
-          <p:cNvSpPr>
-            <a:spLocks noGrp="1"/>
-          </p:cNvSpPr>
-          <p:nvPr>
-            <p:ph idx="1"/>
-          </p:nvPr>
-        </p:nvSpPr>
-        <p:spPr/>
-        <p:txBody>
-          <a:bodyPr/>
-          <a:lstStyle/>
-          <a:p>
-            <a:r>
-              <a:rPr lang="en-US" dirty="0" smtClean="0"/>
               <a:t>Multi-platform Applications</a:t>
             </a:r>
           </a:p>
@@ -3415,11 +4949,7 @@
             <a:pPr lvl="1"/>
             <a:r>
               <a:rPr lang="en-US" dirty="0" smtClean="0"/>
-              <a:t>Different </a:t>
-            </a:r>
-            <a:r>
-              <a:rPr lang="en-US" dirty="0" smtClean="0"/>
-              <a:t>Languages</a:t>
+              <a:t>Different Languages</a:t>
             </a:r>
           </a:p>
           <a:p>
@@ -3428,7 +4958,6 @@
               <a:rPr lang="en-US" dirty="0" smtClean="0"/>
               <a:t>Different Devices</a:t>
             </a:r>
-            <a:endParaRPr lang="en-US" dirty="0" smtClean="0"/>
           </a:p>
           <a:p>
             <a:r>
@@ -3440,6 +4969,31 @@
             <a:endParaRPr lang="en-US" dirty="0" smtClean="0"/>
           </a:p>
           <a:p>
+            <a:endParaRPr lang="en-US" dirty="0"/>
+          </a:p>
+        </p:txBody>
+      </p:sp>
+      <p:sp>
+        <p:nvSpPr>
+          <p:cNvPr id="2" name="Title 1"/>
+          <p:cNvSpPr>
+            <a:spLocks noGrp="1"/>
+          </p:cNvSpPr>
+          <p:nvPr>
+            <p:ph type="title"/>
+          </p:nvPr>
+        </p:nvSpPr>
+        <p:spPr/>
+        <p:txBody>
+          <a:bodyPr>
+            <a:normAutofit/>
+          </a:bodyPr>
+          <a:lstStyle/>
+          <a:p>
+            <a:r>
+              <a:rPr lang="en-US" dirty="0" smtClean="0"/>
+              <a:t>Challenges</a:t>
+            </a:r>
             <a:endParaRPr lang="en-US" dirty="0"/>
           </a:p>
         </p:txBody>
@@ -3476,29 +5030,6 @@
       </p:grpSpPr>
       <p:sp>
         <p:nvSpPr>
-          <p:cNvPr id="2" name="Title 1"/>
-          <p:cNvSpPr>
-            <a:spLocks noGrp="1"/>
-          </p:cNvSpPr>
-          <p:nvPr>
-            <p:ph type="title"/>
-          </p:nvPr>
-        </p:nvSpPr>
-        <p:spPr/>
-        <p:txBody>
-          <a:bodyPr/>
-          <a:lstStyle/>
-          <a:p>
-            <a:r>
-              <a:rPr lang="en-US" dirty="0" smtClean="0"/>
-              <a:t>User Stories</a:t>
-            </a:r>
-            <a:endParaRPr lang="en-US" dirty="0"/>
-          </a:p>
-        </p:txBody>
-      </p:sp>
-      <p:sp>
-        <p:nvSpPr>
           <p:cNvPr id="3" name="Content Placeholder 2"/>
           <p:cNvSpPr>
             <a:spLocks noGrp="1"/>
@@ -3523,224 +5054,165 @@
               <a:buNone/>
             </a:pPr>
             <a:r>
-              <a:rPr lang="en-US" sz="4800" b="1" dirty="0" smtClean="0"/>
+              <a:rPr lang="en-US" sz="5200" b="1" dirty="0" smtClean="0"/>
               <a:t>User Stories</a:t>
             </a:r>
-            <a:endParaRPr lang="en-US" sz="4800" b="1" dirty="0"/>
-          </a:p>
-          <a:p>
-            <a:r>
-              <a:rPr lang="en-US" sz="4800" dirty="0"/>
+            <a:endParaRPr lang="en-US" sz="5200" b="1" dirty="0"/>
+          </a:p>
+          <a:p>
+            <a:r>
+              <a:rPr lang="en-US" sz="5200" dirty="0"/>
               <a:t>As a customer with a telecom that uses Innovative Systems products, I want to change information on my account &lt;change email, change password&gt; from my &lt;</a:t>
             </a:r>
             <a:r>
-              <a:rPr lang="en-US" sz="4800" dirty="0" err="1"/>
+              <a:rPr lang="en-US" sz="5200" dirty="0" err="1"/>
               <a:t>iOS</a:t>
             </a:r>
             <a:r>
-              <a:rPr lang="en-US" sz="4800" dirty="0"/>
+              <a:rPr lang="en-US" sz="5200" dirty="0"/>
               <a:t> device, Android device&gt;. </a:t>
             </a:r>
           </a:p>
           <a:p>
             <a:r>
-              <a:rPr lang="en-US" sz="4800" dirty="0" smtClean="0"/>
+              <a:rPr lang="en-US" sz="5200" dirty="0" smtClean="0"/>
               <a:t>As </a:t>
             </a:r>
             <a:r>
-              <a:rPr lang="en-US" sz="4800" dirty="0"/>
+              <a:rPr lang="en-US" sz="5200" dirty="0"/>
               <a:t>a customer with a telecom that uses Innovative Systems products, I want to see my &lt;latest, past&gt; invoice for my account from my &lt;</a:t>
             </a:r>
             <a:r>
-              <a:rPr lang="en-US" sz="4800" dirty="0" err="1"/>
+              <a:rPr lang="en-US" sz="5200" dirty="0" err="1"/>
               <a:t>iOS</a:t>
             </a:r>
             <a:r>
-              <a:rPr lang="en-US" sz="4800" dirty="0"/>
+              <a:rPr lang="en-US" sz="5200" dirty="0"/>
               <a:t> device, Android device&gt;. </a:t>
             </a:r>
           </a:p>
           <a:p>
             <a:r>
-              <a:rPr lang="en-US" sz="4800" dirty="0" smtClean="0"/>
+              <a:rPr lang="en-US" sz="5200" dirty="0" smtClean="0"/>
               <a:t>As </a:t>
             </a:r>
             <a:r>
-              <a:rPr lang="en-US" sz="4800" dirty="0"/>
+              <a:rPr lang="en-US" sz="5200" dirty="0"/>
               <a:t>a customer with a telecom that uses Innovative Systems products, I want to see a summary of his service for his account from his &lt;</a:t>
             </a:r>
             <a:r>
-              <a:rPr lang="en-US" sz="4800" dirty="0" err="1"/>
+              <a:rPr lang="en-US" sz="5200" dirty="0" err="1"/>
               <a:t>iOS</a:t>
             </a:r>
             <a:r>
-              <a:rPr lang="en-US" sz="4800" dirty="0"/>
+              <a:rPr lang="en-US" sz="5200" dirty="0"/>
               <a:t> device, Android device&gt;. </a:t>
             </a:r>
           </a:p>
           <a:p>
             <a:r>
-              <a:rPr lang="en-US" sz="4800" dirty="0" smtClean="0"/>
+              <a:rPr lang="en-US" sz="5200" dirty="0" smtClean="0"/>
               <a:t>As </a:t>
             </a:r>
             <a:r>
-              <a:rPr lang="en-US" sz="4800" dirty="0"/>
+              <a:rPr lang="en-US" sz="5200" dirty="0"/>
               <a:t>a customer with a telecom that uses Innovative Systems products, I want to see the current balance for my account from my &lt;</a:t>
             </a:r>
             <a:r>
-              <a:rPr lang="en-US" sz="4800" dirty="0" err="1"/>
+              <a:rPr lang="en-US" sz="5200" dirty="0" err="1"/>
               <a:t>iOS</a:t>
             </a:r>
             <a:r>
-              <a:rPr lang="en-US" sz="4800" dirty="0"/>
+              <a:rPr lang="en-US" sz="5200" dirty="0"/>
               <a:t> device, Android device&gt;. </a:t>
             </a:r>
           </a:p>
           <a:p>
             <a:r>
-              <a:rPr lang="en-US" sz="4800" dirty="0" smtClean="0"/>
+              <a:rPr lang="en-US" sz="5200" dirty="0" smtClean="0"/>
               <a:t>As </a:t>
             </a:r>
             <a:r>
-              <a:rPr lang="en-US" sz="4800" dirty="0"/>
+              <a:rPr lang="en-US" sz="5200" dirty="0"/>
               <a:t>a customer with a telecom that uses Innovative Systems products, I want to make a payment on my balance for my account from my &lt;</a:t>
             </a:r>
             <a:r>
-              <a:rPr lang="en-US" sz="4800" dirty="0" err="1"/>
+              <a:rPr lang="en-US" sz="5200" dirty="0" err="1"/>
               <a:t>iOS</a:t>
             </a:r>
             <a:r>
-              <a:rPr lang="en-US" sz="4800" dirty="0"/>
+              <a:rPr lang="en-US" sz="5200" dirty="0"/>
               <a:t> device, Android device&gt;. </a:t>
             </a:r>
           </a:p>
           <a:p>
             <a:r>
-              <a:rPr lang="en-US" sz="4800" dirty="0" smtClean="0"/>
+              <a:rPr lang="en-US" sz="5200" dirty="0" smtClean="0"/>
               <a:t>As </a:t>
             </a:r>
             <a:r>
-              <a:rPr lang="en-US" sz="4800" dirty="0"/>
+              <a:rPr lang="en-US" sz="5200" dirty="0"/>
               <a:t>a customer with a telecom that uses Innovative Systems products, I want to set up recurring payments for my account from my &lt;</a:t>
             </a:r>
             <a:r>
-              <a:rPr lang="en-US" sz="4800" dirty="0" err="1"/>
+              <a:rPr lang="en-US" sz="5200" dirty="0" err="1"/>
               <a:t>iOS</a:t>
             </a:r>
             <a:r>
-              <a:rPr lang="en-US" sz="4800" dirty="0"/>
+              <a:rPr lang="en-US" sz="5200" dirty="0"/>
               <a:t> device, Android device&gt;. </a:t>
             </a:r>
-          </a:p>
-          <a:p>
-            <a:r>
-              <a:rPr lang="en-US" sz="4800" dirty="0" smtClean="0"/>
-              <a:t>As </a:t>
-            </a:r>
-            <a:r>
-              <a:rPr lang="en-US" sz="4800" dirty="0"/>
-              <a:t>a customer with a telecom that uses Innovative Systems products, I want to see a history of my payments for my account from my &lt;</a:t>
-            </a:r>
-            <a:r>
-              <a:rPr lang="en-US" sz="4800" dirty="0" err="1"/>
-              <a:t>iOS</a:t>
-            </a:r>
-            <a:r>
-              <a:rPr lang="en-US" sz="4800" dirty="0"/>
-              <a:t> device, Android device&gt;. </a:t>
-            </a:r>
-          </a:p>
-          <a:p>
-            <a:r>
-              <a:rPr lang="en-US" sz="4800" dirty="0" smtClean="0"/>
-              <a:t>As </a:t>
-            </a:r>
-            <a:r>
-              <a:rPr lang="en-US" sz="4800" dirty="0"/>
-              <a:t>a customer with a telecom that uses Innovative Systems products, I want to see a summary of my usage for this month on for my plan from my &lt;</a:t>
-            </a:r>
-            <a:r>
-              <a:rPr lang="en-US" sz="4800" dirty="0" err="1"/>
-              <a:t>iOS</a:t>
-            </a:r>
-            <a:r>
-              <a:rPr lang="en-US" sz="4800" dirty="0"/>
-              <a:t> device, Android device&gt;.  I want to see the data, minutes, and text messages that I have used up from my monthly quota in an easy to understand format</a:t>
-            </a:r>
-            <a:r>
-              <a:rPr lang="en-US" sz="4800" dirty="0" smtClean="0"/>
-              <a:t>.</a:t>
-            </a:r>
-          </a:p>
-          <a:p>
-            <a:r>
-              <a:rPr lang="en-US" sz="4800" dirty="0"/>
-              <a:t>As a customer with a telecom that uses Innovative Systems products, I want to submit a trouble ticket because &lt;Innovative Systems product&gt; of mine is broken, and I want to do it from my &lt;</a:t>
-            </a:r>
-            <a:r>
-              <a:rPr lang="en-US" sz="4800" dirty="0" err="1"/>
-              <a:t>iOS</a:t>
-            </a:r>
-            <a:r>
-              <a:rPr lang="en-US" sz="4800" dirty="0"/>
-              <a:t> device, Android device&gt;. </a:t>
-            </a:r>
-            <a:endParaRPr lang="en-US" sz="4800" dirty="0"/>
           </a:p>
           <a:p>
             <a:pPr marL="0" indent="0">
               <a:buNone/>
             </a:pPr>
-            <a:endParaRPr lang="en-US" sz="4800" dirty="0" smtClean="0"/>
+            <a:endParaRPr lang="en-US" sz="5200" dirty="0" smtClean="0"/>
           </a:p>
           <a:p>
             <a:pPr marL="0" indent="0">
               <a:buNone/>
             </a:pPr>
             <a:r>
-              <a:rPr lang="en-US" sz="4800" b="1" dirty="0" smtClean="0"/>
-              <a:t>Business User </a:t>
-            </a:r>
-            <a:r>
-              <a:rPr lang="en-US" sz="4800" b="1" dirty="0" smtClean="0"/>
-              <a:t>Stories</a:t>
-            </a:r>
-          </a:p>
-          <a:p>
-            <a:r>
-              <a:rPr lang="en-US" sz="4800" dirty="0" smtClean="0"/>
+              <a:rPr lang="en-US" sz="5200" b="1" dirty="0" smtClean="0"/>
+              <a:t>Business User Stories</a:t>
+            </a:r>
+          </a:p>
+          <a:p>
+            <a:r>
+              <a:rPr lang="en-US" sz="5200" dirty="0" smtClean="0"/>
               <a:t>As </a:t>
             </a:r>
             <a:r>
-              <a:rPr lang="en-US" sz="4800" dirty="0"/>
+              <a:rPr lang="en-US" sz="5200" dirty="0"/>
               <a:t>a customer with a telecom that uses Innovative Systems products, I want to get contact information for the support for my company from my &lt;</a:t>
             </a:r>
             <a:r>
-              <a:rPr lang="en-US" sz="4800" dirty="0" err="1"/>
+              <a:rPr lang="en-US" sz="5200" dirty="0" err="1"/>
               <a:t>iOS</a:t>
             </a:r>
             <a:r>
-              <a:rPr lang="en-US" sz="4800" dirty="0"/>
+              <a:rPr lang="en-US" sz="5200" dirty="0"/>
               <a:t> device, Android device&gt;. </a:t>
             </a:r>
           </a:p>
           <a:p>
             <a:r>
-              <a:rPr lang="en-US" sz="4800" dirty="0"/>
+              <a:rPr lang="en-US" sz="5200" dirty="0"/>
               <a:t>As a customer with a telecom that uses Innovative Systems products, I have multiple accounts for both my business and my home with the same telecom. I want to be able to easily access the mobile application for both accounts from my &lt;</a:t>
             </a:r>
             <a:r>
-              <a:rPr lang="en-US" sz="4800" dirty="0" err="1"/>
+              <a:rPr lang="en-US" sz="5200" dirty="0" err="1"/>
               <a:t>iOS</a:t>
             </a:r>
             <a:r>
-              <a:rPr lang="en-US" sz="4800" dirty="0"/>
+              <a:rPr lang="en-US" sz="5200" dirty="0"/>
               <a:t> device, Android device&gt;.</a:t>
             </a:r>
           </a:p>
           <a:p>
             <a:r>
-              <a:rPr lang="en-US" sz="4800" dirty="0"/>
+              <a:rPr lang="en-US" sz="5200" dirty="0"/>
               <a:t>As a telecom that uses Innovative Systems products, I want my customers to see a banner that displays my telecom’s name on the mobile apps that my customers use to check their account information.  </a:t>
             </a:r>
           </a:p>
@@ -3749,6 +5221,29 @@
               <a:buNone/>
             </a:pPr>
             <a:endParaRPr lang="en-US" b="1" dirty="0"/>
+          </a:p>
+        </p:txBody>
+      </p:sp>
+      <p:sp>
+        <p:nvSpPr>
+          <p:cNvPr id="2" name="Title 1"/>
+          <p:cNvSpPr>
+            <a:spLocks noGrp="1"/>
+          </p:cNvSpPr>
+          <p:nvPr>
+            <p:ph type="title"/>
+          </p:nvPr>
+        </p:nvSpPr>
+        <p:spPr/>
+        <p:txBody>
+          <a:bodyPr/>
+          <a:lstStyle/>
+          <a:p>
+            <a:r>
+              <a:rPr lang="en-US" dirty="0" smtClean="0"/>
+              <a:t>User Stories</a:t>
+            </a:r>
+            <a:endParaRPr lang="en-US" dirty="0"/>
           </a:p>
         </p:txBody>
       </p:sp>
@@ -3784,7 +5279,113 @@
       </p:grpSpPr>
       <p:sp>
         <p:nvSpPr>
-          <p:cNvPr id="2" name="Title 1"/>
+          <p:cNvPr id="2" name="Content Placeholder 1"/>
+          <p:cNvSpPr>
+            <a:spLocks noGrp="1"/>
+          </p:cNvSpPr>
+          <p:nvPr>
+            <p:ph idx="1"/>
+          </p:nvPr>
+        </p:nvSpPr>
+        <p:spPr/>
+        <p:txBody>
+          <a:bodyPr>
+            <a:normAutofit lnSpcReduction="10000"/>
+          </a:bodyPr>
+          <a:lstStyle/>
+          <a:p>
+            <a:r>
+              <a:rPr lang="en-US" dirty="0" smtClean="0"/>
+              <a:t>Using two Mac’s and one PC for development</a:t>
+            </a:r>
+          </a:p>
+          <a:p>
+            <a:r>
+              <a:rPr lang="en-US" dirty="0" smtClean="0"/>
+              <a:t>Android</a:t>
+            </a:r>
+          </a:p>
+          <a:p>
+            <a:pPr lvl="1"/>
+            <a:r>
+              <a:rPr lang="en-US" dirty="0"/>
+              <a:t>?</a:t>
+            </a:r>
+            <a:endParaRPr lang="en-US" dirty="0" smtClean="0"/>
+          </a:p>
+          <a:p>
+            <a:r>
+              <a:rPr lang="en-US" dirty="0" err="1" smtClean="0"/>
+              <a:t>iOS</a:t>
+            </a:r>
+            <a:endParaRPr lang="en-US" dirty="0"/>
+          </a:p>
+          <a:p>
+            <a:pPr lvl="1"/>
+            <a:r>
+              <a:rPr lang="en-US" dirty="0" err="1" smtClean="0"/>
+              <a:t>Xcode</a:t>
+            </a:r>
+            <a:r>
+              <a:rPr lang="en-US" dirty="0" smtClean="0"/>
+              <a:t>, </a:t>
+            </a:r>
+            <a:r>
+              <a:rPr lang="en-US" dirty="0" err="1" smtClean="0"/>
+              <a:t>StoryBoard</a:t>
+            </a:r>
+            <a:endParaRPr lang="en-US" dirty="0" smtClean="0"/>
+          </a:p>
+          <a:p>
+            <a:pPr lvl="1"/>
+            <a:r>
+              <a:rPr lang="en-US" dirty="0" smtClean="0"/>
+              <a:t>iPod</a:t>
+            </a:r>
+            <a:endParaRPr lang="en-US" dirty="0"/>
+          </a:p>
+          <a:p>
+            <a:r>
+              <a:rPr lang="en-US" dirty="0" smtClean="0"/>
+              <a:t>Web Service</a:t>
+            </a:r>
+          </a:p>
+          <a:p>
+            <a:pPr lvl="1"/>
+            <a:r>
+              <a:rPr lang="en-US" dirty="0" smtClean="0"/>
+              <a:t>API ?</a:t>
+            </a:r>
+          </a:p>
+          <a:p>
+            <a:r>
+              <a:rPr lang="en-US" dirty="0" smtClean="0"/>
+              <a:t>Repositories</a:t>
+            </a:r>
+          </a:p>
+          <a:p>
+            <a:pPr lvl="1"/>
+            <a:r>
+              <a:rPr lang="en-US" dirty="0" smtClean="0"/>
+              <a:t>Versions: Code Repository</a:t>
+            </a:r>
+          </a:p>
+          <a:p>
+            <a:pPr lvl="1"/>
+            <a:r>
+              <a:rPr lang="en-US" dirty="0" err="1" smtClean="0"/>
+              <a:t>GitHub</a:t>
+            </a:r>
+            <a:r>
+              <a:rPr lang="en-US" dirty="0" smtClean="0"/>
+              <a:t>: Documentation</a:t>
+            </a:r>
+          </a:p>
+        </p:txBody>
+      </p:sp>
+      <p:sp>
+        <p:nvSpPr>
+          <p:cNvPr id="3" name="Title 2"/>
           <p:cNvSpPr>
             <a:spLocks noGrp="1"/>
           </p:cNvSpPr>
@@ -3799,51 +5400,7 @@
           <a:p>
             <a:r>
               <a:rPr lang="en-US" dirty="0" smtClean="0"/>
-              <a:t>Analysis</a:t>
-            </a:r>
-            <a:endParaRPr lang="en-US" dirty="0"/>
-          </a:p>
-        </p:txBody>
-      </p:sp>
-      <p:sp>
-        <p:nvSpPr>
-          <p:cNvPr id="3" name="Content Placeholder 2"/>
-          <p:cNvSpPr>
-            <a:spLocks noGrp="1"/>
-          </p:cNvSpPr>
-          <p:nvPr>
-            <p:ph idx="1"/>
-          </p:nvPr>
-        </p:nvSpPr>
-        <p:spPr/>
-        <p:txBody>
-          <a:bodyPr/>
-          <a:lstStyle/>
-          <a:p>
-            <a:r>
-              <a:rPr lang="en-US" dirty="0" smtClean="0"/>
-              <a:t>Created desired look and feel </a:t>
-            </a:r>
-          </a:p>
-          <a:p>
-            <a:pPr marL="0" indent="0">
-              <a:buNone/>
-            </a:pPr>
-            <a:r>
-              <a:rPr lang="en-US" dirty="0" smtClean="0"/>
-              <a:t>	- via white board at Innovative Systems</a:t>
-            </a:r>
-          </a:p>
-          <a:p>
-            <a:r>
-              <a:rPr lang="en-US" dirty="0" smtClean="0"/>
-              <a:t>Using two Mac’s and one PC for development</a:t>
-            </a:r>
-          </a:p>
-          <a:p>
-            <a:r>
-              <a:rPr lang="en-US" dirty="0" smtClean="0"/>
-              <a:t>Versions Repository </a:t>
+              <a:t>Tools</a:t>
             </a:r>
             <a:endParaRPr lang="en-US" dirty="0"/>
           </a:p>
@@ -3852,7 +5409,7 @@
     </p:spTree>
     <p:extLst>
       <p:ext uri="{BB962C8B-B14F-4D97-AF65-F5344CB8AC3E}">
-        <p14:creationId xmlns:p14="http://schemas.microsoft.com/office/powerpoint/2010/main" val="1195824612"/>
+        <p14:creationId xmlns:p14="http://schemas.microsoft.com/office/powerpoint/2010/main" val="3643224477"/>
       </p:ext>
     </p:extLst>
   </p:cSld>
@@ -3881,29 +5438,6 @@
       </p:grpSpPr>
       <p:sp>
         <p:nvSpPr>
-          <p:cNvPr id="2" name="Title 1"/>
-          <p:cNvSpPr>
-            <a:spLocks noGrp="1"/>
-          </p:cNvSpPr>
-          <p:nvPr>
-            <p:ph type="title"/>
-          </p:nvPr>
-        </p:nvSpPr>
-        <p:spPr/>
-        <p:txBody>
-          <a:bodyPr/>
-          <a:lstStyle/>
-          <a:p>
-            <a:r>
-              <a:rPr lang="en-US" dirty="0" smtClean="0"/>
-              <a:t>Sprints</a:t>
-            </a:r>
-            <a:endParaRPr lang="en-US" dirty="0"/>
-          </a:p>
-        </p:txBody>
-      </p:sp>
-      <p:sp>
-        <p:nvSpPr>
           <p:cNvPr id="3" name="Content Placeholder 2"/>
           <p:cNvSpPr>
             <a:spLocks noGrp="1"/>
@@ -3920,7 +5454,7 @@
         </p:spPr>
         <p:txBody>
           <a:bodyPr>
-            <a:normAutofit fontScale="47500" lnSpcReduction="20000"/>
+            <a:normAutofit fontScale="62500" lnSpcReduction="20000"/>
           </a:bodyPr>
           <a:lstStyle/>
           <a:p>
@@ -4106,6 +5640,29 @@
             <a:pPr marL="0" indent="0">
               <a:buNone/>
             </a:pPr>
+            <a:endParaRPr lang="en-US" dirty="0"/>
+          </a:p>
+        </p:txBody>
+      </p:sp>
+      <p:sp>
+        <p:nvSpPr>
+          <p:cNvPr id="2" name="Title 1"/>
+          <p:cNvSpPr>
+            <a:spLocks noGrp="1"/>
+          </p:cNvSpPr>
+          <p:nvPr>
+            <p:ph type="title"/>
+          </p:nvPr>
+        </p:nvSpPr>
+        <p:spPr/>
+        <p:txBody>
+          <a:bodyPr/>
+          <a:lstStyle/>
+          <a:p>
+            <a:r>
+              <a:rPr lang="en-US" dirty="0" smtClean="0"/>
+              <a:t>Sprints</a:t>
+            </a:r>
             <a:endParaRPr lang="en-US" dirty="0"/>
           </a:p>
         </p:txBody>
@@ -4142,12 +5699,12 @@
       </p:grpSpPr>
       <p:sp>
         <p:nvSpPr>
-          <p:cNvPr id="2" name="Title 1"/>
-          <p:cNvSpPr>
-            <a:spLocks noGrp="1"/>
-          </p:cNvSpPr>
-          <p:nvPr>
-            <p:ph type="title"/>
+          <p:cNvPr id="2" name="Content Placeholder 1"/>
+          <p:cNvSpPr>
+            <a:spLocks noGrp="1"/>
+          </p:cNvSpPr>
+          <p:nvPr>
+            <p:ph idx="1"/>
           </p:nvPr>
         </p:nvSpPr>
         <p:spPr/>
@@ -4157,12 +5714,67 @@
           <a:p>
             <a:r>
               <a:rPr lang="en-US" dirty="0" smtClean="0"/>
-              <a:t>Design and Architecture</a:t>
+              <a:t>Screen Shots or Overview?</a:t>
             </a:r>
             <a:endParaRPr lang="en-US" dirty="0"/>
           </a:p>
         </p:txBody>
       </p:sp>
+      <p:sp>
+        <p:nvSpPr>
+          <p:cNvPr id="3" name="Title 2"/>
+          <p:cNvSpPr>
+            <a:spLocks noGrp="1"/>
+          </p:cNvSpPr>
+          <p:nvPr>
+            <p:ph type="title"/>
+          </p:nvPr>
+        </p:nvSpPr>
+        <p:spPr/>
+        <p:txBody>
+          <a:bodyPr>
+            <a:normAutofit/>
+          </a:bodyPr>
+          <a:lstStyle/>
+          <a:p>
+            <a:r>
+              <a:rPr lang="en-US" dirty="0" smtClean="0"/>
+              <a:t>Android App Design</a:t>
+            </a:r>
+            <a:endParaRPr lang="en-US" dirty="0"/>
+          </a:p>
+        </p:txBody>
+      </p:sp>
+    </p:spTree>
+    <p:extLst>
+      <p:ext uri="{BB962C8B-B14F-4D97-AF65-F5344CB8AC3E}">
+        <p14:creationId xmlns:p14="http://schemas.microsoft.com/office/powerpoint/2010/main" val="4130295470"/>
+      </p:ext>
+    </p:extLst>
+  </p:cSld>
+  <p:clrMapOvr>
+    <a:masterClrMapping/>
+  </p:clrMapOvr>
+</p:sld>
+</file>
+
+<file path=ppt/slides/slide8.xml><?xml version="1.0" encoding="utf-8"?>
+<p:sld xmlns:a="http://schemas.openxmlformats.org/drawingml/2006/main" xmlns:r="http://schemas.openxmlformats.org/officeDocument/2006/relationships" xmlns:p="http://schemas.openxmlformats.org/presentationml/2006/main">
+  <p:cSld>
+    <p:spTree>
+      <p:nvGrpSpPr>
+        <p:cNvPr id="1" name=""/>
+        <p:cNvGrpSpPr/>
+        <p:nvPr/>
+      </p:nvGrpSpPr>
+      <p:grpSpPr>
+        <a:xfrm>
+          <a:off x="0" y="0"/>
+          <a:ext cx="0" cy="0"/>
+          <a:chOff x="0" y="0"/>
+          <a:chExt cx="0" cy="0"/>
+        </a:xfrm>
+      </p:grpSpPr>
       <p:sp>
         <p:nvSpPr>
           <p:cNvPr id="3" name="Content Placeholder 2"/>
@@ -4180,12 +5792,295 @@
           <a:p>
             <a:r>
               <a:rPr lang="en-US" dirty="0" smtClean="0"/>
-              <a:t>Prototypes/screen shots</a:t>
+              <a:t>Screen Shots</a:t>
             </a:r>
             <a:endParaRPr lang="en-US" dirty="0"/>
           </a:p>
         </p:txBody>
       </p:sp>
+      <p:sp>
+        <p:nvSpPr>
+          <p:cNvPr id="2" name="Title 1"/>
+          <p:cNvSpPr>
+            <a:spLocks noGrp="1"/>
+          </p:cNvSpPr>
+          <p:nvPr>
+            <p:ph type="title"/>
+          </p:nvPr>
+        </p:nvSpPr>
+        <p:spPr/>
+        <p:txBody>
+          <a:bodyPr/>
+          <a:lstStyle/>
+          <a:p>
+            <a:r>
+              <a:rPr lang="en-US" dirty="0" err="1" smtClean="0"/>
+              <a:t>iOS</a:t>
+            </a:r>
+            <a:r>
+              <a:rPr lang="en-US" dirty="0" smtClean="0"/>
+              <a:t> App Design</a:t>
+            </a:r>
+            <a:endParaRPr lang="en-US" dirty="0"/>
+          </a:p>
+        </p:txBody>
+      </p:sp>
+      <p:pic>
+        <p:nvPicPr>
+          <p:cNvPr id="1026" name="Picture 2"/>
+          <p:cNvPicPr>
+            <a:picLocks noChangeAspect="1" noChangeArrowheads="1"/>
+          </p:cNvPicPr>
+          <p:nvPr/>
+        </p:nvPicPr>
+        <p:blipFill>
+          <a:blip r:embed="rId2" cstate="print">
+            <a:extLst>
+              <a:ext uri="{28A0092B-C50C-407E-A947-70E740481C1C}">
+                <a14:useLocalDpi xmlns:a14="http://schemas.microsoft.com/office/drawing/2010/main" val="0"/>
+              </a:ext>
+            </a:extLst>
+          </a:blip>
+          <a:srcRect/>
+          <a:stretch>
+            <a:fillRect/>
+          </a:stretch>
+        </p:blipFill>
+        <p:spPr bwMode="auto">
+          <a:xfrm>
+            <a:off x="457200" y="2247900"/>
+            <a:ext cx="1828800" cy="2743200"/>
+          </a:xfrm>
+          <a:prstGeom prst="rect">
+            <a:avLst/>
+          </a:prstGeom>
+          <a:noFill/>
+          <a:ln>
+            <a:noFill/>
+          </a:ln>
+          <a:effectLst/>
+          <a:extLst>
+            <a:ext uri="{909E8E84-426E-40DD-AFC4-6F175D3DCCD1}">
+              <a14:hiddenFill xmlns:a14="http://schemas.microsoft.com/office/drawing/2010/main">
+                <a:solidFill>
+                  <a:schemeClr val="accent1"/>
+                </a:solidFill>
+              </a14:hiddenFill>
+            </a:ext>
+            <a:ext uri="{91240B29-F687-4F45-9708-019B960494DF}">
+              <a14:hiddenLine xmlns:a14="http://schemas.microsoft.com/office/drawing/2010/main" w="9525">
+                <a:solidFill>
+                  <a:schemeClr val="tx1"/>
+                </a:solidFill>
+                <a:miter lim="800000"/>
+                <a:headEnd/>
+                <a:tailEnd/>
+              </a14:hiddenLine>
+            </a:ext>
+            <a:ext uri="{AF507438-7753-43E0-B8FC-AC1667EBCBE1}">
+              <a14:hiddenEffects xmlns:a14="http://schemas.microsoft.com/office/drawing/2010/main">
+                <a:effectLst>
+                  <a:outerShdw dist="35921" dir="2700000" algn="ctr" rotWithShape="0">
+                    <a:schemeClr val="bg2"/>
+                  </a:outerShdw>
+                </a:effectLst>
+              </a14:hiddenEffects>
+            </a:ext>
+          </a:extLst>
+        </p:spPr>
+      </p:pic>
+      <p:pic>
+        <p:nvPicPr>
+          <p:cNvPr id="1027" name="Picture 3"/>
+          <p:cNvPicPr>
+            <a:picLocks noChangeAspect="1" noChangeArrowheads="1"/>
+          </p:cNvPicPr>
+          <p:nvPr/>
+        </p:nvPicPr>
+        <p:blipFill>
+          <a:blip r:embed="rId3" cstate="print">
+            <a:extLst>
+              <a:ext uri="{28A0092B-C50C-407E-A947-70E740481C1C}">
+                <a14:useLocalDpi xmlns:a14="http://schemas.microsoft.com/office/drawing/2010/main" val="0"/>
+              </a:ext>
+            </a:extLst>
+          </a:blip>
+          <a:srcRect/>
+          <a:stretch>
+            <a:fillRect/>
+          </a:stretch>
+        </p:blipFill>
+        <p:spPr bwMode="auto">
+          <a:xfrm>
+            <a:off x="2514600" y="2247900"/>
+            <a:ext cx="1828800" cy="2743200"/>
+          </a:xfrm>
+          <a:prstGeom prst="rect">
+            <a:avLst/>
+          </a:prstGeom>
+          <a:noFill/>
+          <a:ln>
+            <a:noFill/>
+          </a:ln>
+          <a:effectLst/>
+          <a:extLst>
+            <a:ext uri="{909E8E84-426E-40DD-AFC4-6F175D3DCCD1}">
+              <a14:hiddenFill xmlns:a14="http://schemas.microsoft.com/office/drawing/2010/main">
+                <a:solidFill>
+                  <a:schemeClr val="accent1"/>
+                </a:solidFill>
+              </a14:hiddenFill>
+            </a:ext>
+            <a:ext uri="{91240B29-F687-4F45-9708-019B960494DF}">
+              <a14:hiddenLine xmlns:a14="http://schemas.microsoft.com/office/drawing/2010/main" w="9525">
+                <a:solidFill>
+                  <a:schemeClr val="tx1"/>
+                </a:solidFill>
+                <a:miter lim="800000"/>
+                <a:headEnd/>
+                <a:tailEnd/>
+              </a14:hiddenLine>
+            </a:ext>
+            <a:ext uri="{AF507438-7753-43E0-B8FC-AC1667EBCBE1}">
+              <a14:hiddenEffects xmlns:a14="http://schemas.microsoft.com/office/drawing/2010/main">
+                <a:effectLst>
+                  <a:outerShdw dist="35921" dir="2700000" algn="ctr" rotWithShape="0">
+                    <a:schemeClr val="bg2"/>
+                  </a:outerShdw>
+                </a:effectLst>
+              </a14:hiddenEffects>
+            </a:ext>
+          </a:extLst>
+        </p:spPr>
+      </p:pic>
+      <p:pic>
+        <p:nvPicPr>
+          <p:cNvPr id="1028" name="Picture 4"/>
+          <p:cNvPicPr>
+            <a:picLocks noChangeAspect="1" noChangeArrowheads="1"/>
+          </p:cNvPicPr>
+          <p:nvPr/>
+        </p:nvPicPr>
+        <p:blipFill>
+          <a:blip r:embed="rId4" cstate="print">
+            <a:extLst>
+              <a:ext uri="{28A0092B-C50C-407E-A947-70E740481C1C}">
+                <a14:useLocalDpi xmlns:a14="http://schemas.microsoft.com/office/drawing/2010/main" val="0"/>
+              </a:ext>
+            </a:extLst>
+          </a:blip>
+          <a:srcRect/>
+          <a:stretch>
+            <a:fillRect/>
+          </a:stretch>
+        </p:blipFill>
+        <p:spPr bwMode="auto">
+          <a:xfrm>
+            <a:off x="4572000" y="2247900"/>
+            <a:ext cx="1828800" cy="2743200"/>
+          </a:xfrm>
+          <a:prstGeom prst="rect">
+            <a:avLst/>
+          </a:prstGeom>
+          <a:noFill/>
+          <a:ln>
+            <a:noFill/>
+          </a:ln>
+          <a:effectLst/>
+          <a:extLst>
+            <a:ext uri="{909E8E84-426E-40DD-AFC4-6F175D3DCCD1}">
+              <a14:hiddenFill xmlns:a14="http://schemas.microsoft.com/office/drawing/2010/main">
+                <a:solidFill>
+                  <a:schemeClr val="accent1"/>
+                </a:solidFill>
+              </a14:hiddenFill>
+            </a:ext>
+            <a:ext uri="{91240B29-F687-4F45-9708-019B960494DF}">
+              <a14:hiddenLine xmlns:a14="http://schemas.microsoft.com/office/drawing/2010/main" w="9525">
+                <a:solidFill>
+                  <a:schemeClr val="tx1"/>
+                </a:solidFill>
+                <a:miter lim="800000"/>
+                <a:headEnd/>
+                <a:tailEnd/>
+              </a14:hiddenLine>
+            </a:ext>
+            <a:ext uri="{AF507438-7753-43E0-B8FC-AC1667EBCBE1}">
+              <a14:hiddenEffects xmlns:a14="http://schemas.microsoft.com/office/drawing/2010/main">
+                <a:effectLst>
+                  <a:outerShdw dist="35921" dir="2700000" algn="ctr" rotWithShape="0">
+                    <a:schemeClr val="bg2"/>
+                  </a:outerShdw>
+                </a:effectLst>
+              </a14:hiddenEffects>
+            </a:ext>
+          </a:extLst>
+        </p:spPr>
+      </p:pic>
+      <p:pic>
+        <p:nvPicPr>
+          <p:cNvPr id="1029" name="Picture 5"/>
+          <p:cNvPicPr>
+            <a:picLocks noChangeAspect="1" noChangeArrowheads="1"/>
+          </p:cNvPicPr>
+          <p:nvPr/>
+        </p:nvPicPr>
+        <p:blipFill>
+          <a:blip r:embed="rId5" cstate="print">
+            <a:extLst>
+              <a:ext uri="{28A0092B-C50C-407E-A947-70E740481C1C}">
+                <a14:useLocalDpi xmlns:a14="http://schemas.microsoft.com/office/drawing/2010/main" val="0"/>
+              </a:ext>
+            </a:extLst>
+          </a:blip>
+          <a:srcRect/>
+          <a:stretch>
+            <a:fillRect/>
+          </a:stretch>
+        </p:blipFill>
+        <p:spPr bwMode="auto">
+          <a:xfrm>
+            <a:off x="6629400" y="2247900"/>
+            <a:ext cx="1828800" cy="2743200"/>
+          </a:xfrm>
+          <a:prstGeom prst="rect">
+            <a:avLst/>
+          </a:prstGeom>
+          <a:noFill/>
+          <a:ln>
+            <a:noFill/>
+          </a:ln>
+          <a:effectLst/>
+          <a:extLst>
+            <a:ext uri="{909E8E84-426E-40DD-AFC4-6F175D3DCCD1}">
+              <a14:hiddenFill xmlns:a14="http://schemas.microsoft.com/office/drawing/2010/main">
+                <a:solidFill>
+                  <a:schemeClr val="accent1"/>
+                </a:solidFill>
+              </a14:hiddenFill>
+            </a:ext>
+            <a:ext uri="{91240B29-F687-4F45-9708-019B960494DF}">
+              <a14:hiddenLine xmlns:a14="http://schemas.microsoft.com/office/drawing/2010/main" w="9525">
+                <a:solidFill>
+                  <a:schemeClr val="tx1"/>
+                </a:solidFill>
+                <a:miter lim="800000"/>
+                <a:headEnd/>
+                <a:tailEnd/>
+              </a14:hiddenLine>
+            </a:ext>
+            <a:ext uri="{AF507438-7753-43E0-B8FC-AC1667EBCBE1}">
+              <a14:hiddenEffects xmlns:a14="http://schemas.microsoft.com/office/drawing/2010/main">
+                <a:effectLst>
+                  <a:outerShdw dist="35921" dir="2700000" algn="ctr" rotWithShape="0">
+                    <a:schemeClr val="bg2"/>
+                  </a:outerShdw>
+                </a:effectLst>
+              </a14:hiddenEffects>
+            </a:ext>
+          </a:extLst>
+        </p:spPr>
+      </p:pic>
     </p:spTree>
     <p:extLst>
       <p:ext uri="{BB962C8B-B14F-4D97-AF65-F5344CB8AC3E}">
@@ -4199,10 +6094,86 @@
 </p:sld>
 </file>
 
+<file path=ppt/slides/slide9.xml><?xml version="1.0" encoding="utf-8"?>
+<p:sld xmlns:a="http://schemas.openxmlformats.org/drawingml/2006/main" xmlns:r="http://schemas.openxmlformats.org/officeDocument/2006/relationships" xmlns:p="http://schemas.openxmlformats.org/presentationml/2006/main">
+  <p:cSld>
+    <p:spTree>
+      <p:nvGrpSpPr>
+        <p:cNvPr id="1" name=""/>
+        <p:cNvGrpSpPr/>
+        <p:nvPr/>
+      </p:nvGrpSpPr>
+      <p:grpSpPr>
+        <a:xfrm>
+          <a:off x="0" y="0"/>
+          <a:ext cx="0" cy="0"/>
+          <a:chOff x="0" y="0"/>
+          <a:chExt cx="0" cy="0"/>
+        </a:xfrm>
+      </p:grpSpPr>
+      <p:sp>
+        <p:nvSpPr>
+          <p:cNvPr id="2" name="Content Placeholder 1"/>
+          <p:cNvSpPr>
+            <a:spLocks noGrp="1"/>
+          </p:cNvSpPr>
+          <p:nvPr>
+            <p:ph idx="1"/>
+          </p:nvPr>
+        </p:nvSpPr>
+        <p:spPr/>
+        <p:txBody>
+          <a:bodyPr/>
+          <a:lstStyle/>
+          <a:p>
+            <a:r>
+              <a:rPr lang="en-US" dirty="0" smtClean="0"/>
+              <a:t>Visio Diagram</a:t>
+            </a:r>
+            <a:endParaRPr lang="en-US" dirty="0"/>
+          </a:p>
+        </p:txBody>
+      </p:sp>
+      <p:sp>
+        <p:nvSpPr>
+          <p:cNvPr id="3" name="Title 2"/>
+          <p:cNvSpPr>
+            <a:spLocks noGrp="1"/>
+          </p:cNvSpPr>
+          <p:nvPr>
+            <p:ph type="title"/>
+          </p:nvPr>
+        </p:nvSpPr>
+        <p:spPr/>
+        <p:txBody>
+          <a:bodyPr/>
+          <a:lstStyle/>
+          <a:p>
+            <a:r>
+              <a:rPr lang="en-US" dirty="0" smtClean="0"/>
+              <a:t>Architecture</a:t>
+            </a:r>
+            <a:endParaRPr lang="en-US" dirty="0"/>
+          </a:p>
+        </p:txBody>
+      </p:sp>
+    </p:spTree>
+    <p:extLst>
+      <p:ext uri="{BB962C8B-B14F-4D97-AF65-F5344CB8AC3E}">
+        <p14:creationId xmlns:p14="http://schemas.microsoft.com/office/powerpoint/2010/main" val="3454600958"/>
+      </p:ext>
+    </p:extLst>
+  </p:cSld>
+  <p:clrMapOvr>
+    <a:masterClrMapping/>
+  </p:clrMapOvr>
+</p:sld>
+</file>
+
 <file path=ppt/theme/theme1.xml><?xml version="1.0" encoding="utf-8"?>
-<a:theme xmlns:a="http://schemas.openxmlformats.org/drawingml/2006/main" name="Office Theme">
+<a:theme xmlns:a="http://schemas.openxmlformats.org/drawingml/2006/main" name="Concourse">
   <a:themeElements>
-    <a:clrScheme name="Office">
+    <a:clrScheme name="Concourse">
       <a:dk1>
         <a:sysClr val="windowText" lastClr="000000"/>
       </a:dk1>
@@ -4210,79 +6181,45 @@
         <a:sysClr val="window" lastClr="FFFFFF"/>
       </a:lt1>
       <a:dk2>
-        <a:srgbClr val="1F497D"/>
+        <a:srgbClr val="464646"/>
       </a:dk2>
       <a:lt2>
-        <a:srgbClr val="EEECE1"/>
+        <a:srgbClr val="DEF5FA"/>
       </a:lt2>
       <a:accent1>
-        <a:srgbClr val="4F81BD"/>
+        <a:srgbClr val="2DA2BF"/>
       </a:accent1>
       <a:accent2>
-        <a:srgbClr val="C0504D"/>
+        <a:srgbClr val="DA1F28"/>
       </a:accent2>
       <a:accent3>
-        <a:srgbClr val="9BBB59"/>
+        <a:srgbClr val="EB641B"/>
       </a:accent3>
       <a:accent4>
-        <a:srgbClr val="8064A2"/>
+        <a:srgbClr val="39639D"/>
       </a:accent4>
       <a:accent5>
-        <a:srgbClr val="4BACC6"/>
+        <a:srgbClr val="474B78"/>
       </a:accent5>
       <a:accent6>
-        <a:srgbClr val="F79646"/>
+        <a:srgbClr val="7D3C4A"/>
       </a:accent6>
       <a:hlink>
-        <a:srgbClr val="0000FF"/>
+        <a:srgbClr val="FF8119"/>
       </a:hlink>
       <a:folHlink>
-        <a:srgbClr val="800080"/>
+        <a:srgbClr val="44B9E8"/>
       </a:folHlink>
     </a:clrScheme>
-    <a:fontScheme name="Office">
+    <a:fontScheme name="Concourse">
       <a:majorFont>
-        <a:latin typeface="Calibri"/>
+        <a:latin typeface="Lucida Sans Unicode"/>
         <a:ea typeface=""/>
         <a:cs typeface=""/>
         <a:font script="Jpan" typeface="ＭＳ Ｐゴシック"/>
         <a:font script="Hang" typeface="맑은 고딕"/>
-        <a:font script="Hans" typeface="宋体"/>
-        <a:font script="Hant" typeface="新細明體"/>
-        <a:font script="Arab" typeface="Times New Roman"/>
-        <a:font script="Hebr" typeface="Times New Roman"/>
-        <a:font script="Thai" typeface="Angsana New"/>
-        <a:font script="Ethi" typeface="Nyala"/>
-        <a:font script="Beng" typeface="Vrinda"/>
-        <a:font script="Gujr" typeface="Shruti"/>
-        <a:font script="Khmr" typeface="MoolBoran"/>
-        <a:font script="Knda" typeface="Tunga"/>
-        <a:font script="Guru" typeface="Raavi"/>
-        <a:font script="Cans" typeface="Euphemia"/>
-        <a:font script="Cher" typeface="Plantagenet Cherokee"/>
-        <a:font script="Yiii" typeface="Microsoft Yi Baiti"/>
-        <a:font script="Tibt" typeface="Microsoft Himalaya"/>
-        <a:font script="Thaa" typeface="MV Boli"/>
-        <a:font script="Deva" typeface="Mangal"/>
-        <a:font script="Telu" typeface="Gautami"/>
-        <a:font script="Taml" typeface="Latha"/>
-        <a:font script="Syrc" typeface="Estrangelo Edessa"/>
-        <a:font script="Orya" typeface="Kalinga"/>
-        <a:font script="Mlym" typeface="Kartika"/>
-        <a:font script="Laoo" typeface="DokChampa"/>
-        <a:font script="Sinh" typeface="Iskoola Pota"/>
-        <a:font script="Mong" typeface="Mongolian Baiti"/>
-        <a:font script="Viet" typeface="Times New Roman"/>
-        <a:font script="Uigh" typeface="Microsoft Uighur"/>
-      </a:majorFont>
-      <a:minorFont>
-        <a:latin typeface="Calibri"/>
-        <a:ea typeface=""/>
-        <a:cs typeface=""/>
-        <a:font script="Jpan" typeface="ＭＳ Ｐゴシック"/>
-        <a:font script="Hang" typeface="맑은 고딕"/>
-        <a:font script="Hans" typeface="宋体"/>
-        <a:font script="Hant" typeface="新細明體"/>
+        <a:font script="Hans" typeface="黑体"/>
+        <a:font script="Hant" typeface="微軟正黑體"/>
         <a:font script="Arab" typeface="Arial"/>
         <a:font script="Hebr" typeface="Arial"/>
         <a:font script="Thai" typeface="Cordia New"/>
@@ -4306,11 +6243,45 @@
         <a:font script="Laoo" typeface="DokChampa"/>
         <a:font script="Sinh" typeface="Iskoola Pota"/>
         <a:font script="Mong" typeface="Mongolian Baiti"/>
-        <a:font script="Viet" typeface="Arial"/>
         <a:font script="Uigh" typeface="Microsoft Uighur"/>
+        <a:font script="Geor" typeface="Sylfaen"/>
+      </a:majorFont>
+      <a:minorFont>
+        <a:latin typeface="Lucida Sans Unicode"/>
+        <a:ea typeface=""/>
+        <a:cs typeface=""/>
+        <a:font script="Jpan" typeface="ＭＳ Ｐゴシック"/>
+        <a:font script="Hang" typeface="맑은 고딕"/>
+        <a:font script="Hans" typeface="黑体"/>
+        <a:font script="Hant" typeface="微軟正黑體"/>
+        <a:font script="Arab" typeface="Arial"/>
+        <a:font script="Hebr" typeface="Arial"/>
+        <a:font script="Thai" typeface="Cordia New"/>
+        <a:font script="Ethi" typeface="Nyala"/>
+        <a:font script="Beng" typeface="Vrinda"/>
+        <a:font script="Gujr" typeface="Shruti"/>
+        <a:font script="Khmr" typeface="DaunPenh"/>
+        <a:font script="Knda" typeface="Tunga"/>
+        <a:font script="Guru" typeface="Raavi"/>
+        <a:font script="Cans" typeface="Euphemia"/>
+        <a:font script="Cher" typeface="Plantagenet Cherokee"/>
+        <a:font script="Yiii" typeface="Microsoft Yi Baiti"/>
+        <a:font script="Tibt" typeface="Microsoft Himalaya"/>
+        <a:font script="Thaa" typeface="MV Boli"/>
+        <a:font script="Deva" typeface="Mangal"/>
+        <a:font script="Telu" typeface="Gautami"/>
+        <a:font script="Taml" typeface="Latha"/>
+        <a:font script="Syrc" typeface="Estrangelo Edessa"/>
+        <a:font script="Orya" typeface="Kalinga"/>
+        <a:font script="Mlym" typeface="Kartika"/>
+        <a:font script="Laoo" typeface="DokChampa"/>
+        <a:font script="Sinh" typeface="Iskoola Pota"/>
+        <a:font script="Mong" typeface="Mongolian Baiti"/>
+        <a:font script="Uigh" typeface="Microsoft Uighur"/>
+        <a:font script="Geor" typeface="Sylfaen"/>
       </a:minorFont>
     </a:fontScheme>
-    <a:fmtScheme name="Office">
+    <a:fmtScheme name="Concourse">
       <a:fillStyleLst>
         <a:solidFill>
           <a:schemeClr val="phClr"/>
@@ -4319,43 +6290,51 @@
           <a:gsLst>
             <a:gs pos="0">
               <a:schemeClr val="phClr">
-                <a:tint val="50000"/>
-                <a:satMod val="300000"/>
+                <a:tint val="62000"/>
+                <a:satMod val="180000"/>
               </a:schemeClr>
             </a:gs>
-            <a:gs pos="35000">
+            <a:gs pos="65000">
               <a:schemeClr val="phClr">
-                <a:tint val="37000"/>
-                <a:satMod val="300000"/>
+                <a:tint val="32000"/>
+                <a:satMod val="250000"/>
               </a:schemeClr>
             </a:gs>
             <a:gs pos="100000">
               <a:schemeClr val="phClr">
-                <a:tint val="15000"/>
-                <a:satMod val="350000"/>
+                <a:tint val="23000"/>
+                <a:satMod val="300000"/>
               </a:schemeClr>
             </a:gs>
           </a:gsLst>
-          <a:lin ang="16200000" scaled="1"/>
+          <a:lin ang="16200000" scaled="0"/>
         </a:gradFill>
         <a:gradFill rotWithShape="1">
           <a:gsLst>
             <a:gs pos="0">
               <a:schemeClr val="phClr">
-                <a:shade val="51000"/>
-                <a:satMod val="130000"/>
+                <a:shade val="15000"/>
+                <a:satMod val="180000"/>
               </a:schemeClr>
             </a:gs>
-            <a:gs pos="80000">
+            <a:gs pos="50000">
               <a:schemeClr val="phClr">
-                <a:shade val="93000"/>
-                <a:satMod val="130000"/>
+                <a:shade val="45000"/>
+                <a:satMod val="170000"/>
+              </a:schemeClr>
+            </a:gs>
+            <a:gs pos="70000">
+              <a:schemeClr val="phClr">
+                <a:tint val="99000"/>
+                <a:shade val="65000"/>
+                <a:satMod val="155000"/>
               </a:schemeClr>
             </a:gs>
             <a:gs pos="100000">
               <a:schemeClr val="phClr">
-                <a:shade val="94000"/>
-                <a:satMod val="135000"/>
+                <a:tint val="95500"/>
+                <a:shade val="100000"/>
+                <a:satMod val="155000"/>
               </a:schemeClr>
             </a:gs>
           </a:gsLst>
@@ -4365,20 +6344,17 @@
       <a:lnStyleLst>
         <a:ln w="9525" cap="flat" cmpd="sng" algn="ctr">
           <a:solidFill>
-            <a:schemeClr val="phClr">
-              <a:shade val="95000"/>
-              <a:satMod val="105000"/>
-            </a:schemeClr>
+            <a:schemeClr val="phClr"/>
           </a:solidFill>
           <a:prstDash val="solid"/>
         </a:ln>
-        <a:ln w="25400" cap="flat" cmpd="sng" algn="ctr">
+        <a:ln w="55000" cap="flat" cmpd="thickThin" algn="ctr">
           <a:solidFill>
             <a:schemeClr val="phClr"/>
           </a:solidFill>
           <a:prstDash val="solid"/>
         </a:ln>
-        <a:ln w="38100" cap="flat" cmpd="sng" algn="ctr">
+        <a:ln w="63500" cap="flat" cmpd="thickThin" algn="ctr">
           <a:solidFill>
             <a:schemeClr val="phClr"/>
           </a:solidFill>
@@ -4388,16 +6364,7 @@
       <a:effectStyleLst>
         <a:effectStyle>
           <a:effectLst>
-            <a:outerShdw blurRad="40000" dist="20000" dir="5400000" rotWithShape="0">
-              <a:srgbClr val="000000">
-                <a:alpha val="38000"/>
-              </a:srgbClr>
-            </a:outerShdw>
-          </a:effectLst>
-        </a:effectStyle>
-        <a:effectStyle>
-          <a:effectLst>
-            <a:outerShdw blurRad="40000" dist="23000" dir="5400000" rotWithShape="0">
+            <a:outerShdw blurRad="50800" dist="38100" dir="5400000" rotWithShape="0">
               <a:srgbClr val="000000">
                 <a:alpha val="35000"/>
               </a:srgbClr>
@@ -4406,22 +6373,36 @@
         </a:effectStyle>
         <a:effectStyle>
           <a:effectLst>
-            <a:outerShdw blurRad="40000" dist="23000" dir="5400000" rotWithShape="0">
+            <a:outerShdw blurRad="50800" dist="38100" dir="5400000" rotWithShape="0">
               <a:srgbClr val="000000">
                 <a:alpha val="35000"/>
               </a:srgbClr>
             </a:outerShdw>
           </a:effectLst>
+        </a:effectStyle>
+        <a:effectStyle>
+          <a:effectLst>
+            <a:outerShdw blurRad="63500" dist="38100" dir="5400000" rotWithShape="0">
+              <a:srgbClr val="000000">
+                <a:alpha val="45000"/>
+              </a:srgbClr>
+            </a:outerShdw>
+          </a:effectLst>
           <a:scene3d>
-            <a:camera prst="orthographicFront">
+            <a:camera prst="orthographicFront" fov="0">
               <a:rot lat="0" lon="0" rev="0"/>
             </a:camera>
-            <a:lightRig rig="threePt" dir="t">
-              <a:rot lat="0" lon="0" rev="1200000"/>
+            <a:lightRig rig="glow" dir="t">
+              <a:rot lat="0" lon="0" rev="6360000"/>
             </a:lightRig>
           </a:scene3d>
-          <a:sp3d>
-            <a:bevelT w="63500" h="25400"/>
+          <a:sp3d contourW="1000" prstMaterial="flat">
+            <a:bevelT w="95250" h="101600"/>
+            <a:contourClr>
+              <a:schemeClr val="phClr">
+                <a:satMod val="300000"/>
+              </a:schemeClr>
+            </a:contourClr>
           </a:sp3d>
         </a:effectStyle>
       </a:effectStyleLst>
@@ -4433,47 +6414,41 @@
           <a:gsLst>
             <a:gs pos="0">
               <a:schemeClr val="phClr">
-                <a:tint val="40000"/>
-                <a:satMod val="350000"/>
+                <a:tint val="55000"/>
+                <a:satMod val="300000"/>
               </a:schemeClr>
             </a:gs>
             <a:gs pos="40000">
               <a:schemeClr val="phClr">
-                <a:tint val="45000"/>
-                <a:shade val="99000"/>
-                <a:satMod val="350000"/>
-              </a:schemeClr>
-            </a:gs>
-            <a:gs pos="100000">
-              <a:schemeClr val="phClr">
-                <a:shade val="20000"/>
-                <a:satMod val="255000"/>
-              </a:schemeClr>
-            </a:gs>
-          </a:gsLst>
-          <a:path path="circle">
-            <a:fillToRect l="50000" t="-80000" r="50000" b="180000"/>
-          </a:path>
-        </a:gradFill>
-        <a:gradFill rotWithShape="1">
-          <a:gsLst>
-            <a:gs pos="0">
-              <a:schemeClr val="phClr">
-                <a:tint val="80000"/>
+                <a:tint val="65000"/>
                 <a:satMod val="300000"/>
               </a:schemeClr>
             </a:gs>
             <a:gs pos="100000">
               <a:schemeClr val="phClr">
-                <a:shade val="30000"/>
-                <a:satMod val="200000"/>
+                <a:shade val="65000"/>
+                <a:satMod val="300000"/>
               </a:schemeClr>
             </a:gs>
           </a:gsLst>
           <a:path path="circle">
-            <a:fillToRect l="50000" t="50000" r="50000" b="50000"/>
+            <a:fillToRect l="65000" b="98000"/>
           </a:path>
         </a:gradFill>
+        <a:blipFill>
+          <a:blip xmlns:r="http://schemas.openxmlformats.org/officeDocument/2006/relationships" r:embed="rId1">
+            <a:duotone>
+              <a:schemeClr val="phClr">
+                <a:shade val="60000"/>
+                <a:satMod val="110000"/>
+              </a:schemeClr>
+              <a:schemeClr val="phClr">
+                <a:tint val="95000"/>
+              </a:schemeClr>
+            </a:duotone>
+          </a:blip>
+          <a:tile tx="0" ty="0" sx="50000" sy="50000" flip="none" algn="tl"/>
+        </a:blipFill>
       </a:bgFillStyleLst>
     </a:fmtScheme>
   </a:themeElements>

--- a/Documentation/Presentation1.pptx
+++ b/Documentation/Presentation1.pptx
@@ -741,7 +741,7 @@
             <a:fld id="{1D8BD707-D9CF-40AE-B4C6-C98DA3205C09}" type="datetimeFigureOut">
               <a:rPr lang="en-US" smtClean="0"/>
               <a:pPr/>
-              <a:t>10/2/2012</a:t>
+              <a:t>10/4/2012</a:t>
             </a:fld>
             <a:endParaRPr lang="en-US" dirty="0"/>
           </a:p>
@@ -939,7 +939,7 @@
             <a:fld id="{1D8BD707-D9CF-40AE-B4C6-C98DA3205C09}" type="datetimeFigureOut">
               <a:rPr lang="en-US" smtClean="0"/>
               <a:pPr/>
-              <a:t>10/2/2012</a:t>
+              <a:t>10/4/2012</a:t>
             </a:fld>
             <a:endParaRPr lang="en-US" dirty="0"/>
           </a:p>
@@ -1126,7 +1126,7 @@
             <a:fld id="{1D8BD707-D9CF-40AE-B4C6-C98DA3205C09}" type="datetimeFigureOut">
               <a:rPr lang="en-US" smtClean="0"/>
               <a:pPr/>
-              <a:t>10/2/2012</a:t>
+              <a:t>10/4/2012</a:t>
             </a:fld>
             <a:endParaRPr lang="en-US" dirty="0"/>
           </a:p>
@@ -1278,7 +1278,7 @@
             <a:fld id="{1D8BD707-D9CF-40AE-B4C6-C98DA3205C09}" type="datetimeFigureOut">
               <a:rPr lang="en-US" smtClean="0"/>
               <a:pPr/>
-              <a:t>10/2/2012</a:t>
+              <a:t>10/4/2012</a:t>
             </a:fld>
             <a:endParaRPr lang="en-US" dirty="0"/>
           </a:p>
@@ -1535,7 +1535,7 @@
             <a:fld id="{1D8BD707-D9CF-40AE-B4C6-C98DA3205C09}" type="datetimeFigureOut">
               <a:rPr lang="en-US" smtClean="0"/>
               <a:pPr/>
-              <a:t>10/2/2012</a:t>
+              <a:t>10/4/2012</a:t>
             </a:fld>
             <a:endParaRPr lang="en-US" dirty="0"/>
           </a:p>
@@ -1946,7 +1946,7 @@
             <a:fld id="{1D8BD707-D9CF-40AE-B4C6-C98DA3205C09}" type="datetimeFigureOut">
               <a:rPr lang="en-US" smtClean="0"/>
               <a:pPr/>
-              <a:t>10/2/2012</a:t>
+              <a:t>10/4/2012</a:t>
             </a:fld>
             <a:endParaRPr lang="en-US" dirty="0"/>
           </a:p>
@@ -2394,7 +2394,7 @@
             <a:fld id="{1D8BD707-D9CF-40AE-B4C6-C98DA3205C09}" type="datetimeFigureOut">
               <a:rPr lang="en-US" smtClean="0"/>
               <a:pPr/>
-              <a:t>10/2/2012</a:t>
+              <a:t>10/4/2012</a:t>
             </a:fld>
             <a:endParaRPr lang="en-US" dirty="0"/>
           </a:p>
@@ -2497,7 +2497,7 @@
             <a:fld id="{1D8BD707-D9CF-40AE-B4C6-C98DA3205C09}" type="datetimeFigureOut">
               <a:rPr lang="en-US" smtClean="0"/>
               <a:pPr/>
-              <a:t>10/2/2012</a:t>
+              <a:t>10/4/2012</a:t>
             </a:fld>
             <a:endParaRPr lang="en-US" dirty="0"/>
           </a:p>
@@ -2620,7 +2620,7 @@
             <a:fld id="{1D8BD707-D9CF-40AE-B4C6-C98DA3205C09}" type="datetimeFigureOut">
               <a:rPr lang="en-US" smtClean="0"/>
               <a:pPr/>
-              <a:t>10/2/2012</a:t>
+              <a:t>10/4/2012</a:t>
             </a:fld>
             <a:endParaRPr lang="en-US" dirty="0"/>
           </a:p>
@@ -2896,7 +2896,7 @@
             <a:fld id="{1D8BD707-D9CF-40AE-B4C6-C98DA3205C09}" type="datetimeFigureOut">
               <a:rPr lang="en-US" smtClean="0"/>
               <a:pPr/>
-              <a:t>10/2/2012</a:t>
+              <a:t>10/4/2012</a:t>
             </a:fld>
             <a:endParaRPr lang="en-US" dirty="0"/>
           </a:p>
@@ -3103,7 +3103,7 @@
             <a:fld id="{1D8BD707-D9CF-40AE-B4C6-C98DA3205C09}" type="datetimeFigureOut">
               <a:rPr lang="en-US" smtClean="0"/>
               <a:pPr/>
-              <a:t>10/2/2012</a:t>
+              <a:t>10/4/2012</a:t>
             </a:fld>
             <a:endParaRPr lang="en-US" dirty="0"/>
           </a:p>
@@ -4214,7 +4214,7 @@
             <a:fld id="{1D8BD707-D9CF-40AE-B4C6-C98DA3205C09}" type="datetimeFigureOut">
               <a:rPr lang="en-US" smtClean="0"/>
               <a:pPr/>
-              <a:t>10/2/2012</a:t>
+              <a:t>10/4/2012</a:t>
             </a:fld>
             <a:endParaRPr lang="en-US" dirty="0"/>
           </a:p>
@@ -5098,15 +5098,39 @@
             </a:r>
             <a:r>
               <a:rPr lang="en-US" sz="5200" dirty="0"/>
-              <a:t>a customer with a telecom that uses Innovative Systems products, I want to see a summary of his service for his account from his &lt;</a:t>
-            </a:r>
-            <a:r>
-              <a:rPr lang="en-US" sz="5200" dirty="0" err="1"/>
-              <a:t>iOS</a:t>
+              <a:t>a customer with a telecom that uses Innovative Systems products, I want to see a summary of </a:t>
+            </a:r>
+            <a:r>
+              <a:rPr lang="en-US" sz="5200" dirty="0" smtClean="0"/>
+              <a:t>my </a:t>
             </a:r>
             <a:r>
               <a:rPr lang="en-US" sz="5200" dirty="0"/>
-              <a:t> device, Android device&gt;. </a:t>
+              <a:t>service for </a:t>
+            </a:r>
+            <a:r>
+              <a:rPr lang="en-US" sz="5200" dirty="0" smtClean="0"/>
+              <a:t>my</a:t>
+            </a:r>
+            <a:r>
+              <a:rPr lang="en-US" sz="5200" dirty="0" smtClean="0"/>
+              <a:t> </a:t>
+            </a:r>
+            <a:r>
+              <a:rPr lang="en-US" sz="5200" dirty="0"/>
+              <a:t>account from </a:t>
+            </a:r>
+            <a:r>
+              <a:rPr lang="en-US" sz="5200" dirty="0" smtClean="0"/>
+              <a:t>my</a:t>
+            </a:r>
+            <a:r>
+              <a:rPr lang="en-US" sz="5200" dirty="0" smtClean="0"/>
+              <a:t> </a:t>
+            </a:r>
+            <a:r>
+              <a:rPr lang="en-US" sz="5200" dirty="0"/>
+              <a:t>&lt;iOS device, Android device&gt;. </a:t>
             </a:r>
           </a:p>
           <a:p>
@@ -5290,7 +5314,7 @@
         <p:spPr/>
         <p:txBody>
           <a:bodyPr>
-            <a:normAutofit lnSpcReduction="10000"/>
+            <a:normAutofit fontScale="92500" lnSpcReduction="10000"/>
           </a:bodyPr>
           <a:lstStyle/>
           <a:p>
@@ -5308,10 +5332,16 @@
           <a:p>
             <a:pPr lvl="1"/>
             <a:r>
-              <a:rPr lang="en-US" dirty="0"/>
-              <a:t>?</a:t>
-            </a:r>
-            <a:endParaRPr lang="en-US" dirty="0" smtClean="0"/>
+              <a:rPr lang="en-US" dirty="0" smtClean="0"/>
+              <a:t>Eclipse, Android SDK</a:t>
+            </a:r>
+          </a:p>
+          <a:p>
+            <a:pPr lvl="1"/>
+            <a:r>
+              <a:rPr lang="en-US" dirty="0" smtClean="0"/>
+              <a:t>Samsung Galaxy SIII, Nexus 7</a:t>
+            </a:r>
           </a:p>
           <a:p>
             <a:r>
@@ -5340,7 +5370,11 @@
             <a:pPr lvl="1"/>
             <a:r>
               <a:rPr lang="en-US" dirty="0" smtClean="0"/>
-              <a:t>iPod</a:t>
+              <a:t>iPod, </a:t>
+            </a:r>
+            <a:r>
+              <a:rPr lang="en-US" dirty="0" err="1" smtClean="0"/>
+              <a:t>iPad</a:t>
             </a:r>
             <a:endParaRPr lang="en-US" dirty="0"/>
           </a:p>
@@ -5354,7 +5388,7 @@
             <a:pPr lvl="1"/>
             <a:r>
               <a:rPr lang="en-US" dirty="0" smtClean="0"/>
-              <a:t>API ?</a:t>
+              <a:t>API</a:t>
             </a:r>
           </a:p>
           <a:p>
@@ -5367,7 +5401,7 @@
             <a:pPr lvl="1"/>
             <a:r>
               <a:rPr lang="en-US" dirty="0" smtClean="0"/>
-              <a:t>Versions: Code Repository</a:t>
+              <a:t>Versions SVN: Code Repository</a:t>
             </a:r>
           </a:p>
           <a:p>

--- a/Documentation/Presentation1.pptx
+++ b/Documentation/Presentation1.pptx
@@ -14,6 +14,7 @@
     <p:sldId id="264" r:id="rId8"/>
     <p:sldId id="260" r:id="rId9"/>
     <p:sldId id="265" r:id="rId10"/>
+    <p:sldId id="266" r:id="rId11"/>
   </p:sldIdLst>
   <p:sldSz cx="9144000" cy="6858000" type="screen4x3"/>
   <p:notesSz cx="6858000" cy="9144000"/>
@@ -4680,6 +4681,90 @@
 </p:sld>
 </file>
 
+<file path=ppt/slides/slide10.xml><?xml version="1.0" encoding="utf-8"?>
+<p:sld xmlns:a="http://schemas.openxmlformats.org/drawingml/2006/main" xmlns:r="http://schemas.openxmlformats.org/officeDocument/2006/relationships" xmlns:p="http://schemas.openxmlformats.org/presentationml/2006/main">
+  <p:cSld>
+    <p:spTree>
+      <p:nvGrpSpPr>
+        <p:cNvPr id="1" name=""/>
+        <p:cNvGrpSpPr/>
+        <p:nvPr/>
+      </p:nvGrpSpPr>
+      <p:grpSpPr>
+        <a:xfrm>
+          <a:off x="0" y="0"/>
+          <a:ext cx="0" cy="0"/>
+          <a:chOff x="0" y="0"/>
+          <a:chExt cx="0" cy="0"/>
+        </a:xfrm>
+      </p:grpSpPr>
+      <p:sp>
+        <p:nvSpPr>
+          <p:cNvPr id="2" name="Content Placeholder 1"/>
+          <p:cNvSpPr>
+            <a:spLocks noGrp="1"/>
+          </p:cNvSpPr>
+          <p:nvPr>
+            <p:ph idx="1"/>
+          </p:nvPr>
+        </p:nvSpPr>
+        <p:spPr/>
+        <p:txBody>
+          <a:bodyPr/>
+          <a:lstStyle/>
+          <a:p>
+            <a:r>
+              <a:rPr lang="en-US" dirty="0" smtClean="0"/>
+              <a:t>JSON</a:t>
+            </a:r>
+          </a:p>
+          <a:p>
+            <a:r>
+              <a:rPr lang="en-US" dirty="0" smtClean="0"/>
+              <a:t>Web Service</a:t>
+            </a:r>
+          </a:p>
+          <a:p>
+            <a:endParaRPr lang="en-US" dirty="0"/>
+          </a:p>
+        </p:txBody>
+      </p:sp>
+      <p:sp>
+        <p:nvSpPr>
+          <p:cNvPr id="3" name="Title 2"/>
+          <p:cNvSpPr>
+            <a:spLocks noGrp="1"/>
+          </p:cNvSpPr>
+          <p:nvPr>
+            <p:ph type="title"/>
+          </p:nvPr>
+        </p:nvSpPr>
+        <p:spPr/>
+        <p:txBody>
+          <a:bodyPr/>
+          <a:lstStyle/>
+          <a:p>
+            <a:r>
+              <a:rPr lang="en-US" dirty="0" smtClean="0"/>
+              <a:t>Web Service Interface</a:t>
+            </a:r>
+            <a:endParaRPr lang="en-US" dirty="0"/>
+          </a:p>
+        </p:txBody>
+      </p:sp>
+    </p:spTree>
+    <p:extLst>
+      <p:ext uri="{BB962C8B-B14F-4D97-AF65-F5344CB8AC3E}">
+        <p14:creationId xmlns:p14="http://schemas.microsoft.com/office/powerpoint/2010/main" val="3057061253"/>
+      </p:ext>
+    </p:extLst>
+  </p:cSld>
+  <p:clrMapOvr>
+    <a:masterClrMapping/>
+  </p:clrMapOvr>
+</p:sld>
+</file>
+
 <file path=ppt/slides/slide2.xml><?xml version="1.0" encoding="utf-8"?>
 <p:sld xmlns:a="http://schemas.openxmlformats.org/drawingml/2006/main" xmlns:r="http://schemas.openxmlformats.org/officeDocument/2006/relationships" xmlns:p="http://schemas.openxmlformats.org/presentationml/2006/main">
   <p:cSld>
@@ -5110,11 +5195,7 @@
             </a:r>
             <a:r>
               <a:rPr lang="en-US" sz="5200" dirty="0" smtClean="0"/>
-              <a:t>my</a:t>
-            </a:r>
-            <a:r>
-              <a:rPr lang="en-US" sz="5200" dirty="0" smtClean="0"/>
-              <a:t> </a:t>
+              <a:t>my </a:t>
             </a:r>
             <a:r>
               <a:rPr lang="en-US" sz="5200" dirty="0"/>
@@ -5122,11 +5203,7 @@
             </a:r>
             <a:r>
               <a:rPr lang="en-US" sz="5200" dirty="0" smtClean="0"/>
-              <a:t>my</a:t>
-            </a:r>
-            <a:r>
-              <a:rPr lang="en-US" sz="5200" dirty="0" smtClean="0"/>
-              <a:t> </a:t>
+              <a:t>my </a:t>
             </a:r>
             <a:r>
               <a:rPr lang="en-US" sz="5200" dirty="0"/>
@@ -5711,6 +5788,13 @@
   <p:clrMapOvr>
     <a:masterClrMapping/>
   </p:clrMapOvr>
+  <p:timing>
+    <p:tnLst>
+      <p:par>
+        <p:cTn id="1" dur="indefinite" restart="never" nodeType="tmRoot"/>
+      </p:par>
+    </p:tnLst>
+  </p:timing>
 </p:sld>
 </file>
 
@@ -5789,6 +5873,13 @@
   <p:clrMapOvr>
     <a:masterClrMapping/>
   </p:clrMapOvr>
+  <p:timing>
+    <p:tnLst>
+      <p:par>
+        <p:cTn id="1" dur="indefinite" restart="never" nodeType="tmRoot"/>
+      </p:par>
+    </p:tnLst>
+  </p:timing>
 </p:sld>
 </file>
 
@@ -6125,6 +6216,13 @@
   <p:clrMapOvr>
     <a:masterClrMapping/>
   </p:clrMapOvr>
+  <p:timing>
+    <p:tnLst>
+      <p:par>
+        <p:cTn id="1" dur="indefinite" restart="never" nodeType="tmRoot"/>
+      </p:par>
+    </p:tnLst>
+  </p:timing>
 </p:sld>
 </file>
 
@@ -6162,7 +6260,13 @@
           <a:p>
             <a:r>
               <a:rPr lang="en-US" dirty="0" smtClean="0"/>
-              <a:t>Visio Diagram</a:t>
+              <a:t>Overview</a:t>
+            </a:r>
+          </a:p>
+          <a:p>
+            <a:r>
+              <a:rPr lang="en-US" dirty="0" smtClean="0"/>
+              <a:t>Challenges</a:t>
             </a:r>
             <a:endParaRPr lang="en-US" dirty="0"/>
           </a:p>
@@ -6191,6 +6295,36 @@
           </a:p>
         </p:txBody>
       </p:sp>
+      <p:pic>
+        <p:nvPicPr>
+          <p:cNvPr id="4" name="Picture 3"/>
+          <p:cNvPicPr>
+            <a:picLocks noChangeAspect="1"/>
+          </p:cNvPicPr>
+          <p:nvPr/>
+        </p:nvPicPr>
+        <p:blipFill>
+          <a:blip r:embed="rId2">
+            <a:extLst>
+              <a:ext uri="{28A0092B-C50C-407E-A947-70E740481C1C}">
+                <a14:useLocalDpi xmlns:a14="http://schemas.microsoft.com/office/drawing/2010/main" val="0"/>
+              </a:ext>
+            </a:extLst>
+          </a:blip>
+          <a:stretch>
+            <a:fillRect/>
+          </a:stretch>
+        </p:blipFill>
+        <p:spPr>
+          <a:xfrm>
+            <a:off x="3962400" y="838200"/>
+            <a:ext cx="4972744" cy="5525272"/>
+          </a:xfrm>
+          <a:prstGeom prst="rect">
+            <a:avLst/>
+          </a:prstGeom>
+        </p:spPr>
+      </p:pic>
     </p:spTree>
     <p:extLst>
       <p:ext uri="{BB962C8B-B14F-4D97-AF65-F5344CB8AC3E}">
@@ -6201,6 +6335,13 @@
   <p:clrMapOvr>
     <a:masterClrMapping/>
   </p:clrMapOvr>
+  <p:timing>
+    <p:tnLst>
+      <p:par>
+        <p:cTn id="1" dur="indefinite" restart="never" nodeType="tmRoot"/>
+      </p:par>
+    </p:tnLst>
+  </p:timing>
 </p:sld>
 </file>
 

--- a/Documentation/Presentation1.pptx
+++ b/Documentation/Presentation1.pptx
@@ -742,7 +742,7 @@
             <a:fld id="{1D8BD707-D9CF-40AE-B4C6-C98DA3205C09}" type="datetimeFigureOut">
               <a:rPr lang="en-US" smtClean="0"/>
               <a:pPr/>
-              <a:t>10/4/2012</a:t>
+              <a:t>10/5/2012</a:t>
             </a:fld>
             <a:endParaRPr lang="en-US" dirty="0"/>
           </a:p>
@@ -940,7 +940,7 @@
             <a:fld id="{1D8BD707-D9CF-40AE-B4C6-C98DA3205C09}" type="datetimeFigureOut">
               <a:rPr lang="en-US" smtClean="0"/>
               <a:pPr/>
-              <a:t>10/4/2012</a:t>
+              <a:t>10/5/2012</a:t>
             </a:fld>
             <a:endParaRPr lang="en-US" dirty="0"/>
           </a:p>
@@ -1127,7 +1127,7 @@
             <a:fld id="{1D8BD707-D9CF-40AE-B4C6-C98DA3205C09}" type="datetimeFigureOut">
               <a:rPr lang="en-US" smtClean="0"/>
               <a:pPr/>
-              <a:t>10/4/2012</a:t>
+              <a:t>10/5/2012</a:t>
             </a:fld>
             <a:endParaRPr lang="en-US" dirty="0"/>
           </a:p>
@@ -1279,7 +1279,7 @@
             <a:fld id="{1D8BD707-D9CF-40AE-B4C6-C98DA3205C09}" type="datetimeFigureOut">
               <a:rPr lang="en-US" smtClean="0"/>
               <a:pPr/>
-              <a:t>10/4/2012</a:t>
+              <a:t>10/5/2012</a:t>
             </a:fld>
             <a:endParaRPr lang="en-US" dirty="0"/>
           </a:p>
@@ -1536,7 +1536,7 @@
             <a:fld id="{1D8BD707-D9CF-40AE-B4C6-C98DA3205C09}" type="datetimeFigureOut">
               <a:rPr lang="en-US" smtClean="0"/>
               <a:pPr/>
-              <a:t>10/4/2012</a:t>
+              <a:t>10/5/2012</a:t>
             </a:fld>
             <a:endParaRPr lang="en-US" dirty="0"/>
           </a:p>
@@ -1947,7 +1947,7 @@
             <a:fld id="{1D8BD707-D9CF-40AE-B4C6-C98DA3205C09}" type="datetimeFigureOut">
               <a:rPr lang="en-US" smtClean="0"/>
               <a:pPr/>
-              <a:t>10/4/2012</a:t>
+              <a:t>10/5/2012</a:t>
             </a:fld>
             <a:endParaRPr lang="en-US" dirty="0"/>
           </a:p>
@@ -2395,7 +2395,7 @@
             <a:fld id="{1D8BD707-D9CF-40AE-B4C6-C98DA3205C09}" type="datetimeFigureOut">
               <a:rPr lang="en-US" smtClean="0"/>
               <a:pPr/>
-              <a:t>10/4/2012</a:t>
+              <a:t>10/5/2012</a:t>
             </a:fld>
             <a:endParaRPr lang="en-US" dirty="0"/>
           </a:p>
@@ -2498,7 +2498,7 @@
             <a:fld id="{1D8BD707-D9CF-40AE-B4C6-C98DA3205C09}" type="datetimeFigureOut">
               <a:rPr lang="en-US" smtClean="0"/>
               <a:pPr/>
-              <a:t>10/4/2012</a:t>
+              <a:t>10/5/2012</a:t>
             </a:fld>
             <a:endParaRPr lang="en-US" dirty="0"/>
           </a:p>
@@ -2621,7 +2621,7 @@
             <a:fld id="{1D8BD707-D9CF-40AE-B4C6-C98DA3205C09}" type="datetimeFigureOut">
               <a:rPr lang="en-US" smtClean="0"/>
               <a:pPr/>
-              <a:t>10/4/2012</a:t>
+              <a:t>10/5/2012</a:t>
             </a:fld>
             <a:endParaRPr lang="en-US" dirty="0"/>
           </a:p>
@@ -2897,7 +2897,7 @@
             <a:fld id="{1D8BD707-D9CF-40AE-B4C6-C98DA3205C09}" type="datetimeFigureOut">
               <a:rPr lang="en-US" smtClean="0"/>
               <a:pPr/>
-              <a:t>10/4/2012</a:t>
+              <a:t>10/5/2012</a:t>
             </a:fld>
             <a:endParaRPr lang="en-US" dirty="0"/>
           </a:p>
@@ -3104,7 +3104,7 @@
             <a:fld id="{1D8BD707-D9CF-40AE-B4C6-C98DA3205C09}" type="datetimeFigureOut">
               <a:rPr lang="en-US" smtClean="0"/>
               <a:pPr/>
-              <a:t>10/4/2012</a:t>
+              <a:t>10/5/2012</a:t>
             </a:fld>
             <a:endParaRPr lang="en-US" dirty="0"/>
           </a:p>
@@ -4215,7 +4215,7 @@
             <a:fld id="{1D8BD707-D9CF-40AE-B4C6-C98DA3205C09}" type="datetimeFigureOut">
               <a:rPr lang="en-US" smtClean="0"/>
               <a:pPr/>
-              <a:t>10/4/2012</a:t>
+              <a:t>10/5/2012</a:t>
             </a:fld>
             <a:endParaRPr lang="en-US" dirty="0"/>
           </a:p>
@@ -4715,14 +4715,25 @@
           <a:p>
             <a:r>
               <a:rPr lang="en-US" dirty="0" smtClean="0"/>
-              <a:t>JSON</a:t>
-            </a:r>
-          </a:p>
-          <a:p>
+              <a:t>JSON framework</a:t>
+            </a:r>
+          </a:p>
+          <a:p>
+            <a:pPr lvl="1"/>
             <a:r>
               <a:rPr lang="en-US" dirty="0" smtClean="0"/>
-              <a:t>Web Service</a:t>
-            </a:r>
+              <a:t>Lightweight</a:t>
+            </a:r>
+            <a:endParaRPr lang="en-US" dirty="0" smtClean="0"/>
+          </a:p>
+          <a:p>
+            <a:r>
+              <a:rPr lang="en-US" dirty="0" smtClean="0"/>
+              <a:t>Implemented as a Web Service</a:t>
+            </a:r>
+          </a:p>
+          <a:p>
+            <a:endParaRPr lang="en-US" dirty="0" smtClean="0"/>
           </a:p>
           <a:p>
             <a:endParaRPr lang="en-US" dirty="0"/>
@@ -4746,7 +4757,7 @@
           <a:p>
             <a:r>
               <a:rPr lang="en-US" dirty="0" smtClean="0"/>
-              <a:t>Web Service Interface</a:t>
+              <a:t>API</a:t>
             </a:r>
             <a:endParaRPr lang="en-US" dirty="0"/>
           </a:p>
@@ -5047,8 +5058,23 @@
           <a:p>
             <a:r>
               <a:rPr lang="en-US" dirty="0" smtClean="0"/>
-              <a:t>Interfacing with existing services</a:t>
-            </a:r>
+              <a:t>Interfacing with existing </a:t>
+            </a:r>
+            <a:r>
+              <a:rPr lang="en-US" dirty="0" smtClean="0"/>
+              <a:t>services</a:t>
+            </a:r>
+          </a:p>
+          <a:p>
+            <a:r>
+              <a:rPr lang="en-US" dirty="0" smtClean="0"/>
+              <a:t>PDF display </a:t>
+            </a:r>
+            <a:r>
+              <a:rPr lang="en-US" smtClean="0"/>
+              <a:t>and usage</a:t>
+            </a:r>
+            <a:endParaRPr lang="en-US" dirty="0" smtClean="0"/>
           </a:p>
           <a:p>
             <a:endParaRPr lang="en-US" dirty="0" smtClean="0"/>

--- a/Documentation/Presentation1.pptx
+++ b/Documentation/Presentation1.pptx
@@ -4,17 +4,25 @@
   <p:sldMasterIdLst>
     <p:sldMasterId id="2147483672" r:id="rId1"/>
   </p:sldMasterIdLst>
+  <p:notesMasterIdLst>
+    <p:notesMasterId r:id="rId17"/>
+  </p:notesMasterIdLst>
   <p:sldIdLst>
     <p:sldId id="256" r:id="rId2"/>
     <p:sldId id="257" r:id="rId3"/>
-    <p:sldId id="258" r:id="rId4"/>
-    <p:sldId id="259" r:id="rId5"/>
-    <p:sldId id="263" r:id="rId6"/>
-    <p:sldId id="261" r:id="rId7"/>
-    <p:sldId id="264" r:id="rId8"/>
-    <p:sldId id="260" r:id="rId9"/>
-    <p:sldId id="265" r:id="rId10"/>
-    <p:sldId id="266" r:id="rId11"/>
+    <p:sldId id="259" r:id="rId4"/>
+    <p:sldId id="267" r:id="rId5"/>
+    <p:sldId id="258" r:id="rId6"/>
+    <p:sldId id="268" r:id="rId7"/>
+    <p:sldId id="265" r:id="rId8"/>
+    <p:sldId id="263" r:id="rId9"/>
+    <p:sldId id="260" r:id="rId10"/>
+    <p:sldId id="264" r:id="rId11"/>
+    <p:sldId id="269" r:id="rId12"/>
+    <p:sldId id="261" r:id="rId13"/>
+    <p:sldId id="270" r:id="rId14"/>
+    <p:sldId id="271" r:id="rId15"/>
+    <p:sldId id="272" r:id="rId16"/>
   </p:sldIdLst>
   <p:sldSz cx="9144000" cy="6858000" type="screen4x3"/>
   <p:notesSz cx="6858000" cy="9144000"/>
@@ -116,6 +124,1584 @@
 </p:presentation>
 </file>
 
+<file path=ppt/notesMasters/notesMaster1.xml><?xml version="1.0" encoding="utf-8"?>
+<p:notesMaster xmlns:a="http://schemas.openxmlformats.org/drawingml/2006/main" xmlns:r="http://schemas.openxmlformats.org/officeDocument/2006/relationships" xmlns:p="http://schemas.openxmlformats.org/presentationml/2006/main">
+  <p:cSld>
+    <p:bg>
+      <p:bgRef idx="1001">
+        <a:schemeClr val="bg1"/>
+      </p:bgRef>
+    </p:bg>
+    <p:spTree>
+      <p:nvGrpSpPr>
+        <p:cNvPr id="1" name=""/>
+        <p:cNvGrpSpPr/>
+        <p:nvPr/>
+      </p:nvGrpSpPr>
+      <p:grpSpPr>
+        <a:xfrm>
+          <a:off x="0" y="0"/>
+          <a:ext cx="0" cy="0"/>
+          <a:chOff x="0" y="0"/>
+          <a:chExt cx="0" cy="0"/>
+        </a:xfrm>
+      </p:grpSpPr>
+      <p:sp>
+        <p:nvSpPr>
+          <p:cNvPr id="2" name="Header Placeholder 1"/>
+          <p:cNvSpPr>
+            <a:spLocks noGrp="1"/>
+          </p:cNvSpPr>
+          <p:nvPr>
+            <p:ph type="hdr" sz="quarter"/>
+          </p:nvPr>
+        </p:nvSpPr>
+        <p:spPr>
+          <a:xfrm>
+            <a:off x="0" y="0"/>
+            <a:ext cx="2971800" cy="457200"/>
+          </a:xfrm>
+          <a:prstGeom prst="rect">
+            <a:avLst/>
+          </a:prstGeom>
+        </p:spPr>
+        <p:txBody>
+          <a:bodyPr vert="horz" lIns="91440" tIns="45720" rIns="91440" bIns="45720" rtlCol="0"/>
+          <a:lstStyle>
+            <a:lvl1pPr algn="l">
+              <a:defRPr sz="1200"/>
+            </a:lvl1pPr>
+          </a:lstStyle>
+          <a:p>
+            <a:endParaRPr lang="en-US"/>
+          </a:p>
+        </p:txBody>
+      </p:sp>
+      <p:sp>
+        <p:nvSpPr>
+          <p:cNvPr id="3" name="Date Placeholder 2"/>
+          <p:cNvSpPr>
+            <a:spLocks noGrp="1"/>
+          </p:cNvSpPr>
+          <p:nvPr>
+            <p:ph type="dt" idx="1"/>
+          </p:nvPr>
+        </p:nvSpPr>
+        <p:spPr>
+          <a:xfrm>
+            <a:off x="3884613" y="0"/>
+            <a:ext cx="2971800" cy="457200"/>
+          </a:xfrm>
+          <a:prstGeom prst="rect">
+            <a:avLst/>
+          </a:prstGeom>
+        </p:spPr>
+        <p:txBody>
+          <a:bodyPr vert="horz" lIns="91440" tIns="45720" rIns="91440" bIns="45720" rtlCol="0"/>
+          <a:lstStyle>
+            <a:lvl1pPr algn="r">
+              <a:defRPr sz="1200"/>
+            </a:lvl1pPr>
+          </a:lstStyle>
+          <a:p>
+            <a:fld id="{26133179-5973-4D61-8651-E006F458E432}" type="datetimeFigureOut">
+              <a:rPr lang="en-US" smtClean="0"/>
+              <a:t>10/9/2012</a:t>
+            </a:fld>
+            <a:endParaRPr lang="en-US"/>
+          </a:p>
+        </p:txBody>
+      </p:sp>
+      <p:sp>
+        <p:nvSpPr>
+          <p:cNvPr id="4" name="Slide Image Placeholder 3"/>
+          <p:cNvSpPr>
+            <a:spLocks noGrp="1" noRot="1" noChangeAspect="1"/>
+          </p:cNvSpPr>
+          <p:nvPr>
+            <p:ph type="sldImg" idx="2"/>
+          </p:nvPr>
+        </p:nvSpPr>
+        <p:spPr>
+          <a:xfrm>
+            <a:off x="1143000" y="685800"/>
+            <a:ext cx="4572000" cy="3429000"/>
+          </a:xfrm>
+          <a:prstGeom prst="rect">
+            <a:avLst/>
+          </a:prstGeom>
+          <a:noFill/>
+          <a:ln w="12700">
+            <a:solidFill>
+              <a:prstClr val="black"/>
+            </a:solidFill>
+          </a:ln>
+        </p:spPr>
+        <p:txBody>
+          <a:bodyPr vert="horz" lIns="91440" tIns="45720" rIns="91440" bIns="45720" rtlCol="0" anchor="ctr"/>
+          <a:lstStyle/>
+          <a:p>
+            <a:endParaRPr lang="en-US"/>
+          </a:p>
+        </p:txBody>
+      </p:sp>
+      <p:sp>
+        <p:nvSpPr>
+          <p:cNvPr id="5" name="Notes Placeholder 4"/>
+          <p:cNvSpPr>
+            <a:spLocks noGrp="1"/>
+          </p:cNvSpPr>
+          <p:nvPr>
+            <p:ph type="body" sz="quarter" idx="3"/>
+          </p:nvPr>
+        </p:nvSpPr>
+        <p:spPr>
+          <a:xfrm>
+            <a:off x="685800" y="4343400"/>
+            <a:ext cx="5486400" cy="4114800"/>
+          </a:xfrm>
+          <a:prstGeom prst="rect">
+            <a:avLst/>
+          </a:prstGeom>
+        </p:spPr>
+        <p:txBody>
+          <a:bodyPr vert="horz" lIns="91440" tIns="45720" rIns="91440" bIns="45720" rtlCol="0"/>
+          <a:lstStyle/>
+          <a:p>
+            <a:pPr lvl="0"/>
+            <a:r>
+              <a:rPr lang="en-US" smtClean="0"/>
+              <a:t>Click to edit Master text styles</a:t>
+            </a:r>
+          </a:p>
+          <a:p>
+            <a:pPr lvl="1"/>
+            <a:r>
+              <a:rPr lang="en-US" smtClean="0"/>
+              <a:t>Second level</a:t>
+            </a:r>
+          </a:p>
+          <a:p>
+            <a:pPr lvl="2"/>
+            <a:r>
+              <a:rPr lang="en-US" smtClean="0"/>
+              <a:t>Third level</a:t>
+            </a:r>
+          </a:p>
+          <a:p>
+            <a:pPr lvl="3"/>
+            <a:r>
+              <a:rPr lang="en-US" smtClean="0"/>
+              <a:t>Fourth level</a:t>
+            </a:r>
+          </a:p>
+          <a:p>
+            <a:pPr lvl="4"/>
+            <a:r>
+              <a:rPr lang="en-US" smtClean="0"/>
+              <a:t>Fifth level</a:t>
+            </a:r>
+            <a:endParaRPr lang="en-US"/>
+          </a:p>
+        </p:txBody>
+      </p:sp>
+      <p:sp>
+        <p:nvSpPr>
+          <p:cNvPr id="6" name="Footer Placeholder 5"/>
+          <p:cNvSpPr>
+            <a:spLocks noGrp="1"/>
+          </p:cNvSpPr>
+          <p:nvPr>
+            <p:ph type="ftr" sz="quarter" idx="4"/>
+          </p:nvPr>
+        </p:nvSpPr>
+        <p:spPr>
+          <a:xfrm>
+            <a:off x="0" y="8685213"/>
+            <a:ext cx="2971800" cy="457200"/>
+          </a:xfrm>
+          <a:prstGeom prst="rect">
+            <a:avLst/>
+          </a:prstGeom>
+        </p:spPr>
+        <p:txBody>
+          <a:bodyPr vert="horz" lIns="91440" tIns="45720" rIns="91440" bIns="45720" rtlCol="0" anchor="b"/>
+          <a:lstStyle>
+            <a:lvl1pPr algn="l">
+              <a:defRPr sz="1200"/>
+            </a:lvl1pPr>
+          </a:lstStyle>
+          <a:p>
+            <a:endParaRPr lang="en-US"/>
+          </a:p>
+        </p:txBody>
+      </p:sp>
+      <p:sp>
+        <p:nvSpPr>
+          <p:cNvPr id="7" name="Slide Number Placeholder 6"/>
+          <p:cNvSpPr>
+            <a:spLocks noGrp="1"/>
+          </p:cNvSpPr>
+          <p:nvPr>
+            <p:ph type="sldNum" sz="quarter" idx="5"/>
+          </p:nvPr>
+        </p:nvSpPr>
+        <p:spPr>
+          <a:xfrm>
+            <a:off x="3884613" y="8685213"/>
+            <a:ext cx="2971800" cy="457200"/>
+          </a:xfrm>
+          <a:prstGeom prst="rect">
+            <a:avLst/>
+          </a:prstGeom>
+        </p:spPr>
+        <p:txBody>
+          <a:bodyPr vert="horz" lIns="91440" tIns="45720" rIns="91440" bIns="45720" rtlCol="0" anchor="b"/>
+          <a:lstStyle>
+            <a:lvl1pPr algn="r">
+              <a:defRPr sz="1200"/>
+            </a:lvl1pPr>
+          </a:lstStyle>
+          <a:p>
+            <a:fld id="{883B0797-9256-4AEC-A8DB-A8D0AAAA106B}" type="slidenum">
+              <a:rPr lang="en-US" smtClean="0"/>
+              <a:t>‹#›</a:t>
+            </a:fld>
+            <a:endParaRPr lang="en-US"/>
+          </a:p>
+        </p:txBody>
+      </p:sp>
+    </p:spTree>
+    <p:extLst>
+      <p:ext uri="{BB962C8B-B14F-4D97-AF65-F5344CB8AC3E}">
+        <p14:creationId xmlns:p14="http://schemas.microsoft.com/office/powerpoint/2010/main" val="1804958636"/>
+      </p:ext>
+    </p:extLst>
+  </p:cSld>
+  <p:clrMap bg1="lt1" tx1="dk1" bg2="lt2" tx2="dk2" accent1="accent1" accent2="accent2" accent3="accent3" accent4="accent4" accent5="accent5" accent6="accent6" hlink="hlink" folHlink="folHlink"/>
+  <p:notesStyle>
+    <a:lvl1pPr marL="0" algn="l" defTabSz="914400" rtl="0" eaLnBrk="1" latinLnBrk="0" hangingPunct="1">
+      <a:defRPr sz="1200" kern="1200">
+        <a:solidFill>
+          <a:schemeClr val="tx1"/>
+        </a:solidFill>
+        <a:latin typeface="+mn-lt"/>
+        <a:ea typeface="+mn-ea"/>
+        <a:cs typeface="+mn-cs"/>
+      </a:defRPr>
+    </a:lvl1pPr>
+    <a:lvl2pPr marL="457200" algn="l" defTabSz="914400" rtl="0" eaLnBrk="1" latinLnBrk="0" hangingPunct="1">
+      <a:defRPr sz="1200" kern="1200">
+        <a:solidFill>
+          <a:schemeClr val="tx1"/>
+        </a:solidFill>
+        <a:latin typeface="+mn-lt"/>
+        <a:ea typeface="+mn-ea"/>
+        <a:cs typeface="+mn-cs"/>
+      </a:defRPr>
+    </a:lvl2pPr>
+    <a:lvl3pPr marL="914400" algn="l" defTabSz="914400" rtl="0" eaLnBrk="1" latinLnBrk="0" hangingPunct="1">
+      <a:defRPr sz="1200" kern="1200">
+        <a:solidFill>
+          <a:schemeClr val="tx1"/>
+        </a:solidFill>
+        <a:latin typeface="+mn-lt"/>
+        <a:ea typeface="+mn-ea"/>
+        <a:cs typeface="+mn-cs"/>
+      </a:defRPr>
+    </a:lvl3pPr>
+    <a:lvl4pPr marL="1371600" algn="l" defTabSz="914400" rtl="0" eaLnBrk="1" latinLnBrk="0" hangingPunct="1">
+      <a:defRPr sz="1200" kern="1200">
+        <a:solidFill>
+          <a:schemeClr val="tx1"/>
+        </a:solidFill>
+        <a:latin typeface="+mn-lt"/>
+        <a:ea typeface="+mn-ea"/>
+        <a:cs typeface="+mn-cs"/>
+      </a:defRPr>
+    </a:lvl4pPr>
+    <a:lvl5pPr marL="1828800" algn="l" defTabSz="914400" rtl="0" eaLnBrk="1" latinLnBrk="0" hangingPunct="1">
+      <a:defRPr sz="1200" kern="1200">
+        <a:solidFill>
+          <a:schemeClr val="tx1"/>
+        </a:solidFill>
+        <a:latin typeface="+mn-lt"/>
+        <a:ea typeface="+mn-ea"/>
+        <a:cs typeface="+mn-cs"/>
+      </a:defRPr>
+    </a:lvl5pPr>
+    <a:lvl6pPr marL="2286000" algn="l" defTabSz="914400" rtl="0" eaLnBrk="1" latinLnBrk="0" hangingPunct="1">
+      <a:defRPr sz="1200" kern="1200">
+        <a:solidFill>
+          <a:schemeClr val="tx1"/>
+        </a:solidFill>
+        <a:latin typeface="+mn-lt"/>
+        <a:ea typeface="+mn-ea"/>
+        <a:cs typeface="+mn-cs"/>
+      </a:defRPr>
+    </a:lvl6pPr>
+    <a:lvl7pPr marL="2743200" algn="l" defTabSz="914400" rtl="0" eaLnBrk="1" latinLnBrk="0" hangingPunct="1">
+      <a:defRPr sz="1200" kern="1200">
+        <a:solidFill>
+          <a:schemeClr val="tx1"/>
+        </a:solidFill>
+        <a:latin typeface="+mn-lt"/>
+        <a:ea typeface="+mn-ea"/>
+        <a:cs typeface="+mn-cs"/>
+      </a:defRPr>
+    </a:lvl7pPr>
+    <a:lvl8pPr marL="3200400" algn="l" defTabSz="914400" rtl="0" eaLnBrk="1" latinLnBrk="0" hangingPunct="1">
+      <a:defRPr sz="1200" kern="1200">
+        <a:solidFill>
+          <a:schemeClr val="tx1"/>
+        </a:solidFill>
+        <a:latin typeface="+mn-lt"/>
+        <a:ea typeface="+mn-ea"/>
+        <a:cs typeface="+mn-cs"/>
+      </a:defRPr>
+    </a:lvl8pPr>
+    <a:lvl9pPr marL="3657600" algn="l" defTabSz="914400" rtl="0" eaLnBrk="1" latinLnBrk="0" hangingPunct="1">
+      <a:defRPr sz="1200" kern="1200">
+        <a:solidFill>
+          <a:schemeClr val="tx1"/>
+        </a:solidFill>
+        <a:latin typeface="+mn-lt"/>
+        <a:ea typeface="+mn-ea"/>
+        <a:cs typeface="+mn-cs"/>
+      </a:defRPr>
+    </a:lvl9pPr>
+  </p:notesStyle>
+</p:notesMaster>
+</file>
+
+<file path=ppt/notesSlides/notesSlide1.xml><?xml version="1.0" encoding="utf-8"?>
+<p:notes xmlns:a="http://schemas.openxmlformats.org/drawingml/2006/main" xmlns:r="http://schemas.openxmlformats.org/officeDocument/2006/relationships" xmlns:p="http://schemas.openxmlformats.org/presentationml/2006/main">
+  <p:cSld>
+    <p:spTree>
+      <p:nvGrpSpPr>
+        <p:cNvPr id="1" name=""/>
+        <p:cNvGrpSpPr/>
+        <p:nvPr/>
+      </p:nvGrpSpPr>
+      <p:grpSpPr>
+        <a:xfrm>
+          <a:off x="0" y="0"/>
+          <a:ext cx="0" cy="0"/>
+          <a:chOff x="0" y="0"/>
+          <a:chExt cx="0" cy="0"/>
+        </a:xfrm>
+      </p:grpSpPr>
+      <p:sp>
+        <p:nvSpPr>
+          <p:cNvPr id="2" name="Slide Image Placeholder 1"/>
+          <p:cNvSpPr>
+            <a:spLocks noGrp="1" noRot="1" noChangeAspect="1"/>
+          </p:cNvSpPr>
+          <p:nvPr>
+            <p:ph type="sldImg"/>
+          </p:nvPr>
+        </p:nvSpPr>
+        <p:spPr/>
+      </p:sp>
+      <p:sp>
+        <p:nvSpPr>
+          <p:cNvPr id="3" name="Notes Placeholder 2"/>
+          <p:cNvSpPr>
+            <a:spLocks noGrp="1"/>
+          </p:cNvSpPr>
+          <p:nvPr>
+            <p:ph type="body" idx="1"/>
+          </p:nvPr>
+        </p:nvSpPr>
+        <p:spPr/>
+        <p:txBody>
+          <a:bodyPr/>
+          <a:lstStyle/>
+          <a:p>
+            <a:endParaRPr lang="en-US" dirty="0"/>
+          </a:p>
+        </p:txBody>
+      </p:sp>
+      <p:sp>
+        <p:nvSpPr>
+          <p:cNvPr id="4" name="Slide Number Placeholder 3"/>
+          <p:cNvSpPr>
+            <a:spLocks noGrp="1"/>
+          </p:cNvSpPr>
+          <p:nvPr>
+            <p:ph type="sldNum" sz="quarter" idx="10"/>
+          </p:nvPr>
+        </p:nvSpPr>
+        <p:spPr/>
+        <p:txBody>
+          <a:bodyPr/>
+          <a:lstStyle/>
+          <a:p>
+            <a:fld id="{883B0797-9256-4AEC-A8DB-A8D0AAAA106B}" type="slidenum">
+              <a:rPr lang="en-US" smtClean="0"/>
+              <a:t>1</a:t>
+            </a:fld>
+            <a:endParaRPr lang="en-US"/>
+          </a:p>
+        </p:txBody>
+      </p:sp>
+    </p:spTree>
+    <p:extLst>
+      <p:ext uri="{BB962C8B-B14F-4D97-AF65-F5344CB8AC3E}">
+        <p14:creationId xmlns:p14="http://schemas.microsoft.com/office/powerpoint/2010/main" val="2620006396"/>
+      </p:ext>
+    </p:extLst>
+  </p:cSld>
+  <p:clrMapOvr>
+    <a:masterClrMapping/>
+  </p:clrMapOvr>
+</p:notes>
+</file>
+
+<file path=ppt/notesSlides/notesSlide10.xml><?xml version="1.0" encoding="utf-8"?>
+<p:notes xmlns:a="http://schemas.openxmlformats.org/drawingml/2006/main" xmlns:r="http://schemas.openxmlformats.org/officeDocument/2006/relationships" xmlns:p="http://schemas.openxmlformats.org/presentationml/2006/main">
+  <p:cSld>
+    <p:spTree>
+      <p:nvGrpSpPr>
+        <p:cNvPr id="1" name=""/>
+        <p:cNvGrpSpPr/>
+        <p:nvPr/>
+      </p:nvGrpSpPr>
+      <p:grpSpPr>
+        <a:xfrm>
+          <a:off x="0" y="0"/>
+          <a:ext cx="0" cy="0"/>
+          <a:chOff x="0" y="0"/>
+          <a:chExt cx="0" cy="0"/>
+        </a:xfrm>
+      </p:grpSpPr>
+      <p:sp>
+        <p:nvSpPr>
+          <p:cNvPr id="2" name="Slide Image Placeholder 1"/>
+          <p:cNvSpPr>
+            <a:spLocks noGrp="1" noRot="1" noChangeAspect="1"/>
+          </p:cNvSpPr>
+          <p:nvPr>
+            <p:ph type="sldImg"/>
+          </p:nvPr>
+        </p:nvSpPr>
+        <p:spPr/>
+      </p:sp>
+      <p:sp>
+        <p:nvSpPr>
+          <p:cNvPr id="3" name="Notes Placeholder 2"/>
+          <p:cNvSpPr>
+            <a:spLocks noGrp="1"/>
+          </p:cNvSpPr>
+          <p:nvPr>
+            <p:ph type="body" idx="1"/>
+          </p:nvPr>
+        </p:nvSpPr>
+        <p:spPr/>
+        <p:txBody>
+          <a:bodyPr/>
+          <a:lstStyle/>
+          <a:p>
+            <a:r>
+              <a:rPr lang="en-US" dirty="0" smtClean="0"/>
+              <a:t>Mike</a:t>
+            </a:r>
+            <a:endParaRPr lang="en-US" dirty="0"/>
+          </a:p>
+        </p:txBody>
+      </p:sp>
+      <p:sp>
+        <p:nvSpPr>
+          <p:cNvPr id="4" name="Slide Number Placeholder 3"/>
+          <p:cNvSpPr>
+            <a:spLocks noGrp="1"/>
+          </p:cNvSpPr>
+          <p:nvPr>
+            <p:ph type="sldNum" sz="quarter" idx="10"/>
+          </p:nvPr>
+        </p:nvSpPr>
+        <p:spPr/>
+        <p:txBody>
+          <a:bodyPr/>
+          <a:lstStyle/>
+          <a:p>
+            <a:fld id="{883B0797-9256-4AEC-A8DB-A8D0AAAA106B}" type="slidenum">
+              <a:rPr lang="en-US" smtClean="0"/>
+              <a:t>10</a:t>
+            </a:fld>
+            <a:endParaRPr lang="en-US"/>
+          </a:p>
+        </p:txBody>
+      </p:sp>
+    </p:spTree>
+    <p:extLst>
+      <p:ext uri="{BB962C8B-B14F-4D97-AF65-F5344CB8AC3E}">
+        <p14:creationId xmlns:p14="http://schemas.microsoft.com/office/powerpoint/2010/main" val="4160690567"/>
+      </p:ext>
+    </p:extLst>
+  </p:cSld>
+  <p:clrMapOvr>
+    <a:masterClrMapping/>
+  </p:clrMapOvr>
+</p:notes>
+</file>
+
+<file path=ppt/notesSlides/notesSlide11.xml><?xml version="1.0" encoding="utf-8"?>
+<p:notes xmlns:a="http://schemas.openxmlformats.org/drawingml/2006/main" xmlns:r="http://schemas.openxmlformats.org/officeDocument/2006/relationships" xmlns:p="http://schemas.openxmlformats.org/presentationml/2006/main">
+  <p:cSld>
+    <p:spTree>
+      <p:nvGrpSpPr>
+        <p:cNvPr id="1" name=""/>
+        <p:cNvGrpSpPr/>
+        <p:nvPr/>
+      </p:nvGrpSpPr>
+      <p:grpSpPr>
+        <a:xfrm>
+          <a:off x="0" y="0"/>
+          <a:ext cx="0" cy="0"/>
+          <a:chOff x="0" y="0"/>
+          <a:chExt cx="0" cy="0"/>
+        </a:xfrm>
+      </p:grpSpPr>
+      <p:sp>
+        <p:nvSpPr>
+          <p:cNvPr id="2" name="Slide Image Placeholder 1"/>
+          <p:cNvSpPr>
+            <a:spLocks noGrp="1" noRot="1" noChangeAspect="1"/>
+          </p:cNvSpPr>
+          <p:nvPr>
+            <p:ph type="sldImg"/>
+          </p:nvPr>
+        </p:nvSpPr>
+        <p:spPr/>
+      </p:sp>
+      <p:sp>
+        <p:nvSpPr>
+          <p:cNvPr id="3" name="Notes Placeholder 2"/>
+          <p:cNvSpPr>
+            <a:spLocks noGrp="1"/>
+          </p:cNvSpPr>
+          <p:nvPr>
+            <p:ph type="body" idx="1"/>
+          </p:nvPr>
+        </p:nvSpPr>
+        <p:spPr/>
+        <p:txBody>
+          <a:bodyPr/>
+          <a:lstStyle/>
+          <a:p>
+            <a:r>
+              <a:rPr lang="en-US" dirty="0" smtClean="0"/>
+              <a:t>Mike</a:t>
+            </a:r>
+            <a:endParaRPr lang="en-US" dirty="0"/>
+          </a:p>
+        </p:txBody>
+      </p:sp>
+      <p:sp>
+        <p:nvSpPr>
+          <p:cNvPr id="4" name="Slide Number Placeholder 3"/>
+          <p:cNvSpPr>
+            <a:spLocks noGrp="1"/>
+          </p:cNvSpPr>
+          <p:nvPr>
+            <p:ph type="sldNum" sz="quarter" idx="10"/>
+          </p:nvPr>
+        </p:nvSpPr>
+        <p:spPr/>
+        <p:txBody>
+          <a:bodyPr/>
+          <a:lstStyle/>
+          <a:p>
+            <a:fld id="{883B0797-9256-4AEC-A8DB-A8D0AAAA106B}" type="slidenum">
+              <a:rPr lang="en-US" smtClean="0"/>
+              <a:t>11</a:t>
+            </a:fld>
+            <a:endParaRPr lang="en-US"/>
+          </a:p>
+        </p:txBody>
+      </p:sp>
+    </p:spTree>
+    <p:extLst>
+      <p:ext uri="{BB962C8B-B14F-4D97-AF65-F5344CB8AC3E}">
+        <p14:creationId xmlns:p14="http://schemas.microsoft.com/office/powerpoint/2010/main" val="1090277451"/>
+      </p:ext>
+    </p:extLst>
+  </p:cSld>
+  <p:clrMapOvr>
+    <a:masterClrMapping/>
+  </p:clrMapOvr>
+</p:notes>
+</file>
+
+<file path=ppt/notesSlides/notesSlide12.xml><?xml version="1.0" encoding="utf-8"?>
+<p:notes xmlns:a="http://schemas.openxmlformats.org/drawingml/2006/main" xmlns:r="http://schemas.openxmlformats.org/officeDocument/2006/relationships" xmlns:p="http://schemas.openxmlformats.org/presentationml/2006/main">
+  <p:cSld>
+    <p:spTree>
+      <p:nvGrpSpPr>
+        <p:cNvPr id="1" name=""/>
+        <p:cNvGrpSpPr/>
+        <p:nvPr/>
+      </p:nvGrpSpPr>
+      <p:grpSpPr>
+        <a:xfrm>
+          <a:off x="0" y="0"/>
+          <a:ext cx="0" cy="0"/>
+          <a:chOff x="0" y="0"/>
+          <a:chExt cx="0" cy="0"/>
+        </a:xfrm>
+      </p:grpSpPr>
+      <p:sp>
+        <p:nvSpPr>
+          <p:cNvPr id="2" name="Slide Image Placeholder 1"/>
+          <p:cNvSpPr>
+            <a:spLocks noGrp="1" noRot="1" noChangeAspect="1"/>
+          </p:cNvSpPr>
+          <p:nvPr>
+            <p:ph type="sldImg"/>
+          </p:nvPr>
+        </p:nvSpPr>
+        <p:spPr/>
+      </p:sp>
+      <p:sp>
+        <p:nvSpPr>
+          <p:cNvPr id="3" name="Notes Placeholder 2"/>
+          <p:cNvSpPr>
+            <a:spLocks noGrp="1"/>
+          </p:cNvSpPr>
+          <p:nvPr>
+            <p:ph type="body" idx="1"/>
+          </p:nvPr>
+        </p:nvSpPr>
+        <p:spPr/>
+        <p:txBody>
+          <a:bodyPr/>
+          <a:lstStyle/>
+          <a:p>
+            <a:r>
+              <a:rPr lang="en-US" dirty="0" smtClean="0"/>
+              <a:t>Mike</a:t>
+            </a:r>
+            <a:endParaRPr lang="en-US" dirty="0"/>
+          </a:p>
+        </p:txBody>
+      </p:sp>
+      <p:sp>
+        <p:nvSpPr>
+          <p:cNvPr id="4" name="Slide Number Placeholder 3"/>
+          <p:cNvSpPr>
+            <a:spLocks noGrp="1"/>
+          </p:cNvSpPr>
+          <p:nvPr>
+            <p:ph type="sldNum" sz="quarter" idx="10"/>
+          </p:nvPr>
+        </p:nvSpPr>
+        <p:spPr/>
+        <p:txBody>
+          <a:bodyPr/>
+          <a:lstStyle/>
+          <a:p>
+            <a:fld id="{883B0797-9256-4AEC-A8DB-A8D0AAAA106B}" type="slidenum">
+              <a:rPr lang="en-US" smtClean="0"/>
+              <a:t>12</a:t>
+            </a:fld>
+            <a:endParaRPr lang="en-US"/>
+          </a:p>
+        </p:txBody>
+      </p:sp>
+    </p:spTree>
+    <p:extLst>
+      <p:ext uri="{BB962C8B-B14F-4D97-AF65-F5344CB8AC3E}">
+        <p14:creationId xmlns:p14="http://schemas.microsoft.com/office/powerpoint/2010/main" val="4020698361"/>
+      </p:ext>
+    </p:extLst>
+  </p:cSld>
+  <p:clrMapOvr>
+    <a:masterClrMapping/>
+  </p:clrMapOvr>
+</p:notes>
+</file>
+
+<file path=ppt/notesSlides/notesSlide13.xml><?xml version="1.0" encoding="utf-8"?>
+<p:notes xmlns:a="http://schemas.openxmlformats.org/drawingml/2006/main" xmlns:r="http://schemas.openxmlformats.org/officeDocument/2006/relationships" xmlns:p="http://schemas.openxmlformats.org/presentationml/2006/main">
+  <p:cSld>
+    <p:spTree>
+      <p:nvGrpSpPr>
+        <p:cNvPr id="1" name=""/>
+        <p:cNvGrpSpPr/>
+        <p:nvPr/>
+      </p:nvGrpSpPr>
+      <p:grpSpPr>
+        <a:xfrm>
+          <a:off x="0" y="0"/>
+          <a:ext cx="0" cy="0"/>
+          <a:chOff x="0" y="0"/>
+          <a:chExt cx="0" cy="0"/>
+        </a:xfrm>
+      </p:grpSpPr>
+      <p:sp>
+        <p:nvSpPr>
+          <p:cNvPr id="2" name="Slide Image Placeholder 1"/>
+          <p:cNvSpPr>
+            <a:spLocks noGrp="1" noRot="1" noChangeAspect="1"/>
+          </p:cNvSpPr>
+          <p:nvPr>
+            <p:ph type="sldImg"/>
+          </p:nvPr>
+        </p:nvSpPr>
+        <p:spPr/>
+      </p:sp>
+      <p:sp>
+        <p:nvSpPr>
+          <p:cNvPr id="3" name="Notes Placeholder 2"/>
+          <p:cNvSpPr>
+            <a:spLocks noGrp="1"/>
+          </p:cNvSpPr>
+          <p:nvPr>
+            <p:ph type="body" idx="1"/>
+          </p:nvPr>
+        </p:nvSpPr>
+        <p:spPr/>
+        <p:txBody>
+          <a:bodyPr/>
+          <a:lstStyle/>
+          <a:p>
+            <a:r>
+              <a:rPr lang="en-US" dirty="0" smtClean="0"/>
+              <a:t>Rachel</a:t>
+            </a:r>
+            <a:endParaRPr lang="en-US" dirty="0"/>
+          </a:p>
+        </p:txBody>
+      </p:sp>
+      <p:sp>
+        <p:nvSpPr>
+          <p:cNvPr id="4" name="Slide Number Placeholder 3"/>
+          <p:cNvSpPr>
+            <a:spLocks noGrp="1"/>
+          </p:cNvSpPr>
+          <p:nvPr>
+            <p:ph type="sldNum" sz="quarter" idx="10"/>
+          </p:nvPr>
+        </p:nvSpPr>
+        <p:spPr/>
+        <p:txBody>
+          <a:bodyPr/>
+          <a:lstStyle/>
+          <a:p>
+            <a:fld id="{883B0797-9256-4AEC-A8DB-A8D0AAAA106B}" type="slidenum">
+              <a:rPr lang="en-US" smtClean="0"/>
+              <a:t>13</a:t>
+            </a:fld>
+            <a:endParaRPr lang="en-US"/>
+          </a:p>
+        </p:txBody>
+      </p:sp>
+    </p:spTree>
+    <p:extLst>
+      <p:ext uri="{BB962C8B-B14F-4D97-AF65-F5344CB8AC3E}">
+        <p14:creationId xmlns:p14="http://schemas.microsoft.com/office/powerpoint/2010/main" val="3952961713"/>
+      </p:ext>
+    </p:extLst>
+  </p:cSld>
+  <p:clrMapOvr>
+    <a:masterClrMapping/>
+  </p:clrMapOvr>
+</p:notes>
+</file>
+
+<file path=ppt/notesSlides/notesSlide14.xml><?xml version="1.0" encoding="utf-8"?>
+<p:notes xmlns:a="http://schemas.openxmlformats.org/drawingml/2006/main" xmlns:r="http://schemas.openxmlformats.org/officeDocument/2006/relationships" xmlns:p="http://schemas.openxmlformats.org/presentationml/2006/main">
+  <p:cSld>
+    <p:spTree>
+      <p:nvGrpSpPr>
+        <p:cNvPr id="1" name=""/>
+        <p:cNvGrpSpPr/>
+        <p:nvPr/>
+      </p:nvGrpSpPr>
+      <p:grpSpPr>
+        <a:xfrm>
+          <a:off x="0" y="0"/>
+          <a:ext cx="0" cy="0"/>
+          <a:chOff x="0" y="0"/>
+          <a:chExt cx="0" cy="0"/>
+        </a:xfrm>
+      </p:grpSpPr>
+      <p:sp>
+        <p:nvSpPr>
+          <p:cNvPr id="2" name="Slide Image Placeholder 1"/>
+          <p:cNvSpPr>
+            <a:spLocks noGrp="1" noRot="1" noChangeAspect="1"/>
+          </p:cNvSpPr>
+          <p:nvPr>
+            <p:ph type="sldImg"/>
+          </p:nvPr>
+        </p:nvSpPr>
+        <p:spPr/>
+      </p:sp>
+      <p:sp>
+        <p:nvSpPr>
+          <p:cNvPr id="3" name="Notes Placeholder 2"/>
+          <p:cNvSpPr>
+            <a:spLocks noGrp="1"/>
+          </p:cNvSpPr>
+          <p:nvPr>
+            <p:ph type="body" idx="1"/>
+          </p:nvPr>
+        </p:nvSpPr>
+        <p:spPr/>
+        <p:txBody>
+          <a:bodyPr/>
+          <a:lstStyle/>
+          <a:p>
+            <a:r>
+              <a:rPr lang="en-US" dirty="0" smtClean="0"/>
+              <a:t>Rachel</a:t>
+            </a:r>
+            <a:endParaRPr lang="en-US" dirty="0"/>
+          </a:p>
+        </p:txBody>
+      </p:sp>
+      <p:sp>
+        <p:nvSpPr>
+          <p:cNvPr id="4" name="Slide Number Placeholder 3"/>
+          <p:cNvSpPr>
+            <a:spLocks noGrp="1"/>
+          </p:cNvSpPr>
+          <p:nvPr>
+            <p:ph type="sldNum" sz="quarter" idx="10"/>
+          </p:nvPr>
+        </p:nvSpPr>
+        <p:spPr/>
+        <p:txBody>
+          <a:bodyPr/>
+          <a:lstStyle/>
+          <a:p>
+            <a:fld id="{883B0797-9256-4AEC-A8DB-A8D0AAAA106B}" type="slidenum">
+              <a:rPr lang="en-US" smtClean="0"/>
+              <a:t>14</a:t>
+            </a:fld>
+            <a:endParaRPr lang="en-US"/>
+          </a:p>
+        </p:txBody>
+      </p:sp>
+    </p:spTree>
+    <p:extLst>
+      <p:ext uri="{BB962C8B-B14F-4D97-AF65-F5344CB8AC3E}">
+        <p14:creationId xmlns:p14="http://schemas.microsoft.com/office/powerpoint/2010/main" val="3757169532"/>
+      </p:ext>
+    </p:extLst>
+  </p:cSld>
+  <p:clrMapOvr>
+    <a:masterClrMapping/>
+  </p:clrMapOvr>
+</p:notes>
+</file>
+
+<file path=ppt/notesSlides/notesSlide2.xml><?xml version="1.0" encoding="utf-8"?>
+<p:notes xmlns:a="http://schemas.openxmlformats.org/drawingml/2006/main" xmlns:r="http://schemas.openxmlformats.org/officeDocument/2006/relationships" xmlns:p="http://schemas.openxmlformats.org/presentationml/2006/main">
+  <p:cSld>
+    <p:spTree>
+      <p:nvGrpSpPr>
+        <p:cNvPr id="1" name=""/>
+        <p:cNvGrpSpPr/>
+        <p:nvPr/>
+      </p:nvGrpSpPr>
+      <p:grpSpPr>
+        <a:xfrm>
+          <a:off x="0" y="0"/>
+          <a:ext cx="0" cy="0"/>
+          <a:chOff x="0" y="0"/>
+          <a:chExt cx="0" cy="0"/>
+        </a:xfrm>
+      </p:grpSpPr>
+      <p:sp>
+        <p:nvSpPr>
+          <p:cNvPr id="2" name="Slide Image Placeholder 1"/>
+          <p:cNvSpPr>
+            <a:spLocks noGrp="1" noRot="1" noChangeAspect="1"/>
+          </p:cNvSpPr>
+          <p:nvPr>
+            <p:ph type="sldImg"/>
+          </p:nvPr>
+        </p:nvSpPr>
+        <p:spPr/>
+      </p:sp>
+      <p:sp>
+        <p:nvSpPr>
+          <p:cNvPr id="3" name="Notes Placeholder 2"/>
+          <p:cNvSpPr>
+            <a:spLocks noGrp="1"/>
+          </p:cNvSpPr>
+          <p:nvPr>
+            <p:ph type="body" idx="1"/>
+          </p:nvPr>
+        </p:nvSpPr>
+        <p:spPr/>
+        <p:txBody>
+          <a:bodyPr/>
+          <a:lstStyle/>
+          <a:p>
+            <a:r>
+              <a:rPr lang="en-US" dirty="0" smtClean="0"/>
+              <a:t>Jeremy</a:t>
+            </a:r>
+            <a:endParaRPr lang="en-US" dirty="0"/>
+          </a:p>
+        </p:txBody>
+      </p:sp>
+      <p:sp>
+        <p:nvSpPr>
+          <p:cNvPr id="4" name="Slide Number Placeholder 3"/>
+          <p:cNvSpPr>
+            <a:spLocks noGrp="1"/>
+          </p:cNvSpPr>
+          <p:nvPr>
+            <p:ph type="sldNum" sz="quarter" idx="10"/>
+          </p:nvPr>
+        </p:nvSpPr>
+        <p:spPr/>
+        <p:txBody>
+          <a:bodyPr/>
+          <a:lstStyle/>
+          <a:p>
+            <a:fld id="{883B0797-9256-4AEC-A8DB-A8D0AAAA106B}" type="slidenum">
+              <a:rPr lang="en-US" smtClean="0"/>
+              <a:t>2</a:t>
+            </a:fld>
+            <a:endParaRPr lang="en-US"/>
+          </a:p>
+        </p:txBody>
+      </p:sp>
+    </p:spTree>
+    <p:extLst>
+      <p:ext uri="{BB962C8B-B14F-4D97-AF65-F5344CB8AC3E}">
+        <p14:creationId xmlns:p14="http://schemas.microsoft.com/office/powerpoint/2010/main" val="1935363007"/>
+      </p:ext>
+    </p:extLst>
+  </p:cSld>
+  <p:clrMapOvr>
+    <a:masterClrMapping/>
+  </p:clrMapOvr>
+</p:notes>
+</file>
+
+<file path=ppt/notesSlides/notesSlide3.xml><?xml version="1.0" encoding="utf-8"?>
+<p:notes xmlns:a="http://schemas.openxmlformats.org/drawingml/2006/main" xmlns:r="http://schemas.openxmlformats.org/officeDocument/2006/relationships" xmlns:p="http://schemas.openxmlformats.org/presentationml/2006/main">
+  <p:cSld>
+    <p:spTree>
+      <p:nvGrpSpPr>
+        <p:cNvPr id="1" name=""/>
+        <p:cNvGrpSpPr/>
+        <p:nvPr/>
+      </p:nvGrpSpPr>
+      <p:grpSpPr>
+        <a:xfrm>
+          <a:off x="0" y="0"/>
+          <a:ext cx="0" cy="0"/>
+          <a:chOff x="0" y="0"/>
+          <a:chExt cx="0" cy="0"/>
+        </a:xfrm>
+      </p:grpSpPr>
+      <p:sp>
+        <p:nvSpPr>
+          <p:cNvPr id="2" name="Slide Image Placeholder 1"/>
+          <p:cNvSpPr>
+            <a:spLocks noGrp="1" noRot="1" noChangeAspect="1"/>
+          </p:cNvSpPr>
+          <p:nvPr>
+            <p:ph type="sldImg"/>
+          </p:nvPr>
+        </p:nvSpPr>
+        <p:spPr/>
+      </p:sp>
+      <p:sp>
+        <p:nvSpPr>
+          <p:cNvPr id="3" name="Notes Placeholder 2"/>
+          <p:cNvSpPr>
+            <a:spLocks noGrp="1"/>
+          </p:cNvSpPr>
+          <p:nvPr>
+            <p:ph type="body" idx="1"/>
+          </p:nvPr>
+        </p:nvSpPr>
+        <p:spPr/>
+        <p:txBody>
+          <a:bodyPr/>
+          <a:lstStyle/>
+          <a:p>
+            <a:r>
+              <a:rPr lang="en-US" dirty="0" smtClean="0"/>
+              <a:t>Mike</a:t>
+            </a:r>
+            <a:endParaRPr lang="en-US" dirty="0"/>
+          </a:p>
+        </p:txBody>
+      </p:sp>
+      <p:sp>
+        <p:nvSpPr>
+          <p:cNvPr id="4" name="Slide Number Placeholder 3"/>
+          <p:cNvSpPr>
+            <a:spLocks noGrp="1"/>
+          </p:cNvSpPr>
+          <p:nvPr>
+            <p:ph type="sldNum" sz="quarter" idx="10"/>
+          </p:nvPr>
+        </p:nvSpPr>
+        <p:spPr/>
+        <p:txBody>
+          <a:bodyPr/>
+          <a:lstStyle/>
+          <a:p>
+            <a:fld id="{883B0797-9256-4AEC-A8DB-A8D0AAAA106B}" type="slidenum">
+              <a:rPr lang="en-US" smtClean="0"/>
+              <a:t>3</a:t>
+            </a:fld>
+            <a:endParaRPr lang="en-US"/>
+          </a:p>
+        </p:txBody>
+      </p:sp>
+    </p:spTree>
+    <p:extLst>
+      <p:ext uri="{BB962C8B-B14F-4D97-AF65-F5344CB8AC3E}">
+        <p14:creationId xmlns:p14="http://schemas.microsoft.com/office/powerpoint/2010/main" val="2533896956"/>
+      </p:ext>
+    </p:extLst>
+  </p:cSld>
+  <p:clrMapOvr>
+    <a:masterClrMapping/>
+  </p:clrMapOvr>
+</p:notes>
+</file>
+
+<file path=ppt/notesSlides/notesSlide4.xml><?xml version="1.0" encoding="utf-8"?>
+<p:notes xmlns:a="http://schemas.openxmlformats.org/drawingml/2006/main" xmlns:r="http://schemas.openxmlformats.org/officeDocument/2006/relationships" xmlns:p="http://schemas.openxmlformats.org/presentationml/2006/main">
+  <p:cSld>
+    <p:spTree>
+      <p:nvGrpSpPr>
+        <p:cNvPr id="1" name=""/>
+        <p:cNvGrpSpPr/>
+        <p:nvPr/>
+      </p:nvGrpSpPr>
+      <p:grpSpPr>
+        <a:xfrm>
+          <a:off x="0" y="0"/>
+          <a:ext cx="0" cy="0"/>
+          <a:chOff x="0" y="0"/>
+          <a:chExt cx="0" cy="0"/>
+        </a:xfrm>
+      </p:grpSpPr>
+      <p:sp>
+        <p:nvSpPr>
+          <p:cNvPr id="2" name="Slide Image Placeholder 1"/>
+          <p:cNvSpPr>
+            <a:spLocks noGrp="1" noRot="1" noChangeAspect="1"/>
+          </p:cNvSpPr>
+          <p:nvPr>
+            <p:ph type="sldImg"/>
+          </p:nvPr>
+        </p:nvSpPr>
+        <p:spPr/>
+      </p:sp>
+      <p:sp>
+        <p:nvSpPr>
+          <p:cNvPr id="3" name="Notes Placeholder 2"/>
+          <p:cNvSpPr>
+            <a:spLocks noGrp="1"/>
+          </p:cNvSpPr>
+          <p:nvPr>
+            <p:ph type="body" idx="1"/>
+          </p:nvPr>
+        </p:nvSpPr>
+        <p:spPr/>
+        <p:txBody>
+          <a:bodyPr/>
+          <a:lstStyle/>
+          <a:p>
+            <a:r>
+              <a:rPr lang="en-US" dirty="0" smtClean="0"/>
+              <a:t>Mike</a:t>
+            </a:r>
+            <a:endParaRPr lang="en-US" dirty="0"/>
+          </a:p>
+        </p:txBody>
+      </p:sp>
+      <p:sp>
+        <p:nvSpPr>
+          <p:cNvPr id="4" name="Slide Number Placeholder 3"/>
+          <p:cNvSpPr>
+            <a:spLocks noGrp="1"/>
+          </p:cNvSpPr>
+          <p:nvPr>
+            <p:ph type="sldNum" sz="quarter" idx="10"/>
+          </p:nvPr>
+        </p:nvSpPr>
+        <p:spPr/>
+        <p:txBody>
+          <a:bodyPr/>
+          <a:lstStyle/>
+          <a:p>
+            <a:fld id="{883B0797-9256-4AEC-A8DB-A8D0AAAA106B}" type="slidenum">
+              <a:rPr lang="en-US" smtClean="0"/>
+              <a:t>4</a:t>
+            </a:fld>
+            <a:endParaRPr lang="en-US"/>
+          </a:p>
+        </p:txBody>
+      </p:sp>
+    </p:spTree>
+    <p:extLst>
+      <p:ext uri="{BB962C8B-B14F-4D97-AF65-F5344CB8AC3E}">
+        <p14:creationId xmlns:p14="http://schemas.microsoft.com/office/powerpoint/2010/main" val="155980209"/>
+      </p:ext>
+    </p:extLst>
+  </p:cSld>
+  <p:clrMapOvr>
+    <a:masterClrMapping/>
+  </p:clrMapOvr>
+</p:notes>
+</file>
+
+<file path=ppt/notesSlides/notesSlide5.xml><?xml version="1.0" encoding="utf-8"?>
+<p:notes xmlns:a="http://schemas.openxmlformats.org/drawingml/2006/main" xmlns:r="http://schemas.openxmlformats.org/officeDocument/2006/relationships" xmlns:p="http://schemas.openxmlformats.org/presentationml/2006/main">
+  <p:cSld>
+    <p:spTree>
+      <p:nvGrpSpPr>
+        <p:cNvPr id="1" name=""/>
+        <p:cNvGrpSpPr/>
+        <p:nvPr/>
+      </p:nvGrpSpPr>
+      <p:grpSpPr>
+        <a:xfrm>
+          <a:off x="0" y="0"/>
+          <a:ext cx="0" cy="0"/>
+          <a:chOff x="0" y="0"/>
+          <a:chExt cx="0" cy="0"/>
+        </a:xfrm>
+      </p:grpSpPr>
+      <p:sp>
+        <p:nvSpPr>
+          <p:cNvPr id="2" name="Slide Image Placeholder 1"/>
+          <p:cNvSpPr>
+            <a:spLocks noGrp="1" noRot="1" noChangeAspect="1"/>
+          </p:cNvSpPr>
+          <p:nvPr>
+            <p:ph type="sldImg"/>
+          </p:nvPr>
+        </p:nvSpPr>
+        <p:spPr/>
+      </p:sp>
+      <p:sp>
+        <p:nvSpPr>
+          <p:cNvPr id="3" name="Notes Placeholder 2"/>
+          <p:cNvSpPr>
+            <a:spLocks noGrp="1"/>
+          </p:cNvSpPr>
+          <p:nvPr>
+            <p:ph type="body" idx="1"/>
+          </p:nvPr>
+        </p:nvSpPr>
+        <p:spPr/>
+        <p:txBody>
+          <a:bodyPr/>
+          <a:lstStyle/>
+          <a:p>
+            <a:r>
+              <a:rPr lang="en-US" dirty="0" smtClean="0"/>
+              <a:t>Jeremy</a:t>
+            </a:r>
+            <a:endParaRPr lang="en-US" dirty="0"/>
+          </a:p>
+        </p:txBody>
+      </p:sp>
+      <p:sp>
+        <p:nvSpPr>
+          <p:cNvPr id="4" name="Slide Number Placeholder 3"/>
+          <p:cNvSpPr>
+            <a:spLocks noGrp="1"/>
+          </p:cNvSpPr>
+          <p:nvPr>
+            <p:ph type="sldNum" sz="quarter" idx="10"/>
+          </p:nvPr>
+        </p:nvSpPr>
+        <p:spPr/>
+        <p:txBody>
+          <a:bodyPr/>
+          <a:lstStyle/>
+          <a:p>
+            <a:fld id="{883B0797-9256-4AEC-A8DB-A8D0AAAA106B}" type="slidenum">
+              <a:rPr lang="en-US" smtClean="0"/>
+              <a:t>5</a:t>
+            </a:fld>
+            <a:endParaRPr lang="en-US"/>
+          </a:p>
+        </p:txBody>
+      </p:sp>
+    </p:spTree>
+    <p:extLst>
+      <p:ext uri="{BB962C8B-B14F-4D97-AF65-F5344CB8AC3E}">
+        <p14:creationId xmlns:p14="http://schemas.microsoft.com/office/powerpoint/2010/main" val="4154602999"/>
+      </p:ext>
+    </p:extLst>
+  </p:cSld>
+  <p:clrMapOvr>
+    <a:masterClrMapping/>
+  </p:clrMapOvr>
+</p:notes>
+</file>
+
+<file path=ppt/notesSlides/notesSlide6.xml><?xml version="1.0" encoding="utf-8"?>
+<p:notes xmlns:a="http://schemas.openxmlformats.org/drawingml/2006/main" xmlns:r="http://schemas.openxmlformats.org/officeDocument/2006/relationships" xmlns:p="http://schemas.openxmlformats.org/presentationml/2006/main">
+  <p:cSld>
+    <p:spTree>
+      <p:nvGrpSpPr>
+        <p:cNvPr id="1" name=""/>
+        <p:cNvGrpSpPr/>
+        <p:nvPr/>
+      </p:nvGrpSpPr>
+      <p:grpSpPr>
+        <a:xfrm>
+          <a:off x="0" y="0"/>
+          <a:ext cx="0" cy="0"/>
+          <a:chOff x="0" y="0"/>
+          <a:chExt cx="0" cy="0"/>
+        </a:xfrm>
+      </p:grpSpPr>
+      <p:sp>
+        <p:nvSpPr>
+          <p:cNvPr id="2" name="Slide Image Placeholder 1"/>
+          <p:cNvSpPr>
+            <a:spLocks noGrp="1" noRot="1" noChangeAspect="1"/>
+          </p:cNvSpPr>
+          <p:nvPr>
+            <p:ph type="sldImg"/>
+          </p:nvPr>
+        </p:nvSpPr>
+        <p:spPr/>
+      </p:sp>
+      <p:sp>
+        <p:nvSpPr>
+          <p:cNvPr id="3" name="Notes Placeholder 2"/>
+          <p:cNvSpPr>
+            <a:spLocks noGrp="1"/>
+          </p:cNvSpPr>
+          <p:nvPr>
+            <p:ph type="body" idx="1"/>
+          </p:nvPr>
+        </p:nvSpPr>
+        <p:spPr/>
+        <p:txBody>
+          <a:bodyPr/>
+          <a:lstStyle/>
+          <a:p>
+            <a:r>
+              <a:rPr lang="en-US" dirty="0" smtClean="0"/>
+              <a:t>Jeremy</a:t>
+            </a:r>
+            <a:endParaRPr lang="en-US" dirty="0"/>
+          </a:p>
+        </p:txBody>
+      </p:sp>
+      <p:sp>
+        <p:nvSpPr>
+          <p:cNvPr id="4" name="Slide Number Placeholder 3"/>
+          <p:cNvSpPr>
+            <a:spLocks noGrp="1"/>
+          </p:cNvSpPr>
+          <p:nvPr>
+            <p:ph type="sldNum" sz="quarter" idx="10"/>
+          </p:nvPr>
+        </p:nvSpPr>
+        <p:spPr/>
+        <p:txBody>
+          <a:bodyPr/>
+          <a:lstStyle/>
+          <a:p>
+            <a:fld id="{883B0797-9256-4AEC-A8DB-A8D0AAAA106B}" type="slidenum">
+              <a:rPr lang="en-US" smtClean="0"/>
+              <a:t>6</a:t>
+            </a:fld>
+            <a:endParaRPr lang="en-US"/>
+          </a:p>
+        </p:txBody>
+      </p:sp>
+    </p:spTree>
+    <p:extLst>
+      <p:ext uri="{BB962C8B-B14F-4D97-AF65-F5344CB8AC3E}">
+        <p14:creationId xmlns:p14="http://schemas.microsoft.com/office/powerpoint/2010/main" val="1861933604"/>
+      </p:ext>
+    </p:extLst>
+  </p:cSld>
+  <p:clrMapOvr>
+    <a:masterClrMapping/>
+  </p:clrMapOvr>
+</p:notes>
+</file>
+
+<file path=ppt/notesSlides/notesSlide7.xml><?xml version="1.0" encoding="utf-8"?>
+<p:notes xmlns:a="http://schemas.openxmlformats.org/drawingml/2006/main" xmlns:r="http://schemas.openxmlformats.org/officeDocument/2006/relationships" xmlns:p="http://schemas.openxmlformats.org/presentationml/2006/main">
+  <p:cSld>
+    <p:spTree>
+      <p:nvGrpSpPr>
+        <p:cNvPr id="1" name=""/>
+        <p:cNvGrpSpPr/>
+        <p:nvPr/>
+      </p:nvGrpSpPr>
+      <p:grpSpPr>
+        <a:xfrm>
+          <a:off x="0" y="0"/>
+          <a:ext cx="0" cy="0"/>
+          <a:chOff x="0" y="0"/>
+          <a:chExt cx="0" cy="0"/>
+        </a:xfrm>
+      </p:grpSpPr>
+      <p:sp>
+        <p:nvSpPr>
+          <p:cNvPr id="2" name="Slide Image Placeholder 1"/>
+          <p:cNvSpPr>
+            <a:spLocks noGrp="1" noRot="1" noChangeAspect="1"/>
+          </p:cNvSpPr>
+          <p:nvPr>
+            <p:ph type="sldImg"/>
+          </p:nvPr>
+        </p:nvSpPr>
+        <p:spPr/>
+      </p:sp>
+      <p:sp>
+        <p:nvSpPr>
+          <p:cNvPr id="3" name="Notes Placeholder 2"/>
+          <p:cNvSpPr>
+            <a:spLocks noGrp="1"/>
+          </p:cNvSpPr>
+          <p:nvPr>
+            <p:ph type="body" idx="1"/>
+          </p:nvPr>
+        </p:nvSpPr>
+        <p:spPr/>
+        <p:txBody>
+          <a:bodyPr/>
+          <a:lstStyle/>
+          <a:p>
+            <a:r>
+              <a:rPr lang="en-US" dirty="0" smtClean="0"/>
+              <a:t>Jeremy</a:t>
+            </a:r>
+            <a:endParaRPr lang="en-US" dirty="0"/>
+          </a:p>
+        </p:txBody>
+      </p:sp>
+      <p:sp>
+        <p:nvSpPr>
+          <p:cNvPr id="4" name="Slide Number Placeholder 3"/>
+          <p:cNvSpPr>
+            <a:spLocks noGrp="1"/>
+          </p:cNvSpPr>
+          <p:nvPr>
+            <p:ph type="sldNum" sz="quarter" idx="10"/>
+          </p:nvPr>
+        </p:nvSpPr>
+        <p:spPr/>
+        <p:txBody>
+          <a:bodyPr/>
+          <a:lstStyle/>
+          <a:p>
+            <a:fld id="{883B0797-9256-4AEC-A8DB-A8D0AAAA106B}" type="slidenum">
+              <a:rPr lang="en-US" smtClean="0"/>
+              <a:t>7</a:t>
+            </a:fld>
+            <a:endParaRPr lang="en-US"/>
+          </a:p>
+        </p:txBody>
+      </p:sp>
+    </p:spTree>
+    <p:extLst>
+      <p:ext uri="{BB962C8B-B14F-4D97-AF65-F5344CB8AC3E}">
+        <p14:creationId xmlns:p14="http://schemas.microsoft.com/office/powerpoint/2010/main" val="2722487991"/>
+      </p:ext>
+    </p:extLst>
+  </p:cSld>
+  <p:clrMapOvr>
+    <a:masterClrMapping/>
+  </p:clrMapOvr>
+</p:notes>
+</file>
+
+<file path=ppt/notesSlides/notesSlide8.xml><?xml version="1.0" encoding="utf-8"?>
+<p:notes xmlns:a="http://schemas.openxmlformats.org/drawingml/2006/main" xmlns:r="http://schemas.openxmlformats.org/officeDocument/2006/relationships" xmlns:p="http://schemas.openxmlformats.org/presentationml/2006/main">
+  <p:cSld>
+    <p:spTree>
+      <p:nvGrpSpPr>
+        <p:cNvPr id="1" name=""/>
+        <p:cNvGrpSpPr/>
+        <p:nvPr/>
+      </p:nvGrpSpPr>
+      <p:grpSpPr>
+        <a:xfrm>
+          <a:off x="0" y="0"/>
+          <a:ext cx="0" cy="0"/>
+          <a:chOff x="0" y="0"/>
+          <a:chExt cx="0" cy="0"/>
+        </a:xfrm>
+      </p:grpSpPr>
+      <p:sp>
+        <p:nvSpPr>
+          <p:cNvPr id="2" name="Slide Image Placeholder 1"/>
+          <p:cNvSpPr>
+            <a:spLocks noGrp="1" noRot="1" noChangeAspect="1"/>
+          </p:cNvSpPr>
+          <p:nvPr>
+            <p:ph type="sldImg"/>
+          </p:nvPr>
+        </p:nvSpPr>
+        <p:spPr/>
+      </p:sp>
+      <p:sp>
+        <p:nvSpPr>
+          <p:cNvPr id="3" name="Notes Placeholder 2"/>
+          <p:cNvSpPr>
+            <a:spLocks noGrp="1"/>
+          </p:cNvSpPr>
+          <p:nvPr>
+            <p:ph type="body" idx="1"/>
+          </p:nvPr>
+        </p:nvSpPr>
+        <p:spPr/>
+        <p:txBody>
+          <a:bodyPr/>
+          <a:lstStyle/>
+          <a:p>
+            <a:r>
+              <a:rPr lang="en-US" dirty="0" smtClean="0"/>
+              <a:t>Rachel</a:t>
+            </a:r>
+            <a:endParaRPr lang="en-US" dirty="0"/>
+          </a:p>
+        </p:txBody>
+      </p:sp>
+      <p:sp>
+        <p:nvSpPr>
+          <p:cNvPr id="4" name="Slide Number Placeholder 3"/>
+          <p:cNvSpPr>
+            <a:spLocks noGrp="1"/>
+          </p:cNvSpPr>
+          <p:nvPr>
+            <p:ph type="sldNum" sz="quarter" idx="10"/>
+          </p:nvPr>
+        </p:nvSpPr>
+        <p:spPr/>
+        <p:txBody>
+          <a:bodyPr/>
+          <a:lstStyle/>
+          <a:p>
+            <a:fld id="{883B0797-9256-4AEC-A8DB-A8D0AAAA106B}" type="slidenum">
+              <a:rPr lang="en-US" smtClean="0"/>
+              <a:t>8</a:t>
+            </a:fld>
+            <a:endParaRPr lang="en-US"/>
+          </a:p>
+        </p:txBody>
+      </p:sp>
+    </p:spTree>
+    <p:extLst>
+      <p:ext uri="{BB962C8B-B14F-4D97-AF65-F5344CB8AC3E}">
+        <p14:creationId xmlns:p14="http://schemas.microsoft.com/office/powerpoint/2010/main" val="1348661109"/>
+      </p:ext>
+    </p:extLst>
+  </p:cSld>
+  <p:clrMapOvr>
+    <a:masterClrMapping/>
+  </p:clrMapOvr>
+</p:notes>
+</file>
+
+<file path=ppt/notesSlides/notesSlide9.xml><?xml version="1.0" encoding="utf-8"?>
+<p:notes xmlns:a="http://schemas.openxmlformats.org/drawingml/2006/main" xmlns:r="http://schemas.openxmlformats.org/officeDocument/2006/relationships" xmlns:p="http://schemas.openxmlformats.org/presentationml/2006/main">
+  <p:cSld>
+    <p:spTree>
+      <p:nvGrpSpPr>
+        <p:cNvPr id="1" name=""/>
+        <p:cNvGrpSpPr/>
+        <p:nvPr/>
+      </p:nvGrpSpPr>
+      <p:grpSpPr>
+        <a:xfrm>
+          <a:off x="0" y="0"/>
+          <a:ext cx="0" cy="0"/>
+          <a:chOff x="0" y="0"/>
+          <a:chExt cx="0" cy="0"/>
+        </a:xfrm>
+      </p:grpSpPr>
+      <p:sp>
+        <p:nvSpPr>
+          <p:cNvPr id="2" name="Slide Image Placeholder 1"/>
+          <p:cNvSpPr>
+            <a:spLocks noGrp="1" noRot="1" noChangeAspect="1"/>
+          </p:cNvSpPr>
+          <p:nvPr>
+            <p:ph type="sldImg"/>
+          </p:nvPr>
+        </p:nvSpPr>
+        <p:spPr/>
+      </p:sp>
+      <p:sp>
+        <p:nvSpPr>
+          <p:cNvPr id="3" name="Notes Placeholder 2"/>
+          <p:cNvSpPr>
+            <a:spLocks noGrp="1"/>
+          </p:cNvSpPr>
+          <p:nvPr>
+            <p:ph type="body" idx="1"/>
+          </p:nvPr>
+        </p:nvSpPr>
+        <p:spPr/>
+        <p:txBody>
+          <a:bodyPr/>
+          <a:lstStyle/>
+          <a:p>
+            <a:r>
+              <a:rPr lang="en-US" dirty="0" smtClean="0"/>
+              <a:t>Rachel</a:t>
+            </a:r>
+            <a:endParaRPr lang="en-US" dirty="0"/>
+          </a:p>
+        </p:txBody>
+      </p:sp>
+      <p:sp>
+        <p:nvSpPr>
+          <p:cNvPr id="4" name="Slide Number Placeholder 3"/>
+          <p:cNvSpPr>
+            <a:spLocks noGrp="1"/>
+          </p:cNvSpPr>
+          <p:nvPr>
+            <p:ph type="sldNum" sz="quarter" idx="10"/>
+          </p:nvPr>
+        </p:nvSpPr>
+        <p:spPr/>
+        <p:txBody>
+          <a:bodyPr/>
+          <a:lstStyle/>
+          <a:p>
+            <a:fld id="{883B0797-9256-4AEC-A8DB-A8D0AAAA106B}" type="slidenum">
+              <a:rPr lang="en-US" smtClean="0"/>
+              <a:t>9</a:t>
+            </a:fld>
+            <a:endParaRPr lang="en-US"/>
+          </a:p>
+        </p:txBody>
+      </p:sp>
+    </p:spTree>
+    <p:extLst>
+      <p:ext uri="{BB962C8B-B14F-4D97-AF65-F5344CB8AC3E}">
+        <p14:creationId xmlns:p14="http://schemas.microsoft.com/office/powerpoint/2010/main" val="2207052650"/>
+      </p:ext>
+    </p:extLst>
+  </p:cSld>
+  <p:clrMapOvr>
+    <a:masterClrMapping/>
+  </p:clrMapOvr>
+</p:notes>
+</file>
+
 <file path=ppt/slideLayouts/slideLayout1.xml><?xml version="1.0" encoding="utf-8"?>
 <p:sldLayout xmlns:a="http://schemas.openxmlformats.org/drawingml/2006/main" xmlns:r="http://schemas.openxmlformats.org/officeDocument/2006/relationships" xmlns:p="http://schemas.openxmlformats.org/presentationml/2006/main" showMasterSp="0" type="title" preserve="1">
   <p:cSld name="Title Slide">
@@ -201,7 +1787,7 @@
           </a:lstStyle>
           <a:p>
             <a:pPr algn="ctr" eaLnBrk="1" latinLnBrk="0" hangingPunct="1"/>
-            <a:endParaRPr kumimoji="0" lang="en-US"/>
+            <a:endParaRPr kumimoji="0" lang="en-US" dirty="0"/>
           </a:p>
         </p:txBody>
       </p:sp>
@@ -415,7 +2001,7 @@
               <a:extLst/>
             </a:lstStyle>
             <a:p>
-              <a:endParaRPr kumimoji="0" lang="en-US"/>
+              <a:endParaRPr kumimoji="0" lang="en-US" dirty="0"/>
             </a:p>
           </p:txBody>
         </p:sp>
@@ -497,7 +2083,7 @@
               <a:extLst/>
             </a:lstStyle>
             <a:p>
-              <a:endParaRPr kumimoji="0" lang="en-US"/>
+              <a:endParaRPr kumimoji="0" lang="en-US" dirty="0"/>
             </a:p>
           </p:txBody>
         </p:sp>
@@ -657,7 +2243,7 @@
             </a:lstStyle>
             <a:p>
               <a:pPr algn="ctr" eaLnBrk="1" latinLnBrk="0" hangingPunct="1"/>
-              <a:endParaRPr kumimoji="0" lang="en-US"/>
+              <a:endParaRPr kumimoji="0" lang="en-US" dirty="0"/>
             </a:p>
           </p:txBody>
         </p:sp>
@@ -742,7 +2328,7 @@
             <a:fld id="{1D8BD707-D9CF-40AE-B4C6-C98DA3205C09}" type="datetimeFigureOut">
               <a:rPr lang="en-US" smtClean="0"/>
               <a:pPr/>
-              <a:t>10/5/2012</a:t>
+              <a:t>10/9/2012</a:t>
             </a:fld>
             <a:endParaRPr lang="en-US" dirty="0"/>
           </a:p>
@@ -940,7 +2526,7 @@
             <a:fld id="{1D8BD707-D9CF-40AE-B4C6-C98DA3205C09}" type="datetimeFigureOut">
               <a:rPr lang="en-US" smtClean="0"/>
               <a:pPr/>
-              <a:t>10/5/2012</a:t>
+              <a:t>10/9/2012</a:t>
             </a:fld>
             <a:endParaRPr lang="en-US" dirty="0"/>
           </a:p>
@@ -1127,7 +2713,7 @@
             <a:fld id="{1D8BD707-D9CF-40AE-B4C6-C98DA3205C09}" type="datetimeFigureOut">
               <a:rPr lang="en-US" smtClean="0"/>
               <a:pPr/>
-              <a:t>10/5/2012</a:t>
+              <a:t>10/9/2012</a:t>
             </a:fld>
             <a:endParaRPr lang="en-US" dirty="0"/>
           </a:p>
@@ -1279,7 +2865,7 @@
             <a:fld id="{1D8BD707-D9CF-40AE-B4C6-C98DA3205C09}" type="datetimeFigureOut">
               <a:rPr lang="en-US" smtClean="0"/>
               <a:pPr/>
-              <a:t>10/5/2012</a:t>
+              <a:t>10/9/2012</a:t>
             </a:fld>
             <a:endParaRPr lang="en-US" dirty="0"/>
           </a:p>
@@ -1536,7 +3122,7 @@
             <a:fld id="{1D8BD707-D9CF-40AE-B4C6-C98DA3205C09}" type="datetimeFigureOut">
               <a:rPr lang="en-US" smtClean="0"/>
               <a:pPr/>
-              <a:t>10/5/2012</a:t>
+              <a:t>10/9/2012</a:t>
             </a:fld>
             <a:endParaRPr lang="en-US" dirty="0"/>
           </a:p>
@@ -1665,7 +3251,7 @@
           </a:lstStyle>
           <a:p>
             <a:pPr algn="l" eaLnBrk="1" latinLnBrk="0" hangingPunct="1"/>
-            <a:endParaRPr kumimoji="0" lang="en-US"/>
+            <a:endParaRPr kumimoji="0" lang="en-US" dirty="0"/>
           </a:p>
         </p:txBody>
       </p:sp>
@@ -1745,7 +3331,7 @@
           </a:lstStyle>
           <a:p>
             <a:pPr algn="l" eaLnBrk="1" latinLnBrk="0" hangingPunct="1"/>
-            <a:endParaRPr kumimoji="0" lang="en-US"/>
+            <a:endParaRPr kumimoji="0" lang="en-US" dirty="0"/>
           </a:p>
         </p:txBody>
       </p:sp>
@@ -1947,7 +3533,7 @@
             <a:fld id="{1D8BD707-D9CF-40AE-B4C6-C98DA3205C09}" type="datetimeFigureOut">
               <a:rPr lang="en-US" smtClean="0"/>
               <a:pPr/>
-              <a:t>10/5/2012</a:t>
+              <a:t>10/9/2012</a:t>
             </a:fld>
             <a:endParaRPr lang="en-US" dirty="0"/>
           </a:p>
@@ -2395,7 +3981,7 @@
             <a:fld id="{1D8BD707-D9CF-40AE-B4C6-C98DA3205C09}" type="datetimeFigureOut">
               <a:rPr lang="en-US" smtClean="0"/>
               <a:pPr/>
-              <a:t>10/5/2012</a:t>
+              <a:t>10/9/2012</a:t>
             </a:fld>
             <a:endParaRPr lang="en-US" dirty="0"/>
           </a:p>
@@ -2498,7 +4084,7 @@
             <a:fld id="{1D8BD707-D9CF-40AE-B4C6-C98DA3205C09}" type="datetimeFigureOut">
               <a:rPr lang="en-US" smtClean="0"/>
               <a:pPr/>
-              <a:t>10/5/2012</a:t>
+              <a:t>10/9/2012</a:t>
             </a:fld>
             <a:endParaRPr lang="en-US" dirty="0"/>
           </a:p>
@@ -2621,7 +4207,7 @@
             <a:fld id="{1D8BD707-D9CF-40AE-B4C6-C98DA3205C09}" type="datetimeFigureOut">
               <a:rPr lang="en-US" smtClean="0"/>
               <a:pPr/>
-              <a:t>10/5/2012</a:t>
+              <a:t>10/9/2012</a:t>
             </a:fld>
             <a:endParaRPr lang="en-US" dirty="0"/>
           </a:p>
@@ -2897,7 +4483,7 @@
             <a:fld id="{1D8BD707-D9CF-40AE-B4C6-C98DA3205C09}" type="datetimeFigureOut">
               <a:rPr lang="en-US" smtClean="0"/>
               <a:pPr/>
-              <a:t>10/5/2012</a:t>
+              <a:t>10/9/2012</a:t>
             </a:fld>
             <a:endParaRPr lang="en-US" dirty="0"/>
           </a:p>
@@ -3070,7 +4656,7 @@
           </a:lstStyle>
           <a:p>
             <a:r>
-              <a:rPr kumimoji="0" lang="en-US" smtClean="0"/>
+              <a:rPr kumimoji="0" lang="en-US" dirty="0" smtClean="0"/>
               <a:t>Click icon to add picture</a:t>
             </a:r>
             <a:endParaRPr kumimoji="0" lang="en-US" dirty="0"/>
@@ -3104,7 +4690,7 @@
             <a:fld id="{1D8BD707-D9CF-40AE-B4C6-C98DA3205C09}" type="datetimeFigureOut">
               <a:rPr lang="en-US" smtClean="0"/>
               <a:pPr/>
-              <a:t>10/5/2012</a:t>
+              <a:t>10/9/2012</a:t>
             </a:fld>
             <a:endParaRPr lang="en-US" dirty="0"/>
           </a:p>
@@ -3304,7 +4890,7 @@
             <a:extLst/>
           </a:lstStyle>
           <a:p>
-            <a:endParaRPr kumimoji="0" lang="en-US"/>
+            <a:endParaRPr kumimoji="0" lang="en-US" dirty="0"/>
           </a:p>
         </p:txBody>
       </p:sp>
@@ -3386,7 +4972,7 @@
             <a:extLst/>
           </a:lstStyle>
           <a:p>
-            <a:endParaRPr kumimoji="0" lang="en-US"/>
+            <a:endParaRPr kumimoji="0" lang="en-US" dirty="0"/>
           </a:p>
         </p:txBody>
       </p:sp>
@@ -3497,7 +5083,7 @@
           </a:lstStyle>
           <a:p>
             <a:pPr algn="ctr" eaLnBrk="1" latinLnBrk="0" hangingPunct="1"/>
-            <a:endParaRPr kumimoji="0" lang="en-US"/>
+            <a:endParaRPr kumimoji="0" lang="en-US" dirty="0"/>
           </a:p>
         </p:txBody>
       </p:sp>
@@ -3630,7 +5216,7 @@
           </a:lstStyle>
           <a:p>
             <a:pPr algn="l" eaLnBrk="1" latinLnBrk="0" hangingPunct="1"/>
-            <a:endParaRPr kumimoji="0" lang="en-US"/>
+            <a:endParaRPr kumimoji="0" lang="en-US" dirty="0"/>
           </a:p>
         </p:txBody>
       </p:sp>
@@ -3710,7 +5296,7 @@
           </a:lstStyle>
           <a:p>
             <a:pPr algn="l" eaLnBrk="1" latinLnBrk="0" hangingPunct="1"/>
-            <a:endParaRPr kumimoji="0" lang="en-US"/>
+            <a:endParaRPr kumimoji="0" lang="en-US" dirty="0"/>
           </a:p>
         </p:txBody>
       </p:sp>
@@ -3824,7 +5410,7 @@
             <a:extLst/>
           </a:lstStyle>
           <a:p>
-            <a:endParaRPr kumimoji="0" lang="en-US"/>
+            <a:endParaRPr kumimoji="0" lang="en-US" dirty="0"/>
           </a:p>
         </p:txBody>
       </p:sp>
@@ -3906,7 +5492,7 @@
             <a:extLst/>
           </a:lstStyle>
           <a:p>
-            <a:endParaRPr kumimoji="0" lang="en-US"/>
+            <a:endParaRPr kumimoji="0" lang="en-US" dirty="0"/>
           </a:p>
         </p:txBody>
       </p:sp>
@@ -4017,7 +5603,7 @@
           </a:lstStyle>
           <a:p>
             <a:pPr algn="ctr" eaLnBrk="1" latinLnBrk="0" hangingPunct="1"/>
-            <a:endParaRPr kumimoji="0" lang="en-US"/>
+            <a:endParaRPr kumimoji="0" lang="en-US" dirty="0"/>
           </a:p>
         </p:txBody>
       </p:sp>
@@ -4215,7 +5801,7 @@
             <a:fld id="{1D8BD707-D9CF-40AE-B4C6-C98DA3205C09}" type="datetimeFigureOut">
               <a:rPr lang="en-US" smtClean="0"/>
               <a:pPr/>
-              <a:t>10/5/2012</a:t>
+              <a:t>10/9/2012</a:t>
             </a:fld>
             <a:endParaRPr lang="en-US" dirty="0"/>
           </a:p>
@@ -4678,6 +6264,13 @@
   <p:clrMapOvr>
     <a:masterClrMapping/>
   </p:clrMapOvr>
+  <p:timing>
+    <p:tnLst>
+      <p:par>
+        <p:cTn id="1" dur="indefinite" restart="never" nodeType="tmRoot"/>
+      </p:par>
+    </p:tnLst>
+  </p:timing>
 </p:sld>
 </file>
 
@@ -4715,58 +6308,917 @@
           <a:p>
             <a:r>
               <a:rPr lang="en-US" dirty="0" smtClean="0"/>
-              <a:t>JSON framework</a:t>
-            </a:r>
-          </a:p>
-          <a:p>
-            <a:pPr lvl="1"/>
+              <a:t>High Level Layout</a:t>
+            </a:r>
+            <a:endParaRPr lang="en-US" dirty="0"/>
+          </a:p>
+        </p:txBody>
+      </p:sp>
+      <p:sp>
+        <p:nvSpPr>
+          <p:cNvPr id="3" name="Title 2"/>
+          <p:cNvSpPr>
+            <a:spLocks noGrp="1"/>
+          </p:cNvSpPr>
+          <p:nvPr>
+            <p:ph type="title"/>
+          </p:nvPr>
+        </p:nvSpPr>
+        <p:spPr/>
+        <p:txBody>
+          <a:bodyPr>
+            <a:normAutofit/>
+          </a:bodyPr>
+          <a:lstStyle/>
+          <a:p>
             <a:r>
               <a:rPr lang="en-US" dirty="0" smtClean="0"/>
-              <a:t>Lightweight</a:t>
-            </a:r>
-            <a:endParaRPr lang="en-US" dirty="0" smtClean="0"/>
-          </a:p>
-          <a:p>
-            <a:r>
-              <a:rPr lang="en-US" dirty="0" smtClean="0"/>
-              <a:t>Implemented as a Web Service</a:t>
-            </a:r>
-          </a:p>
-          <a:p>
-            <a:endParaRPr lang="en-US" dirty="0" smtClean="0"/>
-          </a:p>
-          <a:p>
+              <a:t>Android App Design</a:t>
+            </a:r>
             <a:endParaRPr lang="en-US" dirty="0"/>
           </a:p>
         </p:txBody>
       </p:sp>
-      <p:sp>
-        <p:nvSpPr>
-          <p:cNvPr id="3" name="Title 2"/>
-          <p:cNvSpPr>
-            <a:spLocks noGrp="1"/>
-          </p:cNvSpPr>
-          <p:nvPr>
-            <p:ph type="title"/>
-          </p:nvPr>
-        </p:nvSpPr>
-        <p:spPr/>
-        <p:txBody>
-          <a:bodyPr/>
-          <a:lstStyle/>
-          <a:p>
-            <a:r>
-              <a:rPr lang="en-US" dirty="0" smtClean="0"/>
-              <a:t>API</a:t>
-            </a:r>
-            <a:endParaRPr lang="en-US" dirty="0"/>
-          </a:p>
-        </p:txBody>
-      </p:sp>
+      <p:pic>
+        <p:nvPicPr>
+          <p:cNvPr id="1026" name="Picture 2" descr="C:\Users\jeremyw\Documents\GitHub\ECPMA\Documentation\AndroidScreenAccountDialog.png"/>
+          <p:cNvPicPr>
+            <a:picLocks noChangeAspect="1" noChangeArrowheads="1"/>
+          </p:cNvPicPr>
+          <p:nvPr/>
+        </p:nvPicPr>
+        <p:blipFill>
+          <a:blip r:embed="rId3" cstate="print">
+            <a:extLst>
+              <a:ext uri="{28A0092B-C50C-407E-A947-70E740481C1C}">
+                <a14:useLocalDpi xmlns:a14="http://schemas.microsoft.com/office/drawing/2010/main" val="0"/>
+              </a:ext>
+            </a:extLst>
+          </a:blip>
+          <a:srcRect/>
+          <a:stretch>
+            <a:fillRect/>
+          </a:stretch>
+        </p:blipFill>
+        <p:spPr bwMode="auto">
+          <a:xfrm>
+            <a:off x="4648200" y="2057400"/>
+            <a:ext cx="2063193" cy="3667899"/>
+          </a:xfrm>
+          <a:prstGeom prst="rect">
+            <a:avLst/>
+          </a:prstGeom>
+          <a:noFill/>
+          <a:extLst>
+            <a:ext uri="{909E8E84-426E-40DD-AFC4-6F175D3DCCD1}">
+              <a14:hiddenFill xmlns:a14="http://schemas.microsoft.com/office/drawing/2010/main">
+                <a:solidFill>
+                  <a:srgbClr val="FFFFFF"/>
+                </a:solidFill>
+              </a14:hiddenFill>
+            </a:ext>
+          </a:extLst>
+        </p:spPr>
+      </p:pic>
+      <p:pic>
+        <p:nvPicPr>
+          <p:cNvPr id="1027" name="Picture 3" descr="C:\Users\jeremyw\Documents\GitHub\ECPMA\Documentation\AndroidScreenMain.png"/>
+          <p:cNvPicPr>
+            <a:picLocks noChangeAspect="1" noChangeArrowheads="1"/>
+          </p:cNvPicPr>
+          <p:nvPr/>
+        </p:nvPicPr>
+        <p:blipFill>
+          <a:blip r:embed="rId4" cstate="print">
+            <a:extLst>
+              <a:ext uri="{28A0092B-C50C-407E-A947-70E740481C1C}">
+                <a14:useLocalDpi xmlns:a14="http://schemas.microsoft.com/office/drawing/2010/main" val="0"/>
+              </a:ext>
+            </a:extLst>
+          </a:blip>
+          <a:srcRect/>
+          <a:stretch>
+            <a:fillRect/>
+          </a:stretch>
+        </p:blipFill>
+        <p:spPr bwMode="auto">
+          <a:xfrm>
+            <a:off x="228600" y="2057400"/>
+            <a:ext cx="2064217" cy="3669720"/>
+          </a:xfrm>
+          <a:prstGeom prst="rect">
+            <a:avLst/>
+          </a:prstGeom>
+          <a:noFill/>
+          <a:extLst>
+            <a:ext uri="{909E8E84-426E-40DD-AFC4-6F175D3DCCD1}">
+              <a14:hiddenFill xmlns:a14="http://schemas.microsoft.com/office/drawing/2010/main">
+                <a:solidFill>
+                  <a:srgbClr val="FFFFFF"/>
+                </a:solidFill>
+              </a14:hiddenFill>
+            </a:ext>
+          </a:extLst>
+        </p:spPr>
+      </p:pic>
+      <p:pic>
+        <p:nvPicPr>
+          <p:cNvPr id="1028" name="Picture 4" descr="C:\Users\jeremyw\Documents\GitHub\ECPMA\Documentation\AndroidScreenUsage.png"/>
+          <p:cNvPicPr>
+            <a:picLocks noChangeAspect="1" noChangeArrowheads="1"/>
+          </p:cNvPicPr>
+          <p:nvPr/>
+        </p:nvPicPr>
+        <p:blipFill>
+          <a:blip r:embed="rId5" cstate="print">
+            <a:extLst>
+              <a:ext uri="{28A0092B-C50C-407E-A947-70E740481C1C}">
+                <a14:useLocalDpi xmlns:a14="http://schemas.microsoft.com/office/drawing/2010/main" val="0"/>
+              </a:ext>
+            </a:extLst>
+          </a:blip>
+          <a:srcRect/>
+          <a:stretch>
+            <a:fillRect/>
+          </a:stretch>
+        </p:blipFill>
+        <p:spPr bwMode="auto">
+          <a:xfrm>
+            <a:off x="6858000" y="2055579"/>
+            <a:ext cx="2064217" cy="3669720"/>
+          </a:xfrm>
+          <a:prstGeom prst="rect">
+            <a:avLst/>
+          </a:prstGeom>
+          <a:noFill/>
+          <a:extLst>
+            <a:ext uri="{909E8E84-426E-40DD-AFC4-6F175D3DCCD1}">
+              <a14:hiddenFill xmlns:a14="http://schemas.microsoft.com/office/drawing/2010/main">
+                <a:solidFill>
+                  <a:srgbClr val="FFFFFF"/>
+                </a:solidFill>
+              </a14:hiddenFill>
+            </a:ext>
+          </a:extLst>
+        </p:spPr>
+      </p:pic>
+      <p:pic>
+        <p:nvPicPr>
+          <p:cNvPr id="1029" name="Picture 5" descr="C:\Users\jeremyw\Documents\GitHub\ECPMA\Documentation\AndroidScreenAccount.png"/>
+          <p:cNvPicPr>
+            <a:picLocks noChangeAspect="1" noChangeArrowheads="1"/>
+          </p:cNvPicPr>
+          <p:nvPr/>
+        </p:nvPicPr>
+        <p:blipFill>
+          <a:blip r:embed="rId6" cstate="print">
+            <a:extLst>
+              <a:ext uri="{28A0092B-C50C-407E-A947-70E740481C1C}">
+                <a14:useLocalDpi xmlns:a14="http://schemas.microsoft.com/office/drawing/2010/main" val="0"/>
+              </a:ext>
+            </a:extLst>
+          </a:blip>
+          <a:srcRect/>
+          <a:stretch>
+            <a:fillRect/>
+          </a:stretch>
+        </p:blipFill>
+        <p:spPr bwMode="auto">
+          <a:xfrm>
+            <a:off x="2438400" y="2059221"/>
+            <a:ext cx="2063193" cy="3667899"/>
+          </a:xfrm>
+          <a:prstGeom prst="rect">
+            <a:avLst/>
+          </a:prstGeom>
+          <a:noFill/>
+          <a:extLst>
+            <a:ext uri="{909E8E84-426E-40DD-AFC4-6F175D3DCCD1}">
+              <a14:hiddenFill xmlns:a14="http://schemas.microsoft.com/office/drawing/2010/main">
+                <a:solidFill>
+                  <a:srgbClr val="FFFFFF"/>
+                </a:solidFill>
+              </a14:hiddenFill>
+            </a:ext>
+          </a:extLst>
+        </p:spPr>
+      </p:pic>
     </p:spTree>
     <p:extLst>
       <p:ext uri="{BB962C8B-B14F-4D97-AF65-F5344CB8AC3E}">
-        <p14:creationId xmlns:p14="http://schemas.microsoft.com/office/powerpoint/2010/main" val="3057061253"/>
+        <p14:creationId xmlns:p14="http://schemas.microsoft.com/office/powerpoint/2010/main" val="4130295470"/>
+      </p:ext>
+    </p:extLst>
+  </p:cSld>
+  <p:clrMapOvr>
+    <a:masterClrMapping/>
+  </p:clrMapOvr>
+  <p:timing>
+    <p:tnLst>
+      <p:par>
+        <p:cTn id="1" dur="indefinite" restart="never" nodeType="tmRoot"/>
+      </p:par>
+    </p:tnLst>
+  </p:timing>
+</p:sld>
+</file>
+
+<file path=ppt/slides/slide11.xml><?xml version="1.0" encoding="utf-8"?>
+<p:sld xmlns:a="http://schemas.openxmlformats.org/drawingml/2006/main" xmlns:r="http://schemas.openxmlformats.org/officeDocument/2006/relationships" xmlns:p="http://schemas.openxmlformats.org/presentationml/2006/main">
+  <p:cSld>
+    <p:spTree>
+      <p:nvGrpSpPr>
+        <p:cNvPr id="1" name=""/>
+        <p:cNvGrpSpPr/>
+        <p:nvPr/>
+      </p:nvGrpSpPr>
+      <p:grpSpPr>
+        <a:xfrm>
+          <a:off x="0" y="0"/>
+          <a:ext cx="0" cy="0"/>
+          <a:chOff x="0" y="0"/>
+          <a:chExt cx="0" cy="0"/>
+        </a:xfrm>
+      </p:grpSpPr>
+      <p:sp>
+        <p:nvSpPr>
+          <p:cNvPr id="2" name="Content Placeholder 1"/>
+          <p:cNvSpPr>
+            <a:spLocks noGrp="1"/>
+          </p:cNvSpPr>
+          <p:nvPr>
+            <p:ph idx="1"/>
+          </p:nvPr>
+        </p:nvSpPr>
+        <p:spPr/>
+        <p:txBody>
+          <a:bodyPr/>
+          <a:lstStyle/>
+          <a:p>
+            <a:pPr>
+              <a:lnSpc>
+                <a:spcPct val="150000"/>
+              </a:lnSpc>
+            </a:pPr>
+            <a:r>
+              <a:rPr lang="en-US" dirty="0" smtClean="0"/>
+              <a:t>Unit Testing</a:t>
+            </a:r>
+          </a:p>
+          <a:p>
+            <a:pPr lvl="1">
+              <a:lnSpc>
+                <a:spcPct val="150000"/>
+              </a:lnSpc>
+            </a:pPr>
+            <a:r>
+              <a:rPr lang="en-US" dirty="0" smtClean="0"/>
+              <a:t>JUnit and Sen Testing Kit</a:t>
+            </a:r>
+          </a:p>
+          <a:p>
+            <a:pPr>
+              <a:lnSpc>
+                <a:spcPct val="150000"/>
+              </a:lnSpc>
+            </a:pPr>
+            <a:r>
+              <a:rPr lang="en-US" dirty="0" smtClean="0"/>
+              <a:t>System Testing</a:t>
+            </a:r>
+          </a:p>
+          <a:p>
+            <a:pPr lvl="1">
+              <a:lnSpc>
+                <a:spcPct val="150000"/>
+              </a:lnSpc>
+            </a:pPr>
+            <a:r>
+              <a:rPr lang="en-US" dirty="0" smtClean="0"/>
+              <a:t>Testing on devices</a:t>
+            </a:r>
+          </a:p>
+          <a:p>
+            <a:pPr lvl="1">
+              <a:lnSpc>
+                <a:spcPct val="150000"/>
+              </a:lnSpc>
+            </a:pPr>
+            <a:r>
+              <a:rPr lang="en-US" dirty="0" smtClean="0"/>
+              <a:t>Network Issues</a:t>
+            </a:r>
+          </a:p>
+        </p:txBody>
+      </p:sp>
+      <p:sp>
+        <p:nvSpPr>
+          <p:cNvPr id="3" name="Title 2"/>
+          <p:cNvSpPr>
+            <a:spLocks noGrp="1"/>
+          </p:cNvSpPr>
+          <p:nvPr>
+            <p:ph type="title"/>
+          </p:nvPr>
+        </p:nvSpPr>
+        <p:spPr/>
+        <p:txBody>
+          <a:bodyPr/>
+          <a:lstStyle/>
+          <a:p>
+            <a:r>
+              <a:rPr lang="en-US" dirty="0" smtClean="0"/>
+              <a:t>Testing</a:t>
+            </a:r>
+            <a:endParaRPr lang="en-US" dirty="0"/>
+          </a:p>
+        </p:txBody>
+      </p:sp>
+    </p:spTree>
+    <p:extLst>
+      <p:ext uri="{BB962C8B-B14F-4D97-AF65-F5344CB8AC3E}">
+        <p14:creationId xmlns:p14="http://schemas.microsoft.com/office/powerpoint/2010/main" val="489269964"/>
+      </p:ext>
+    </p:extLst>
+  </p:cSld>
+  <p:clrMapOvr>
+    <a:masterClrMapping/>
+  </p:clrMapOvr>
+  <p:timing>
+    <p:tnLst>
+      <p:par>
+        <p:cTn id="1" dur="indefinite" restart="never" nodeType="tmRoot"/>
+      </p:par>
+    </p:tnLst>
+  </p:timing>
+</p:sld>
+</file>
+
+<file path=ppt/slides/slide12.xml><?xml version="1.0" encoding="utf-8"?>
+<p:sld xmlns:a="http://schemas.openxmlformats.org/drawingml/2006/main" xmlns:r="http://schemas.openxmlformats.org/officeDocument/2006/relationships" xmlns:p="http://schemas.openxmlformats.org/presentationml/2006/main">
+  <p:cSld>
+    <p:spTree>
+      <p:nvGrpSpPr>
+        <p:cNvPr id="1" name=""/>
+        <p:cNvGrpSpPr/>
+        <p:nvPr/>
+      </p:nvGrpSpPr>
+      <p:grpSpPr>
+        <a:xfrm>
+          <a:off x="0" y="0"/>
+          <a:ext cx="0" cy="0"/>
+          <a:chOff x="0" y="0"/>
+          <a:chExt cx="0" cy="0"/>
+        </a:xfrm>
+      </p:grpSpPr>
+      <p:sp>
+        <p:nvSpPr>
+          <p:cNvPr id="3" name="Content Placeholder 2"/>
+          <p:cNvSpPr>
+            <a:spLocks noGrp="1"/>
+          </p:cNvSpPr>
+          <p:nvPr>
+            <p:ph idx="1"/>
+          </p:nvPr>
+        </p:nvSpPr>
+        <p:spPr>
+          <a:xfrm>
+            <a:off x="457200" y="1447800"/>
+            <a:ext cx="8229600" cy="4678363"/>
+          </a:xfrm>
+        </p:spPr>
+        <p:txBody>
+          <a:bodyPr>
+            <a:normAutofit fontScale="92500" lnSpcReduction="20000"/>
+          </a:bodyPr>
+          <a:lstStyle/>
+          <a:p>
+            <a:pPr marL="0" indent="0">
+              <a:buNone/>
+            </a:pPr>
+            <a:r>
+              <a:rPr lang="en-US" b="1" dirty="0" smtClean="0"/>
+              <a:t>September </a:t>
+            </a:r>
+            <a:r>
+              <a:rPr lang="en-US" b="1" dirty="0"/>
+              <a:t>19, 2012 – October 3, 2012</a:t>
+            </a:r>
+          </a:p>
+          <a:p>
+            <a:pPr lvl="0"/>
+            <a:r>
+              <a:rPr lang="en-US" dirty="0"/>
+              <a:t>Environment Setup</a:t>
+            </a:r>
+          </a:p>
+          <a:p>
+            <a:pPr lvl="1"/>
+            <a:r>
+              <a:rPr lang="en-US" dirty="0"/>
+              <a:t>Set up IDEs on Mac, Windows</a:t>
+            </a:r>
+          </a:p>
+          <a:p>
+            <a:pPr lvl="1"/>
+            <a:r>
+              <a:rPr lang="en-US" dirty="0"/>
+              <a:t>Set up code repository</a:t>
+            </a:r>
+          </a:p>
+          <a:p>
+            <a:pPr lvl="0"/>
+            <a:r>
+              <a:rPr lang="en-US" dirty="0"/>
+              <a:t>Development</a:t>
+            </a:r>
+          </a:p>
+          <a:p>
+            <a:pPr lvl="1"/>
+            <a:r>
+              <a:rPr lang="en-US" dirty="0"/>
+              <a:t>Build test </a:t>
+            </a:r>
+            <a:r>
+              <a:rPr lang="en-US" dirty="0" smtClean="0"/>
+              <a:t>JSON </a:t>
+            </a:r>
+            <a:r>
+              <a:rPr lang="en-US" dirty="0"/>
+              <a:t>communication to Android and iOS devices</a:t>
+            </a:r>
+          </a:p>
+          <a:p>
+            <a:pPr lvl="1"/>
+            <a:r>
+              <a:rPr lang="en-US" dirty="0"/>
+              <a:t>Build Android and iOS layout</a:t>
+            </a:r>
+          </a:p>
+          <a:p>
+            <a:pPr lvl="0"/>
+            <a:r>
+              <a:rPr lang="en-US" dirty="0"/>
+              <a:t>Documents</a:t>
+            </a:r>
+          </a:p>
+          <a:p>
+            <a:pPr lvl="1"/>
+            <a:r>
+              <a:rPr lang="en-US" dirty="0"/>
+              <a:t>Team Name</a:t>
+            </a:r>
+          </a:p>
+          <a:p>
+            <a:pPr lvl="1"/>
+            <a:r>
+              <a:rPr lang="en-US" dirty="0"/>
+              <a:t>Design Document</a:t>
+            </a:r>
+          </a:p>
+          <a:p>
+            <a:pPr lvl="1"/>
+            <a:r>
+              <a:rPr lang="en-US" dirty="0"/>
+              <a:t>Software Contract</a:t>
+            </a:r>
+          </a:p>
+          <a:p>
+            <a:pPr lvl="1"/>
+            <a:r>
+              <a:rPr lang="en-US" dirty="0"/>
+              <a:t>Mission Statement</a:t>
+            </a:r>
+          </a:p>
+          <a:p>
+            <a:pPr lvl="1"/>
+            <a:r>
+              <a:rPr lang="en-US" dirty="0"/>
+              <a:t>CONOPS</a:t>
+            </a:r>
+          </a:p>
+          <a:p>
+            <a:pPr lvl="1"/>
+            <a:r>
+              <a:rPr lang="en-US" dirty="0"/>
+              <a:t>User </a:t>
+            </a:r>
+            <a:r>
+              <a:rPr lang="en-US" dirty="0" smtClean="0"/>
+              <a:t>Stories</a:t>
+            </a:r>
+          </a:p>
+          <a:p>
+            <a:pPr marL="457200" lvl="1" indent="0">
+              <a:buNone/>
+            </a:pPr>
+            <a:endParaRPr lang="en-US" dirty="0"/>
+          </a:p>
+          <a:p>
+            <a:pPr marL="0" indent="0">
+              <a:buNone/>
+            </a:pPr>
+            <a:endParaRPr lang="en-US" dirty="0"/>
+          </a:p>
+        </p:txBody>
+      </p:sp>
+      <p:sp>
+        <p:nvSpPr>
+          <p:cNvPr id="2" name="Title 1"/>
+          <p:cNvSpPr>
+            <a:spLocks noGrp="1"/>
+          </p:cNvSpPr>
+          <p:nvPr>
+            <p:ph type="title"/>
+          </p:nvPr>
+        </p:nvSpPr>
+        <p:spPr/>
+        <p:txBody>
+          <a:bodyPr/>
+          <a:lstStyle/>
+          <a:p>
+            <a:r>
+              <a:rPr lang="en-US" dirty="0" smtClean="0"/>
+              <a:t>Sprint 1</a:t>
+            </a:r>
+            <a:endParaRPr lang="en-US" dirty="0"/>
+          </a:p>
+        </p:txBody>
+      </p:sp>
+    </p:spTree>
+    <p:extLst>
+      <p:ext uri="{BB962C8B-B14F-4D97-AF65-F5344CB8AC3E}">
+        <p14:creationId xmlns:p14="http://schemas.microsoft.com/office/powerpoint/2010/main" val="1540282650"/>
+      </p:ext>
+    </p:extLst>
+  </p:cSld>
+  <p:clrMapOvr>
+    <a:masterClrMapping/>
+  </p:clrMapOvr>
+  <p:timing>
+    <p:tnLst>
+      <p:par>
+        <p:cTn id="1" dur="indefinite" restart="never" nodeType="tmRoot"/>
+      </p:par>
+    </p:tnLst>
+  </p:timing>
+</p:sld>
+</file>
+
+<file path=ppt/slides/slide13.xml><?xml version="1.0" encoding="utf-8"?>
+<p:sld xmlns:a="http://schemas.openxmlformats.org/drawingml/2006/main" xmlns:r="http://schemas.openxmlformats.org/officeDocument/2006/relationships" xmlns:p="http://schemas.openxmlformats.org/presentationml/2006/main">
+  <p:cSld>
+    <p:spTree>
+      <p:nvGrpSpPr>
+        <p:cNvPr id="1" name=""/>
+        <p:cNvGrpSpPr/>
+        <p:nvPr/>
+      </p:nvGrpSpPr>
+      <p:grpSpPr>
+        <a:xfrm>
+          <a:off x="0" y="0"/>
+          <a:ext cx="0" cy="0"/>
+          <a:chOff x="0" y="0"/>
+          <a:chExt cx="0" cy="0"/>
+        </a:xfrm>
+      </p:grpSpPr>
+      <p:sp>
+        <p:nvSpPr>
+          <p:cNvPr id="2" name="Content Placeholder 1"/>
+          <p:cNvSpPr>
+            <a:spLocks noGrp="1"/>
+          </p:cNvSpPr>
+          <p:nvPr>
+            <p:ph idx="1"/>
+          </p:nvPr>
+        </p:nvSpPr>
+        <p:spPr/>
+        <p:txBody>
+          <a:bodyPr/>
+          <a:lstStyle/>
+          <a:p>
+            <a:pPr marL="0" indent="0">
+              <a:buNone/>
+            </a:pPr>
+            <a:r>
+              <a:rPr lang="en-US" b="1" dirty="0" smtClean="0"/>
+              <a:t>October </a:t>
+            </a:r>
+            <a:r>
+              <a:rPr lang="en-US" b="1" dirty="0"/>
+              <a:t>10, 2012 – October 31, 2012</a:t>
+            </a:r>
+          </a:p>
+          <a:p>
+            <a:pPr lvl="0"/>
+            <a:r>
+              <a:rPr lang="en-US" dirty="0"/>
+              <a:t>Environment</a:t>
+            </a:r>
+          </a:p>
+          <a:p>
+            <a:pPr lvl="1"/>
+            <a:r>
+              <a:rPr lang="en-US" dirty="0"/>
+              <a:t>Get eBill service installed on local server for testing</a:t>
+            </a:r>
+          </a:p>
+          <a:p>
+            <a:pPr lvl="0"/>
+            <a:r>
+              <a:rPr lang="en-US" dirty="0" smtClean="0"/>
+              <a:t>Development</a:t>
+            </a:r>
+          </a:p>
+          <a:p>
+            <a:pPr lvl="1"/>
+            <a:r>
+              <a:rPr lang="en-US" dirty="0" smtClean="0"/>
+              <a:t>Finish Android and iOS UI</a:t>
+            </a:r>
+          </a:p>
+          <a:p>
+            <a:pPr lvl="1"/>
+            <a:r>
+              <a:rPr lang="en-US" dirty="0" smtClean="0"/>
+              <a:t>Investigate PDF on Android and iOS</a:t>
+            </a:r>
+          </a:p>
+          <a:p>
+            <a:pPr lvl="1"/>
+            <a:r>
+              <a:rPr lang="en-US" dirty="0" smtClean="0"/>
+              <a:t>Implement API calls</a:t>
+            </a:r>
+          </a:p>
+          <a:p>
+            <a:pPr lvl="1"/>
+            <a:r>
+              <a:rPr lang="en-US" dirty="0" smtClean="0"/>
+              <a:t>Android UI back end</a:t>
+            </a:r>
+            <a:endParaRPr lang="en-US" dirty="0"/>
+          </a:p>
+          <a:p>
+            <a:pPr lvl="0"/>
+            <a:r>
+              <a:rPr lang="en-US" dirty="0" smtClean="0"/>
+              <a:t>Documents</a:t>
+            </a:r>
+          </a:p>
+          <a:p>
+            <a:pPr lvl="1"/>
+            <a:r>
+              <a:rPr lang="en-US" dirty="0" smtClean="0"/>
+              <a:t>Master UI Document</a:t>
+            </a:r>
+            <a:endParaRPr lang="en-US" dirty="0"/>
+          </a:p>
+          <a:p>
+            <a:endParaRPr lang="en-US" dirty="0"/>
+          </a:p>
+        </p:txBody>
+      </p:sp>
+      <p:sp>
+        <p:nvSpPr>
+          <p:cNvPr id="3" name="Title 2"/>
+          <p:cNvSpPr>
+            <a:spLocks noGrp="1"/>
+          </p:cNvSpPr>
+          <p:nvPr>
+            <p:ph type="title"/>
+          </p:nvPr>
+        </p:nvSpPr>
+        <p:spPr/>
+        <p:txBody>
+          <a:bodyPr/>
+          <a:lstStyle/>
+          <a:p>
+            <a:r>
+              <a:rPr lang="en-US" dirty="0" smtClean="0"/>
+              <a:t>Sprint 2</a:t>
+            </a:r>
+            <a:endParaRPr lang="en-US" dirty="0"/>
+          </a:p>
+        </p:txBody>
+      </p:sp>
+    </p:spTree>
+    <p:extLst>
+      <p:ext uri="{BB962C8B-B14F-4D97-AF65-F5344CB8AC3E}">
+        <p14:creationId xmlns:p14="http://schemas.microsoft.com/office/powerpoint/2010/main" val="1294210667"/>
+      </p:ext>
+    </p:extLst>
+  </p:cSld>
+  <p:clrMapOvr>
+    <a:masterClrMapping/>
+  </p:clrMapOvr>
+</p:sld>
+</file>
+
+<file path=ppt/slides/slide14.xml><?xml version="1.0" encoding="utf-8"?>
+<p:sld xmlns:a="http://schemas.openxmlformats.org/drawingml/2006/main" xmlns:r="http://schemas.openxmlformats.org/officeDocument/2006/relationships" xmlns:p="http://schemas.openxmlformats.org/presentationml/2006/main">
+  <p:cSld>
+    <p:spTree>
+      <p:nvGrpSpPr>
+        <p:cNvPr id="1" name=""/>
+        <p:cNvGrpSpPr/>
+        <p:nvPr/>
+      </p:nvGrpSpPr>
+      <p:grpSpPr>
+        <a:xfrm>
+          <a:off x="0" y="0"/>
+          <a:ext cx="0" cy="0"/>
+          <a:chOff x="0" y="0"/>
+          <a:chExt cx="0" cy="0"/>
+        </a:xfrm>
+      </p:grpSpPr>
+      <p:sp>
+        <p:nvSpPr>
+          <p:cNvPr id="2" name="Content Placeholder 1"/>
+          <p:cNvSpPr>
+            <a:spLocks noGrp="1"/>
+          </p:cNvSpPr>
+          <p:nvPr>
+            <p:ph idx="1"/>
+          </p:nvPr>
+        </p:nvSpPr>
+        <p:spPr/>
+        <p:txBody>
+          <a:bodyPr>
+            <a:normAutofit/>
+          </a:bodyPr>
+          <a:lstStyle/>
+          <a:p>
+            <a:pPr>
+              <a:lnSpc>
+                <a:spcPct val="160000"/>
+              </a:lnSpc>
+            </a:pPr>
+            <a:r>
+              <a:rPr lang="en-US" dirty="0" smtClean="0"/>
+              <a:t>Hours Worked</a:t>
+            </a:r>
+          </a:p>
+          <a:p>
+            <a:pPr>
+              <a:lnSpc>
+                <a:spcPct val="160000"/>
+              </a:lnSpc>
+            </a:pPr>
+            <a:r>
+              <a:rPr lang="en-US" dirty="0" smtClean="0"/>
+              <a:t>Sunk Costs</a:t>
+            </a:r>
+          </a:p>
+          <a:p>
+            <a:pPr lvl="1">
+              <a:lnSpc>
+                <a:spcPct val="160000"/>
+              </a:lnSpc>
+            </a:pPr>
+            <a:r>
+              <a:rPr lang="en-US" dirty="0" smtClean="0"/>
+              <a:t>Mobile Devices</a:t>
+            </a:r>
+          </a:p>
+          <a:p>
+            <a:pPr lvl="1">
+              <a:lnSpc>
+                <a:spcPct val="160000"/>
+              </a:lnSpc>
+            </a:pPr>
+            <a:r>
+              <a:rPr lang="en-US" dirty="0" smtClean="0"/>
+              <a:t>Development Machines</a:t>
+            </a:r>
+          </a:p>
+          <a:p>
+            <a:pPr lvl="1">
+              <a:lnSpc>
+                <a:spcPct val="160000"/>
+              </a:lnSpc>
+            </a:pPr>
+            <a:r>
+              <a:rPr lang="en-US" dirty="0" smtClean="0"/>
+              <a:t>Development Server</a:t>
+            </a:r>
+          </a:p>
+          <a:p>
+            <a:pPr lvl="1">
+              <a:lnSpc>
+                <a:spcPct val="160000"/>
+              </a:lnSpc>
+            </a:pPr>
+            <a:r>
+              <a:rPr lang="en-US" dirty="0" smtClean="0"/>
+              <a:t>API Development</a:t>
+            </a:r>
+          </a:p>
+          <a:p>
+            <a:pPr lvl="1"/>
+            <a:endParaRPr lang="en-US" dirty="0"/>
+          </a:p>
+        </p:txBody>
+      </p:sp>
+      <p:sp>
+        <p:nvSpPr>
+          <p:cNvPr id="3" name="Title 2"/>
+          <p:cNvSpPr>
+            <a:spLocks noGrp="1"/>
+          </p:cNvSpPr>
+          <p:nvPr>
+            <p:ph type="title"/>
+          </p:nvPr>
+        </p:nvSpPr>
+        <p:spPr/>
+        <p:txBody>
+          <a:bodyPr/>
+          <a:lstStyle/>
+          <a:p>
+            <a:r>
+              <a:rPr lang="en-US" dirty="0" smtClean="0"/>
+              <a:t>Budget</a:t>
+            </a:r>
+            <a:endParaRPr lang="en-US" dirty="0"/>
+          </a:p>
+        </p:txBody>
+      </p:sp>
+    </p:spTree>
+    <p:extLst>
+      <p:ext uri="{BB962C8B-B14F-4D97-AF65-F5344CB8AC3E}">
+        <p14:creationId xmlns:p14="http://schemas.microsoft.com/office/powerpoint/2010/main" val="4186394600"/>
+      </p:ext>
+    </p:extLst>
+  </p:cSld>
+  <p:clrMapOvr>
+    <a:masterClrMapping/>
+  </p:clrMapOvr>
+</p:sld>
+</file>
+
+<file path=ppt/slides/slide15.xml><?xml version="1.0" encoding="utf-8"?>
+<p:sld xmlns:a="http://schemas.openxmlformats.org/drawingml/2006/main" xmlns:r="http://schemas.openxmlformats.org/officeDocument/2006/relationships" xmlns:p="http://schemas.openxmlformats.org/presentationml/2006/main">
+  <p:cSld>
+    <p:spTree>
+      <p:nvGrpSpPr>
+        <p:cNvPr id="1" name=""/>
+        <p:cNvGrpSpPr/>
+        <p:nvPr/>
+      </p:nvGrpSpPr>
+      <p:grpSpPr>
+        <a:xfrm>
+          <a:off x="0" y="0"/>
+          <a:ext cx="0" cy="0"/>
+          <a:chOff x="0" y="0"/>
+          <a:chExt cx="0" cy="0"/>
+        </a:xfrm>
+      </p:grpSpPr>
+      <p:sp>
+        <p:nvSpPr>
+          <p:cNvPr id="2" name="Content Placeholder 1"/>
+          <p:cNvSpPr>
+            <a:spLocks noGrp="1"/>
+          </p:cNvSpPr>
+          <p:nvPr>
+            <p:ph idx="1"/>
+          </p:nvPr>
+        </p:nvSpPr>
+        <p:spPr/>
+        <p:txBody>
+          <a:bodyPr/>
+          <a:lstStyle/>
+          <a:p>
+            <a:endParaRPr lang="en-US" dirty="0"/>
+          </a:p>
+        </p:txBody>
+      </p:sp>
+      <p:sp>
+        <p:nvSpPr>
+          <p:cNvPr id="3" name="Title 2"/>
+          <p:cNvSpPr>
+            <a:spLocks noGrp="1"/>
+          </p:cNvSpPr>
+          <p:nvPr>
+            <p:ph type="title"/>
+          </p:nvPr>
+        </p:nvSpPr>
+        <p:spPr/>
+        <p:txBody>
+          <a:bodyPr/>
+          <a:lstStyle/>
+          <a:p>
+            <a:r>
+              <a:rPr lang="en-US" dirty="0" smtClean="0"/>
+              <a:t>Questions?</a:t>
+            </a:r>
+            <a:endParaRPr lang="en-US" dirty="0"/>
+          </a:p>
+        </p:txBody>
+      </p:sp>
+    </p:spTree>
+    <p:extLst>
+      <p:ext uri="{BB962C8B-B14F-4D97-AF65-F5344CB8AC3E}">
+        <p14:creationId xmlns:p14="http://schemas.microsoft.com/office/powerpoint/2010/main" val="2530392370"/>
       </p:ext>
     </p:extLst>
   </p:cSld>
@@ -4823,23 +7275,23 @@
             </a:r>
             <a:r>
               <a:rPr lang="en-US" sz="3400" dirty="0"/>
-              <a:t> The cross platform mobile apps allow customers to utilize the Elation </a:t>
-            </a:r>
-            <a:r>
-              <a:rPr lang="en-US" sz="3400" dirty="0" err="1"/>
-              <a:t>eBill</a:t>
+              <a:t> The cross platform mobile apps allow customers to utilize the </a:t>
+            </a:r>
+            <a:r>
+              <a:rPr lang="en-US" sz="3400" dirty="0" smtClean="0"/>
+              <a:t>eLation </a:t>
             </a:r>
             <a:r>
               <a:rPr lang="en-US" sz="3400" dirty="0"/>
-              <a:t> application on their Android and </a:t>
-            </a:r>
-            <a:r>
-              <a:rPr lang="en-US" sz="3400" dirty="0" err="1"/>
-              <a:t>iOS</a:t>
+              <a:t>eBill application on </a:t>
+            </a:r>
+            <a:r>
+              <a:rPr lang="en-US" sz="3400" dirty="0" smtClean="0"/>
+              <a:t>their Android </a:t>
             </a:r>
             <a:r>
               <a:rPr lang="en-US" sz="3400" dirty="0"/>
-              <a:t> mobile </a:t>
+              <a:t>and iOS mobile </a:t>
             </a:r>
             <a:r>
               <a:rPr lang="en-US" sz="3400" dirty="0" smtClean="0"/>
@@ -4994,6 +7446,13 @@
   <p:clrMapOvr>
     <a:masterClrMapping/>
   </p:clrMapOvr>
+  <p:timing>
+    <p:tnLst>
+      <p:par>
+        <p:cTn id="1" dur="indefinite" restart="never" nodeType="tmRoot"/>
+      </p:par>
+    </p:tnLst>
+  </p:timing>
 </p:sld>
 </file>
 
@@ -5024,6 +7483,162 @@
             <p:ph idx="1"/>
           </p:nvPr>
         </p:nvSpPr>
+        <p:spPr>
+          <a:xfrm>
+            <a:off x="457200" y="1371600"/>
+            <a:ext cx="8229600" cy="4754563"/>
+          </a:xfrm>
+        </p:spPr>
+        <p:txBody>
+          <a:bodyPr>
+            <a:normAutofit fontScale="25000" lnSpcReduction="20000"/>
+          </a:bodyPr>
+          <a:lstStyle/>
+          <a:p>
+            <a:pPr marL="0" indent="0">
+              <a:buNone/>
+            </a:pPr>
+            <a:r>
+              <a:rPr lang="en-US" sz="5200" b="1" dirty="0" smtClean="0"/>
+              <a:t>User Stories</a:t>
+            </a:r>
+            <a:endParaRPr lang="en-US" sz="5200" b="1" dirty="0"/>
+          </a:p>
+          <a:p>
+            <a:r>
+              <a:rPr lang="en-US" sz="5200" dirty="0"/>
+              <a:t>As a customer with a telecom that uses Innovative Systems products, I want to change information on my account &lt;change email, change password&gt; from my &lt;iOS device, Android device&gt;. </a:t>
+            </a:r>
+          </a:p>
+          <a:p>
+            <a:r>
+              <a:rPr lang="en-US" sz="5200" dirty="0" smtClean="0"/>
+              <a:t>As </a:t>
+            </a:r>
+            <a:r>
+              <a:rPr lang="en-US" sz="5200" dirty="0"/>
+              <a:t>a customer with a telecom that uses Innovative Systems products, I want to see my &lt;latest, past&gt; invoice for my account from my &lt;iOS device, Android device&gt;. </a:t>
+            </a:r>
+          </a:p>
+          <a:p>
+            <a:r>
+              <a:rPr lang="en-US" sz="5200" dirty="0" smtClean="0"/>
+              <a:t>As </a:t>
+            </a:r>
+            <a:r>
+              <a:rPr lang="en-US" sz="5200" dirty="0"/>
+              <a:t>a customer with a telecom that uses Innovative Systems products, I want to see a summary of </a:t>
+            </a:r>
+            <a:r>
+              <a:rPr lang="en-US" sz="5200" dirty="0" smtClean="0"/>
+              <a:t>my </a:t>
+            </a:r>
+            <a:r>
+              <a:rPr lang="en-US" sz="5200" dirty="0"/>
+              <a:t>service for </a:t>
+            </a:r>
+            <a:r>
+              <a:rPr lang="en-US" sz="5200" dirty="0" smtClean="0"/>
+              <a:t>my </a:t>
+            </a:r>
+            <a:r>
+              <a:rPr lang="en-US" sz="5200" dirty="0"/>
+              <a:t>account from </a:t>
+            </a:r>
+            <a:r>
+              <a:rPr lang="en-US" sz="5200" dirty="0" smtClean="0"/>
+              <a:t>my </a:t>
+            </a:r>
+            <a:r>
+              <a:rPr lang="en-US" sz="5200" dirty="0"/>
+              <a:t>&lt;iOS device, Android device&gt;. </a:t>
+            </a:r>
+          </a:p>
+          <a:p>
+            <a:r>
+              <a:rPr lang="en-US" sz="5200" dirty="0" smtClean="0"/>
+              <a:t>As </a:t>
+            </a:r>
+            <a:r>
+              <a:rPr lang="en-US" sz="5200" dirty="0"/>
+              <a:t>a customer with a telecom that uses Innovative Systems products, I want to see the current balance for my account from my &lt;iOS device, Android device&gt;. </a:t>
+            </a:r>
+          </a:p>
+          <a:p>
+            <a:r>
+              <a:rPr lang="en-US" sz="5200" dirty="0" smtClean="0"/>
+              <a:t>As </a:t>
+            </a:r>
+            <a:r>
+              <a:rPr lang="en-US" sz="5200" dirty="0"/>
+              <a:t>a customer with a telecom that uses Innovative Systems products, I want to make a payment on my balance for my account from my &lt;iOS device, Android device&gt;. </a:t>
+            </a:r>
+          </a:p>
+          <a:p>
+            <a:r>
+              <a:rPr lang="en-US" sz="5200" dirty="0" smtClean="0"/>
+              <a:t>As </a:t>
+            </a:r>
+            <a:r>
+              <a:rPr lang="en-US" sz="5200" dirty="0"/>
+              <a:t>a customer with a telecom that uses Innovative Systems products, I want to set up recurring payments for my account from my &lt;iOS device, Android device&gt;. </a:t>
+            </a:r>
+          </a:p>
+          <a:p>
+            <a:pPr marL="0" indent="0">
+              <a:buNone/>
+            </a:pPr>
+            <a:endParaRPr lang="en-US" sz="5200" dirty="0" smtClean="0"/>
+          </a:p>
+          <a:p>
+            <a:pPr marL="0" indent="0">
+              <a:buNone/>
+            </a:pPr>
+            <a:r>
+              <a:rPr lang="en-US" sz="5200" b="1" dirty="0" smtClean="0"/>
+              <a:t>Business User Stories</a:t>
+            </a:r>
+          </a:p>
+          <a:p>
+            <a:r>
+              <a:rPr lang="en-US" sz="5200" dirty="0" smtClean="0"/>
+              <a:t>As </a:t>
+            </a:r>
+            <a:r>
+              <a:rPr lang="en-US" sz="5200" dirty="0"/>
+              <a:t>a customer with a telecom that uses Innovative Systems products, I want to get contact information for the support for my company from my &lt;iOS device, Android device&gt;. </a:t>
+            </a:r>
+          </a:p>
+          <a:p>
+            <a:r>
+              <a:rPr lang="en-US" sz="5200" dirty="0"/>
+              <a:t>As a customer with a telecom that uses Innovative Systems products, I have multiple accounts for both my business and my home with the same telecom. I want to be able to easily access the mobile application for both accounts from my &lt;iOS device, Android device&gt;.</a:t>
+            </a:r>
+          </a:p>
+          <a:p>
+            <a:r>
+              <a:rPr lang="en-US" sz="5200" dirty="0"/>
+              <a:t>As a telecom that uses Innovative Systems products, I want my customers to see a banner that displays my telecom’s name on the mobile apps that my customers use to check their account information.  </a:t>
+            </a:r>
+          </a:p>
+          <a:p>
+            <a:pPr marL="0" indent="0">
+              <a:buNone/>
+            </a:pPr>
+            <a:endParaRPr lang="en-US" b="1" dirty="0"/>
+          </a:p>
+        </p:txBody>
+      </p:sp>
+      <p:sp>
+        <p:nvSpPr>
+          <p:cNvPr id="2" name="Title 1"/>
+          <p:cNvSpPr>
+            <a:spLocks noGrp="1"/>
+          </p:cNvSpPr>
+          <p:nvPr>
+            <p:ph type="title"/>
+          </p:nvPr>
+        </p:nvSpPr>
         <p:spPr/>
         <p:txBody>
           <a:bodyPr/>
@@ -5031,79 +7646,7 @@
           <a:p>
             <a:r>
               <a:rPr lang="en-US" dirty="0" smtClean="0"/>
-              <a:t>Multi-platform Applications</a:t>
-            </a:r>
-          </a:p>
-          <a:p>
-            <a:pPr lvl="1"/>
-            <a:r>
-              <a:rPr lang="en-US" dirty="0" smtClean="0"/>
-              <a:t>Similar Interface</a:t>
-            </a:r>
-          </a:p>
-          <a:p>
-            <a:pPr lvl="1"/>
-            <a:r>
-              <a:rPr lang="en-US" dirty="0" smtClean="0"/>
-              <a:t>Different Languages</a:t>
-            </a:r>
-          </a:p>
-          <a:p>
-            <a:pPr lvl="1"/>
-            <a:r>
-              <a:rPr lang="en-US" dirty="0" smtClean="0"/>
-              <a:t>Different Devices</a:t>
-            </a:r>
-          </a:p>
-          <a:p>
-            <a:r>
-              <a:rPr lang="en-US" dirty="0" smtClean="0"/>
-              <a:t>Interfacing with existing </a:t>
-            </a:r>
-            <a:r>
-              <a:rPr lang="en-US" dirty="0" smtClean="0"/>
-              <a:t>services</a:t>
-            </a:r>
-          </a:p>
-          <a:p>
-            <a:r>
-              <a:rPr lang="en-US" dirty="0" smtClean="0"/>
-              <a:t>PDF display </a:t>
-            </a:r>
-            <a:r>
-              <a:rPr lang="en-US" smtClean="0"/>
-              <a:t>and usage</a:t>
-            </a:r>
-            <a:endParaRPr lang="en-US" dirty="0" smtClean="0"/>
-          </a:p>
-          <a:p>
-            <a:endParaRPr lang="en-US" dirty="0" smtClean="0"/>
-          </a:p>
-          <a:p>
-            <a:endParaRPr lang="en-US" dirty="0"/>
-          </a:p>
-        </p:txBody>
-      </p:sp>
-      <p:sp>
-        <p:nvSpPr>
-          <p:cNvPr id="2" name="Title 1"/>
-          <p:cNvSpPr>
-            <a:spLocks noGrp="1"/>
-          </p:cNvSpPr>
-          <p:nvPr>
-            <p:ph type="title"/>
-          </p:nvPr>
-        </p:nvSpPr>
-        <p:spPr/>
-        <p:txBody>
-          <a:bodyPr>
-            <a:normAutofit/>
-          </a:bodyPr>
-          <a:lstStyle/>
-          <a:p>
-            <a:r>
-              <a:rPr lang="en-US" dirty="0" smtClean="0"/>
-              <a:t>Challenges</a:t>
+              <a:t>User Stories</a:t>
             </a:r>
             <a:endParaRPr lang="en-US" dirty="0"/>
           </a:p>
@@ -5112,7 +7655,7 @@
     </p:spTree>
     <p:extLst>
       <p:ext uri="{BB962C8B-B14F-4D97-AF65-F5344CB8AC3E}">
-        <p14:creationId xmlns:p14="http://schemas.microsoft.com/office/powerpoint/2010/main" val="833479865"/>
+        <p14:creationId xmlns:p14="http://schemas.microsoft.com/office/powerpoint/2010/main" val="4133024121"/>
       </p:ext>
     </p:extLst>
   </p:cSld>
@@ -5141,7 +7684,7 @@
       </p:grpSpPr>
       <p:sp>
         <p:nvSpPr>
-          <p:cNvPr id="3" name="Content Placeholder 2"/>
+          <p:cNvPr id="2" name="Content Placeholder 1"/>
           <p:cNvSpPr>
             <a:spLocks noGrp="1"/>
           </p:cNvSpPr>
@@ -5149,211 +7692,97 @@
             <p:ph idx="1"/>
           </p:nvPr>
         </p:nvSpPr>
-        <p:spPr>
-          <a:xfrm>
-            <a:off x="457200" y="1371600"/>
-            <a:ext cx="8229600" cy="4754563"/>
-          </a:xfrm>
-        </p:spPr>
+        <p:spPr/>
         <p:txBody>
           <a:bodyPr>
-            <a:normAutofit fontScale="25000" lnSpcReduction="20000"/>
+            <a:normAutofit lnSpcReduction="10000"/>
           </a:bodyPr>
           <a:lstStyle/>
           <a:p>
-            <a:pPr marL="0" indent="0">
-              <a:buNone/>
+            <a:pPr>
+              <a:lnSpc>
+                <a:spcPct val="150000"/>
+              </a:lnSpc>
             </a:pPr>
             <a:r>
-              <a:rPr lang="en-US" sz="5200" b="1" dirty="0" smtClean="0"/>
-              <a:t>User Stories</a:t>
-            </a:r>
-            <a:endParaRPr lang="en-US" sz="5200" b="1" dirty="0"/>
-          </a:p>
-          <a:p>
-            <a:r>
-              <a:rPr lang="en-US" sz="5200" dirty="0"/>
-              <a:t>As a customer with a telecom that uses Innovative Systems products, I want to change information on my account &lt;change email, change password&gt; from my &lt;</a:t>
-            </a:r>
-            <a:r>
-              <a:rPr lang="en-US" sz="5200" dirty="0" err="1"/>
-              <a:t>iOS</a:t>
-            </a:r>
-            <a:r>
-              <a:rPr lang="en-US" sz="5200" dirty="0"/>
-              <a:t> device, Android device&gt;. </a:t>
-            </a:r>
-          </a:p>
-          <a:p>
-            <a:r>
-              <a:rPr lang="en-US" sz="5200" dirty="0" smtClean="0"/>
-              <a:t>As </a:t>
-            </a:r>
-            <a:r>
-              <a:rPr lang="en-US" sz="5200" dirty="0"/>
-              <a:t>a customer with a telecom that uses Innovative Systems products, I want to see my &lt;latest, past&gt; invoice for my account from my &lt;</a:t>
-            </a:r>
-            <a:r>
-              <a:rPr lang="en-US" sz="5200" dirty="0" err="1"/>
-              <a:t>iOS</a:t>
-            </a:r>
-            <a:r>
-              <a:rPr lang="en-US" sz="5200" dirty="0"/>
-              <a:t> device, Android device&gt;. </a:t>
-            </a:r>
-          </a:p>
-          <a:p>
-            <a:r>
-              <a:rPr lang="en-US" sz="5200" dirty="0" smtClean="0"/>
-              <a:t>As </a:t>
-            </a:r>
-            <a:r>
-              <a:rPr lang="en-US" sz="5200" dirty="0"/>
-              <a:t>a customer with a telecom that uses Innovative Systems products, I want to see a summary of </a:t>
-            </a:r>
-            <a:r>
-              <a:rPr lang="en-US" sz="5200" dirty="0" smtClean="0"/>
-              <a:t>my </a:t>
-            </a:r>
-            <a:r>
-              <a:rPr lang="en-US" sz="5200" dirty="0"/>
-              <a:t>service for </a:t>
-            </a:r>
-            <a:r>
-              <a:rPr lang="en-US" sz="5200" dirty="0" smtClean="0"/>
-              <a:t>my </a:t>
-            </a:r>
-            <a:r>
-              <a:rPr lang="en-US" sz="5200" dirty="0"/>
-              <a:t>account from </a:t>
-            </a:r>
-            <a:r>
-              <a:rPr lang="en-US" sz="5200" dirty="0" smtClean="0"/>
-              <a:t>my </a:t>
-            </a:r>
-            <a:r>
-              <a:rPr lang="en-US" sz="5200" dirty="0"/>
-              <a:t>&lt;iOS device, Android device&gt;. </a:t>
-            </a:r>
-          </a:p>
-          <a:p>
-            <a:r>
-              <a:rPr lang="en-US" sz="5200" dirty="0" smtClean="0"/>
-              <a:t>As </a:t>
-            </a:r>
-            <a:r>
-              <a:rPr lang="en-US" sz="5200" dirty="0"/>
-              <a:t>a customer with a telecom that uses Innovative Systems products, I want to see the current balance for my account from my &lt;</a:t>
-            </a:r>
-            <a:r>
-              <a:rPr lang="en-US" sz="5200" dirty="0" err="1"/>
-              <a:t>iOS</a:t>
-            </a:r>
-            <a:r>
-              <a:rPr lang="en-US" sz="5200" dirty="0"/>
-              <a:t> device, Android device&gt;. </a:t>
-            </a:r>
-          </a:p>
-          <a:p>
-            <a:r>
-              <a:rPr lang="en-US" sz="5200" dirty="0" smtClean="0"/>
-              <a:t>As </a:t>
-            </a:r>
-            <a:r>
-              <a:rPr lang="en-US" sz="5200" dirty="0"/>
-              <a:t>a customer with a telecom that uses Innovative Systems products, I want to make a payment on my balance for my account from my &lt;</a:t>
-            </a:r>
-            <a:r>
-              <a:rPr lang="en-US" sz="5200" dirty="0" err="1"/>
-              <a:t>iOS</a:t>
-            </a:r>
-            <a:r>
-              <a:rPr lang="en-US" sz="5200" dirty="0"/>
-              <a:t> device, Android device&gt;. </a:t>
-            </a:r>
-          </a:p>
-          <a:p>
-            <a:r>
-              <a:rPr lang="en-US" sz="5200" dirty="0" smtClean="0"/>
-              <a:t>As </a:t>
-            </a:r>
-            <a:r>
-              <a:rPr lang="en-US" sz="5200" dirty="0"/>
-              <a:t>a customer with a telecom that uses Innovative Systems products, I want to set up recurring payments for my account from my &lt;</a:t>
-            </a:r>
-            <a:r>
-              <a:rPr lang="en-US" sz="5200" dirty="0" err="1"/>
-              <a:t>iOS</a:t>
-            </a:r>
-            <a:r>
-              <a:rPr lang="en-US" sz="5200" dirty="0"/>
-              <a:t> device, Android device&gt;. </a:t>
-            </a:r>
-          </a:p>
-          <a:p>
-            <a:pPr marL="0" indent="0">
-              <a:buNone/>
+              <a:rPr lang="en-US" dirty="0" smtClean="0"/>
+              <a:t>API Work</a:t>
+            </a:r>
+          </a:p>
+          <a:p>
+            <a:pPr>
+              <a:lnSpc>
+                <a:spcPct val="150000"/>
+              </a:lnSpc>
             </a:pPr>
-            <a:endParaRPr lang="en-US" sz="5200" dirty="0" smtClean="0"/>
-          </a:p>
-          <a:p>
-            <a:pPr marL="0" indent="0">
-              <a:buNone/>
+            <a:r>
+              <a:rPr lang="en-US" dirty="0" smtClean="0"/>
+              <a:t>Device UI Work</a:t>
+            </a:r>
+          </a:p>
+          <a:p>
+            <a:pPr>
+              <a:lnSpc>
+                <a:spcPct val="150000"/>
+              </a:lnSpc>
             </a:pPr>
             <a:r>
-              <a:rPr lang="en-US" sz="5200" b="1" dirty="0" smtClean="0"/>
-              <a:t>Business User Stories</a:t>
-            </a:r>
-          </a:p>
-          <a:p>
-            <a:r>
-              <a:rPr lang="en-US" sz="5200" dirty="0" smtClean="0"/>
-              <a:t>As </a:t>
-            </a:r>
-            <a:r>
-              <a:rPr lang="en-US" sz="5200" dirty="0"/>
-              <a:t>a customer with a telecom that uses Innovative Systems products, I want to get contact information for the support for my company from my &lt;</a:t>
-            </a:r>
-            <a:r>
-              <a:rPr lang="en-US" sz="5200" dirty="0" err="1"/>
-              <a:t>iOS</a:t>
-            </a:r>
-            <a:r>
-              <a:rPr lang="en-US" sz="5200" dirty="0"/>
-              <a:t> device, Android device&gt;. </a:t>
-            </a:r>
-          </a:p>
-          <a:p>
-            <a:r>
-              <a:rPr lang="en-US" sz="5200" dirty="0"/>
-              <a:t>As a customer with a telecom that uses Innovative Systems products, I have multiple accounts for both my business and my home with the same telecom. I want to be able to easily access the mobile application for both accounts from my &lt;</a:t>
-            </a:r>
-            <a:r>
-              <a:rPr lang="en-US" sz="5200" dirty="0" err="1"/>
-              <a:t>iOS</a:t>
-            </a:r>
-            <a:r>
-              <a:rPr lang="en-US" sz="5200" dirty="0"/>
-              <a:t> device, Android device&gt;.</a:t>
-            </a:r>
-          </a:p>
-          <a:p>
-            <a:r>
-              <a:rPr lang="en-US" sz="5200" dirty="0"/>
-              <a:t>As a telecom that uses Innovative Systems products, I want my customers to see a banner that displays my telecom’s name on the mobile apps that my customers use to check their account information.  </a:t>
-            </a:r>
-          </a:p>
-          <a:p>
-            <a:pPr marL="0" indent="0">
-              <a:buNone/>
+              <a:rPr lang="en-US" dirty="0" smtClean="0"/>
+              <a:t>Device UI Back End</a:t>
+            </a:r>
+          </a:p>
+          <a:p>
+            <a:pPr>
+              <a:lnSpc>
+                <a:spcPct val="150000"/>
+              </a:lnSpc>
             </a:pPr>
-            <a:endParaRPr lang="en-US" b="1" dirty="0"/>
-          </a:p>
-        </p:txBody>
-      </p:sp>
-      <p:sp>
-        <p:nvSpPr>
-          <p:cNvPr id="2" name="Title 1"/>
+            <a:r>
+              <a:rPr lang="en-US" dirty="0" smtClean="0"/>
+              <a:t>Database</a:t>
+            </a:r>
+          </a:p>
+          <a:p>
+            <a:pPr>
+              <a:lnSpc>
+                <a:spcPct val="150000"/>
+              </a:lnSpc>
+            </a:pPr>
+            <a:r>
+              <a:rPr lang="en-US" dirty="0" smtClean="0"/>
+              <a:t>Sign In</a:t>
+            </a:r>
+          </a:p>
+          <a:p>
+            <a:pPr>
+              <a:lnSpc>
+                <a:spcPct val="150000"/>
+              </a:lnSpc>
+            </a:pPr>
+            <a:r>
+              <a:rPr lang="en-US" dirty="0" smtClean="0"/>
+              <a:t>Logging</a:t>
+            </a:r>
+          </a:p>
+          <a:p>
+            <a:pPr>
+              <a:lnSpc>
+                <a:spcPct val="150000"/>
+              </a:lnSpc>
+            </a:pPr>
+            <a:r>
+              <a:rPr lang="en-US" dirty="0" smtClean="0"/>
+              <a:t>PDF Implementation</a:t>
+            </a:r>
+          </a:p>
+          <a:p>
+            <a:endParaRPr lang="en-US" dirty="0"/>
+          </a:p>
+        </p:txBody>
+      </p:sp>
+      <p:sp>
+        <p:nvSpPr>
+          <p:cNvPr id="3" name="Title 2"/>
           <p:cNvSpPr>
             <a:spLocks noGrp="1"/>
           </p:cNvSpPr>
@@ -5368,7 +7797,7 @@
           <a:p>
             <a:r>
               <a:rPr lang="en-US" dirty="0" smtClean="0"/>
-              <a:t>User Stories</a:t>
+              <a:t>Backlog Categories</a:t>
             </a:r>
             <a:endParaRPr lang="en-US" dirty="0"/>
           </a:p>
@@ -5377,7 +7806,7 @@
     </p:spTree>
     <p:extLst>
       <p:ext uri="{BB962C8B-B14F-4D97-AF65-F5344CB8AC3E}">
-        <p14:creationId xmlns:p14="http://schemas.microsoft.com/office/powerpoint/2010/main" val="4133024121"/>
+        <p14:creationId xmlns:p14="http://schemas.microsoft.com/office/powerpoint/2010/main" val="1361770904"/>
       </p:ext>
     </p:extLst>
   </p:cSld>
@@ -5406,7 +7835,7 @@
       </p:grpSpPr>
       <p:sp>
         <p:nvSpPr>
-          <p:cNvPr id="2" name="Content Placeholder 1"/>
+          <p:cNvPr id="3" name="Content Placeholder 2"/>
           <p:cNvSpPr>
             <a:spLocks noGrp="1"/>
           </p:cNvSpPr>
@@ -5417,127 +7846,130 @@
         <p:spPr/>
         <p:txBody>
           <a:bodyPr>
-            <a:normAutofit fontScale="92500" lnSpcReduction="10000"/>
+            <a:normAutofit fontScale="92500" lnSpcReduction="20000"/>
           </a:bodyPr>
           <a:lstStyle/>
           <a:p>
+            <a:pPr>
+              <a:lnSpc>
+                <a:spcPct val="160000"/>
+              </a:lnSpc>
+            </a:pPr>
             <a:r>
               <a:rPr lang="en-US" dirty="0" smtClean="0"/>
-              <a:t>Using two Mac’s and one PC for development</a:t>
-            </a:r>
-          </a:p>
-          <a:p>
+              <a:t>Multi-platform Applications</a:t>
+            </a:r>
+          </a:p>
+          <a:p>
+            <a:pPr lvl="1">
+              <a:lnSpc>
+                <a:spcPct val="160000"/>
+              </a:lnSpc>
+            </a:pPr>
             <a:r>
               <a:rPr lang="en-US" dirty="0" smtClean="0"/>
-              <a:t>Android</a:t>
-            </a:r>
-          </a:p>
-          <a:p>
-            <a:pPr lvl="1"/>
+              <a:t>Similar Interface</a:t>
+            </a:r>
+          </a:p>
+          <a:p>
+            <a:pPr lvl="1">
+              <a:lnSpc>
+                <a:spcPct val="160000"/>
+              </a:lnSpc>
+            </a:pPr>
             <a:r>
               <a:rPr lang="en-US" dirty="0" smtClean="0"/>
-              <a:t>Eclipse, Android SDK</a:t>
-            </a:r>
-          </a:p>
-          <a:p>
-            <a:pPr lvl="1"/>
+              <a:t>Different Languages</a:t>
+            </a:r>
+          </a:p>
+          <a:p>
+            <a:pPr lvl="1">
+              <a:lnSpc>
+                <a:spcPct val="160000"/>
+              </a:lnSpc>
+            </a:pPr>
             <a:r>
               <a:rPr lang="en-US" dirty="0" smtClean="0"/>
-              <a:t>Samsung Galaxy SIII, Nexus 7</a:t>
-            </a:r>
-          </a:p>
-          <a:p>
-            <a:r>
-              <a:rPr lang="en-US" dirty="0" err="1" smtClean="0"/>
-              <a:t>iOS</a:t>
-            </a:r>
+              <a:t>Different Devices</a:t>
+            </a:r>
+          </a:p>
+          <a:p>
+            <a:pPr>
+              <a:lnSpc>
+                <a:spcPct val="160000"/>
+              </a:lnSpc>
+            </a:pPr>
+            <a:r>
+              <a:rPr lang="en-US" dirty="0" smtClean="0"/>
+              <a:t>Interfacing with existing services</a:t>
+            </a:r>
+          </a:p>
+          <a:p>
+            <a:pPr>
+              <a:lnSpc>
+                <a:spcPct val="160000"/>
+              </a:lnSpc>
+            </a:pPr>
+            <a:r>
+              <a:rPr lang="en-US" dirty="0" smtClean="0"/>
+              <a:t>PDF display and </a:t>
+            </a:r>
+            <a:r>
+              <a:rPr lang="en-US" dirty="0" smtClean="0"/>
+              <a:t>usage</a:t>
+            </a:r>
+          </a:p>
+          <a:p>
+            <a:pPr>
+              <a:lnSpc>
+                <a:spcPct val="160000"/>
+              </a:lnSpc>
+            </a:pPr>
+            <a:r>
+              <a:rPr lang="en-US" dirty="0" smtClean="0"/>
+              <a:t>Multiple Account handling</a:t>
+            </a:r>
+          </a:p>
+          <a:p>
+            <a:pPr>
+              <a:lnSpc>
+                <a:spcPct val="160000"/>
+              </a:lnSpc>
+            </a:pPr>
+            <a:r>
+              <a:rPr lang="en-US" dirty="0" smtClean="0"/>
+              <a:t>Tablet and Mobile Device Compatibility</a:t>
+            </a:r>
+            <a:endParaRPr lang="en-US" dirty="0" smtClean="0"/>
+          </a:p>
+          <a:p>
+            <a:endParaRPr lang="en-US" dirty="0" smtClean="0"/>
+          </a:p>
+          <a:p>
             <a:endParaRPr lang="en-US" dirty="0"/>
           </a:p>
-          <a:p>
-            <a:pPr lvl="1"/>
-            <a:r>
-              <a:rPr lang="en-US" dirty="0" err="1" smtClean="0"/>
-              <a:t>Xcode</a:t>
-            </a:r>
+        </p:txBody>
+      </p:sp>
+      <p:sp>
+        <p:nvSpPr>
+          <p:cNvPr id="2" name="Title 1"/>
+          <p:cNvSpPr>
+            <a:spLocks noGrp="1"/>
+          </p:cNvSpPr>
+          <p:nvPr>
+            <p:ph type="title"/>
+          </p:nvPr>
+        </p:nvSpPr>
+        <p:spPr/>
+        <p:txBody>
+          <a:bodyPr>
+            <a:normAutofit/>
+          </a:bodyPr>
+          <a:lstStyle/>
+          <a:p>
             <a:r>
               <a:rPr lang="en-US" dirty="0" smtClean="0"/>
-              <a:t>, </a:t>
-            </a:r>
-            <a:r>
-              <a:rPr lang="en-US" dirty="0" err="1" smtClean="0"/>
-              <a:t>StoryBoard</a:t>
-            </a:r>
-            <a:endParaRPr lang="en-US" dirty="0" smtClean="0"/>
-          </a:p>
-          <a:p>
-            <a:pPr lvl="1"/>
-            <a:r>
-              <a:rPr lang="en-US" dirty="0" smtClean="0"/>
-              <a:t>iPod, </a:t>
-            </a:r>
-            <a:r>
-              <a:rPr lang="en-US" dirty="0" err="1" smtClean="0"/>
-              <a:t>iPad</a:t>
-            </a:r>
-            <a:endParaRPr lang="en-US" dirty="0"/>
-          </a:p>
-          <a:p>
-            <a:r>
-              <a:rPr lang="en-US" dirty="0" smtClean="0"/>
-              <a:t>Web Service</a:t>
-            </a:r>
-          </a:p>
-          <a:p>
-            <a:pPr lvl="1"/>
-            <a:r>
-              <a:rPr lang="en-US" dirty="0" smtClean="0"/>
-              <a:t>API</a:t>
-            </a:r>
-          </a:p>
-          <a:p>
-            <a:r>
-              <a:rPr lang="en-US" dirty="0" smtClean="0"/>
-              <a:t>Repositories</a:t>
-            </a:r>
-          </a:p>
-          <a:p>
-            <a:pPr lvl="1"/>
-            <a:r>
-              <a:rPr lang="en-US" dirty="0" smtClean="0"/>
-              <a:t>Versions SVN: Code Repository</a:t>
-            </a:r>
-          </a:p>
-          <a:p>
-            <a:pPr lvl="1"/>
-            <a:r>
-              <a:rPr lang="en-US" dirty="0" err="1" smtClean="0"/>
-              <a:t>GitHub</a:t>
-            </a:r>
-            <a:r>
-              <a:rPr lang="en-US" dirty="0" smtClean="0"/>
-              <a:t>: Documentation</a:t>
-            </a:r>
-          </a:p>
-        </p:txBody>
-      </p:sp>
-      <p:sp>
-        <p:nvSpPr>
-          <p:cNvPr id="3" name="Title 2"/>
-          <p:cNvSpPr>
-            <a:spLocks noGrp="1"/>
-          </p:cNvSpPr>
-          <p:nvPr>
-            <p:ph type="title"/>
-          </p:nvPr>
-        </p:nvSpPr>
-        <p:spPr/>
-        <p:txBody>
-          <a:bodyPr/>
-          <a:lstStyle/>
-          <a:p>
-            <a:r>
-              <a:rPr lang="en-US" dirty="0" smtClean="0"/>
-              <a:t>Tools</a:t>
+              <a:t>Challenges</a:t>
             </a:r>
             <a:endParaRPr lang="en-US" dirty="0"/>
           </a:p>
@@ -5546,13 +7978,20 @@
     </p:spTree>
     <p:extLst>
       <p:ext uri="{BB962C8B-B14F-4D97-AF65-F5344CB8AC3E}">
-        <p14:creationId xmlns:p14="http://schemas.microsoft.com/office/powerpoint/2010/main" val="3643224477"/>
+        <p14:creationId xmlns:p14="http://schemas.microsoft.com/office/powerpoint/2010/main" val="833479865"/>
       </p:ext>
     </p:extLst>
   </p:cSld>
   <p:clrMapOvr>
     <a:masterClrMapping/>
   </p:clrMapOvr>
+  <p:timing>
+    <p:tnLst>
+      <p:par>
+        <p:cTn id="1" dur="indefinite" restart="never" nodeType="tmRoot"/>
+      </p:par>
+    </p:tnLst>
+  </p:timing>
 </p:sld>
 </file>
 
@@ -5575,7 +8014,7 @@
       </p:grpSpPr>
       <p:sp>
         <p:nvSpPr>
-          <p:cNvPr id="3" name="Content Placeholder 2"/>
+          <p:cNvPr id="2" name="Content Placeholder 1"/>
           <p:cNvSpPr>
             <a:spLocks noGrp="1"/>
           </p:cNvSpPr>
@@ -5585,205 +8024,26 @@
         </p:nvSpPr>
         <p:spPr>
           <a:xfrm>
-            <a:off x="457200" y="1447800"/>
-            <a:ext cx="8229600" cy="4678363"/>
+            <a:off x="457200" y="1481329"/>
+            <a:ext cx="8229600" cy="957072"/>
           </a:xfrm>
         </p:spPr>
         <p:txBody>
           <a:bodyPr>
-            <a:normAutofit fontScale="62500" lnSpcReduction="20000"/>
+            <a:normAutofit/>
           </a:bodyPr>
           <a:lstStyle/>
           <a:p>
-            <a:pPr marL="0" indent="0">
-              <a:buNone/>
-            </a:pPr>
-            <a:r>
-              <a:rPr lang="en-US" b="1" dirty="0" smtClean="0"/>
-              <a:t>Sprint </a:t>
-            </a:r>
-            <a:r>
-              <a:rPr lang="en-US" b="1" dirty="0"/>
-              <a:t>1: September 19, 2012 – October 3, 2012</a:t>
-            </a:r>
-          </a:p>
-          <a:p>
-            <a:pPr lvl="0"/>
-            <a:r>
-              <a:rPr lang="en-US" dirty="0"/>
-              <a:t>Environment Setup</a:t>
-            </a:r>
-          </a:p>
-          <a:p>
-            <a:pPr lvl="1"/>
-            <a:r>
-              <a:rPr lang="en-US" dirty="0"/>
-              <a:t>Set up IDEs on Mac, Windows</a:t>
-            </a:r>
-          </a:p>
-          <a:p>
-            <a:pPr lvl="1"/>
-            <a:r>
-              <a:rPr lang="en-US" dirty="0"/>
-              <a:t>Set up code repository</a:t>
-            </a:r>
-          </a:p>
-          <a:p>
-            <a:pPr lvl="0"/>
-            <a:r>
-              <a:rPr lang="en-US" dirty="0"/>
-              <a:t>Development</a:t>
-            </a:r>
-          </a:p>
-          <a:p>
-            <a:pPr lvl="1"/>
-            <a:r>
-              <a:rPr lang="en-US" dirty="0"/>
-              <a:t>Build test SOAP communication to Android and </a:t>
-            </a:r>
-            <a:r>
-              <a:rPr lang="en-US" dirty="0" err="1"/>
-              <a:t>iOS</a:t>
-            </a:r>
-            <a:r>
-              <a:rPr lang="en-US" dirty="0"/>
-              <a:t> devices</a:t>
-            </a:r>
-          </a:p>
-          <a:p>
-            <a:pPr lvl="1"/>
-            <a:r>
-              <a:rPr lang="en-US" dirty="0"/>
-              <a:t>Build Android and </a:t>
-            </a:r>
-            <a:r>
-              <a:rPr lang="en-US" dirty="0" err="1"/>
-              <a:t>iOS</a:t>
-            </a:r>
-            <a:r>
-              <a:rPr lang="en-US" dirty="0"/>
-              <a:t> layout</a:t>
-            </a:r>
-          </a:p>
-          <a:p>
-            <a:pPr lvl="0"/>
-            <a:r>
-              <a:rPr lang="en-US" dirty="0"/>
-              <a:t>Documents</a:t>
-            </a:r>
-          </a:p>
-          <a:p>
-            <a:pPr lvl="1"/>
-            <a:r>
-              <a:rPr lang="en-US" dirty="0"/>
-              <a:t>Team Name</a:t>
-            </a:r>
-          </a:p>
-          <a:p>
-            <a:pPr lvl="1"/>
-            <a:r>
-              <a:rPr lang="en-US" dirty="0"/>
-              <a:t>Design Document</a:t>
-            </a:r>
-          </a:p>
-          <a:p>
-            <a:pPr lvl="1"/>
-            <a:r>
-              <a:rPr lang="en-US" dirty="0"/>
-              <a:t>Software Contract</a:t>
-            </a:r>
-          </a:p>
-          <a:p>
-            <a:pPr lvl="1"/>
-            <a:r>
-              <a:rPr lang="en-US" dirty="0"/>
-              <a:t>Mission Statement</a:t>
-            </a:r>
-          </a:p>
-          <a:p>
-            <a:pPr lvl="1"/>
-            <a:r>
-              <a:rPr lang="en-US" dirty="0"/>
-              <a:t>CONOPS</a:t>
-            </a:r>
-          </a:p>
-          <a:p>
-            <a:pPr lvl="1"/>
-            <a:r>
-              <a:rPr lang="en-US" dirty="0"/>
-              <a:t>User </a:t>
-            </a:r>
             <a:r>
               <a:rPr lang="en-US" dirty="0" smtClean="0"/>
-              <a:t>Stories</a:t>
-            </a:r>
-          </a:p>
-          <a:p>
-            <a:pPr marL="457200" lvl="1" indent="0">
-              <a:buNone/>
-            </a:pPr>
-            <a:endParaRPr lang="en-US" dirty="0"/>
-          </a:p>
-          <a:p>
-            <a:pPr marL="0" indent="0">
-              <a:buNone/>
-            </a:pPr>
-            <a:r>
-              <a:rPr lang="en-US" b="1" dirty="0" smtClean="0"/>
-              <a:t>Sprint </a:t>
-            </a:r>
-            <a:r>
-              <a:rPr lang="en-US" b="1" dirty="0"/>
-              <a:t>2: October 10, 2012 – October 31, 2012</a:t>
-            </a:r>
-          </a:p>
-          <a:p>
-            <a:pPr lvl="0"/>
-            <a:r>
-              <a:rPr lang="en-US" dirty="0"/>
-              <a:t>Environment</a:t>
-            </a:r>
-          </a:p>
-          <a:p>
-            <a:pPr lvl="1"/>
-            <a:r>
-              <a:rPr lang="en-US" dirty="0"/>
-              <a:t>Get </a:t>
-            </a:r>
-            <a:r>
-              <a:rPr lang="en-US" dirty="0" err="1"/>
-              <a:t>eBill</a:t>
-            </a:r>
-            <a:r>
-              <a:rPr lang="en-US" dirty="0"/>
-              <a:t> service installed on local server for testing</a:t>
-            </a:r>
-          </a:p>
-          <a:p>
-            <a:pPr lvl="0"/>
-            <a:r>
-              <a:rPr lang="en-US" dirty="0"/>
-              <a:t>Development</a:t>
-            </a:r>
-          </a:p>
-          <a:p>
-            <a:pPr lvl="0"/>
-            <a:r>
-              <a:rPr lang="en-US" dirty="0"/>
-              <a:t>Documents</a:t>
-            </a:r>
-          </a:p>
-          <a:p>
-            <a:pPr marL="0" indent="0">
-              <a:buNone/>
-            </a:pPr>
-            <a:endParaRPr lang="en-US" dirty="0"/>
-          </a:p>
-        </p:txBody>
-      </p:sp>
-      <p:sp>
-        <p:nvSpPr>
-          <p:cNvPr id="2" name="Title 1"/>
+              <a:t>API Not Complete</a:t>
+            </a:r>
+          </a:p>
+        </p:txBody>
+      </p:sp>
+      <p:sp>
+        <p:nvSpPr>
+          <p:cNvPr id="3" name="Title 2"/>
           <p:cNvSpPr>
             <a:spLocks noGrp="1"/>
           </p:cNvSpPr>
@@ -5791,15 +8051,283 @@
             <p:ph type="title"/>
           </p:nvPr>
         </p:nvSpPr>
-        <p:spPr/>
+        <p:spPr>
+          <a:xfrm>
+            <a:off x="457200" y="274638"/>
+            <a:ext cx="8229600" cy="1143000"/>
+          </a:xfrm>
+        </p:spPr>
         <p:txBody>
           <a:bodyPr/>
           <a:lstStyle/>
           <a:p>
             <a:r>
               <a:rPr lang="en-US" dirty="0" smtClean="0"/>
-              <a:t>Sprints</a:t>
-            </a:r>
+              <a:t>Risks</a:t>
+            </a:r>
+            <a:endParaRPr lang="en-US" dirty="0"/>
+          </a:p>
+        </p:txBody>
+      </p:sp>
+      <p:sp>
+        <p:nvSpPr>
+          <p:cNvPr id="4" name="Title 2"/>
+          <p:cNvSpPr txBox="1">
+            <a:spLocks/>
+          </p:cNvSpPr>
+          <p:nvPr/>
+        </p:nvSpPr>
+        <p:spPr>
+          <a:xfrm>
+            <a:off x="457200" y="2514600"/>
+            <a:ext cx="8229600" cy="1143000"/>
+          </a:xfrm>
+          <a:prstGeom prst="rect">
+            <a:avLst/>
+          </a:prstGeom>
+        </p:spPr>
+        <p:txBody>
+          <a:bodyPr vert="horz" rtlCol="0" anchor="ctr">
+            <a:normAutofit/>
+            <a:scene3d>
+              <a:camera prst="orthographicFront"/>
+              <a:lightRig rig="soft" dir="t"/>
+            </a:scene3d>
+            <a:sp3d prstMaterial="softEdge">
+              <a:bevelT w="25400" h="25400"/>
+            </a:sp3d>
+          </a:bodyPr>
+          <a:lstStyle>
+            <a:lvl1pPr algn="l" rtl="0" eaLnBrk="1" latinLnBrk="0" hangingPunct="1">
+              <a:spcBef>
+                <a:spcPct val="0"/>
+              </a:spcBef>
+              <a:buNone/>
+              <a:defRPr kumimoji="0" sz="4100" b="1" kern="1200">
+                <a:solidFill>
+                  <a:schemeClr val="tx2"/>
+                </a:solidFill>
+                <a:effectLst>
+                  <a:outerShdw blurRad="31750" dist="25400" dir="5400000" algn="tl" rotWithShape="0">
+                    <a:srgbClr val="000000">
+                      <a:alpha val="25000"/>
+                    </a:srgbClr>
+                  </a:outerShdw>
+                </a:effectLst>
+                <a:latin typeface="+mj-lt"/>
+                <a:ea typeface="+mj-ea"/>
+                <a:cs typeface="+mj-cs"/>
+              </a:defRPr>
+            </a:lvl1pPr>
+            <a:extLst/>
+          </a:lstStyle>
+          <a:p>
+            <a:r>
+              <a:rPr lang="en-US" dirty="0" smtClean="0"/>
+              <a:t>Risk Mitigation</a:t>
+            </a:r>
+            <a:endParaRPr lang="en-US" dirty="0"/>
+          </a:p>
+        </p:txBody>
+      </p:sp>
+      <p:sp>
+        <p:nvSpPr>
+          <p:cNvPr id="5" name="Content Placeholder 1"/>
+          <p:cNvSpPr txBox="1">
+            <a:spLocks/>
+          </p:cNvSpPr>
+          <p:nvPr/>
+        </p:nvSpPr>
+        <p:spPr>
+          <a:xfrm>
+            <a:off x="457200" y="3733800"/>
+            <a:ext cx="8229600" cy="957072"/>
+          </a:xfrm>
+          <a:prstGeom prst="rect">
+            <a:avLst/>
+          </a:prstGeom>
+        </p:spPr>
+        <p:txBody>
+          <a:bodyPr vert="horz">
+            <a:normAutofit/>
+          </a:bodyPr>
+          <a:lstStyle>
+            <a:lvl1pPr marL="365760" indent="-256032" algn="l" rtl="0" eaLnBrk="1" latinLnBrk="0" hangingPunct="1">
+              <a:spcBef>
+                <a:spcPts val="400"/>
+              </a:spcBef>
+              <a:spcAft>
+                <a:spcPts val="0"/>
+              </a:spcAft>
+              <a:buClr>
+                <a:schemeClr val="accent1"/>
+              </a:buClr>
+              <a:buSzPct val="68000"/>
+              <a:buFont typeface="Wingdings 3"/>
+              <a:buChar char=""/>
+              <a:defRPr kumimoji="0" sz="2700" kern="1200">
+                <a:solidFill>
+                  <a:schemeClr val="tx1"/>
+                </a:solidFill>
+                <a:latin typeface="+mn-lt"/>
+                <a:ea typeface="+mn-ea"/>
+                <a:cs typeface="+mn-cs"/>
+              </a:defRPr>
+            </a:lvl1pPr>
+            <a:lvl2pPr marL="621792" indent="-228600" algn="l" rtl="0" eaLnBrk="1" latinLnBrk="0" hangingPunct="1">
+              <a:spcBef>
+                <a:spcPts val="324"/>
+              </a:spcBef>
+              <a:buClr>
+                <a:schemeClr val="accent1"/>
+              </a:buClr>
+              <a:buFont typeface="Verdana"/>
+              <a:buChar char="◦"/>
+              <a:defRPr kumimoji="0" sz="2300" kern="1200">
+                <a:solidFill>
+                  <a:schemeClr val="tx1"/>
+                </a:solidFill>
+                <a:latin typeface="+mn-lt"/>
+                <a:ea typeface="+mn-ea"/>
+                <a:cs typeface="+mn-cs"/>
+              </a:defRPr>
+            </a:lvl2pPr>
+            <a:lvl3pPr marL="859536" indent="-228600" algn="l" rtl="0" eaLnBrk="1" latinLnBrk="0" hangingPunct="1">
+              <a:spcBef>
+                <a:spcPts val="350"/>
+              </a:spcBef>
+              <a:buClr>
+                <a:schemeClr val="accent2"/>
+              </a:buClr>
+              <a:buSzPct val="100000"/>
+              <a:buFont typeface="Wingdings 2"/>
+              <a:buChar char=""/>
+              <a:defRPr kumimoji="0" sz="2100" kern="1200">
+                <a:solidFill>
+                  <a:schemeClr val="tx1"/>
+                </a:solidFill>
+                <a:latin typeface="+mn-lt"/>
+                <a:ea typeface="+mn-ea"/>
+                <a:cs typeface="+mn-cs"/>
+              </a:defRPr>
+            </a:lvl3pPr>
+            <a:lvl4pPr marL="1143000" indent="-228600" algn="l" rtl="0" eaLnBrk="1" latinLnBrk="0" hangingPunct="1">
+              <a:spcBef>
+                <a:spcPts val="350"/>
+              </a:spcBef>
+              <a:buClr>
+                <a:schemeClr val="accent2"/>
+              </a:buClr>
+              <a:buFont typeface="Wingdings 2"/>
+              <a:buChar char=""/>
+              <a:defRPr kumimoji="0" sz="1900" kern="1200">
+                <a:solidFill>
+                  <a:schemeClr val="tx1"/>
+                </a:solidFill>
+                <a:latin typeface="+mn-lt"/>
+                <a:ea typeface="+mn-ea"/>
+                <a:cs typeface="+mn-cs"/>
+              </a:defRPr>
+            </a:lvl4pPr>
+            <a:lvl5pPr marL="1371600" indent="-228600" algn="l" rtl="0" eaLnBrk="1" latinLnBrk="0" hangingPunct="1">
+              <a:spcBef>
+                <a:spcPts val="350"/>
+              </a:spcBef>
+              <a:buClr>
+                <a:schemeClr val="accent2"/>
+              </a:buClr>
+              <a:buFont typeface="Wingdings 2"/>
+              <a:buChar char=""/>
+              <a:defRPr kumimoji="0" sz="1800" kern="1200">
+                <a:solidFill>
+                  <a:schemeClr val="tx1"/>
+                </a:solidFill>
+                <a:latin typeface="+mn-lt"/>
+                <a:ea typeface="+mn-ea"/>
+                <a:cs typeface="+mn-cs"/>
+              </a:defRPr>
+            </a:lvl5pPr>
+            <a:lvl6pPr marL="1600200" indent="-228600" algn="l" rtl="0" eaLnBrk="1" latinLnBrk="0" hangingPunct="1">
+              <a:spcBef>
+                <a:spcPts val="350"/>
+              </a:spcBef>
+              <a:buClr>
+                <a:schemeClr val="accent3"/>
+              </a:buClr>
+              <a:buFont typeface="Wingdings 2"/>
+              <a:buChar char=""/>
+              <a:defRPr kumimoji="0" sz="1800" kern="1200">
+                <a:solidFill>
+                  <a:schemeClr val="tx1"/>
+                </a:solidFill>
+                <a:latin typeface="+mn-lt"/>
+                <a:ea typeface="+mn-ea"/>
+                <a:cs typeface="+mn-cs"/>
+              </a:defRPr>
+            </a:lvl6pPr>
+            <a:lvl7pPr marL="1828800" indent="-228600" algn="l" rtl="0" eaLnBrk="1" latinLnBrk="0" hangingPunct="1">
+              <a:spcBef>
+                <a:spcPts val="350"/>
+              </a:spcBef>
+              <a:buClr>
+                <a:schemeClr val="accent3"/>
+              </a:buClr>
+              <a:buFont typeface="Wingdings 2"/>
+              <a:buChar char=""/>
+              <a:defRPr kumimoji="0" sz="1600" kern="1200">
+                <a:solidFill>
+                  <a:schemeClr val="tx1"/>
+                </a:solidFill>
+                <a:latin typeface="+mn-lt"/>
+                <a:ea typeface="+mn-ea"/>
+                <a:cs typeface="+mn-cs"/>
+              </a:defRPr>
+            </a:lvl7pPr>
+            <a:lvl8pPr marL="2057400" indent="-228600" algn="l" rtl="0" eaLnBrk="1" latinLnBrk="0" hangingPunct="1">
+              <a:spcBef>
+                <a:spcPts val="350"/>
+              </a:spcBef>
+              <a:buClr>
+                <a:schemeClr val="accent3"/>
+              </a:buClr>
+              <a:buFont typeface="Wingdings 2"/>
+              <a:buChar char=""/>
+              <a:defRPr kumimoji="0" sz="1600" kern="1200">
+                <a:solidFill>
+                  <a:schemeClr val="tx1"/>
+                </a:solidFill>
+                <a:latin typeface="+mn-lt"/>
+                <a:ea typeface="+mn-ea"/>
+                <a:cs typeface="+mn-cs"/>
+              </a:defRPr>
+            </a:lvl8pPr>
+            <a:lvl9pPr marL="2286000" indent="-228600" algn="l" rtl="0" eaLnBrk="1" latinLnBrk="0" hangingPunct="1">
+              <a:spcBef>
+                <a:spcPts val="350"/>
+              </a:spcBef>
+              <a:buClr>
+                <a:schemeClr val="accent3"/>
+              </a:buClr>
+              <a:buFont typeface="Wingdings 2"/>
+              <a:buChar char=""/>
+              <a:defRPr kumimoji="0" sz="1600" kern="1200" baseline="0">
+                <a:solidFill>
+                  <a:schemeClr val="tx1"/>
+                </a:solidFill>
+                <a:latin typeface="+mn-lt"/>
+                <a:ea typeface="+mn-ea"/>
+                <a:cs typeface="+mn-cs"/>
+              </a:defRPr>
+            </a:lvl9pPr>
+            <a:extLst/>
+          </a:lstStyle>
+          <a:p>
+            <a:r>
+              <a:rPr lang="en-US" dirty="0" smtClean="0"/>
+              <a:t>Weekly communication with API Team</a:t>
+            </a:r>
+          </a:p>
+          <a:p>
             <a:endParaRPr lang="en-US" dirty="0"/>
           </a:p>
         </p:txBody>
@@ -5807,20 +8335,13 @@
     </p:spTree>
     <p:extLst>
       <p:ext uri="{BB962C8B-B14F-4D97-AF65-F5344CB8AC3E}">
-        <p14:creationId xmlns:p14="http://schemas.microsoft.com/office/powerpoint/2010/main" val="1540282650"/>
+        <p14:creationId xmlns:p14="http://schemas.microsoft.com/office/powerpoint/2010/main" val="125723781"/>
       </p:ext>
     </p:extLst>
   </p:cSld>
   <p:clrMapOvr>
     <a:masterClrMapping/>
   </p:clrMapOvr>
-  <p:timing>
-    <p:tnLst>
-      <p:par>
-        <p:cTn id="1" dur="indefinite" restart="never" nodeType="tmRoot"/>
-      </p:par>
-    </p:tnLst>
-  </p:timing>
 </p:sld>
 </file>
 
@@ -5841,6 +8362,36 @@
           <a:chExt cx="0" cy="0"/>
         </a:xfrm>
       </p:grpSpPr>
+      <p:pic>
+        <p:nvPicPr>
+          <p:cNvPr id="4" name="Picture 3"/>
+          <p:cNvPicPr>
+            <a:picLocks noChangeAspect="1"/>
+          </p:cNvPicPr>
+          <p:nvPr/>
+        </p:nvPicPr>
+        <p:blipFill>
+          <a:blip r:embed="rId3">
+            <a:extLst>
+              <a:ext uri="{28A0092B-C50C-407E-A947-70E740481C1C}">
+                <a14:useLocalDpi xmlns:a14="http://schemas.microsoft.com/office/drawing/2010/main" val="0"/>
+              </a:ext>
+            </a:extLst>
+          </a:blip>
+          <a:stretch>
+            <a:fillRect/>
+          </a:stretch>
+        </p:blipFill>
+        <p:spPr>
+          <a:xfrm>
+            <a:off x="4018856" y="533400"/>
+            <a:ext cx="4972744" cy="5525272"/>
+          </a:xfrm>
+          <a:prstGeom prst="rect">
+            <a:avLst/>
+          </a:prstGeom>
+        </p:spPr>
+      </p:pic>
       <p:sp>
         <p:nvSpPr>
           <p:cNvPr id="2" name="Content Placeholder 1"/>
@@ -5849,6 +8400,106 @@
           </p:cNvSpPr>
           <p:nvPr>
             <p:ph idx="1"/>
+          </p:nvPr>
+        </p:nvSpPr>
+        <p:spPr>
+          <a:xfrm>
+            <a:off x="457200" y="1481328"/>
+            <a:ext cx="8229600" cy="3547871"/>
+          </a:xfrm>
+        </p:spPr>
+        <p:txBody>
+          <a:bodyPr>
+            <a:normAutofit fontScale="92500" lnSpcReduction="20000"/>
+          </a:bodyPr>
+          <a:lstStyle/>
+          <a:p>
+            <a:pPr>
+              <a:lnSpc>
+                <a:spcPct val="150000"/>
+              </a:lnSpc>
+            </a:pPr>
+            <a:r>
+              <a:rPr lang="en-US" dirty="0" smtClean="0"/>
+              <a:t>APIs</a:t>
+            </a:r>
+          </a:p>
+          <a:p>
+            <a:pPr lvl="1">
+              <a:lnSpc>
+                <a:spcPct val="150000"/>
+              </a:lnSpc>
+            </a:pPr>
+            <a:r>
+              <a:rPr lang="en-US" dirty="0" smtClean="0"/>
+              <a:t>Libraries exist within Android</a:t>
+            </a:r>
+          </a:p>
+          <a:p>
+            <a:pPr lvl="1">
+              <a:lnSpc>
+                <a:spcPct val="150000"/>
+              </a:lnSpc>
+            </a:pPr>
+            <a:r>
+              <a:rPr lang="en-US" dirty="0" smtClean="0"/>
+              <a:t>Some external libraries will be</a:t>
+            </a:r>
+            <a:br>
+              <a:rPr lang="en-US" dirty="0" smtClean="0"/>
+            </a:br>
+            <a:r>
+              <a:rPr lang="en-US" dirty="0" smtClean="0"/>
+              <a:t>needed for JSON on iOS</a:t>
+            </a:r>
+          </a:p>
+          <a:p>
+            <a:pPr lvl="1">
+              <a:lnSpc>
+                <a:spcPct val="150000"/>
+              </a:lnSpc>
+            </a:pPr>
+            <a:r>
+              <a:rPr lang="en-US" dirty="0" smtClean="0"/>
+              <a:t>OAuth, open authorization</a:t>
+            </a:r>
+            <a:r>
+              <a:rPr lang="en-US" dirty="0"/>
+              <a:t/>
+            </a:r>
+            <a:br>
+              <a:rPr lang="en-US" dirty="0"/>
+            </a:br>
+            <a:r>
+              <a:rPr lang="en-US" dirty="0" smtClean="0"/>
+              <a:t>protocol</a:t>
+            </a:r>
+          </a:p>
+          <a:p>
+            <a:pPr>
+              <a:lnSpc>
+                <a:spcPct val="150000"/>
+              </a:lnSpc>
+            </a:pPr>
+            <a:r>
+              <a:rPr lang="en-US" dirty="0" smtClean="0"/>
+              <a:t>Asynchronous Calls</a:t>
+            </a:r>
+          </a:p>
+          <a:p>
+            <a:pPr lvl="1"/>
+            <a:endParaRPr lang="en-US" dirty="0" smtClean="0"/>
+          </a:p>
+        </p:txBody>
+      </p:sp>
+      <p:sp>
+        <p:nvSpPr>
+          <p:cNvPr id="3" name="Title 2"/>
+          <p:cNvSpPr>
+            <a:spLocks noGrp="1"/>
+          </p:cNvSpPr>
+          <p:nvPr>
+            <p:ph type="title"/>
           </p:nvPr>
         </p:nvSpPr>
         <p:spPr/>
@@ -5858,32 +8509,7 @@
           <a:p>
             <a:r>
               <a:rPr lang="en-US" dirty="0" smtClean="0"/>
-              <a:t>Screen Shots or Overview?</a:t>
-            </a:r>
-            <a:endParaRPr lang="en-US" dirty="0"/>
-          </a:p>
-        </p:txBody>
-      </p:sp>
-      <p:sp>
-        <p:nvSpPr>
-          <p:cNvPr id="3" name="Title 2"/>
-          <p:cNvSpPr>
-            <a:spLocks noGrp="1"/>
-          </p:cNvSpPr>
-          <p:nvPr>
-            <p:ph type="title"/>
-          </p:nvPr>
-        </p:nvSpPr>
-        <p:spPr/>
-        <p:txBody>
-          <a:bodyPr>
-            <a:normAutofit/>
-          </a:bodyPr>
-          <a:lstStyle/>
-          <a:p>
-            <a:r>
-              <a:rPr lang="en-US" dirty="0" smtClean="0"/>
-              <a:t>Android App Design</a:t>
+              <a:t>Architecture</a:t>
             </a:r>
             <a:endParaRPr lang="en-US" dirty="0"/>
           </a:p>
@@ -5892,7 +8518,7 @@
     </p:spTree>
     <p:extLst>
       <p:ext uri="{BB962C8B-B14F-4D97-AF65-F5344CB8AC3E}">
-        <p14:creationId xmlns:p14="http://schemas.microsoft.com/office/powerpoint/2010/main" val="4130295470"/>
+        <p14:creationId xmlns:p14="http://schemas.microsoft.com/office/powerpoint/2010/main" val="3454600958"/>
       </p:ext>
     </p:extLst>
   </p:cSld>
@@ -5928,12 +8554,125 @@
       </p:grpSpPr>
       <p:sp>
         <p:nvSpPr>
-          <p:cNvPr id="3" name="Content Placeholder 2"/>
+          <p:cNvPr id="2" name="Content Placeholder 1"/>
           <p:cNvSpPr>
             <a:spLocks noGrp="1"/>
           </p:cNvSpPr>
           <p:nvPr>
             <p:ph idx="1"/>
+          </p:nvPr>
+        </p:nvSpPr>
+        <p:spPr/>
+        <p:txBody>
+          <a:bodyPr>
+            <a:normAutofit fontScale="92500" lnSpcReduction="10000"/>
+          </a:bodyPr>
+          <a:lstStyle/>
+          <a:p>
+            <a:r>
+              <a:rPr lang="en-US" dirty="0" smtClean="0"/>
+              <a:t>Using two Mac’s and </a:t>
+            </a:r>
+            <a:r>
+              <a:rPr lang="en-US" dirty="0" smtClean="0"/>
+              <a:t>two PCs </a:t>
+            </a:r>
+            <a:r>
+              <a:rPr lang="en-US" dirty="0" smtClean="0"/>
+              <a:t>for development</a:t>
+            </a:r>
+          </a:p>
+          <a:p>
+            <a:r>
+              <a:rPr lang="en-US" dirty="0" smtClean="0"/>
+              <a:t>Android</a:t>
+            </a:r>
+          </a:p>
+          <a:p>
+            <a:pPr lvl="1"/>
+            <a:r>
+              <a:rPr lang="en-US" dirty="0" smtClean="0"/>
+              <a:t>Eclipse, Android SDK</a:t>
+            </a:r>
+          </a:p>
+          <a:p>
+            <a:pPr lvl="1"/>
+            <a:r>
+              <a:rPr lang="en-US" dirty="0" smtClean="0"/>
+              <a:t>Samsung Galaxy SIII, Nexus </a:t>
+            </a:r>
+            <a:r>
+              <a:rPr lang="en-US" dirty="0" smtClean="0"/>
+              <a:t>7, Droid Pro II</a:t>
+            </a:r>
+            <a:endParaRPr lang="en-US" dirty="0" smtClean="0"/>
+          </a:p>
+          <a:p>
+            <a:r>
+              <a:rPr lang="en-US" dirty="0" smtClean="0"/>
+              <a:t>iOS</a:t>
+            </a:r>
+            <a:endParaRPr lang="en-US" dirty="0"/>
+          </a:p>
+          <a:p>
+            <a:pPr lvl="1"/>
+            <a:r>
+              <a:rPr lang="en-US" dirty="0" smtClean="0"/>
+              <a:t>Xcode, StoryBoard</a:t>
+            </a:r>
+          </a:p>
+          <a:p>
+            <a:pPr lvl="1"/>
+            <a:r>
+              <a:rPr lang="en-US" dirty="0" smtClean="0"/>
+              <a:t>iPod, iPad</a:t>
+            </a:r>
+            <a:endParaRPr lang="en-US" dirty="0"/>
+          </a:p>
+          <a:p>
+            <a:r>
+              <a:rPr lang="en-US" dirty="0" smtClean="0"/>
+              <a:t>Web Service</a:t>
+            </a:r>
+          </a:p>
+          <a:p>
+            <a:pPr lvl="1"/>
+            <a:r>
+              <a:rPr lang="en-US" dirty="0" smtClean="0"/>
+              <a:t>API via JSON</a:t>
+            </a:r>
+            <a:endParaRPr lang="en-US" dirty="0" smtClean="0"/>
+          </a:p>
+          <a:p>
+            <a:r>
+              <a:rPr lang="en-US" dirty="0" smtClean="0"/>
+              <a:t>Repositories</a:t>
+            </a:r>
+          </a:p>
+          <a:p>
+            <a:pPr lvl="1"/>
+            <a:r>
+              <a:rPr lang="en-US" dirty="0" smtClean="0"/>
+              <a:t>Versions SVN: Code Repository</a:t>
+            </a:r>
+          </a:p>
+          <a:p>
+            <a:pPr lvl="1"/>
+            <a:r>
+              <a:rPr lang="en-US" dirty="0" smtClean="0"/>
+              <a:t>GitHub: Documentation</a:t>
+            </a:r>
+          </a:p>
+        </p:txBody>
+      </p:sp>
+      <p:sp>
+        <p:nvSpPr>
+          <p:cNvPr id="3" name="Title 2"/>
+          <p:cNvSpPr>
+            <a:spLocks noGrp="1"/>
+          </p:cNvSpPr>
+          <p:nvPr>
+            <p:ph type="title"/>
           </p:nvPr>
         </p:nvSpPr>
         <p:spPr/>
@@ -5943,20 +8682,50 @@
           <a:p>
             <a:r>
               <a:rPr lang="en-US" dirty="0" smtClean="0"/>
-              <a:t>Screen Shots</a:t>
+              <a:t>Tools</a:t>
             </a:r>
             <a:endParaRPr lang="en-US" dirty="0"/>
           </a:p>
         </p:txBody>
       </p:sp>
-      <p:sp>
-        <p:nvSpPr>
-          <p:cNvPr id="2" name="Title 1"/>
-          <p:cNvSpPr>
-            <a:spLocks noGrp="1"/>
-          </p:cNvSpPr>
-          <p:nvPr>
-            <p:ph type="title"/>
+    </p:spTree>
+    <p:extLst>
+      <p:ext uri="{BB962C8B-B14F-4D97-AF65-F5344CB8AC3E}">
+        <p14:creationId xmlns:p14="http://schemas.microsoft.com/office/powerpoint/2010/main" val="3643224477"/>
+      </p:ext>
+    </p:extLst>
+  </p:cSld>
+  <p:clrMapOvr>
+    <a:masterClrMapping/>
+  </p:clrMapOvr>
+</p:sld>
+</file>
+
+<file path=ppt/slides/slide9.xml><?xml version="1.0" encoding="utf-8"?>
+<p:sld xmlns:a="http://schemas.openxmlformats.org/drawingml/2006/main" xmlns:r="http://schemas.openxmlformats.org/officeDocument/2006/relationships" xmlns:p="http://schemas.openxmlformats.org/presentationml/2006/main">
+  <p:cSld>
+    <p:spTree>
+      <p:nvGrpSpPr>
+        <p:cNvPr id="1" name=""/>
+        <p:cNvGrpSpPr/>
+        <p:nvPr/>
+      </p:nvGrpSpPr>
+      <p:grpSpPr>
+        <a:xfrm>
+          <a:off x="0" y="0"/>
+          <a:ext cx="0" cy="0"/>
+          <a:chOff x="0" y="0"/>
+          <a:chExt cx="0" cy="0"/>
+        </a:xfrm>
+      </p:grpSpPr>
+      <p:sp>
+        <p:nvSpPr>
+          <p:cNvPr id="3" name="Content Placeholder 2"/>
+          <p:cNvSpPr>
+            <a:spLocks noGrp="1"/>
+          </p:cNvSpPr>
+          <p:nvPr>
+            <p:ph idx="1"/>
           </p:nvPr>
         </p:nvSpPr>
         <p:spPr/>
@@ -5965,12 +8734,31 @@
           <a:lstStyle/>
           <a:p>
             <a:r>
-              <a:rPr lang="en-US" dirty="0" err="1" smtClean="0"/>
-              <a:t>iOS</a:t>
-            </a:r>
-            <a:r>
               <a:rPr lang="en-US" dirty="0" smtClean="0"/>
-              <a:t> App Design</a:t>
+              <a:t>High Level Layout</a:t>
+            </a:r>
+            <a:endParaRPr lang="en-US" dirty="0"/>
+          </a:p>
+        </p:txBody>
+      </p:sp>
+      <p:sp>
+        <p:nvSpPr>
+          <p:cNvPr id="2" name="Title 1"/>
+          <p:cNvSpPr>
+            <a:spLocks noGrp="1"/>
+          </p:cNvSpPr>
+          <p:nvPr>
+            <p:ph type="title"/>
+          </p:nvPr>
+        </p:nvSpPr>
+        <p:spPr/>
+        <p:txBody>
+          <a:bodyPr/>
+          <a:lstStyle/>
+          <a:p>
+            <a:r>
+              <a:rPr lang="en-US" dirty="0" smtClean="0"/>
+              <a:t>iOS App Design</a:t>
             </a:r>
             <a:endParaRPr lang="en-US" dirty="0"/>
           </a:p>
@@ -5985,7 +8773,7 @@
           <p:nvPr/>
         </p:nvPicPr>
         <p:blipFill>
-          <a:blip r:embed="rId2" cstate="print">
+          <a:blip r:embed="rId3" cstate="print">
             <a:extLst>
               <a:ext uri="{28A0092B-C50C-407E-A947-70E740481C1C}">
                 <a14:useLocalDpi xmlns:a14="http://schemas.microsoft.com/office/drawing/2010/main" val="0"/>
@@ -6049,7 +8837,7 @@
           <p:nvPr/>
         </p:nvPicPr>
         <p:blipFill>
-          <a:blip r:embed="rId3" cstate="print">
+          <a:blip r:embed="rId4" cstate="print">
             <a:extLst>
               <a:ext uri="{28A0092B-C50C-407E-A947-70E740481C1C}">
                 <a14:useLocalDpi xmlns:a14="http://schemas.microsoft.com/office/drawing/2010/main" val="0"/>
@@ -6113,7 +8901,7 @@
           <p:nvPr/>
         </p:nvPicPr>
         <p:blipFill>
-          <a:blip r:embed="rId4" cstate="print">
+          <a:blip r:embed="rId5" cstate="print">
             <a:extLst>
               <a:ext uri="{28A0092B-C50C-407E-A947-70E740481C1C}">
                 <a14:useLocalDpi xmlns:a14="http://schemas.microsoft.com/office/drawing/2010/main" val="0"/>
@@ -6177,7 +8965,7 @@
           <p:nvPr/>
         </p:nvPicPr>
         <p:blipFill>
-          <a:blip r:embed="rId5" cstate="print">
+          <a:blip r:embed="rId6" cstate="print">
             <a:extLst>
               <a:ext uri="{28A0092B-C50C-407E-A947-70E740481C1C}">
                 <a14:useLocalDpi xmlns:a14="http://schemas.microsoft.com/office/drawing/2010/main" val="0"/>
@@ -6236,125 +9024,6 @@
     <p:extLst>
       <p:ext uri="{BB962C8B-B14F-4D97-AF65-F5344CB8AC3E}">
         <p14:creationId xmlns:p14="http://schemas.microsoft.com/office/powerpoint/2010/main" val="2494835526"/>
-      </p:ext>
-    </p:extLst>
-  </p:cSld>
-  <p:clrMapOvr>
-    <a:masterClrMapping/>
-  </p:clrMapOvr>
-  <p:timing>
-    <p:tnLst>
-      <p:par>
-        <p:cTn id="1" dur="indefinite" restart="never" nodeType="tmRoot"/>
-      </p:par>
-    </p:tnLst>
-  </p:timing>
-</p:sld>
-</file>
-
-<file path=ppt/slides/slide9.xml><?xml version="1.0" encoding="utf-8"?>
-<p:sld xmlns:a="http://schemas.openxmlformats.org/drawingml/2006/main" xmlns:r="http://schemas.openxmlformats.org/officeDocument/2006/relationships" xmlns:p="http://schemas.openxmlformats.org/presentationml/2006/main">
-  <p:cSld>
-    <p:spTree>
-      <p:nvGrpSpPr>
-        <p:cNvPr id="1" name=""/>
-        <p:cNvGrpSpPr/>
-        <p:nvPr/>
-      </p:nvGrpSpPr>
-      <p:grpSpPr>
-        <a:xfrm>
-          <a:off x="0" y="0"/>
-          <a:ext cx="0" cy="0"/>
-          <a:chOff x="0" y="0"/>
-          <a:chExt cx="0" cy="0"/>
-        </a:xfrm>
-      </p:grpSpPr>
-      <p:sp>
-        <p:nvSpPr>
-          <p:cNvPr id="2" name="Content Placeholder 1"/>
-          <p:cNvSpPr>
-            <a:spLocks noGrp="1"/>
-          </p:cNvSpPr>
-          <p:nvPr>
-            <p:ph idx="1"/>
-          </p:nvPr>
-        </p:nvSpPr>
-        <p:spPr/>
-        <p:txBody>
-          <a:bodyPr/>
-          <a:lstStyle/>
-          <a:p>
-            <a:r>
-              <a:rPr lang="en-US" dirty="0" smtClean="0"/>
-              <a:t>Overview</a:t>
-            </a:r>
-          </a:p>
-          <a:p>
-            <a:r>
-              <a:rPr lang="en-US" dirty="0" smtClean="0"/>
-              <a:t>Challenges</a:t>
-            </a:r>
-            <a:endParaRPr lang="en-US" dirty="0"/>
-          </a:p>
-        </p:txBody>
-      </p:sp>
-      <p:sp>
-        <p:nvSpPr>
-          <p:cNvPr id="3" name="Title 2"/>
-          <p:cNvSpPr>
-            <a:spLocks noGrp="1"/>
-          </p:cNvSpPr>
-          <p:nvPr>
-            <p:ph type="title"/>
-          </p:nvPr>
-        </p:nvSpPr>
-        <p:spPr/>
-        <p:txBody>
-          <a:bodyPr/>
-          <a:lstStyle/>
-          <a:p>
-            <a:r>
-              <a:rPr lang="en-US" dirty="0" smtClean="0"/>
-              <a:t>Architecture</a:t>
-            </a:r>
-            <a:endParaRPr lang="en-US" dirty="0"/>
-          </a:p>
-        </p:txBody>
-      </p:sp>
-      <p:pic>
-        <p:nvPicPr>
-          <p:cNvPr id="4" name="Picture 3"/>
-          <p:cNvPicPr>
-            <a:picLocks noChangeAspect="1"/>
-          </p:cNvPicPr>
-          <p:nvPr/>
-        </p:nvPicPr>
-        <p:blipFill>
-          <a:blip r:embed="rId2">
-            <a:extLst>
-              <a:ext uri="{28A0092B-C50C-407E-A947-70E740481C1C}">
-                <a14:useLocalDpi xmlns:a14="http://schemas.microsoft.com/office/drawing/2010/main" val="0"/>
-              </a:ext>
-            </a:extLst>
-          </a:blip>
-          <a:stretch>
-            <a:fillRect/>
-          </a:stretch>
-        </p:blipFill>
-        <p:spPr>
-          <a:xfrm>
-            <a:off x="3962400" y="838200"/>
-            <a:ext cx="4972744" cy="5525272"/>
-          </a:xfrm>
-          <a:prstGeom prst="rect">
-            <a:avLst/>
-          </a:prstGeom>
-        </p:spPr>
-      </p:pic>
-    </p:spTree>
-    <p:extLst>
-      <p:ext uri="{BB962C8B-B14F-4D97-AF65-F5344CB8AC3E}">
-        <p14:creationId xmlns:p14="http://schemas.microsoft.com/office/powerpoint/2010/main" val="3454600958"/>
       </p:ext>
     </p:extLst>
   </p:cSld>
@@ -6656,4 +9325,289 @@
   <a:objectDefaults/>
   <a:extraClrSchemeLst/>
 </a:theme>
+</file>
+
+<file path=ppt/theme/theme2.xml><?xml version="1.0" encoding="utf-8"?>
+<a:theme xmlns:a="http://schemas.openxmlformats.org/drawingml/2006/main" name="Office Theme">
+  <a:themeElements>
+    <a:clrScheme name="Office">
+      <a:dk1>
+        <a:sysClr val="windowText" lastClr="000000"/>
+      </a:dk1>
+      <a:lt1>
+        <a:sysClr val="window" lastClr="FFFFFF"/>
+      </a:lt1>
+      <a:dk2>
+        <a:srgbClr val="1F497D"/>
+      </a:dk2>
+      <a:lt2>
+        <a:srgbClr val="EEECE1"/>
+      </a:lt2>
+      <a:accent1>
+        <a:srgbClr val="4F81BD"/>
+      </a:accent1>
+      <a:accent2>
+        <a:srgbClr val="C0504D"/>
+      </a:accent2>
+      <a:accent3>
+        <a:srgbClr val="9BBB59"/>
+      </a:accent3>
+      <a:accent4>
+        <a:srgbClr val="8064A2"/>
+      </a:accent4>
+      <a:accent5>
+        <a:srgbClr val="4BACC6"/>
+      </a:accent5>
+      <a:accent6>
+        <a:srgbClr val="F79646"/>
+      </a:accent6>
+      <a:hlink>
+        <a:srgbClr val="0000FF"/>
+      </a:hlink>
+      <a:folHlink>
+        <a:srgbClr val="800080"/>
+      </a:folHlink>
+    </a:clrScheme>
+    <a:fontScheme name="Office">
+      <a:majorFont>
+        <a:latin typeface="Calibri"/>
+        <a:ea typeface=""/>
+        <a:cs typeface=""/>
+        <a:font script="Jpan" typeface="ＭＳ Ｐゴシック"/>
+        <a:font script="Hang" typeface="맑은 고딕"/>
+        <a:font script="Hans" typeface="宋体"/>
+        <a:font script="Hant" typeface="新細明體"/>
+        <a:font script="Arab" typeface="Times New Roman"/>
+        <a:font script="Hebr" typeface="Times New Roman"/>
+        <a:font script="Thai" typeface="Angsana New"/>
+        <a:font script="Ethi" typeface="Nyala"/>
+        <a:font script="Beng" typeface="Vrinda"/>
+        <a:font script="Gujr" typeface="Shruti"/>
+        <a:font script="Khmr" typeface="MoolBoran"/>
+        <a:font script="Knda" typeface="Tunga"/>
+        <a:font script="Guru" typeface="Raavi"/>
+        <a:font script="Cans" typeface="Euphemia"/>
+        <a:font script="Cher" typeface="Plantagenet Cherokee"/>
+        <a:font script="Yiii" typeface="Microsoft Yi Baiti"/>
+        <a:font script="Tibt" typeface="Microsoft Himalaya"/>
+        <a:font script="Thaa" typeface="MV Boli"/>
+        <a:font script="Deva" typeface="Mangal"/>
+        <a:font script="Telu" typeface="Gautami"/>
+        <a:font script="Taml" typeface="Latha"/>
+        <a:font script="Syrc" typeface="Estrangelo Edessa"/>
+        <a:font script="Orya" typeface="Kalinga"/>
+        <a:font script="Mlym" typeface="Kartika"/>
+        <a:font script="Laoo" typeface="DokChampa"/>
+        <a:font script="Sinh" typeface="Iskoola Pota"/>
+        <a:font script="Mong" typeface="Mongolian Baiti"/>
+        <a:font script="Viet" typeface="Times New Roman"/>
+        <a:font script="Uigh" typeface="Microsoft Uighur"/>
+        <a:font script="Geor" typeface="Sylfaen"/>
+      </a:majorFont>
+      <a:minorFont>
+        <a:latin typeface="Calibri"/>
+        <a:ea typeface=""/>
+        <a:cs typeface=""/>
+        <a:font script="Jpan" typeface="ＭＳ Ｐゴシック"/>
+        <a:font script="Hang" typeface="맑은 고딕"/>
+        <a:font script="Hans" typeface="宋体"/>
+        <a:font script="Hant" typeface="新細明體"/>
+        <a:font script="Arab" typeface="Arial"/>
+        <a:font script="Hebr" typeface="Arial"/>
+        <a:font script="Thai" typeface="Cordia New"/>
+        <a:font script="Ethi" typeface="Nyala"/>
+        <a:font script="Beng" typeface="Vrinda"/>
+        <a:font script="Gujr" typeface="Shruti"/>
+        <a:font script="Khmr" typeface="DaunPenh"/>
+        <a:font script="Knda" typeface="Tunga"/>
+        <a:font script="Guru" typeface="Raavi"/>
+        <a:font script="Cans" typeface="Euphemia"/>
+        <a:font script="Cher" typeface="Plantagenet Cherokee"/>
+        <a:font script="Yiii" typeface="Microsoft Yi Baiti"/>
+        <a:font script="Tibt" typeface="Microsoft Himalaya"/>
+        <a:font script="Thaa" typeface="MV Boli"/>
+        <a:font script="Deva" typeface="Mangal"/>
+        <a:font script="Telu" typeface="Gautami"/>
+        <a:font script="Taml" typeface="Latha"/>
+        <a:font script="Syrc" typeface="Estrangelo Edessa"/>
+        <a:font script="Orya" typeface="Kalinga"/>
+        <a:font script="Mlym" typeface="Kartika"/>
+        <a:font script="Laoo" typeface="DokChampa"/>
+        <a:font script="Sinh" typeface="Iskoola Pota"/>
+        <a:font script="Mong" typeface="Mongolian Baiti"/>
+        <a:font script="Viet" typeface="Arial"/>
+        <a:font script="Uigh" typeface="Microsoft Uighur"/>
+        <a:font script="Geor" typeface="Sylfaen"/>
+      </a:minorFont>
+    </a:fontScheme>
+    <a:fmtScheme name="Office">
+      <a:fillStyleLst>
+        <a:solidFill>
+          <a:schemeClr val="phClr"/>
+        </a:solidFill>
+        <a:gradFill rotWithShape="1">
+          <a:gsLst>
+            <a:gs pos="0">
+              <a:schemeClr val="phClr">
+                <a:tint val="50000"/>
+                <a:satMod val="300000"/>
+              </a:schemeClr>
+            </a:gs>
+            <a:gs pos="35000">
+              <a:schemeClr val="phClr">
+                <a:tint val="37000"/>
+                <a:satMod val="300000"/>
+              </a:schemeClr>
+            </a:gs>
+            <a:gs pos="100000">
+              <a:schemeClr val="phClr">
+                <a:tint val="15000"/>
+                <a:satMod val="350000"/>
+              </a:schemeClr>
+            </a:gs>
+          </a:gsLst>
+          <a:lin ang="16200000" scaled="1"/>
+        </a:gradFill>
+        <a:gradFill rotWithShape="1">
+          <a:gsLst>
+            <a:gs pos="0">
+              <a:schemeClr val="phClr">
+                <a:shade val="51000"/>
+                <a:satMod val="130000"/>
+              </a:schemeClr>
+            </a:gs>
+            <a:gs pos="80000">
+              <a:schemeClr val="phClr">
+                <a:shade val="93000"/>
+                <a:satMod val="130000"/>
+              </a:schemeClr>
+            </a:gs>
+            <a:gs pos="100000">
+              <a:schemeClr val="phClr">
+                <a:shade val="94000"/>
+                <a:satMod val="135000"/>
+              </a:schemeClr>
+            </a:gs>
+          </a:gsLst>
+          <a:lin ang="16200000" scaled="0"/>
+        </a:gradFill>
+      </a:fillStyleLst>
+      <a:lnStyleLst>
+        <a:ln w="9525" cap="flat" cmpd="sng" algn="ctr">
+          <a:solidFill>
+            <a:schemeClr val="phClr">
+              <a:shade val="95000"/>
+              <a:satMod val="105000"/>
+            </a:schemeClr>
+          </a:solidFill>
+          <a:prstDash val="solid"/>
+        </a:ln>
+        <a:ln w="25400" cap="flat" cmpd="sng" algn="ctr">
+          <a:solidFill>
+            <a:schemeClr val="phClr"/>
+          </a:solidFill>
+          <a:prstDash val="solid"/>
+        </a:ln>
+        <a:ln w="38100" cap="flat" cmpd="sng" algn="ctr">
+          <a:solidFill>
+            <a:schemeClr val="phClr"/>
+          </a:solidFill>
+          <a:prstDash val="solid"/>
+        </a:ln>
+      </a:lnStyleLst>
+      <a:effectStyleLst>
+        <a:effectStyle>
+          <a:effectLst>
+            <a:outerShdw blurRad="40000" dist="20000" dir="5400000" rotWithShape="0">
+              <a:srgbClr val="000000">
+                <a:alpha val="38000"/>
+              </a:srgbClr>
+            </a:outerShdw>
+          </a:effectLst>
+        </a:effectStyle>
+        <a:effectStyle>
+          <a:effectLst>
+            <a:outerShdw blurRad="40000" dist="23000" dir="5400000" rotWithShape="0">
+              <a:srgbClr val="000000">
+                <a:alpha val="35000"/>
+              </a:srgbClr>
+            </a:outerShdw>
+          </a:effectLst>
+        </a:effectStyle>
+        <a:effectStyle>
+          <a:effectLst>
+            <a:outerShdw blurRad="40000" dist="23000" dir="5400000" rotWithShape="0">
+              <a:srgbClr val="000000">
+                <a:alpha val="35000"/>
+              </a:srgbClr>
+            </a:outerShdw>
+          </a:effectLst>
+          <a:scene3d>
+            <a:camera prst="orthographicFront">
+              <a:rot lat="0" lon="0" rev="0"/>
+            </a:camera>
+            <a:lightRig rig="threePt" dir="t">
+              <a:rot lat="0" lon="0" rev="1200000"/>
+            </a:lightRig>
+          </a:scene3d>
+          <a:sp3d>
+            <a:bevelT w="63500" h="25400"/>
+          </a:sp3d>
+        </a:effectStyle>
+      </a:effectStyleLst>
+      <a:bgFillStyleLst>
+        <a:solidFill>
+          <a:schemeClr val="phClr"/>
+        </a:solidFill>
+        <a:gradFill rotWithShape="1">
+          <a:gsLst>
+            <a:gs pos="0">
+              <a:schemeClr val="phClr">
+                <a:tint val="40000"/>
+                <a:satMod val="350000"/>
+              </a:schemeClr>
+            </a:gs>
+            <a:gs pos="40000">
+              <a:schemeClr val="phClr">
+                <a:tint val="45000"/>
+                <a:shade val="99000"/>
+                <a:satMod val="350000"/>
+              </a:schemeClr>
+            </a:gs>
+            <a:gs pos="100000">
+              <a:schemeClr val="phClr">
+                <a:shade val="20000"/>
+                <a:satMod val="255000"/>
+              </a:schemeClr>
+            </a:gs>
+          </a:gsLst>
+          <a:path path="circle">
+            <a:fillToRect l="50000" t="-80000" r="50000" b="180000"/>
+          </a:path>
+        </a:gradFill>
+        <a:gradFill rotWithShape="1">
+          <a:gsLst>
+            <a:gs pos="0">
+              <a:schemeClr val="phClr">
+                <a:tint val="80000"/>
+                <a:satMod val="300000"/>
+              </a:schemeClr>
+            </a:gs>
+            <a:gs pos="100000">
+              <a:schemeClr val="phClr">
+                <a:shade val="30000"/>
+                <a:satMod val="200000"/>
+              </a:schemeClr>
+            </a:gs>
+          </a:gsLst>
+          <a:path path="circle">
+            <a:fillToRect l="50000" t="50000" r="50000" b="50000"/>
+          </a:path>
+        </a:gradFill>
+      </a:bgFillStyleLst>
+    </a:fmtScheme>
+  </a:themeElements>
+  <a:objectDefaults/>
+  <a:extraClrSchemeLst/>
+</a:theme>
 </file>
--- a/Documentation/Presentation1.pptx
+++ b/Documentation/Presentation1.pptx
@@ -206,7 +206,7 @@
           <a:p>
             <a:fld id="{26133179-5973-4D61-8651-E006F458E432}" type="datetimeFigureOut">
               <a:rPr lang="en-US" smtClean="0"/>
-              <a:t>10/9/2012</a:t>
+              <a:t>10/10/2012</a:t>
             </a:fld>
             <a:endParaRPr lang="en-US"/>
           </a:p>
@@ -2328,7 +2328,7 @@
             <a:fld id="{1D8BD707-D9CF-40AE-B4C6-C98DA3205C09}" type="datetimeFigureOut">
               <a:rPr lang="en-US" smtClean="0"/>
               <a:pPr/>
-              <a:t>10/9/2012</a:t>
+              <a:t>10/10/2012</a:t>
             </a:fld>
             <a:endParaRPr lang="en-US" dirty="0"/>
           </a:p>
@@ -2526,7 +2526,7 @@
             <a:fld id="{1D8BD707-D9CF-40AE-B4C6-C98DA3205C09}" type="datetimeFigureOut">
               <a:rPr lang="en-US" smtClean="0"/>
               <a:pPr/>
-              <a:t>10/9/2012</a:t>
+              <a:t>10/10/2012</a:t>
             </a:fld>
             <a:endParaRPr lang="en-US" dirty="0"/>
           </a:p>
@@ -2713,7 +2713,7 @@
             <a:fld id="{1D8BD707-D9CF-40AE-B4C6-C98DA3205C09}" type="datetimeFigureOut">
               <a:rPr lang="en-US" smtClean="0"/>
               <a:pPr/>
-              <a:t>10/9/2012</a:t>
+              <a:t>10/10/2012</a:t>
             </a:fld>
             <a:endParaRPr lang="en-US" dirty="0"/>
           </a:p>
@@ -2865,7 +2865,7 @@
             <a:fld id="{1D8BD707-D9CF-40AE-B4C6-C98DA3205C09}" type="datetimeFigureOut">
               <a:rPr lang="en-US" smtClean="0"/>
               <a:pPr/>
-              <a:t>10/9/2012</a:t>
+              <a:t>10/10/2012</a:t>
             </a:fld>
             <a:endParaRPr lang="en-US" dirty="0"/>
           </a:p>
@@ -3122,7 +3122,7 @@
             <a:fld id="{1D8BD707-D9CF-40AE-B4C6-C98DA3205C09}" type="datetimeFigureOut">
               <a:rPr lang="en-US" smtClean="0"/>
               <a:pPr/>
-              <a:t>10/9/2012</a:t>
+              <a:t>10/10/2012</a:t>
             </a:fld>
             <a:endParaRPr lang="en-US" dirty="0"/>
           </a:p>
@@ -3533,7 +3533,7 @@
             <a:fld id="{1D8BD707-D9CF-40AE-B4C6-C98DA3205C09}" type="datetimeFigureOut">
               <a:rPr lang="en-US" smtClean="0"/>
               <a:pPr/>
-              <a:t>10/9/2012</a:t>
+              <a:t>10/10/2012</a:t>
             </a:fld>
             <a:endParaRPr lang="en-US" dirty="0"/>
           </a:p>
@@ -3981,7 +3981,7 @@
             <a:fld id="{1D8BD707-D9CF-40AE-B4C6-C98DA3205C09}" type="datetimeFigureOut">
               <a:rPr lang="en-US" smtClean="0"/>
               <a:pPr/>
-              <a:t>10/9/2012</a:t>
+              <a:t>10/10/2012</a:t>
             </a:fld>
             <a:endParaRPr lang="en-US" dirty="0"/>
           </a:p>
@@ -4084,7 +4084,7 @@
             <a:fld id="{1D8BD707-D9CF-40AE-B4C6-C98DA3205C09}" type="datetimeFigureOut">
               <a:rPr lang="en-US" smtClean="0"/>
               <a:pPr/>
-              <a:t>10/9/2012</a:t>
+              <a:t>10/10/2012</a:t>
             </a:fld>
             <a:endParaRPr lang="en-US" dirty="0"/>
           </a:p>
@@ -4207,7 +4207,7 @@
             <a:fld id="{1D8BD707-D9CF-40AE-B4C6-C98DA3205C09}" type="datetimeFigureOut">
               <a:rPr lang="en-US" smtClean="0"/>
               <a:pPr/>
-              <a:t>10/9/2012</a:t>
+              <a:t>10/10/2012</a:t>
             </a:fld>
             <a:endParaRPr lang="en-US" dirty="0"/>
           </a:p>
@@ -4483,7 +4483,7 @@
             <a:fld id="{1D8BD707-D9CF-40AE-B4C6-C98DA3205C09}" type="datetimeFigureOut">
               <a:rPr lang="en-US" smtClean="0"/>
               <a:pPr/>
-              <a:t>10/9/2012</a:t>
+              <a:t>10/10/2012</a:t>
             </a:fld>
             <a:endParaRPr lang="en-US" dirty="0"/>
           </a:p>
@@ -4690,7 +4690,7 @@
             <a:fld id="{1D8BD707-D9CF-40AE-B4C6-C98DA3205C09}" type="datetimeFigureOut">
               <a:rPr lang="en-US" smtClean="0"/>
               <a:pPr/>
-              <a:t>10/9/2012</a:t>
+              <a:t>10/10/2012</a:t>
             </a:fld>
             <a:endParaRPr lang="en-US" dirty="0"/>
           </a:p>
@@ -5801,7 +5801,7 @@
             <a:fld id="{1D8BD707-D9CF-40AE-B4C6-C98DA3205C09}" type="datetimeFigureOut">
               <a:rPr lang="en-US" smtClean="0"/>
               <a:pPr/>
-              <a:t>10/9/2012</a:t>
+              <a:t>10/10/2012</a:t>
             </a:fld>
             <a:endParaRPr lang="en-US" dirty="0"/>
           </a:p>
@@ -7384,7 +7384,23 @@
             <a:pPr lvl="0"/>
             <a:r>
               <a:rPr lang="en-US" sz="3400" dirty="0"/>
-              <a:t>Add appeal to the already existing Elation product  </a:t>
+              <a:t>Add appeal to the already existing </a:t>
+            </a:r>
+            <a:r>
+              <a:rPr lang="en-US" sz="3400" dirty="0" err="1" smtClean="0"/>
+              <a:t>eL</a:t>
+            </a:r>
+            <a:r>
+              <a:rPr lang="en-US" sz="3400" dirty="0" err="1" smtClean="0"/>
+              <a:t>ation</a:t>
+            </a:r>
+            <a:r>
+              <a:rPr lang="en-US" sz="3400" dirty="0" smtClean="0"/>
+              <a:t> </a:t>
+            </a:r>
+            <a:r>
+              <a:rPr lang="en-US" sz="3400" dirty="0"/>
+              <a:t>product  </a:t>
             </a:r>
           </a:p>
           <a:p>
@@ -7912,11 +7928,7 @@
             </a:pPr>
             <a:r>
               <a:rPr lang="en-US" dirty="0" smtClean="0"/>
-              <a:t>PDF display and </a:t>
-            </a:r>
-            <a:r>
-              <a:rPr lang="en-US" dirty="0" smtClean="0"/>
-              <a:t>usage</a:t>
+              <a:t>PDF display and usage</a:t>
             </a:r>
           </a:p>
           <a:p>
@@ -7940,7 +7952,6 @@
               <a:rPr lang="en-US" dirty="0" smtClean="0"/>
               <a:t>Tablet and Mobile Device Compatibility</a:t>
             </a:r>
-            <a:endParaRPr lang="en-US" dirty="0" smtClean="0"/>
           </a:p>
           <a:p>
             <a:endParaRPr lang="en-US" dirty="0" smtClean="0"/>
@@ -8571,15 +8582,7 @@
           <a:p>
             <a:r>
               <a:rPr lang="en-US" dirty="0" smtClean="0"/>
-              <a:t>Using two Mac’s and </a:t>
-            </a:r>
-            <a:r>
-              <a:rPr lang="en-US" dirty="0" smtClean="0"/>
-              <a:t>two PCs </a:t>
-            </a:r>
-            <a:r>
-              <a:rPr lang="en-US" dirty="0" smtClean="0"/>
-              <a:t>for development</a:t>
+              <a:t>Using two Mac’s and two PCs for development</a:t>
             </a:r>
           </a:p>
           <a:p>
@@ -8599,13 +8602,8 @@
             <a:pPr lvl="1"/>
             <a:r>
               <a:rPr lang="en-US" dirty="0" smtClean="0"/>
-              <a:t>Samsung Galaxy SIII, Nexus </a:t>
-            </a:r>
-            <a:r>
-              <a:rPr lang="en-US" dirty="0" smtClean="0"/>
-              <a:t>7, Droid Pro II</a:t>
-            </a:r>
-            <a:endParaRPr lang="en-US" dirty="0" smtClean="0"/>
+              <a:t>Samsung Galaxy SIII, Nexus 7, Droid Pro II</a:t>
+            </a:r>
           </a:p>
           <a:p>
             <a:r>
@@ -8641,7 +8639,6 @@
               <a:rPr lang="en-US" dirty="0" smtClean="0"/>
               <a:t>API via JSON</a:t>
             </a:r>
-            <a:endParaRPr lang="en-US" dirty="0" smtClean="0"/>
           </a:p>
           <a:p>
             <a:r>
